--- a/Lecture_4-Geometric-Linear-Algebra/Geometric-Linear-Algebra.pptx
+++ b/Lecture_4-Geometric-Linear-Algebra/Geometric-Linear-Algebra.pptx
@@ -5,10 +5,10 @@
     <p:sldMasterId id="2147483648" r:id="rId1"/>
   </p:sldMasterIdLst>
   <p:notesMasterIdLst>
-    <p:notesMasterId r:id="rId20"/>
+    <p:notesMasterId r:id="rId21"/>
   </p:notesMasterIdLst>
   <p:handoutMasterIdLst>
-    <p:handoutMasterId r:id="rId21"/>
+    <p:handoutMasterId r:id="rId22"/>
   </p:handoutMasterIdLst>
   <p:sldIdLst>
     <p:sldId id="256" r:id="rId2"/>
@@ -20,15 +20,16 @@
     <p:sldId id="506" r:id="rId8"/>
     <p:sldId id="487" r:id="rId9"/>
     <p:sldId id="505" r:id="rId10"/>
-    <p:sldId id="498" r:id="rId11"/>
-    <p:sldId id="491" r:id="rId12"/>
-    <p:sldId id="500" r:id="rId13"/>
-    <p:sldId id="499" r:id="rId14"/>
-    <p:sldId id="501" r:id="rId15"/>
-    <p:sldId id="502" r:id="rId16"/>
-    <p:sldId id="503" r:id="rId17"/>
-    <p:sldId id="504" r:id="rId18"/>
-    <p:sldId id="490" r:id="rId19"/>
+    <p:sldId id="507" r:id="rId11"/>
+    <p:sldId id="498" r:id="rId12"/>
+    <p:sldId id="491" r:id="rId13"/>
+    <p:sldId id="500" r:id="rId14"/>
+    <p:sldId id="499" r:id="rId15"/>
+    <p:sldId id="501" r:id="rId16"/>
+    <p:sldId id="502" r:id="rId17"/>
+    <p:sldId id="503" r:id="rId18"/>
+    <p:sldId id="504" r:id="rId19"/>
+    <p:sldId id="490" r:id="rId20"/>
   </p:sldIdLst>
   <p:sldSz cx="9144000" cy="6858000" type="screen4x3"/>
   <p:notesSz cx="6858000" cy="9144000"/>
@@ -291,7 +292,7 @@
               <a:pPr>
                 <a:defRPr/>
               </a:pPr>
-              <a:t>3/24/22</a:t>
+              <a:t>3/28/22</a:t>
             </a:fld>
             <a:endParaRPr lang="en-US" altLang="x-none"/>
           </a:p>
@@ -500,7 +501,7 @@
               <a:pPr>
                 <a:defRPr/>
               </a:pPr>
-              <a:t>3/24/22</a:t>
+              <a:t>3/28/22</a:t>
             </a:fld>
             <a:endParaRPr lang="en-US" altLang="x-none"/>
           </a:p>
@@ -1586,7 +1587,7 @@
               <a:pPr>
                 <a:defRPr/>
               </a:pPr>
-              <a:t>10</a:t>
+              <a:t>11</a:t>
             </a:fld>
             <a:endParaRPr lang="en-US" altLang="x-none"/>
           </a:p>
@@ -1679,7 +1680,7 @@
               <a:pPr>
                 <a:defRPr/>
               </a:pPr>
-              <a:t>15</a:t>
+              <a:t>16</a:t>
             </a:fld>
             <a:endParaRPr lang="en-US" altLang="x-none"/>
           </a:p>
@@ -1772,7 +1773,7 @@
               <a:pPr>
                 <a:defRPr/>
               </a:pPr>
-              <a:t>16</a:t>
+              <a:t>17</a:t>
             </a:fld>
             <a:endParaRPr lang="en-US" altLang="x-none"/>
           </a:p>
@@ -6100,6 +6101,1789 @@
           <a:chExt cx="0" cy="0"/>
         </a:xfrm>
       </p:grpSpPr>
+      <p:sp>
+        <p:nvSpPr>
+          <p:cNvPr id="2" name="Title 1">
+            <a:extLst>
+              <a:ext uri="{FF2B5EF4-FFF2-40B4-BE49-F238E27FC236}">
+                <a16:creationId xmlns:a16="http://schemas.microsoft.com/office/drawing/2014/main" id="{6F0D3A74-A266-114E-B9A2-702A3E4C2C32}"/>
+              </a:ext>
+            </a:extLst>
+          </p:cNvPr>
+          <p:cNvSpPr>
+            <a:spLocks noGrp="1"/>
+          </p:cNvSpPr>
+          <p:nvPr>
+            <p:ph type="title"/>
+          </p:nvPr>
+        </p:nvSpPr>
+        <p:spPr/>
+        <p:txBody>
+          <a:bodyPr/>
+          <a:lstStyle/>
+          <a:p>
+            <a:endParaRPr lang="en-US"/>
+          </a:p>
+        </p:txBody>
+      </p:sp>
+      <p:sp>
+        <p:nvSpPr>
+          <p:cNvPr id="3" name="Slide Number Placeholder 2">
+            <a:extLst>
+              <a:ext uri="{FF2B5EF4-FFF2-40B4-BE49-F238E27FC236}">
+                <a16:creationId xmlns:a16="http://schemas.microsoft.com/office/drawing/2014/main" id="{9CE4FCAF-5DF6-B242-B7C5-AAC261A7623C}"/>
+              </a:ext>
+            </a:extLst>
+          </p:cNvPr>
+          <p:cNvSpPr>
+            <a:spLocks noGrp="1"/>
+          </p:cNvSpPr>
+          <p:nvPr>
+            <p:ph type="sldNum" sz="quarter" idx="11"/>
+          </p:nvPr>
+        </p:nvSpPr>
+        <p:spPr/>
+        <p:txBody>
+          <a:bodyPr/>
+          <a:lstStyle/>
+          <a:p>
+            <a:pPr>
+              <a:defRPr/>
+            </a:pPr>
+            <a:fld id="{2E4304A7-0FB2-4094-BC1E-DB17183AD0C1}" type="slidenum">
+              <a:rPr lang="en-US" altLang="x-none" smtClean="0"/>
+              <a:pPr>
+                <a:defRPr/>
+              </a:pPr>
+              <a:t>10</a:t>
+            </a:fld>
+            <a:endParaRPr lang="en-US" altLang="x-none"/>
+          </a:p>
+        </p:txBody>
+      </p:sp>
+      <mc:AlternateContent xmlns:mc="http://schemas.openxmlformats.org/markup-compatibility/2006">
+        <mc:Choice xmlns:a14="http://schemas.microsoft.com/office/drawing/2010/main" Requires="a14">
+          <p:sp>
+            <p:nvSpPr>
+              <p:cNvPr id="5" name="TextBox 4">
+                <a:extLst>
+                  <a:ext uri="{FF2B5EF4-FFF2-40B4-BE49-F238E27FC236}">
+                    <a16:creationId xmlns:a16="http://schemas.microsoft.com/office/drawing/2014/main" id="{3BAFAD0D-511C-4648-8D51-A763616BD51C}"/>
+                  </a:ext>
+                </a:extLst>
+              </p:cNvPr>
+              <p:cNvSpPr txBox="1"/>
+              <p:nvPr/>
+            </p:nvSpPr>
+            <p:spPr>
+              <a:xfrm>
+                <a:off x="975239" y="2279203"/>
+                <a:ext cx="4834978" cy="963662"/>
+              </a:xfrm>
+              <a:prstGeom prst="rect">
+                <a:avLst/>
+              </a:prstGeom>
+              <a:noFill/>
+            </p:spPr>
+            <p:txBody>
+              <a:bodyPr wrap="none" lIns="0" tIns="0" rIns="0" bIns="0" rtlCol="0">
+                <a:spAutoFit/>
+              </a:bodyPr>
+              <a:lstStyle/>
+              <a:p>
+                <a14:m>
+                  <m:oMathPara xmlns:m="http://schemas.openxmlformats.org/officeDocument/2006/math">
+                    <m:oMathParaPr>
+                      <m:jc m:val="centerGroup"/>
+                    </m:oMathParaPr>
+                    <m:oMath xmlns:m="http://schemas.openxmlformats.org/officeDocument/2006/math">
+                      <m:r>
+                        <a:rPr lang="en-US" b="1" i="1" smtClean="0">
+                          <a:latin typeface="Cambria Math" panose="02040503050406030204" pitchFamily="18" charset="0"/>
+                        </a:rPr>
+                        <m:t>𝑨</m:t>
+                      </m:r>
+                      <m:r>
+                        <a:rPr lang="en-US" b="0" i="1" smtClean="0">
+                          <a:latin typeface="Cambria Math" panose="02040503050406030204" pitchFamily="18" charset="0"/>
+                        </a:rPr>
+                        <m:t>=</m:t>
+                      </m:r>
+                      <m:d>
+                        <m:dPr>
+                          <m:begChr m:val="["/>
+                          <m:endChr m:val="]"/>
+                          <m:ctrlPr>
+                            <a:rPr lang="en-US" b="0" i="1" smtClean="0">
+                              <a:latin typeface="Cambria Math" panose="02040503050406030204" pitchFamily="18" charset="0"/>
+                            </a:rPr>
+                          </m:ctrlPr>
+                        </m:dPr>
+                        <m:e>
+                          <m:m>
+                            <m:mPr>
+                              <m:mcs>
+                                <m:mc>
+                                  <m:mcPr>
+                                    <m:count m:val="2"/>
+                                    <m:mcJc m:val="center"/>
+                                  </m:mcPr>
+                                </m:mc>
+                              </m:mcs>
+                              <m:ctrlPr>
+                                <a:rPr lang="en-US" b="0" i="1" smtClean="0">
+                                  <a:latin typeface="Cambria Math" panose="02040503050406030204" pitchFamily="18" charset="0"/>
+                                </a:rPr>
+                              </m:ctrlPr>
+                            </m:mPr>
+                            <m:mr>
+                              <m:e>
+                                <m:m>
+                                  <m:mPr>
+                                    <m:mcs>
+                                      <m:mc>
+                                        <m:mcPr>
+                                          <m:count m:val="2"/>
+                                          <m:mcJc m:val="center"/>
+                                        </m:mcPr>
+                                      </m:mc>
+                                    </m:mcs>
+                                    <m:ctrlPr>
+                                      <a:rPr lang="en-US" i="1">
+                                        <a:latin typeface="Cambria Math" panose="02040503050406030204" pitchFamily="18" charset="0"/>
+                                      </a:rPr>
+                                    </m:ctrlPr>
+                                  </m:mPr>
+                                  <m:mr>
+                                    <m:e>
+                                      <m:r>
+                                        <m:rPr>
+                                          <m:brk m:alnAt="7"/>
+                                        </m:rPr>
+                                        <a:rPr lang="en-US" b="0" i="1" smtClean="0">
+                                          <a:latin typeface="Cambria Math" panose="02040503050406030204" pitchFamily="18" charset="0"/>
+                                        </a:rPr>
+                                        <m:t>1</m:t>
+                                      </m:r>
+                                    </m:e>
+                                    <m:e>
+                                      <m:r>
+                                        <a:rPr lang="en-US" b="0" i="1" smtClean="0">
+                                          <a:latin typeface="Cambria Math" panose="02040503050406030204" pitchFamily="18" charset="0"/>
+                                        </a:rPr>
+                                        <m:t>0</m:t>
+                                      </m:r>
+                                    </m:e>
+                                  </m:mr>
+                                  <m:mr>
+                                    <m:e>
+                                      <m:r>
+                                        <a:rPr lang="en-US" b="0" i="1" smtClean="0">
+                                          <a:latin typeface="Cambria Math" panose="02040503050406030204" pitchFamily="18" charset="0"/>
+                                        </a:rPr>
+                                        <m:t>0</m:t>
+                                      </m:r>
+                                    </m:e>
+                                    <m:e>
+                                      <m:r>
+                                        <a:rPr lang="en-US" b="0" i="1" smtClean="0">
+                                          <a:latin typeface="Cambria Math" panose="02040503050406030204" pitchFamily="18" charset="0"/>
+                                        </a:rPr>
+                                        <m:t>2</m:t>
+                                      </m:r>
+                                    </m:e>
+                                  </m:mr>
+                                </m:m>
+                              </m:e>
+                              <m:e>
+                                <m:m>
+                                  <m:mPr>
+                                    <m:mcs>
+                                      <m:mc>
+                                        <m:mcPr>
+                                          <m:count m:val="2"/>
+                                          <m:mcJc m:val="center"/>
+                                        </m:mcPr>
+                                      </m:mc>
+                                    </m:mcs>
+                                    <m:ctrlPr>
+                                      <a:rPr lang="en-US" i="1">
+                                        <a:latin typeface="Cambria Math" panose="02040503050406030204" pitchFamily="18" charset="0"/>
+                                      </a:rPr>
+                                    </m:ctrlPr>
+                                  </m:mPr>
+                                  <m:mr>
+                                    <m:e>
+                                      <m:r>
+                                        <m:rPr>
+                                          <m:brk m:alnAt="7"/>
+                                        </m:rPr>
+                                        <a:rPr lang="en-US" b="0" i="1" smtClean="0">
+                                          <a:latin typeface="Cambria Math" panose="02040503050406030204" pitchFamily="18" charset="0"/>
+                                        </a:rPr>
+                                        <m:t>0</m:t>
+                                      </m:r>
+                                    </m:e>
+                                    <m:e>
+                                      <m:r>
+                                        <a:rPr lang="en-US" b="0" i="1" smtClean="0">
+                                          <a:latin typeface="Cambria Math" panose="02040503050406030204" pitchFamily="18" charset="0"/>
+                                        </a:rPr>
+                                        <m:t>0</m:t>
+                                      </m:r>
+                                    </m:e>
+                                  </m:mr>
+                                  <m:mr>
+                                    <m:e>
+                                      <m:r>
+                                        <a:rPr lang="en-US" b="0" i="1" smtClean="0">
+                                          <a:latin typeface="Cambria Math" panose="02040503050406030204" pitchFamily="18" charset="0"/>
+                                        </a:rPr>
+                                        <m:t>0</m:t>
+                                      </m:r>
+                                    </m:e>
+                                    <m:e>
+                                      <m:r>
+                                        <a:rPr lang="en-US" b="0" i="1" smtClean="0">
+                                          <a:latin typeface="Cambria Math" panose="02040503050406030204" pitchFamily="18" charset="0"/>
+                                        </a:rPr>
+                                        <m:t>0</m:t>
+                                      </m:r>
+                                    </m:e>
+                                  </m:mr>
+                                </m:m>
+                              </m:e>
+                            </m:mr>
+                            <m:mr>
+                              <m:e>
+                                <m:m>
+                                  <m:mPr>
+                                    <m:mcs>
+                                      <m:mc>
+                                        <m:mcPr>
+                                          <m:count m:val="2"/>
+                                          <m:mcJc m:val="center"/>
+                                        </m:mcPr>
+                                      </m:mc>
+                                    </m:mcs>
+                                    <m:ctrlPr>
+                                      <a:rPr lang="en-US" i="1">
+                                        <a:latin typeface="Cambria Math" panose="02040503050406030204" pitchFamily="18" charset="0"/>
+                                      </a:rPr>
+                                    </m:ctrlPr>
+                                  </m:mPr>
+                                  <m:mr>
+                                    <m:e>
+                                      <m:r>
+                                        <m:rPr>
+                                          <m:brk m:alnAt="7"/>
+                                        </m:rPr>
+                                        <a:rPr lang="en-US" b="0" i="1" smtClean="0">
+                                          <a:latin typeface="Cambria Math" panose="02040503050406030204" pitchFamily="18" charset="0"/>
+                                        </a:rPr>
+                                        <m:t>0</m:t>
+                                      </m:r>
+                                    </m:e>
+                                    <m:e>
+                                      <m:r>
+                                        <a:rPr lang="en-US" b="0" i="1" smtClean="0">
+                                          <a:latin typeface="Cambria Math" panose="02040503050406030204" pitchFamily="18" charset="0"/>
+                                        </a:rPr>
+                                        <m:t>0</m:t>
+                                      </m:r>
+                                    </m:e>
+                                  </m:mr>
+                                  <m:mr>
+                                    <m:e>
+                                      <m:r>
+                                        <a:rPr lang="en-US" b="0" i="1" smtClean="0">
+                                          <a:latin typeface="Cambria Math" panose="02040503050406030204" pitchFamily="18" charset="0"/>
+                                        </a:rPr>
+                                        <m:t>0</m:t>
+                                      </m:r>
+                                    </m:e>
+                                    <m:e>
+                                      <m:r>
+                                        <a:rPr lang="en-US" b="0" i="1" smtClean="0">
+                                          <a:latin typeface="Cambria Math" panose="02040503050406030204" pitchFamily="18" charset="0"/>
+                                        </a:rPr>
+                                        <m:t>0</m:t>
+                                      </m:r>
+                                    </m:e>
+                                  </m:mr>
+                                </m:m>
+                              </m:e>
+                              <m:e>
+                                <m:m>
+                                  <m:mPr>
+                                    <m:mcs>
+                                      <m:mc>
+                                        <m:mcPr>
+                                          <m:count m:val="2"/>
+                                          <m:mcJc m:val="center"/>
+                                        </m:mcPr>
+                                      </m:mc>
+                                    </m:mcs>
+                                    <m:ctrlPr>
+                                      <a:rPr lang="en-US" i="1">
+                                        <a:latin typeface="Cambria Math" panose="02040503050406030204" pitchFamily="18" charset="0"/>
+                                      </a:rPr>
+                                    </m:ctrlPr>
+                                  </m:mPr>
+                                  <m:mr>
+                                    <m:e>
+                                      <m:r>
+                                        <m:rPr>
+                                          <m:brk m:alnAt="7"/>
+                                        </m:rPr>
+                                        <a:rPr lang="en-US" b="0" i="1" smtClean="0">
+                                          <a:latin typeface="Cambria Math" panose="02040503050406030204" pitchFamily="18" charset="0"/>
+                                        </a:rPr>
+                                        <m:t>3</m:t>
+                                      </m:r>
+                                    </m:e>
+                                    <m:e>
+                                      <m:r>
+                                        <a:rPr lang="en-US" b="0" i="1" smtClean="0">
+                                          <a:latin typeface="Cambria Math" panose="02040503050406030204" pitchFamily="18" charset="0"/>
+                                        </a:rPr>
+                                        <m:t>0</m:t>
+                                      </m:r>
+                                    </m:e>
+                                  </m:mr>
+                                  <m:mr>
+                                    <m:e>
+                                      <m:r>
+                                        <a:rPr lang="en-US" b="0" i="1" smtClean="0">
+                                          <a:latin typeface="Cambria Math" panose="02040503050406030204" pitchFamily="18" charset="0"/>
+                                        </a:rPr>
+                                        <m:t>0</m:t>
+                                      </m:r>
+                                    </m:e>
+                                    <m:e>
+                                      <m:r>
+                                        <a:rPr lang="en-US" b="0" i="1" smtClean="0">
+                                          <a:latin typeface="Cambria Math" panose="02040503050406030204" pitchFamily="18" charset="0"/>
+                                        </a:rPr>
+                                        <m:t>4</m:t>
+                                      </m:r>
+                                    </m:e>
+                                  </m:mr>
+                                </m:m>
+                              </m:e>
+                            </m:mr>
+                          </m:m>
+                        </m:e>
+                      </m:d>
+                      <m:r>
+                        <a:rPr lang="en-US" b="0" i="1" smtClean="0">
+                          <a:latin typeface="Cambria Math" panose="02040503050406030204" pitchFamily="18" charset="0"/>
+                        </a:rPr>
+                        <m:t>,  </m:t>
+                      </m:r>
+                      <m:r>
+                        <a:rPr lang="en-US" b="1" i="1" smtClean="0">
+                          <a:latin typeface="Cambria Math" panose="02040503050406030204" pitchFamily="18" charset="0"/>
+                        </a:rPr>
+                        <m:t>𝑩</m:t>
+                      </m:r>
+                      <m:r>
+                        <a:rPr lang="en-US" b="0" i="1" smtClean="0">
+                          <a:latin typeface="Cambria Math" panose="02040503050406030204" pitchFamily="18" charset="0"/>
+                        </a:rPr>
+                        <m:t>=</m:t>
+                      </m:r>
+                      <m:d>
+                        <m:dPr>
+                          <m:begChr m:val="["/>
+                          <m:endChr m:val="]"/>
+                          <m:ctrlPr>
+                            <a:rPr lang="en-US" i="1">
+                              <a:latin typeface="Cambria Math" panose="02040503050406030204" pitchFamily="18" charset="0"/>
+                            </a:rPr>
+                          </m:ctrlPr>
+                        </m:dPr>
+                        <m:e>
+                          <m:m>
+                            <m:mPr>
+                              <m:mcs>
+                                <m:mc>
+                                  <m:mcPr>
+                                    <m:count m:val="2"/>
+                                    <m:mcJc m:val="center"/>
+                                  </m:mcPr>
+                                </m:mc>
+                              </m:mcs>
+                              <m:ctrlPr>
+                                <a:rPr lang="en-US" i="1">
+                                  <a:latin typeface="Cambria Math" panose="02040503050406030204" pitchFamily="18" charset="0"/>
+                                </a:rPr>
+                              </m:ctrlPr>
+                            </m:mPr>
+                            <m:mr>
+                              <m:e>
+                                <m:m>
+                                  <m:mPr>
+                                    <m:mcs>
+                                      <m:mc>
+                                        <m:mcPr>
+                                          <m:count m:val="2"/>
+                                          <m:mcJc m:val="center"/>
+                                        </m:mcPr>
+                                      </m:mc>
+                                    </m:mcs>
+                                    <m:ctrlPr>
+                                      <a:rPr lang="en-US" i="1">
+                                        <a:latin typeface="Cambria Math" panose="02040503050406030204" pitchFamily="18" charset="0"/>
+                                      </a:rPr>
+                                    </m:ctrlPr>
+                                  </m:mPr>
+                                  <m:mr>
+                                    <m:e>
+                                      <m:r>
+                                        <m:rPr>
+                                          <m:brk m:alnAt="7"/>
+                                        </m:rPr>
+                                        <a:rPr lang="en-US" i="1">
+                                          <a:latin typeface="Cambria Math" panose="02040503050406030204" pitchFamily="18" charset="0"/>
+                                        </a:rPr>
+                                        <m:t>1</m:t>
+                                      </m:r>
+                                      <m:r>
+                                        <a:rPr lang="en-US" b="0" i="1" smtClean="0">
+                                          <a:latin typeface="Cambria Math" panose="02040503050406030204" pitchFamily="18" charset="0"/>
+                                        </a:rPr>
+                                        <m:t>0</m:t>
+                                      </m:r>
+                                    </m:e>
+                                    <m:e>
+                                      <m:r>
+                                        <a:rPr lang="en-US" i="1">
+                                          <a:latin typeface="Cambria Math" panose="02040503050406030204" pitchFamily="18" charset="0"/>
+                                        </a:rPr>
+                                        <m:t>0</m:t>
+                                      </m:r>
+                                    </m:e>
+                                  </m:mr>
+                                  <m:mr>
+                                    <m:e>
+                                      <m:r>
+                                        <a:rPr lang="en-US" i="1">
+                                          <a:latin typeface="Cambria Math" panose="02040503050406030204" pitchFamily="18" charset="0"/>
+                                        </a:rPr>
+                                        <m:t>0</m:t>
+                                      </m:r>
+                                    </m:e>
+                                    <m:e>
+                                      <m:r>
+                                        <a:rPr lang="en-US" i="1">
+                                          <a:latin typeface="Cambria Math" panose="02040503050406030204" pitchFamily="18" charset="0"/>
+                                        </a:rPr>
+                                        <m:t>2</m:t>
+                                      </m:r>
+                                      <m:r>
+                                        <a:rPr lang="en-US" b="0" i="1" smtClean="0">
+                                          <a:latin typeface="Cambria Math" panose="02040503050406030204" pitchFamily="18" charset="0"/>
+                                        </a:rPr>
+                                        <m:t>0</m:t>
+                                      </m:r>
+                                    </m:e>
+                                  </m:mr>
+                                </m:m>
+                              </m:e>
+                              <m:e>
+                                <m:m>
+                                  <m:mPr>
+                                    <m:mcs>
+                                      <m:mc>
+                                        <m:mcPr>
+                                          <m:count m:val="2"/>
+                                          <m:mcJc m:val="center"/>
+                                        </m:mcPr>
+                                      </m:mc>
+                                    </m:mcs>
+                                    <m:ctrlPr>
+                                      <a:rPr lang="en-US" i="1">
+                                        <a:latin typeface="Cambria Math" panose="02040503050406030204" pitchFamily="18" charset="0"/>
+                                      </a:rPr>
+                                    </m:ctrlPr>
+                                  </m:mPr>
+                                  <m:mr>
+                                    <m:e>
+                                      <m:r>
+                                        <m:rPr>
+                                          <m:brk m:alnAt="7"/>
+                                        </m:rPr>
+                                        <a:rPr lang="en-US" i="1">
+                                          <a:latin typeface="Cambria Math" panose="02040503050406030204" pitchFamily="18" charset="0"/>
+                                        </a:rPr>
+                                        <m:t>0</m:t>
+                                      </m:r>
+                                    </m:e>
+                                    <m:e>
+                                      <m:r>
+                                        <a:rPr lang="en-US" i="1">
+                                          <a:latin typeface="Cambria Math" panose="02040503050406030204" pitchFamily="18" charset="0"/>
+                                        </a:rPr>
+                                        <m:t>0</m:t>
+                                      </m:r>
+                                    </m:e>
+                                  </m:mr>
+                                  <m:mr>
+                                    <m:e>
+                                      <m:r>
+                                        <a:rPr lang="en-US" i="1">
+                                          <a:latin typeface="Cambria Math" panose="02040503050406030204" pitchFamily="18" charset="0"/>
+                                        </a:rPr>
+                                        <m:t>0</m:t>
+                                      </m:r>
+                                    </m:e>
+                                    <m:e>
+                                      <m:r>
+                                        <a:rPr lang="en-US" i="1">
+                                          <a:latin typeface="Cambria Math" panose="02040503050406030204" pitchFamily="18" charset="0"/>
+                                        </a:rPr>
+                                        <m:t>0</m:t>
+                                      </m:r>
+                                    </m:e>
+                                  </m:mr>
+                                </m:m>
+                              </m:e>
+                            </m:mr>
+                            <m:mr>
+                              <m:e>
+                                <m:m>
+                                  <m:mPr>
+                                    <m:mcs>
+                                      <m:mc>
+                                        <m:mcPr>
+                                          <m:count m:val="2"/>
+                                          <m:mcJc m:val="center"/>
+                                        </m:mcPr>
+                                      </m:mc>
+                                    </m:mcs>
+                                    <m:ctrlPr>
+                                      <a:rPr lang="en-US" i="1">
+                                        <a:latin typeface="Cambria Math" panose="02040503050406030204" pitchFamily="18" charset="0"/>
+                                      </a:rPr>
+                                    </m:ctrlPr>
+                                  </m:mPr>
+                                  <m:mr>
+                                    <m:e>
+                                      <m:r>
+                                        <m:rPr>
+                                          <m:brk m:alnAt="7"/>
+                                        </m:rPr>
+                                        <a:rPr lang="en-US" i="1">
+                                          <a:latin typeface="Cambria Math" panose="02040503050406030204" pitchFamily="18" charset="0"/>
+                                        </a:rPr>
+                                        <m:t>0</m:t>
+                                      </m:r>
+                                    </m:e>
+                                    <m:e>
+                                      <m:r>
+                                        <a:rPr lang="en-US" i="1">
+                                          <a:latin typeface="Cambria Math" panose="02040503050406030204" pitchFamily="18" charset="0"/>
+                                        </a:rPr>
+                                        <m:t>0</m:t>
+                                      </m:r>
+                                    </m:e>
+                                  </m:mr>
+                                  <m:mr>
+                                    <m:e>
+                                      <m:r>
+                                        <a:rPr lang="en-US" i="1">
+                                          <a:latin typeface="Cambria Math" panose="02040503050406030204" pitchFamily="18" charset="0"/>
+                                        </a:rPr>
+                                        <m:t>0</m:t>
+                                      </m:r>
+                                    </m:e>
+                                    <m:e>
+                                      <m:r>
+                                        <a:rPr lang="en-US" i="1">
+                                          <a:latin typeface="Cambria Math" panose="02040503050406030204" pitchFamily="18" charset="0"/>
+                                        </a:rPr>
+                                        <m:t>0</m:t>
+                                      </m:r>
+                                    </m:e>
+                                  </m:mr>
+                                </m:m>
+                              </m:e>
+                              <m:e>
+                                <m:m>
+                                  <m:mPr>
+                                    <m:mcs>
+                                      <m:mc>
+                                        <m:mcPr>
+                                          <m:count m:val="2"/>
+                                          <m:mcJc m:val="center"/>
+                                        </m:mcPr>
+                                      </m:mc>
+                                    </m:mcs>
+                                    <m:ctrlPr>
+                                      <a:rPr lang="en-US" i="1">
+                                        <a:latin typeface="Cambria Math" panose="02040503050406030204" pitchFamily="18" charset="0"/>
+                                      </a:rPr>
+                                    </m:ctrlPr>
+                                  </m:mPr>
+                                  <m:mr>
+                                    <m:e>
+                                      <m:r>
+                                        <m:rPr>
+                                          <m:brk m:alnAt="7"/>
+                                        </m:rPr>
+                                        <a:rPr lang="en-US" i="1">
+                                          <a:latin typeface="Cambria Math" panose="02040503050406030204" pitchFamily="18" charset="0"/>
+                                        </a:rPr>
+                                        <m:t>3</m:t>
+                                      </m:r>
+                                      <m:r>
+                                        <a:rPr lang="en-US" b="0" i="1" smtClean="0">
+                                          <a:latin typeface="Cambria Math" panose="02040503050406030204" pitchFamily="18" charset="0"/>
+                                        </a:rPr>
+                                        <m:t>0</m:t>
+                                      </m:r>
+                                    </m:e>
+                                    <m:e>
+                                      <m:r>
+                                        <a:rPr lang="en-US" i="1">
+                                          <a:latin typeface="Cambria Math" panose="02040503050406030204" pitchFamily="18" charset="0"/>
+                                        </a:rPr>
+                                        <m:t>0</m:t>
+                                      </m:r>
+                                    </m:e>
+                                  </m:mr>
+                                  <m:mr>
+                                    <m:e>
+                                      <m:r>
+                                        <a:rPr lang="en-US" i="1">
+                                          <a:latin typeface="Cambria Math" panose="02040503050406030204" pitchFamily="18" charset="0"/>
+                                        </a:rPr>
+                                        <m:t>0</m:t>
+                                      </m:r>
+                                    </m:e>
+                                    <m:e>
+                                      <m:r>
+                                        <a:rPr lang="en-US" i="1">
+                                          <a:latin typeface="Cambria Math" panose="02040503050406030204" pitchFamily="18" charset="0"/>
+                                        </a:rPr>
+                                        <m:t>4</m:t>
+                                      </m:r>
+                                      <m:r>
+                                        <a:rPr lang="en-US" b="0" i="1" smtClean="0">
+                                          <a:latin typeface="Cambria Math" panose="02040503050406030204" pitchFamily="18" charset="0"/>
+                                        </a:rPr>
+                                        <m:t>0</m:t>
+                                      </m:r>
+                                    </m:e>
+                                  </m:mr>
+                                </m:m>
+                              </m:e>
+                            </m:mr>
+                          </m:m>
+                        </m:e>
+                      </m:d>
+                    </m:oMath>
+                  </m:oMathPara>
+                </a14:m>
+                <a:endParaRPr lang="en-US" b="1" dirty="0"/>
+              </a:p>
+            </p:txBody>
+          </p:sp>
+        </mc:Choice>
+        <mc:Fallback>
+          <p:sp>
+            <p:nvSpPr>
+              <p:cNvPr id="5" name="TextBox 4">
+                <a:extLst>
+                  <a:ext uri="{FF2B5EF4-FFF2-40B4-BE49-F238E27FC236}">
+                    <a16:creationId xmlns:a16="http://schemas.microsoft.com/office/drawing/2014/main" id="{3BAFAD0D-511C-4648-8D51-A763616BD51C}"/>
+                  </a:ext>
+                </a:extLst>
+              </p:cNvPr>
+              <p:cNvSpPr txBox="1">
+                <a:spLocks noRot="1" noChangeAspect="1" noMove="1" noResize="1" noEditPoints="1" noAdjustHandles="1" noChangeArrowheads="1" noChangeShapeType="1" noTextEdit="1"/>
+              </p:cNvSpPr>
+              <p:nvPr/>
+            </p:nvSpPr>
+            <p:spPr>
+              <a:xfrm>
+                <a:off x="975239" y="2279203"/>
+                <a:ext cx="4834978" cy="963662"/>
+              </a:xfrm>
+              <a:prstGeom prst="rect">
+                <a:avLst/>
+              </a:prstGeom>
+              <a:blipFill>
+                <a:blip r:embed="rId2"/>
+                <a:stretch>
+                  <a:fillRect l="-524" b="-6494"/>
+                </a:stretch>
+              </a:blipFill>
+            </p:spPr>
+            <p:txBody>
+              <a:bodyPr/>
+              <a:lstStyle/>
+              <a:p>
+                <a:r>
+                  <a:rPr lang="en-US">
+                    <a:noFill/>
+                  </a:rPr>
+                  <a:t> </a:t>
+                </a:r>
+              </a:p>
+            </p:txBody>
+          </p:sp>
+        </mc:Fallback>
+      </mc:AlternateContent>
+      <mc:AlternateContent xmlns:mc="http://schemas.openxmlformats.org/markup-compatibility/2006">
+        <mc:Choice xmlns:a14="http://schemas.microsoft.com/office/drawing/2010/main" Requires="a14">
+          <p:sp>
+            <p:nvSpPr>
+              <p:cNvPr id="7" name="TextBox 6">
+                <a:extLst>
+                  <a:ext uri="{FF2B5EF4-FFF2-40B4-BE49-F238E27FC236}">
+                    <a16:creationId xmlns:a16="http://schemas.microsoft.com/office/drawing/2014/main" id="{2BF87101-6DEF-1043-A86B-BAE7C704482C}"/>
+                  </a:ext>
+                </a:extLst>
+              </p:cNvPr>
+              <p:cNvSpPr txBox="1"/>
+              <p:nvPr/>
+            </p:nvSpPr>
+            <p:spPr>
+              <a:xfrm>
+                <a:off x="1232691" y="3681290"/>
+                <a:ext cx="6988773" cy="963662"/>
+              </a:xfrm>
+              <a:prstGeom prst="rect">
+                <a:avLst/>
+              </a:prstGeom>
+              <a:noFill/>
+            </p:spPr>
+            <p:txBody>
+              <a:bodyPr wrap="none" lIns="0" tIns="0" rIns="0" bIns="0" rtlCol="0">
+                <a:spAutoFit/>
+              </a:bodyPr>
+              <a:lstStyle/>
+              <a:p>
+                <a14:m>
+                  <m:oMathPara xmlns:m="http://schemas.openxmlformats.org/officeDocument/2006/math">
+                    <m:oMathParaPr>
+                      <m:jc m:val="centerGroup"/>
+                    </m:oMathParaPr>
+                    <m:oMath xmlns:m="http://schemas.openxmlformats.org/officeDocument/2006/math">
+                      <m:d>
+                        <m:dPr>
+                          <m:begChr m:val="["/>
+                          <m:endChr m:val="]"/>
+                          <m:ctrlPr>
+                            <a:rPr lang="en-US" i="1" smtClean="0">
+                              <a:latin typeface="Cambria Math" panose="02040503050406030204" pitchFamily="18" charset="0"/>
+                            </a:rPr>
+                          </m:ctrlPr>
+                        </m:dPr>
+                        <m:e>
+                          <m:m>
+                            <m:mPr>
+                              <m:mcs>
+                                <m:mc>
+                                  <m:mcPr>
+                                    <m:count m:val="2"/>
+                                    <m:mcJc m:val="center"/>
+                                  </m:mcPr>
+                                </m:mc>
+                              </m:mcs>
+                              <m:ctrlPr>
+                                <a:rPr lang="en-US" i="1">
+                                  <a:latin typeface="Cambria Math" panose="02040503050406030204" pitchFamily="18" charset="0"/>
+                                </a:rPr>
+                              </m:ctrlPr>
+                            </m:mPr>
+                            <m:mr>
+                              <m:e>
+                                <m:m>
+                                  <m:mPr>
+                                    <m:mcs>
+                                      <m:mc>
+                                        <m:mcPr>
+                                          <m:count m:val="2"/>
+                                          <m:mcJc m:val="center"/>
+                                        </m:mcPr>
+                                      </m:mc>
+                                    </m:mcs>
+                                    <m:ctrlPr>
+                                      <a:rPr lang="en-US" i="1">
+                                        <a:latin typeface="Cambria Math" panose="02040503050406030204" pitchFamily="18" charset="0"/>
+                                      </a:rPr>
+                                    </m:ctrlPr>
+                                  </m:mPr>
+                                  <m:mr>
+                                    <m:e>
+                                      <m:r>
+                                        <m:rPr>
+                                          <m:brk m:alnAt="7"/>
+                                        </m:rPr>
+                                        <a:rPr lang="en-US" i="1">
+                                          <a:latin typeface="Cambria Math" panose="02040503050406030204" pitchFamily="18" charset="0"/>
+                                        </a:rPr>
+                                        <m:t>1</m:t>
+                                      </m:r>
+                                    </m:e>
+                                    <m:e>
+                                      <m:r>
+                                        <a:rPr lang="en-US" i="1">
+                                          <a:latin typeface="Cambria Math" panose="02040503050406030204" pitchFamily="18" charset="0"/>
+                                        </a:rPr>
+                                        <m:t>0</m:t>
+                                      </m:r>
+                                    </m:e>
+                                  </m:mr>
+                                  <m:mr>
+                                    <m:e>
+                                      <m:r>
+                                        <a:rPr lang="en-US" i="1">
+                                          <a:latin typeface="Cambria Math" panose="02040503050406030204" pitchFamily="18" charset="0"/>
+                                        </a:rPr>
+                                        <m:t>0</m:t>
+                                      </m:r>
+                                    </m:e>
+                                    <m:e>
+                                      <m:r>
+                                        <a:rPr lang="en-US" i="1">
+                                          <a:latin typeface="Cambria Math" panose="02040503050406030204" pitchFamily="18" charset="0"/>
+                                        </a:rPr>
+                                        <m:t>2</m:t>
+                                      </m:r>
+                                    </m:e>
+                                  </m:mr>
+                                </m:m>
+                              </m:e>
+                              <m:e>
+                                <m:m>
+                                  <m:mPr>
+                                    <m:mcs>
+                                      <m:mc>
+                                        <m:mcPr>
+                                          <m:count m:val="2"/>
+                                          <m:mcJc m:val="center"/>
+                                        </m:mcPr>
+                                      </m:mc>
+                                    </m:mcs>
+                                    <m:ctrlPr>
+                                      <a:rPr lang="en-US" i="1">
+                                        <a:latin typeface="Cambria Math" panose="02040503050406030204" pitchFamily="18" charset="0"/>
+                                      </a:rPr>
+                                    </m:ctrlPr>
+                                  </m:mPr>
+                                  <m:mr>
+                                    <m:e>
+                                      <m:r>
+                                        <m:rPr>
+                                          <m:brk m:alnAt="7"/>
+                                        </m:rPr>
+                                        <a:rPr lang="en-US" i="1">
+                                          <a:latin typeface="Cambria Math" panose="02040503050406030204" pitchFamily="18" charset="0"/>
+                                        </a:rPr>
+                                        <m:t>0</m:t>
+                                      </m:r>
+                                    </m:e>
+                                    <m:e>
+                                      <m:r>
+                                        <a:rPr lang="en-US" i="1">
+                                          <a:latin typeface="Cambria Math" panose="02040503050406030204" pitchFamily="18" charset="0"/>
+                                        </a:rPr>
+                                        <m:t>0</m:t>
+                                      </m:r>
+                                    </m:e>
+                                  </m:mr>
+                                  <m:mr>
+                                    <m:e>
+                                      <m:r>
+                                        <a:rPr lang="en-US" i="1">
+                                          <a:latin typeface="Cambria Math" panose="02040503050406030204" pitchFamily="18" charset="0"/>
+                                        </a:rPr>
+                                        <m:t>0</m:t>
+                                      </m:r>
+                                    </m:e>
+                                    <m:e>
+                                      <m:r>
+                                        <a:rPr lang="en-US" i="1">
+                                          <a:latin typeface="Cambria Math" panose="02040503050406030204" pitchFamily="18" charset="0"/>
+                                        </a:rPr>
+                                        <m:t>0</m:t>
+                                      </m:r>
+                                    </m:e>
+                                  </m:mr>
+                                </m:m>
+                              </m:e>
+                            </m:mr>
+                            <m:mr>
+                              <m:e>
+                                <m:m>
+                                  <m:mPr>
+                                    <m:mcs>
+                                      <m:mc>
+                                        <m:mcPr>
+                                          <m:count m:val="2"/>
+                                          <m:mcJc m:val="center"/>
+                                        </m:mcPr>
+                                      </m:mc>
+                                    </m:mcs>
+                                    <m:ctrlPr>
+                                      <a:rPr lang="en-US" i="1">
+                                        <a:latin typeface="Cambria Math" panose="02040503050406030204" pitchFamily="18" charset="0"/>
+                                      </a:rPr>
+                                    </m:ctrlPr>
+                                  </m:mPr>
+                                  <m:mr>
+                                    <m:e>
+                                      <m:r>
+                                        <m:rPr>
+                                          <m:brk m:alnAt="7"/>
+                                        </m:rPr>
+                                        <a:rPr lang="en-US" i="1">
+                                          <a:latin typeface="Cambria Math" panose="02040503050406030204" pitchFamily="18" charset="0"/>
+                                        </a:rPr>
+                                        <m:t>0</m:t>
+                                      </m:r>
+                                    </m:e>
+                                    <m:e>
+                                      <m:r>
+                                        <a:rPr lang="en-US" i="1">
+                                          <a:latin typeface="Cambria Math" panose="02040503050406030204" pitchFamily="18" charset="0"/>
+                                        </a:rPr>
+                                        <m:t>0</m:t>
+                                      </m:r>
+                                    </m:e>
+                                  </m:mr>
+                                  <m:mr>
+                                    <m:e>
+                                      <m:r>
+                                        <a:rPr lang="en-US" i="1">
+                                          <a:latin typeface="Cambria Math" panose="02040503050406030204" pitchFamily="18" charset="0"/>
+                                        </a:rPr>
+                                        <m:t>0</m:t>
+                                      </m:r>
+                                    </m:e>
+                                    <m:e>
+                                      <m:r>
+                                        <a:rPr lang="en-US" i="1">
+                                          <a:latin typeface="Cambria Math" panose="02040503050406030204" pitchFamily="18" charset="0"/>
+                                        </a:rPr>
+                                        <m:t>0</m:t>
+                                      </m:r>
+                                    </m:e>
+                                  </m:mr>
+                                </m:m>
+                              </m:e>
+                              <m:e>
+                                <m:m>
+                                  <m:mPr>
+                                    <m:mcs>
+                                      <m:mc>
+                                        <m:mcPr>
+                                          <m:count m:val="2"/>
+                                          <m:mcJc m:val="center"/>
+                                        </m:mcPr>
+                                      </m:mc>
+                                    </m:mcs>
+                                    <m:ctrlPr>
+                                      <a:rPr lang="en-US" i="1">
+                                        <a:latin typeface="Cambria Math" panose="02040503050406030204" pitchFamily="18" charset="0"/>
+                                      </a:rPr>
+                                    </m:ctrlPr>
+                                  </m:mPr>
+                                  <m:mr>
+                                    <m:e>
+                                      <m:r>
+                                        <m:rPr>
+                                          <m:brk m:alnAt="7"/>
+                                        </m:rPr>
+                                        <a:rPr lang="en-US" i="1">
+                                          <a:latin typeface="Cambria Math" panose="02040503050406030204" pitchFamily="18" charset="0"/>
+                                        </a:rPr>
+                                        <m:t>3</m:t>
+                                      </m:r>
+                                    </m:e>
+                                    <m:e>
+                                      <m:r>
+                                        <a:rPr lang="en-US" i="1">
+                                          <a:latin typeface="Cambria Math" panose="02040503050406030204" pitchFamily="18" charset="0"/>
+                                        </a:rPr>
+                                        <m:t>0</m:t>
+                                      </m:r>
+                                    </m:e>
+                                  </m:mr>
+                                  <m:mr>
+                                    <m:e>
+                                      <m:r>
+                                        <a:rPr lang="en-US" i="1">
+                                          <a:latin typeface="Cambria Math" panose="02040503050406030204" pitchFamily="18" charset="0"/>
+                                        </a:rPr>
+                                        <m:t>0</m:t>
+                                      </m:r>
+                                    </m:e>
+                                    <m:e>
+                                      <m:r>
+                                        <a:rPr lang="en-US" i="1">
+                                          <a:latin typeface="Cambria Math" panose="02040503050406030204" pitchFamily="18" charset="0"/>
+                                        </a:rPr>
+                                        <m:t>4</m:t>
+                                      </m:r>
+                                    </m:e>
+                                  </m:mr>
+                                </m:m>
+                              </m:e>
+                            </m:mr>
+                          </m:m>
+                        </m:e>
+                      </m:d>
+                      <m:r>
+                        <a:rPr lang="en-US" b="0" i="1" smtClean="0">
+                          <a:latin typeface="Cambria Math" panose="02040503050406030204" pitchFamily="18" charset="0"/>
+                        </a:rPr>
+                        <m:t>×</m:t>
+                      </m:r>
+                      <m:d>
+                        <m:dPr>
+                          <m:begChr m:val="["/>
+                          <m:endChr m:val="]"/>
+                          <m:ctrlPr>
+                            <a:rPr lang="en-US" i="1">
+                              <a:latin typeface="Cambria Math" panose="02040503050406030204" pitchFamily="18" charset="0"/>
+                            </a:rPr>
+                          </m:ctrlPr>
+                        </m:dPr>
+                        <m:e>
+                          <m:m>
+                            <m:mPr>
+                              <m:mcs>
+                                <m:mc>
+                                  <m:mcPr>
+                                    <m:count m:val="2"/>
+                                    <m:mcJc m:val="center"/>
+                                  </m:mcPr>
+                                </m:mc>
+                              </m:mcs>
+                              <m:ctrlPr>
+                                <a:rPr lang="en-US" i="1">
+                                  <a:latin typeface="Cambria Math" panose="02040503050406030204" pitchFamily="18" charset="0"/>
+                                </a:rPr>
+                              </m:ctrlPr>
+                            </m:mPr>
+                            <m:mr>
+                              <m:e>
+                                <m:m>
+                                  <m:mPr>
+                                    <m:mcs>
+                                      <m:mc>
+                                        <m:mcPr>
+                                          <m:count m:val="2"/>
+                                          <m:mcJc m:val="center"/>
+                                        </m:mcPr>
+                                      </m:mc>
+                                    </m:mcs>
+                                    <m:ctrlPr>
+                                      <a:rPr lang="en-US" i="1">
+                                        <a:latin typeface="Cambria Math" panose="02040503050406030204" pitchFamily="18" charset="0"/>
+                                      </a:rPr>
+                                    </m:ctrlPr>
+                                  </m:mPr>
+                                  <m:mr>
+                                    <m:e>
+                                      <m:r>
+                                        <m:rPr>
+                                          <m:brk m:alnAt="7"/>
+                                        </m:rPr>
+                                        <a:rPr lang="en-US" i="1">
+                                          <a:latin typeface="Cambria Math" panose="02040503050406030204" pitchFamily="18" charset="0"/>
+                                        </a:rPr>
+                                        <m:t>1</m:t>
+                                      </m:r>
+                                      <m:r>
+                                        <a:rPr lang="en-US" i="1">
+                                          <a:latin typeface="Cambria Math" panose="02040503050406030204" pitchFamily="18" charset="0"/>
+                                        </a:rPr>
+                                        <m:t>0</m:t>
+                                      </m:r>
+                                    </m:e>
+                                    <m:e>
+                                      <m:r>
+                                        <a:rPr lang="en-US" i="1">
+                                          <a:latin typeface="Cambria Math" panose="02040503050406030204" pitchFamily="18" charset="0"/>
+                                        </a:rPr>
+                                        <m:t>0</m:t>
+                                      </m:r>
+                                    </m:e>
+                                  </m:mr>
+                                  <m:mr>
+                                    <m:e>
+                                      <m:r>
+                                        <a:rPr lang="en-US" i="1">
+                                          <a:latin typeface="Cambria Math" panose="02040503050406030204" pitchFamily="18" charset="0"/>
+                                        </a:rPr>
+                                        <m:t>0</m:t>
+                                      </m:r>
+                                    </m:e>
+                                    <m:e>
+                                      <m:r>
+                                        <a:rPr lang="en-US" i="1">
+                                          <a:latin typeface="Cambria Math" panose="02040503050406030204" pitchFamily="18" charset="0"/>
+                                        </a:rPr>
+                                        <m:t>2</m:t>
+                                      </m:r>
+                                      <m:r>
+                                        <a:rPr lang="en-US" i="1">
+                                          <a:latin typeface="Cambria Math" panose="02040503050406030204" pitchFamily="18" charset="0"/>
+                                        </a:rPr>
+                                        <m:t>0</m:t>
+                                      </m:r>
+                                    </m:e>
+                                  </m:mr>
+                                </m:m>
+                              </m:e>
+                              <m:e>
+                                <m:m>
+                                  <m:mPr>
+                                    <m:mcs>
+                                      <m:mc>
+                                        <m:mcPr>
+                                          <m:count m:val="2"/>
+                                          <m:mcJc m:val="center"/>
+                                        </m:mcPr>
+                                      </m:mc>
+                                    </m:mcs>
+                                    <m:ctrlPr>
+                                      <a:rPr lang="en-US" i="1">
+                                        <a:latin typeface="Cambria Math" panose="02040503050406030204" pitchFamily="18" charset="0"/>
+                                      </a:rPr>
+                                    </m:ctrlPr>
+                                  </m:mPr>
+                                  <m:mr>
+                                    <m:e>
+                                      <m:r>
+                                        <m:rPr>
+                                          <m:brk m:alnAt="7"/>
+                                        </m:rPr>
+                                        <a:rPr lang="en-US" i="1">
+                                          <a:latin typeface="Cambria Math" panose="02040503050406030204" pitchFamily="18" charset="0"/>
+                                        </a:rPr>
+                                        <m:t>0</m:t>
+                                      </m:r>
+                                    </m:e>
+                                    <m:e>
+                                      <m:r>
+                                        <a:rPr lang="en-US" i="1">
+                                          <a:latin typeface="Cambria Math" panose="02040503050406030204" pitchFamily="18" charset="0"/>
+                                        </a:rPr>
+                                        <m:t>0</m:t>
+                                      </m:r>
+                                    </m:e>
+                                  </m:mr>
+                                  <m:mr>
+                                    <m:e>
+                                      <m:r>
+                                        <a:rPr lang="en-US" i="1">
+                                          <a:latin typeface="Cambria Math" panose="02040503050406030204" pitchFamily="18" charset="0"/>
+                                        </a:rPr>
+                                        <m:t>0</m:t>
+                                      </m:r>
+                                    </m:e>
+                                    <m:e>
+                                      <m:r>
+                                        <a:rPr lang="en-US" i="1">
+                                          <a:latin typeface="Cambria Math" panose="02040503050406030204" pitchFamily="18" charset="0"/>
+                                        </a:rPr>
+                                        <m:t>0</m:t>
+                                      </m:r>
+                                    </m:e>
+                                  </m:mr>
+                                </m:m>
+                              </m:e>
+                            </m:mr>
+                            <m:mr>
+                              <m:e>
+                                <m:m>
+                                  <m:mPr>
+                                    <m:mcs>
+                                      <m:mc>
+                                        <m:mcPr>
+                                          <m:count m:val="2"/>
+                                          <m:mcJc m:val="center"/>
+                                        </m:mcPr>
+                                      </m:mc>
+                                    </m:mcs>
+                                    <m:ctrlPr>
+                                      <a:rPr lang="en-US" i="1">
+                                        <a:latin typeface="Cambria Math" panose="02040503050406030204" pitchFamily="18" charset="0"/>
+                                      </a:rPr>
+                                    </m:ctrlPr>
+                                  </m:mPr>
+                                  <m:mr>
+                                    <m:e>
+                                      <m:r>
+                                        <m:rPr>
+                                          <m:brk m:alnAt="7"/>
+                                        </m:rPr>
+                                        <a:rPr lang="en-US" i="1">
+                                          <a:latin typeface="Cambria Math" panose="02040503050406030204" pitchFamily="18" charset="0"/>
+                                        </a:rPr>
+                                        <m:t>0</m:t>
+                                      </m:r>
+                                    </m:e>
+                                    <m:e>
+                                      <m:r>
+                                        <a:rPr lang="en-US" i="1">
+                                          <a:latin typeface="Cambria Math" panose="02040503050406030204" pitchFamily="18" charset="0"/>
+                                        </a:rPr>
+                                        <m:t>0</m:t>
+                                      </m:r>
+                                    </m:e>
+                                  </m:mr>
+                                  <m:mr>
+                                    <m:e>
+                                      <m:r>
+                                        <a:rPr lang="en-US" i="1">
+                                          <a:latin typeface="Cambria Math" panose="02040503050406030204" pitchFamily="18" charset="0"/>
+                                        </a:rPr>
+                                        <m:t>0</m:t>
+                                      </m:r>
+                                    </m:e>
+                                    <m:e>
+                                      <m:r>
+                                        <a:rPr lang="en-US" i="1">
+                                          <a:latin typeface="Cambria Math" panose="02040503050406030204" pitchFamily="18" charset="0"/>
+                                        </a:rPr>
+                                        <m:t>0</m:t>
+                                      </m:r>
+                                    </m:e>
+                                  </m:mr>
+                                </m:m>
+                              </m:e>
+                              <m:e>
+                                <m:m>
+                                  <m:mPr>
+                                    <m:mcs>
+                                      <m:mc>
+                                        <m:mcPr>
+                                          <m:count m:val="2"/>
+                                          <m:mcJc m:val="center"/>
+                                        </m:mcPr>
+                                      </m:mc>
+                                    </m:mcs>
+                                    <m:ctrlPr>
+                                      <a:rPr lang="en-US" i="1">
+                                        <a:latin typeface="Cambria Math" panose="02040503050406030204" pitchFamily="18" charset="0"/>
+                                      </a:rPr>
+                                    </m:ctrlPr>
+                                  </m:mPr>
+                                  <m:mr>
+                                    <m:e>
+                                      <m:r>
+                                        <m:rPr>
+                                          <m:brk m:alnAt="7"/>
+                                        </m:rPr>
+                                        <a:rPr lang="en-US" i="1">
+                                          <a:latin typeface="Cambria Math" panose="02040503050406030204" pitchFamily="18" charset="0"/>
+                                        </a:rPr>
+                                        <m:t>3</m:t>
+                                      </m:r>
+                                      <m:r>
+                                        <a:rPr lang="en-US" i="1">
+                                          <a:latin typeface="Cambria Math" panose="02040503050406030204" pitchFamily="18" charset="0"/>
+                                        </a:rPr>
+                                        <m:t>0</m:t>
+                                      </m:r>
+                                    </m:e>
+                                    <m:e>
+                                      <m:r>
+                                        <a:rPr lang="en-US" i="1">
+                                          <a:latin typeface="Cambria Math" panose="02040503050406030204" pitchFamily="18" charset="0"/>
+                                        </a:rPr>
+                                        <m:t>0</m:t>
+                                      </m:r>
+                                    </m:e>
+                                  </m:mr>
+                                  <m:mr>
+                                    <m:e>
+                                      <m:r>
+                                        <a:rPr lang="en-US" i="1">
+                                          <a:latin typeface="Cambria Math" panose="02040503050406030204" pitchFamily="18" charset="0"/>
+                                        </a:rPr>
+                                        <m:t>0</m:t>
+                                      </m:r>
+                                    </m:e>
+                                    <m:e>
+                                      <m:r>
+                                        <a:rPr lang="en-US" i="1">
+                                          <a:latin typeface="Cambria Math" panose="02040503050406030204" pitchFamily="18" charset="0"/>
+                                        </a:rPr>
+                                        <m:t>4</m:t>
+                                      </m:r>
+                                      <m:r>
+                                        <a:rPr lang="en-US" i="1">
+                                          <a:latin typeface="Cambria Math" panose="02040503050406030204" pitchFamily="18" charset="0"/>
+                                        </a:rPr>
+                                        <m:t>0</m:t>
+                                      </m:r>
+                                    </m:e>
+                                  </m:mr>
+                                </m:m>
+                              </m:e>
+                            </m:mr>
+                          </m:m>
+                        </m:e>
+                      </m:d>
+                      <m:r>
+                        <a:rPr lang="en-US" i="1">
+                          <a:latin typeface="Cambria Math" panose="02040503050406030204" pitchFamily="18" charset="0"/>
+                        </a:rPr>
+                        <m:t>=</m:t>
+                      </m:r>
+                      <m:d>
+                        <m:dPr>
+                          <m:begChr m:val="["/>
+                          <m:endChr m:val="]"/>
+                          <m:ctrlPr>
+                            <a:rPr lang="en-US" i="1">
+                              <a:latin typeface="Cambria Math" panose="02040503050406030204" pitchFamily="18" charset="0"/>
+                            </a:rPr>
+                          </m:ctrlPr>
+                        </m:dPr>
+                        <m:e>
+                          <m:m>
+                            <m:mPr>
+                              <m:mcs>
+                                <m:mc>
+                                  <m:mcPr>
+                                    <m:count m:val="2"/>
+                                    <m:mcJc m:val="center"/>
+                                  </m:mcPr>
+                                </m:mc>
+                              </m:mcs>
+                              <m:ctrlPr>
+                                <a:rPr lang="en-US" i="1">
+                                  <a:latin typeface="Cambria Math" panose="02040503050406030204" pitchFamily="18" charset="0"/>
+                                </a:rPr>
+                              </m:ctrlPr>
+                            </m:mPr>
+                            <m:mr>
+                              <m:e>
+                                <m:m>
+                                  <m:mPr>
+                                    <m:mcs>
+                                      <m:mc>
+                                        <m:mcPr>
+                                          <m:count m:val="2"/>
+                                          <m:mcJc m:val="center"/>
+                                        </m:mcPr>
+                                      </m:mc>
+                                    </m:mcs>
+                                    <m:ctrlPr>
+                                      <a:rPr lang="en-US" i="1">
+                                        <a:latin typeface="Cambria Math" panose="02040503050406030204" pitchFamily="18" charset="0"/>
+                                      </a:rPr>
+                                    </m:ctrlPr>
+                                  </m:mPr>
+                                  <m:mr>
+                                    <m:e>
+                                      <m:r>
+                                        <m:rPr>
+                                          <m:brk m:alnAt="7"/>
+                                        </m:rPr>
+                                        <a:rPr lang="en-US" b="0" i="1" smtClean="0">
+                                          <a:latin typeface="Cambria Math" panose="02040503050406030204" pitchFamily="18" charset="0"/>
+                                        </a:rPr>
+                                        <m:t>1</m:t>
+                                      </m:r>
+                                      <m:r>
+                                        <a:rPr lang="en-US" b="0" i="1" smtClean="0">
+                                          <a:latin typeface="Cambria Math" panose="02040503050406030204" pitchFamily="18" charset="0"/>
+                                        </a:rPr>
+                                        <m:t>×</m:t>
+                                      </m:r>
+                                      <m:r>
+                                        <a:rPr lang="en-US" i="1">
+                                          <a:latin typeface="Cambria Math" panose="02040503050406030204" pitchFamily="18" charset="0"/>
+                                        </a:rPr>
+                                        <m:t>1</m:t>
+                                      </m:r>
+                                      <m:r>
+                                        <a:rPr lang="en-US" i="1">
+                                          <a:latin typeface="Cambria Math" panose="02040503050406030204" pitchFamily="18" charset="0"/>
+                                        </a:rPr>
+                                        <m:t>0</m:t>
+                                      </m:r>
+                                    </m:e>
+                                    <m:e>
+                                      <m:r>
+                                        <a:rPr lang="en-US" i="1">
+                                          <a:latin typeface="Cambria Math" panose="02040503050406030204" pitchFamily="18" charset="0"/>
+                                        </a:rPr>
+                                        <m:t>0</m:t>
+                                      </m:r>
+                                    </m:e>
+                                  </m:mr>
+                                  <m:mr>
+                                    <m:e>
+                                      <m:r>
+                                        <a:rPr lang="en-US" i="1">
+                                          <a:latin typeface="Cambria Math" panose="02040503050406030204" pitchFamily="18" charset="0"/>
+                                        </a:rPr>
+                                        <m:t>0</m:t>
+                                      </m:r>
+                                    </m:e>
+                                    <m:e>
+                                      <m:r>
+                                        <a:rPr lang="en-US" b="0" i="1" smtClean="0">
+                                          <a:latin typeface="Cambria Math" panose="02040503050406030204" pitchFamily="18" charset="0"/>
+                                        </a:rPr>
+                                        <m:t>2×</m:t>
+                                      </m:r>
+                                      <m:r>
+                                        <a:rPr lang="en-US" i="1">
+                                          <a:latin typeface="Cambria Math" panose="02040503050406030204" pitchFamily="18" charset="0"/>
+                                        </a:rPr>
+                                        <m:t>2</m:t>
+                                      </m:r>
+                                      <m:r>
+                                        <a:rPr lang="en-US" i="1">
+                                          <a:latin typeface="Cambria Math" panose="02040503050406030204" pitchFamily="18" charset="0"/>
+                                        </a:rPr>
+                                        <m:t>0</m:t>
+                                      </m:r>
+                                    </m:e>
+                                  </m:mr>
+                                </m:m>
+                              </m:e>
+                              <m:e>
+                                <m:m>
+                                  <m:mPr>
+                                    <m:mcs>
+                                      <m:mc>
+                                        <m:mcPr>
+                                          <m:count m:val="2"/>
+                                          <m:mcJc m:val="center"/>
+                                        </m:mcPr>
+                                      </m:mc>
+                                    </m:mcs>
+                                    <m:ctrlPr>
+                                      <a:rPr lang="en-US" i="1">
+                                        <a:latin typeface="Cambria Math" panose="02040503050406030204" pitchFamily="18" charset="0"/>
+                                      </a:rPr>
+                                    </m:ctrlPr>
+                                  </m:mPr>
+                                  <m:mr>
+                                    <m:e>
+                                      <m:r>
+                                        <m:rPr>
+                                          <m:brk m:alnAt="7"/>
+                                        </m:rPr>
+                                        <a:rPr lang="en-US" i="1">
+                                          <a:latin typeface="Cambria Math" panose="02040503050406030204" pitchFamily="18" charset="0"/>
+                                        </a:rPr>
+                                        <m:t>0</m:t>
+                                      </m:r>
+                                    </m:e>
+                                    <m:e>
+                                      <m:r>
+                                        <a:rPr lang="en-US" i="1">
+                                          <a:latin typeface="Cambria Math" panose="02040503050406030204" pitchFamily="18" charset="0"/>
+                                        </a:rPr>
+                                        <m:t>0</m:t>
+                                      </m:r>
+                                    </m:e>
+                                  </m:mr>
+                                  <m:mr>
+                                    <m:e>
+                                      <m:r>
+                                        <a:rPr lang="en-US" i="1">
+                                          <a:latin typeface="Cambria Math" panose="02040503050406030204" pitchFamily="18" charset="0"/>
+                                        </a:rPr>
+                                        <m:t>0</m:t>
+                                      </m:r>
+                                    </m:e>
+                                    <m:e>
+                                      <m:r>
+                                        <a:rPr lang="en-US" i="1">
+                                          <a:latin typeface="Cambria Math" panose="02040503050406030204" pitchFamily="18" charset="0"/>
+                                        </a:rPr>
+                                        <m:t>0</m:t>
+                                      </m:r>
+                                    </m:e>
+                                  </m:mr>
+                                </m:m>
+                              </m:e>
+                            </m:mr>
+                            <m:mr>
+                              <m:e>
+                                <m:m>
+                                  <m:mPr>
+                                    <m:mcs>
+                                      <m:mc>
+                                        <m:mcPr>
+                                          <m:count m:val="2"/>
+                                          <m:mcJc m:val="center"/>
+                                        </m:mcPr>
+                                      </m:mc>
+                                    </m:mcs>
+                                    <m:ctrlPr>
+                                      <a:rPr lang="en-US" i="1">
+                                        <a:latin typeface="Cambria Math" panose="02040503050406030204" pitchFamily="18" charset="0"/>
+                                      </a:rPr>
+                                    </m:ctrlPr>
+                                  </m:mPr>
+                                  <m:mr>
+                                    <m:e>
+                                      <m:r>
+                                        <m:rPr>
+                                          <m:brk m:alnAt="7"/>
+                                        </m:rPr>
+                                        <a:rPr lang="en-US" i="1">
+                                          <a:latin typeface="Cambria Math" panose="02040503050406030204" pitchFamily="18" charset="0"/>
+                                        </a:rPr>
+                                        <m:t>0</m:t>
+                                      </m:r>
+                                    </m:e>
+                                    <m:e>
+                                      <m:r>
+                                        <a:rPr lang="en-US" i="1">
+                                          <a:latin typeface="Cambria Math" panose="02040503050406030204" pitchFamily="18" charset="0"/>
+                                        </a:rPr>
+                                        <m:t>0</m:t>
+                                      </m:r>
+                                    </m:e>
+                                  </m:mr>
+                                  <m:mr>
+                                    <m:e>
+                                      <m:r>
+                                        <a:rPr lang="en-US" i="1">
+                                          <a:latin typeface="Cambria Math" panose="02040503050406030204" pitchFamily="18" charset="0"/>
+                                        </a:rPr>
+                                        <m:t>0</m:t>
+                                      </m:r>
+                                    </m:e>
+                                    <m:e>
+                                      <m:r>
+                                        <a:rPr lang="en-US" i="1">
+                                          <a:latin typeface="Cambria Math" panose="02040503050406030204" pitchFamily="18" charset="0"/>
+                                        </a:rPr>
+                                        <m:t>0</m:t>
+                                      </m:r>
+                                    </m:e>
+                                  </m:mr>
+                                </m:m>
+                              </m:e>
+                              <m:e>
+                                <m:m>
+                                  <m:mPr>
+                                    <m:mcs>
+                                      <m:mc>
+                                        <m:mcPr>
+                                          <m:count m:val="2"/>
+                                          <m:mcJc m:val="center"/>
+                                        </m:mcPr>
+                                      </m:mc>
+                                    </m:mcs>
+                                    <m:ctrlPr>
+                                      <a:rPr lang="en-US" i="1">
+                                        <a:latin typeface="Cambria Math" panose="02040503050406030204" pitchFamily="18" charset="0"/>
+                                      </a:rPr>
+                                    </m:ctrlPr>
+                                  </m:mPr>
+                                  <m:mr>
+                                    <m:e>
+                                      <m:r>
+                                        <m:rPr>
+                                          <m:brk m:alnAt="7"/>
+                                        </m:rPr>
+                                        <a:rPr lang="en-US" b="0" i="1" smtClean="0">
+                                          <a:latin typeface="Cambria Math" panose="02040503050406030204" pitchFamily="18" charset="0"/>
+                                        </a:rPr>
+                                        <m:t>3</m:t>
+                                      </m:r>
+                                      <m:r>
+                                        <a:rPr lang="en-US" b="0" i="1" smtClean="0">
+                                          <a:latin typeface="Cambria Math" panose="02040503050406030204" pitchFamily="18" charset="0"/>
+                                        </a:rPr>
+                                        <m:t>×</m:t>
+                                      </m:r>
+                                      <m:r>
+                                        <a:rPr lang="en-US" i="1">
+                                          <a:latin typeface="Cambria Math" panose="02040503050406030204" pitchFamily="18" charset="0"/>
+                                        </a:rPr>
+                                        <m:t>3</m:t>
+                                      </m:r>
+                                      <m:r>
+                                        <a:rPr lang="en-US" i="1">
+                                          <a:latin typeface="Cambria Math" panose="02040503050406030204" pitchFamily="18" charset="0"/>
+                                        </a:rPr>
+                                        <m:t>0</m:t>
+                                      </m:r>
+                                    </m:e>
+                                    <m:e>
+                                      <m:r>
+                                        <a:rPr lang="en-US" i="1">
+                                          <a:latin typeface="Cambria Math" panose="02040503050406030204" pitchFamily="18" charset="0"/>
+                                        </a:rPr>
+                                        <m:t>0</m:t>
+                                      </m:r>
+                                    </m:e>
+                                  </m:mr>
+                                  <m:mr>
+                                    <m:e>
+                                      <m:r>
+                                        <a:rPr lang="en-US" i="1">
+                                          <a:latin typeface="Cambria Math" panose="02040503050406030204" pitchFamily="18" charset="0"/>
+                                        </a:rPr>
+                                        <m:t>0</m:t>
+                                      </m:r>
+                                    </m:e>
+                                    <m:e>
+                                      <m:r>
+                                        <a:rPr lang="en-US" b="0" i="1" smtClean="0">
+                                          <a:latin typeface="Cambria Math" panose="02040503050406030204" pitchFamily="18" charset="0"/>
+                                        </a:rPr>
+                                        <m:t>4×</m:t>
+                                      </m:r>
+                                      <m:r>
+                                        <a:rPr lang="en-US" i="1">
+                                          <a:latin typeface="Cambria Math" panose="02040503050406030204" pitchFamily="18" charset="0"/>
+                                        </a:rPr>
+                                        <m:t>4</m:t>
+                                      </m:r>
+                                      <m:r>
+                                        <a:rPr lang="en-US" i="1">
+                                          <a:latin typeface="Cambria Math" panose="02040503050406030204" pitchFamily="18" charset="0"/>
+                                        </a:rPr>
+                                        <m:t>0</m:t>
+                                      </m:r>
+                                    </m:e>
+                                  </m:mr>
+                                </m:m>
+                              </m:e>
+                            </m:mr>
+                          </m:m>
+                        </m:e>
+                      </m:d>
+                    </m:oMath>
+                  </m:oMathPara>
+                </a14:m>
+                <a:endParaRPr lang="en-US" dirty="0"/>
+              </a:p>
+            </p:txBody>
+          </p:sp>
+        </mc:Choice>
+        <mc:Fallback>
+          <p:sp>
+            <p:nvSpPr>
+              <p:cNvPr id="7" name="TextBox 6">
+                <a:extLst>
+                  <a:ext uri="{FF2B5EF4-FFF2-40B4-BE49-F238E27FC236}">
+                    <a16:creationId xmlns:a16="http://schemas.microsoft.com/office/drawing/2014/main" id="{2BF87101-6DEF-1043-A86B-BAE7C704482C}"/>
+                  </a:ext>
+                </a:extLst>
+              </p:cNvPr>
+              <p:cNvSpPr txBox="1">
+                <a:spLocks noRot="1" noChangeAspect="1" noMove="1" noResize="1" noEditPoints="1" noAdjustHandles="1" noChangeArrowheads="1" noChangeShapeType="1" noTextEdit="1"/>
+              </p:cNvSpPr>
+              <p:nvPr/>
+            </p:nvSpPr>
+            <p:spPr>
+              <a:xfrm>
+                <a:off x="1232691" y="3681290"/>
+                <a:ext cx="6988773" cy="963662"/>
+              </a:xfrm>
+              <a:prstGeom prst="rect">
+                <a:avLst/>
+              </a:prstGeom>
+              <a:blipFill>
+                <a:blip r:embed="rId3"/>
+                <a:stretch>
+                  <a:fillRect b="-7792"/>
+                </a:stretch>
+              </a:blipFill>
+            </p:spPr>
+            <p:txBody>
+              <a:bodyPr/>
+              <a:lstStyle/>
+              <a:p>
+                <a:r>
+                  <a:rPr lang="en-US">
+                    <a:noFill/>
+                  </a:rPr>
+                  <a:t> </a:t>
+                </a:r>
+              </a:p>
+            </p:txBody>
+          </p:sp>
+        </mc:Fallback>
+      </mc:AlternateContent>
+      <p:sp>
+        <p:nvSpPr>
+          <p:cNvPr id="8" name="TextBox 7">
+            <a:extLst>
+              <a:ext uri="{FF2B5EF4-FFF2-40B4-BE49-F238E27FC236}">
+                <a16:creationId xmlns:a16="http://schemas.microsoft.com/office/drawing/2014/main" id="{8217F874-D370-E24A-AEFF-416D0C153658}"/>
+              </a:ext>
+            </a:extLst>
+          </p:cNvPr>
+          <p:cNvSpPr txBox="1"/>
+          <p:nvPr/>
+        </p:nvSpPr>
+        <p:spPr>
+          <a:xfrm>
+            <a:off x="1929048" y="4898711"/>
+            <a:ext cx="5724644" cy="369332"/>
+          </a:xfrm>
+          <a:prstGeom prst="rect">
+            <a:avLst/>
+          </a:prstGeom>
+          <a:noFill/>
+        </p:spPr>
+        <p:txBody>
+          <a:bodyPr wrap="none" rtlCol="0">
+            <a:spAutoFit/>
+          </a:bodyPr>
+          <a:lstStyle/>
+          <a:p>
+            <a:r>
+              <a:rPr lang="en-US" dirty="0"/>
+              <a:t>Just multiply corresponding elements in the diagonals.</a:t>
+            </a:r>
+          </a:p>
+        </p:txBody>
+      </p:sp>
+    </p:spTree>
+    <p:extLst>
+      <p:ext uri="{BB962C8B-B14F-4D97-AF65-F5344CB8AC3E}">
+        <p14:creationId xmlns:p14="http://schemas.microsoft.com/office/powerpoint/2010/main" val="4064988069"/>
+      </p:ext>
+    </p:extLst>
+  </p:cSld>
+  <p:clrMapOvr>
+    <a:masterClrMapping/>
+  </p:clrMapOvr>
+</p:sld>
+</file>
+
+<file path=ppt/slides/slide11.xml><?xml version="1.0" encoding="utf-8"?>
+<p:sld xmlns:a="http://schemas.openxmlformats.org/drawingml/2006/main" xmlns:r="http://schemas.openxmlformats.org/officeDocument/2006/relationships" xmlns:p="http://schemas.openxmlformats.org/presentationml/2006/main">
+  <p:cSld>
+    <p:spTree>
+      <p:nvGrpSpPr>
+        <p:cNvPr id="1" name=""/>
+        <p:cNvGrpSpPr/>
+        <p:nvPr/>
+      </p:nvGrpSpPr>
+      <p:grpSpPr>
+        <a:xfrm>
+          <a:off x="0" y="0"/>
+          <a:ext cx="0" cy="0"/>
+          <a:chOff x="0" y="0"/>
+          <a:chExt cx="0" cy="0"/>
+        </a:xfrm>
+      </p:grpSpPr>
       <p:grpSp>
         <p:nvGrpSpPr>
           <p:cNvPr id="96" name="Group 95">
@@ -7046,14 +8830,14 @@
               <a:pPr>
                 <a:defRPr/>
               </a:pPr>
-              <a:t>10</a:t>
+              <a:t>11</a:t>
             </a:fld>
             <a:endParaRPr lang="en-US" altLang="x-none"/>
           </a:p>
         </p:txBody>
       </p:sp>
-      <mc:AlternateContent xmlns:mc="http://schemas.openxmlformats.org/markup-compatibility/2006">
-        <mc:Choice xmlns:a14="http://schemas.microsoft.com/office/drawing/2010/main" Requires="a14">
+      <mc:AlternateContent xmlns:mc="http://schemas.openxmlformats.org/markup-compatibility/2006" xmlns:a14="http://schemas.microsoft.com/office/drawing/2010/main">
+        <mc:Choice Requires="a14">
           <p:sp>
             <p:nvSpPr>
               <p:cNvPr id="4" name="TextBox 3">
@@ -7082,6 +8866,7 @@
               </a:bodyPr>
               <a:lstStyle/>
               <a:p>
+                <a:pPr/>
                 <a14:m>
                   <m:oMathPara xmlns:m="http://schemas.openxmlformats.org/officeDocument/2006/math">
                     <m:oMathParaPr>
@@ -7156,7 +8941,13 @@
                                       <a:rPr lang="en-US" b="0" i="1" smtClean="0">
                                         <a:latin typeface="Cambria Math" panose="02040503050406030204" pitchFamily="18" charset="0"/>
                                       </a:rPr>
-                                      <m:t>11</m:t>
+                                      <m:t>1</m:t>
+                                    </m:r>
+                                    <m:r>
+                                      <a:rPr lang="en-US" b="0" i="1" smtClean="0">
+                                        <a:latin typeface="Cambria Math" panose="02040503050406030204" pitchFamily="18" charset="0"/>
+                                      </a:rPr>
+                                      <m:t>1</m:t>
                                     </m:r>
                                   </m:sub>
                                 </m:sSub>
@@ -7310,7 +9101,7 @@
             </p:txBody>
           </p:sp>
         </mc:Choice>
-        <mc:Fallback>
+        <mc:Fallback xmlns="">
           <p:sp>
             <p:nvSpPr>
               <p:cNvPr id="4" name="TextBox 3">
@@ -7355,8 +9146,8 @@
           </p:sp>
         </mc:Fallback>
       </mc:AlternateContent>
-      <mc:AlternateContent xmlns:mc="http://schemas.openxmlformats.org/markup-compatibility/2006">
-        <mc:Choice xmlns:a14="http://schemas.microsoft.com/office/drawing/2010/main" Requires="a14">
+      <mc:AlternateContent xmlns:mc="http://schemas.openxmlformats.org/markup-compatibility/2006" xmlns:a14="http://schemas.microsoft.com/office/drawing/2010/main">
+        <mc:Choice Requires="a14">
           <p:sp>
             <p:nvSpPr>
               <p:cNvPr id="26" name="TextBox 25">
@@ -7516,7 +9307,7 @@
             </p:txBody>
           </p:sp>
         </mc:Choice>
-        <mc:Fallback>
+        <mc:Fallback xmlns="">
           <p:sp>
             <p:nvSpPr>
               <p:cNvPr id="26" name="TextBox 25">
@@ -7561,8 +9352,8 @@
           </p:sp>
         </mc:Fallback>
       </mc:AlternateContent>
-      <mc:AlternateContent xmlns:mc="http://schemas.openxmlformats.org/markup-compatibility/2006">
-        <mc:Choice xmlns:a14="http://schemas.microsoft.com/office/drawing/2010/main" Requires="a14">
+      <mc:AlternateContent xmlns:mc="http://schemas.openxmlformats.org/markup-compatibility/2006" xmlns:a14="http://schemas.microsoft.com/office/drawing/2010/main">
+        <mc:Choice Requires="a14">
           <p:sp>
             <p:nvSpPr>
               <p:cNvPr id="27" name="TextBox 26">
@@ -7715,7 +9506,7 @@
             </p:txBody>
           </p:sp>
         </mc:Choice>
-        <mc:Fallback>
+        <mc:Fallback xmlns="">
           <p:sp>
             <p:nvSpPr>
               <p:cNvPr id="27" name="TextBox 26">
@@ -7760,8 +9551,8 @@
           </p:sp>
         </mc:Fallback>
       </mc:AlternateContent>
-      <mc:AlternateContent xmlns:mc="http://schemas.openxmlformats.org/markup-compatibility/2006">
-        <mc:Choice xmlns:a14="http://schemas.microsoft.com/office/drawing/2010/main" Requires="a14">
+      <mc:AlternateContent xmlns:mc="http://schemas.openxmlformats.org/markup-compatibility/2006" xmlns:a14="http://schemas.microsoft.com/office/drawing/2010/main">
+        <mc:Choice Requires="a14">
           <p:sp>
             <p:nvSpPr>
               <p:cNvPr id="28" name="TextBox 27">
@@ -7886,7 +9677,7 @@
             </p:txBody>
           </p:sp>
         </mc:Choice>
-        <mc:Fallback>
+        <mc:Fallback xmlns="">
           <p:sp>
             <p:nvSpPr>
               <p:cNvPr id="28" name="TextBox 27">
@@ -7931,8 +9722,8 @@
           </p:sp>
         </mc:Fallback>
       </mc:AlternateContent>
-      <mc:AlternateContent xmlns:mc="http://schemas.openxmlformats.org/markup-compatibility/2006">
-        <mc:Choice xmlns:a14="http://schemas.microsoft.com/office/drawing/2010/main" Requires="a14">
+      <mc:AlternateContent xmlns:mc="http://schemas.openxmlformats.org/markup-compatibility/2006" xmlns:a14="http://schemas.microsoft.com/office/drawing/2010/main">
+        <mc:Choice Requires="a14">
           <p:sp>
             <p:nvSpPr>
               <p:cNvPr id="29" name="TextBox 28">
@@ -8091,7 +9882,7 @@
             </p:txBody>
           </p:sp>
         </mc:Choice>
-        <mc:Fallback>
+        <mc:Fallback xmlns="">
           <p:sp>
             <p:nvSpPr>
               <p:cNvPr id="29" name="TextBox 28">
@@ -8136,8 +9927,8 @@
           </p:sp>
         </mc:Fallback>
       </mc:AlternateContent>
-      <mc:AlternateContent xmlns:mc="http://schemas.openxmlformats.org/markup-compatibility/2006">
-        <mc:Choice xmlns:a14="http://schemas.microsoft.com/office/drawing/2010/main" Requires="a14">
+      <mc:AlternateContent xmlns:mc="http://schemas.openxmlformats.org/markup-compatibility/2006" xmlns:a14="http://schemas.microsoft.com/office/drawing/2010/main">
+        <mc:Choice Requires="a14">
           <p:sp>
             <p:nvSpPr>
               <p:cNvPr id="30" name="TextBox 29">
@@ -8166,6 +9957,7 @@
               </a:bodyPr>
               <a:lstStyle/>
               <a:p>
+                <a:pPr/>
                 <a14:m>
                   <m:oMathPara xmlns:m="http://schemas.openxmlformats.org/officeDocument/2006/math">
                     <m:oMathParaPr>
@@ -8299,7 +10091,7 @@
             </p:txBody>
           </p:sp>
         </mc:Choice>
-        <mc:Fallback>
+        <mc:Fallback xmlns="">
           <p:sp>
             <p:nvSpPr>
               <p:cNvPr id="30" name="TextBox 29">
@@ -8462,8 +10254,8 @@
           </p:style>
         </p:cxnSp>
       </p:grpSp>
-      <mc:AlternateContent xmlns:mc="http://schemas.openxmlformats.org/markup-compatibility/2006">
-        <mc:Choice xmlns:a14="http://schemas.microsoft.com/office/drawing/2010/main" Requires="a14">
+      <mc:AlternateContent xmlns:mc="http://schemas.openxmlformats.org/markup-compatibility/2006" xmlns:a14="http://schemas.microsoft.com/office/drawing/2010/main">
+        <mc:Choice Requires="a14">
           <p:sp>
             <p:nvSpPr>
               <p:cNvPr id="56" name="TextBox 55">
@@ -8492,6 +10284,7 @@
               </a:bodyPr>
               <a:lstStyle/>
               <a:p>
+                <a:pPr/>
                 <a14:m>
                   <m:oMathPara xmlns:m="http://schemas.openxmlformats.org/officeDocument/2006/math">
                     <m:oMathParaPr>
@@ -8636,7 +10429,7 @@
             </p:txBody>
           </p:sp>
         </mc:Choice>
-        <mc:Fallback>
+        <mc:Fallback xmlns="">
           <p:sp>
             <p:nvSpPr>
               <p:cNvPr id="56" name="TextBox 55">
@@ -8793,8 +10586,8 @@
           </a:p>
         </p:txBody>
       </p:sp>
-      <mc:AlternateContent xmlns:mc="http://schemas.openxmlformats.org/markup-compatibility/2006">
-        <mc:Choice xmlns:a14="http://schemas.microsoft.com/office/drawing/2010/main" Requires="a14">
+      <mc:AlternateContent xmlns:mc="http://schemas.openxmlformats.org/markup-compatibility/2006" xmlns:a14="http://schemas.microsoft.com/office/drawing/2010/main">
+        <mc:Choice Requires="a14">
           <p:sp>
             <p:nvSpPr>
               <p:cNvPr id="61" name="TextBox 60">
@@ -8823,6 +10616,7 @@
               </a:bodyPr>
               <a:lstStyle/>
               <a:p>
+                <a:pPr/>
                 <a14:m>
                   <m:oMathPara xmlns:m="http://schemas.openxmlformats.org/officeDocument/2006/math">
                     <m:oMathParaPr>
@@ -8986,7 +10780,7 @@
             </p:txBody>
           </p:sp>
         </mc:Choice>
-        <mc:Fallback>
+        <mc:Fallback xmlns="">
           <p:sp>
             <p:nvSpPr>
               <p:cNvPr id="61" name="TextBox 60">
@@ -9134,8 +10928,8 @@
             </a:fontRef>
           </p:style>
         </p:cxnSp>
-        <mc:AlternateContent xmlns:mc="http://schemas.openxmlformats.org/markup-compatibility/2006">
-          <mc:Choice xmlns:a14="http://schemas.microsoft.com/office/drawing/2010/main" Requires="a14">
+        <mc:AlternateContent xmlns:mc="http://schemas.openxmlformats.org/markup-compatibility/2006" xmlns:a14="http://schemas.microsoft.com/office/drawing/2010/main">
+          <mc:Choice Requires="a14">
             <p:sp>
               <p:nvSpPr>
                 <p:cNvPr id="67" name="TextBox 66">
@@ -9164,6 +10958,7 @@
                 </a:bodyPr>
                 <a:lstStyle/>
                 <a:p>
+                  <a:pPr/>
                   <a14:m>
                     <m:oMathPara xmlns:m="http://schemas.openxmlformats.org/officeDocument/2006/math">
                       <m:oMathParaPr>
@@ -9184,7 +10979,7 @@
               </p:txBody>
             </p:sp>
           </mc:Choice>
-          <mc:Fallback>
+          <mc:Fallback xmlns="">
             <p:sp>
               <p:nvSpPr>
                 <p:cNvPr id="67" name="TextBox 66">
@@ -9229,8 +11024,8 @@
             </p:sp>
           </mc:Fallback>
         </mc:AlternateContent>
-        <mc:AlternateContent xmlns:mc="http://schemas.openxmlformats.org/markup-compatibility/2006">
-          <mc:Choice xmlns:a14="http://schemas.microsoft.com/office/drawing/2010/main" Requires="a14">
+        <mc:AlternateContent xmlns:mc="http://schemas.openxmlformats.org/markup-compatibility/2006" xmlns:a14="http://schemas.microsoft.com/office/drawing/2010/main">
+          <mc:Choice Requires="a14">
             <p:sp>
               <p:nvSpPr>
                 <p:cNvPr id="68" name="TextBox 67">
@@ -9259,6 +11054,7 @@
                 </a:bodyPr>
                 <a:lstStyle/>
                 <a:p>
+                  <a:pPr/>
                   <a14:m>
                     <m:oMathPara xmlns:m="http://schemas.openxmlformats.org/officeDocument/2006/math">
                       <m:oMathParaPr>
@@ -9279,7 +11075,7 @@
               </p:txBody>
             </p:sp>
           </mc:Choice>
-          <mc:Fallback>
+          <mc:Fallback xmlns="">
             <p:sp>
               <p:nvSpPr>
                 <p:cNvPr id="68" name="TextBox 67">
@@ -9393,8 +11189,8 @@
             </a:fontRef>
           </p:style>
         </p:cxnSp>
-        <mc:AlternateContent xmlns:mc="http://schemas.openxmlformats.org/markup-compatibility/2006">
-          <mc:Choice xmlns:a14="http://schemas.microsoft.com/office/drawing/2010/main" Requires="a14">
+        <mc:AlternateContent xmlns:mc="http://schemas.openxmlformats.org/markup-compatibility/2006" xmlns:a14="http://schemas.microsoft.com/office/drawing/2010/main">
+          <mc:Choice Requires="a14">
             <p:sp>
               <p:nvSpPr>
                 <p:cNvPr id="71" name="TextBox 70">
@@ -9423,6 +11219,7 @@
                 </a:bodyPr>
                 <a:lstStyle/>
                 <a:p>
+                  <a:pPr/>
                   <a14:m>
                     <m:oMathPara xmlns:m="http://schemas.openxmlformats.org/officeDocument/2006/math">
                       <m:oMathParaPr>
@@ -9443,7 +11240,7 @@
               </p:txBody>
             </p:sp>
           </mc:Choice>
-          <mc:Fallback>
+          <mc:Fallback xmlns="">
             <p:sp>
               <p:nvSpPr>
                 <p:cNvPr id="71" name="TextBox 70">
@@ -9488,8 +11285,8 @@
             </p:sp>
           </mc:Fallback>
         </mc:AlternateContent>
-        <mc:AlternateContent xmlns:mc="http://schemas.openxmlformats.org/markup-compatibility/2006">
-          <mc:Choice xmlns:a14="http://schemas.microsoft.com/office/drawing/2010/main" Requires="a14">
+        <mc:AlternateContent xmlns:mc="http://schemas.openxmlformats.org/markup-compatibility/2006" xmlns:a14="http://schemas.microsoft.com/office/drawing/2010/main">
+          <mc:Choice Requires="a14">
             <p:sp>
               <p:nvSpPr>
                 <p:cNvPr id="73" name="TextBox 72">
@@ -9518,6 +11315,7 @@
                 </a:bodyPr>
                 <a:lstStyle/>
                 <a:p>
+                  <a:pPr/>
                   <a14:m>
                     <m:oMathPara xmlns:m="http://schemas.openxmlformats.org/officeDocument/2006/math">
                       <m:oMathParaPr>
@@ -9563,7 +11361,7 @@
               </p:txBody>
             </p:sp>
           </mc:Choice>
-          <mc:Fallback>
+          <mc:Fallback xmlns="">
             <p:sp>
               <p:nvSpPr>
                 <p:cNvPr id="73" name="TextBox 72">
@@ -11298,7 +13096,7 @@
 </p:sld>
 </file>
 
-<file path=ppt/slides/slide11.xml><?xml version="1.0" encoding="utf-8"?>
+<file path=ppt/slides/slide12.xml><?xml version="1.0" encoding="utf-8"?>
 <p:sld xmlns:a="http://schemas.openxmlformats.org/drawingml/2006/main" xmlns:r="http://schemas.openxmlformats.org/officeDocument/2006/relationships" xmlns:p="http://schemas.openxmlformats.org/presentationml/2006/main">
   <p:cSld>
     <p:spTree>
@@ -11372,14 +13170,14 @@
               <a:pPr>
                 <a:defRPr/>
               </a:pPr>
-              <a:t>11</a:t>
+              <a:t>12</a:t>
             </a:fld>
             <a:endParaRPr lang="en-US" altLang="x-none"/>
           </a:p>
         </p:txBody>
       </p:sp>
-      <mc:AlternateContent xmlns:mc="http://schemas.openxmlformats.org/markup-compatibility/2006">
-        <mc:Choice xmlns:a14="http://schemas.microsoft.com/office/drawing/2010/main" Requires="a14">
+      <mc:AlternateContent xmlns:mc="http://schemas.openxmlformats.org/markup-compatibility/2006" xmlns:a14="http://schemas.microsoft.com/office/drawing/2010/main">
+        <mc:Choice Requires="a14">
           <p:sp>
             <p:nvSpPr>
               <p:cNvPr id="4" name="TextBox 3">
@@ -11564,7 +13362,7 @@
             </p:txBody>
           </p:sp>
         </mc:Choice>
-        <mc:Fallback>
+        <mc:Fallback xmlns="">
           <p:sp>
             <p:nvSpPr>
               <p:cNvPr id="4" name="TextBox 3">
@@ -12675,8 +14473,8 @@
           </a:p>
         </p:txBody>
       </p:sp>
-      <mc:AlternateContent xmlns:mc="http://schemas.openxmlformats.org/markup-compatibility/2006">
-        <mc:Choice xmlns:a14="http://schemas.microsoft.com/office/drawing/2010/main" Requires="a14">
+      <mc:AlternateContent xmlns:mc="http://schemas.openxmlformats.org/markup-compatibility/2006" xmlns:a14="http://schemas.microsoft.com/office/drawing/2010/main">
+        <mc:Choice Requires="a14">
           <p:sp>
             <p:nvSpPr>
               <p:cNvPr id="29" name="TextBox 28">
@@ -12705,6 +14503,7 @@
               </a:bodyPr>
               <a:lstStyle/>
               <a:p>
+                <a:pPr/>
                 <a14:m>
                   <m:oMathPara xmlns:m="http://schemas.openxmlformats.org/officeDocument/2006/math">
                     <m:oMathParaPr>
@@ -12725,7 +14524,7 @@
             </p:txBody>
           </p:sp>
         </mc:Choice>
-        <mc:Fallback>
+        <mc:Fallback xmlns="">
           <p:sp>
             <p:nvSpPr>
               <p:cNvPr id="29" name="TextBox 28">
@@ -12770,8 +14569,8 @@
           </p:sp>
         </mc:Fallback>
       </mc:AlternateContent>
-      <mc:AlternateContent xmlns:mc="http://schemas.openxmlformats.org/markup-compatibility/2006">
-        <mc:Choice xmlns:a14="http://schemas.microsoft.com/office/drawing/2010/main" Requires="a14">
+      <mc:AlternateContent xmlns:mc="http://schemas.openxmlformats.org/markup-compatibility/2006" xmlns:a14="http://schemas.microsoft.com/office/drawing/2010/main">
+        <mc:Choice Requires="a14">
           <p:sp>
             <p:nvSpPr>
               <p:cNvPr id="30" name="TextBox 29">
@@ -12800,6 +14599,7 @@
               </a:bodyPr>
               <a:lstStyle/>
               <a:p>
+                <a:pPr/>
                 <a14:m>
                   <m:oMathPara xmlns:m="http://schemas.openxmlformats.org/officeDocument/2006/math">
                     <m:oMathParaPr>
@@ -12820,7 +14620,7 @@
             </p:txBody>
           </p:sp>
         </mc:Choice>
-        <mc:Fallback>
+        <mc:Fallback xmlns="">
           <p:sp>
             <p:nvSpPr>
               <p:cNvPr id="30" name="TextBox 29">
@@ -12923,8 +14723,8 @@
           </a:p>
         </p:txBody>
       </p:sp>
-      <mc:AlternateContent xmlns:mc="http://schemas.openxmlformats.org/markup-compatibility/2006">
-        <mc:Choice xmlns:a14="http://schemas.microsoft.com/office/drawing/2010/main" Requires="a14">
+      <mc:AlternateContent xmlns:mc="http://schemas.openxmlformats.org/markup-compatibility/2006" xmlns:a14="http://schemas.microsoft.com/office/drawing/2010/main">
+        <mc:Choice Requires="a14">
           <p:sp>
             <p:nvSpPr>
               <p:cNvPr id="32" name="TextBox 31">
@@ -12953,6 +14753,7 @@
               </a:bodyPr>
               <a:lstStyle/>
               <a:p>
+                <a:pPr/>
                 <a14:m>
                   <m:oMathPara xmlns:m="http://schemas.openxmlformats.org/officeDocument/2006/math">
                     <m:oMathParaPr>
@@ -12973,7 +14774,7 @@
             </p:txBody>
           </p:sp>
         </mc:Choice>
-        <mc:Fallback>
+        <mc:Fallback xmlns="">
           <p:sp>
             <p:nvSpPr>
               <p:cNvPr id="32" name="TextBox 31">
@@ -13076,8 +14877,8 @@
           </a:p>
         </p:txBody>
       </p:sp>
-      <mc:AlternateContent xmlns:mc="http://schemas.openxmlformats.org/markup-compatibility/2006">
-        <mc:Choice xmlns:a14="http://schemas.microsoft.com/office/drawing/2010/main" Requires="a14">
+      <mc:AlternateContent xmlns:mc="http://schemas.openxmlformats.org/markup-compatibility/2006" xmlns:a14="http://schemas.microsoft.com/office/drawing/2010/main">
+        <mc:Choice Requires="a14">
           <p:sp>
             <p:nvSpPr>
               <p:cNvPr id="34" name="TextBox 33">
@@ -13106,6 +14907,7 @@
               </a:bodyPr>
               <a:lstStyle/>
               <a:p>
+                <a:pPr/>
                 <a14:m>
                   <m:oMathPara xmlns:m="http://schemas.openxmlformats.org/officeDocument/2006/math">
                     <m:oMathParaPr>
@@ -13151,7 +14953,7 @@
             </p:txBody>
           </p:sp>
         </mc:Choice>
-        <mc:Fallback>
+        <mc:Fallback xmlns="">
           <p:sp>
             <p:nvSpPr>
               <p:cNvPr id="34" name="TextBox 33">
@@ -14232,7 +16034,7 @@
 </p:sld>
 </file>
 
-<file path=ppt/slides/slide12.xml><?xml version="1.0" encoding="utf-8"?>
+<file path=ppt/slides/slide13.xml><?xml version="1.0" encoding="utf-8"?>
 <p:sld xmlns:a="http://schemas.openxmlformats.org/drawingml/2006/main" xmlns:r="http://schemas.openxmlformats.org/officeDocument/2006/relationships" xmlns:p="http://schemas.openxmlformats.org/presentationml/2006/main">
   <p:cSld>
     <p:spTree>
@@ -14272,7 +16074,7 @@
           <a:p>
             <a:r>
               <a:rPr lang="en-US" dirty="0"/>
-              <a:t>Changing Coordinates (New Basis)</a:t>
+              <a:t>Changing Basis (New Coordinates)</a:t>
             </a:r>
           </a:p>
         </p:txBody>
@@ -14311,7 +16113,7 @@
               <a:pPr>
                 <a:defRPr/>
               </a:pPr>
-              <a:t>12</a:t>
+              <a:t>13</a:t>
             </a:fld>
             <a:endParaRPr lang="en-US" altLang="x-none"/>
           </a:p>
@@ -14352,8 +16154,8 @@
           </a:p>
         </p:txBody>
       </p:sp>
-      <mc:AlternateContent xmlns:mc="http://schemas.openxmlformats.org/markup-compatibility/2006">
-        <mc:Choice xmlns:a14="http://schemas.microsoft.com/office/drawing/2010/main" Requires="a14">
+      <mc:AlternateContent xmlns:mc="http://schemas.openxmlformats.org/markup-compatibility/2006" xmlns:a14="http://schemas.microsoft.com/office/drawing/2010/main">
+        <mc:Choice Requires="a14">
           <p:sp>
             <p:nvSpPr>
               <p:cNvPr id="8" name="TextBox 7">
@@ -14439,7 +16241,7 @@
             </p:txBody>
           </p:sp>
         </mc:Choice>
-        <mc:Fallback>
+        <mc:Fallback xmlns="">
           <p:sp>
             <p:nvSpPr>
               <p:cNvPr id="8" name="TextBox 7">
@@ -14566,8 +16368,8 @@
           </a:p>
         </p:txBody>
       </p:sp>
-      <mc:AlternateContent xmlns:mc="http://schemas.openxmlformats.org/markup-compatibility/2006">
-        <mc:Choice xmlns:a14="http://schemas.microsoft.com/office/drawing/2010/main" Requires="a14">
+      <mc:AlternateContent xmlns:mc="http://schemas.openxmlformats.org/markup-compatibility/2006" xmlns:a14="http://schemas.microsoft.com/office/drawing/2010/main">
+        <mc:Choice Requires="a14">
           <p:sp>
             <p:nvSpPr>
               <p:cNvPr id="9" name="TextBox 8">
@@ -14596,6 +16398,7 @@
               </a:bodyPr>
               <a:lstStyle/>
               <a:p>
+                <a:pPr/>
                 <a14:m>
                   <m:oMathPara xmlns:m="http://schemas.openxmlformats.org/officeDocument/2006/math">
                     <m:oMathParaPr>
@@ -14650,7 +16453,13 @@
                                   <a:rPr lang="en-US" sz="1600" b="0" i="1" smtClean="0">
                                     <a:latin typeface="Cambria Math" panose="02040503050406030204" pitchFamily="18" charset="0"/>
                                   </a:rPr>
-                                  <m:t>𝐶𝑜𝑠</m:t>
+                                  <m:t>𝐶</m:t>
+                                </m:r>
+                                <m:r>
+                                  <a:rPr lang="en-US" sz="1600" b="0" i="1" smtClean="0">
+                                    <a:latin typeface="Cambria Math" panose="02040503050406030204" pitchFamily="18" charset="0"/>
+                                  </a:rPr>
+                                  <m:t>𝑜𝑠</m:t>
                                 </m:r>
                                 <m:r>
                                   <a:rPr lang="en-US" sz="1600" b="0" i="1" smtClean="0">
@@ -14739,7 +16548,7 @@
             </p:txBody>
           </p:sp>
         </mc:Choice>
-        <mc:Fallback>
+        <mc:Fallback xmlns="">
           <p:sp>
             <p:nvSpPr>
               <p:cNvPr id="9" name="TextBox 8">
@@ -14784,8 +16593,8 @@
           </p:sp>
         </mc:Fallback>
       </mc:AlternateContent>
-      <mc:AlternateContent xmlns:mc="http://schemas.openxmlformats.org/markup-compatibility/2006">
-        <mc:Choice xmlns:a14="http://schemas.microsoft.com/office/drawing/2010/main" Requires="a14">
+      <mc:AlternateContent xmlns:mc="http://schemas.openxmlformats.org/markup-compatibility/2006" xmlns:a14="http://schemas.microsoft.com/office/drawing/2010/main">
+        <mc:Choice Requires="a14">
           <p:sp>
             <p:nvSpPr>
               <p:cNvPr id="13" name="TextBox 12">
@@ -14814,6 +16623,7 @@
               </a:bodyPr>
               <a:lstStyle/>
               <a:p>
+                <a:pPr/>
                 <a14:m>
                   <m:oMathPara xmlns:m="http://schemas.openxmlformats.org/officeDocument/2006/math">
                     <m:oMathParaPr>
@@ -15002,7 +16812,7 @@
             </p:txBody>
           </p:sp>
         </mc:Choice>
-        <mc:Fallback>
+        <mc:Fallback xmlns="">
           <p:sp>
             <p:nvSpPr>
               <p:cNvPr id="13" name="TextBox 12">
@@ -15047,8 +16857,8 @@
           </p:sp>
         </mc:Fallback>
       </mc:AlternateContent>
-      <mc:AlternateContent xmlns:mc="http://schemas.openxmlformats.org/markup-compatibility/2006">
-        <mc:Choice xmlns:a14="http://schemas.microsoft.com/office/drawing/2010/main" Requires="a14">
+      <mc:AlternateContent xmlns:mc="http://schemas.openxmlformats.org/markup-compatibility/2006" xmlns:a14="http://schemas.microsoft.com/office/drawing/2010/main">
+        <mc:Choice Requires="a14">
           <p:sp>
             <p:nvSpPr>
               <p:cNvPr id="11" name="Rectangle 10">
@@ -15076,6 +16886,7 @@
               </a:bodyPr>
               <a:lstStyle/>
               <a:p>
+                <a:pPr/>
                 <a14:m>
                   <m:oMathPara xmlns:m="http://schemas.openxmlformats.org/officeDocument/2006/math">
                     <m:oMathParaPr>
@@ -15149,7 +16960,13 @@
                                   <a:rPr lang="en-US" sz="1600" b="0" i="1" smtClean="0">
                                     <a:latin typeface="Cambria Math" panose="02040503050406030204" pitchFamily="18" charset="0"/>
                                   </a:rPr>
-                                  <m:t>𝐶𝑜𝑠</m:t>
+                                  <m:t>𝐶</m:t>
+                                </m:r>
+                                <m:r>
+                                  <a:rPr lang="en-US" sz="1600" b="0" i="1" smtClean="0">
+                                    <a:latin typeface="Cambria Math" panose="02040503050406030204" pitchFamily="18" charset="0"/>
+                                  </a:rPr>
+                                  <m:t>𝑜𝑠</m:t>
                                 </m:r>
                                 <m:r>
                                   <a:rPr lang="en-US" sz="1600" b="0" i="1" smtClean="0">
@@ -15294,7 +17111,7 @@
             </p:txBody>
           </p:sp>
         </mc:Choice>
-        <mc:Fallback>
+        <mc:Fallback xmlns="">
           <p:sp>
             <p:nvSpPr>
               <p:cNvPr id="11" name="Rectangle 10">
@@ -15339,8 +17156,8 @@
           </p:sp>
         </mc:Fallback>
       </mc:AlternateContent>
-      <mc:AlternateContent xmlns:mc="http://schemas.openxmlformats.org/markup-compatibility/2006">
-        <mc:Choice xmlns:a14="http://schemas.microsoft.com/office/drawing/2010/main" Requires="a14">
+      <mc:AlternateContent xmlns:mc="http://schemas.openxmlformats.org/markup-compatibility/2006" xmlns:a14="http://schemas.microsoft.com/office/drawing/2010/main">
+        <mc:Choice Requires="a14">
           <p:sp>
             <p:nvSpPr>
               <p:cNvPr id="15" name="TextBox 14">
@@ -15369,6 +17186,7 @@
               </a:bodyPr>
               <a:lstStyle/>
               <a:p>
+                <a:pPr/>
                 <a14:m>
                   <m:oMathPara xmlns:m="http://schemas.openxmlformats.org/officeDocument/2006/math">
                     <m:oMathParaPr>
@@ -15579,7 +17397,7 @@
             </p:txBody>
           </p:sp>
         </mc:Choice>
-        <mc:Fallback>
+        <mc:Fallback xmlns="">
           <p:sp>
             <p:nvSpPr>
               <p:cNvPr id="15" name="TextBox 14">
@@ -15624,8 +17442,8 @@
           </p:sp>
         </mc:Fallback>
       </mc:AlternateContent>
-      <mc:AlternateContent xmlns:mc="http://schemas.openxmlformats.org/markup-compatibility/2006">
-        <mc:Choice xmlns:a14="http://schemas.microsoft.com/office/drawing/2010/main" Requires="a14">
+      <mc:AlternateContent xmlns:mc="http://schemas.openxmlformats.org/markup-compatibility/2006" xmlns:a14="http://schemas.microsoft.com/office/drawing/2010/main">
+        <mc:Choice Requires="a14">
           <p:sp>
             <p:nvSpPr>
               <p:cNvPr id="16" name="TextBox 15">
@@ -15654,6 +17472,7 @@
               </a:bodyPr>
               <a:lstStyle/>
               <a:p>
+                <a:pPr/>
                 <a14:m>
                   <m:oMathPara xmlns:m="http://schemas.openxmlformats.org/officeDocument/2006/math">
                     <m:oMathParaPr>
@@ -15733,7 +17552,13 @@
                                   <a:rPr lang="en-US" sz="1600" b="0" i="1" smtClean="0">
                                     <a:latin typeface="Cambria Math" panose="02040503050406030204" pitchFamily="18" charset="0"/>
                                   </a:rPr>
-                                  <m:t>𝐶𝑜𝑠</m:t>
+                                  <m:t>𝐶</m:t>
+                                </m:r>
+                                <m:r>
+                                  <a:rPr lang="en-US" sz="1600" b="0" i="1" smtClean="0">
+                                    <a:latin typeface="Cambria Math" panose="02040503050406030204" pitchFamily="18" charset="0"/>
+                                  </a:rPr>
+                                  <m:t>𝑜𝑠</m:t>
                                 </m:r>
                                 <m:r>
                                   <a:rPr lang="en-US" sz="1600" b="0" i="1" smtClean="0">
@@ -15804,7 +17629,7 @@
             </p:txBody>
           </p:sp>
         </mc:Choice>
-        <mc:Fallback>
+        <mc:Fallback xmlns="">
           <p:sp>
             <p:nvSpPr>
               <p:cNvPr id="16" name="TextBox 15">
@@ -15849,8 +17674,8 @@
           </p:sp>
         </mc:Fallback>
       </mc:AlternateContent>
-      <mc:AlternateContent xmlns:mc="http://schemas.openxmlformats.org/markup-compatibility/2006">
-        <mc:Choice xmlns:a14="http://schemas.microsoft.com/office/drawing/2010/main" Requires="a14">
+      <mc:AlternateContent xmlns:mc="http://schemas.openxmlformats.org/markup-compatibility/2006" xmlns:a14="http://schemas.microsoft.com/office/drawing/2010/main">
+        <mc:Choice Requires="a14">
           <p:sp>
             <p:nvSpPr>
               <p:cNvPr id="20" name="TextBox 19">
@@ -15948,7 +17773,7 @@
             </p:txBody>
           </p:sp>
         </mc:Choice>
-        <mc:Fallback>
+        <mc:Fallback xmlns="">
           <p:sp>
             <p:nvSpPr>
               <p:cNvPr id="20" name="TextBox 19">
@@ -15993,8 +17818,8 @@
           </p:sp>
         </mc:Fallback>
       </mc:AlternateContent>
-      <mc:AlternateContent xmlns:mc="http://schemas.openxmlformats.org/markup-compatibility/2006">
-        <mc:Choice xmlns:a14="http://schemas.microsoft.com/office/drawing/2010/main" Requires="a14">
+      <mc:AlternateContent xmlns:mc="http://schemas.openxmlformats.org/markup-compatibility/2006" xmlns:a14="http://schemas.microsoft.com/office/drawing/2010/main">
+        <mc:Choice Requires="a14">
           <p:sp>
             <p:nvSpPr>
               <p:cNvPr id="21" name="TextBox 20">
@@ -16516,7 +18341,7 @@
             </p:txBody>
           </p:sp>
         </mc:Choice>
-        <mc:Fallback>
+        <mc:Fallback xmlns="">
           <p:sp>
             <p:nvSpPr>
               <p:cNvPr id="21" name="TextBox 20">
@@ -16596,8 +18421,8 @@
           </a:p>
         </p:txBody>
       </p:sp>
-      <mc:AlternateContent xmlns:mc="http://schemas.openxmlformats.org/markup-compatibility/2006">
-        <mc:Choice xmlns:a14="http://schemas.microsoft.com/office/drawing/2010/main" Requires="a14">
+      <mc:AlternateContent xmlns:mc="http://schemas.openxmlformats.org/markup-compatibility/2006" xmlns:a14="http://schemas.microsoft.com/office/drawing/2010/main">
+        <mc:Choice Requires="a14">
           <p:sp>
             <p:nvSpPr>
               <p:cNvPr id="23" name="TextBox 22">
@@ -16928,7 +18753,7 @@
             </p:txBody>
           </p:sp>
         </mc:Choice>
-        <mc:Fallback>
+        <mc:Fallback xmlns="">
           <p:sp>
             <p:nvSpPr>
               <p:cNvPr id="23" name="TextBox 22">
@@ -17416,7 +19241,7 @@
 </p:sld>
 </file>
 
-<file path=ppt/slides/slide13.xml><?xml version="1.0" encoding="utf-8"?>
+<file path=ppt/slides/slide14.xml><?xml version="1.0" encoding="utf-8"?>
 <p:sld xmlns:a="http://schemas.openxmlformats.org/drawingml/2006/main" xmlns:r="http://schemas.openxmlformats.org/officeDocument/2006/relationships" xmlns:p="http://schemas.openxmlformats.org/presentationml/2006/main">
   <p:cSld>
     <p:spTree>
@@ -17490,7 +19315,7 @@
               <a:pPr>
                 <a:defRPr/>
               </a:pPr>
-              <a:t>13</a:t>
+              <a:t>14</a:t>
             </a:fld>
             <a:endParaRPr lang="en-US" altLang="x-none"/>
           </a:p>
@@ -17578,8 +19403,8 @@
           </a:p>
         </p:txBody>
       </p:sp>
-      <mc:AlternateContent xmlns:mc="http://schemas.openxmlformats.org/markup-compatibility/2006">
-        <mc:Choice xmlns:a14="http://schemas.microsoft.com/office/drawing/2010/main" Requires="a14">
+      <mc:AlternateContent xmlns:mc="http://schemas.openxmlformats.org/markup-compatibility/2006" xmlns:a14="http://schemas.microsoft.com/office/drawing/2010/main">
+        <mc:Choice Requires="a14">
           <p:sp>
             <p:nvSpPr>
               <p:cNvPr id="7" name="TextBox 6">
@@ -17608,6 +19433,7 @@
               </a:bodyPr>
               <a:lstStyle/>
               <a:p>
+                <a:pPr/>
                 <a14:m>
                   <m:oMathPara xmlns:m="http://schemas.openxmlformats.org/officeDocument/2006/math">
                     <m:oMathParaPr>
@@ -17721,7 +19547,7 @@
             </p:txBody>
           </p:sp>
         </mc:Choice>
-        <mc:Fallback>
+        <mc:Fallback xmlns="">
           <p:sp>
             <p:nvSpPr>
               <p:cNvPr id="7" name="TextBox 6">
@@ -17833,8 +19659,8 @@
             </a:extLst>
           </p:spPr>
         </p:pic>
-        <mc:AlternateContent xmlns:mc="http://schemas.openxmlformats.org/markup-compatibility/2006">
-          <mc:Choice xmlns:a14="http://schemas.microsoft.com/office/drawing/2010/main" Requires="a14">
+        <mc:AlternateContent xmlns:mc="http://schemas.openxmlformats.org/markup-compatibility/2006" xmlns:a14="http://schemas.microsoft.com/office/drawing/2010/main">
+          <mc:Choice Requires="a14">
             <p:sp>
               <p:nvSpPr>
                 <p:cNvPr id="10" name="TextBox 9">
@@ -17865,6 +19691,7 @@
                 </a:bodyPr>
                 <a:lstStyle/>
                 <a:p>
+                  <a:pPr/>
                   <a14:m>
                     <m:oMathPara xmlns:m="http://schemas.openxmlformats.org/officeDocument/2006/math">
                       <m:oMathParaPr>
@@ -17904,7 +19731,7 @@
               </p:txBody>
             </p:sp>
           </mc:Choice>
-          <mc:Fallback>
+          <mc:Fallback xmlns="">
             <p:sp>
               <p:nvSpPr>
                 <p:cNvPr id="10" name="TextBox 9">
@@ -17949,8 +19776,8 @@
             </p:sp>
           </mc:Fallback>
         </mc:AlternateContent>
-        <mc:AlternateContent xmlns:mc="http://schemas.openxmlformats.org/markup-compatibility/2006">
-          <mc:Choice xmlns:a14="http://schemas.microsoft.com/office/drawing/2010/main" Requires="a14">
+        <mc:AlternateContent xmlns:mc="http://schemas.openxmlformats.org/markup-compatibility/2006" xmlns:a14="http://schemas.microsoft.com/office/drawing/2010/main">
+          <mc:Choice Requires="a14">
             <p:sp>
               <p:nvSpPr>
                 <p:cNvPr id="11" name="TextBox 10">
@@ -17981,6 +19808,7 @@
                 </a:bodyPr>
                 <a:lstStyle/>
                 <a:p>
+                  <a:pPr/>
                   <a14:m>
                     <m:oMathPara xmlns:m="http://schemas.openxmlformats.org/officeDocument/2006/math">
                       <m:oMathParaPr>
@@ -18020,7 +19848,7 @@
               </p:txBody>
             </p:sp>
           </mc:Choice>
-          <mc:Fallback>
+          <mc:Fallback xmlns="">
             <p:sp>
               <p:nvSpPr>
                 <p:cNvPr id="11" name="TextBox 10">
@@ -18065,8 +19893,8 @@
             </p:sp>
           </mc:Fallback>
         </mc:AlternateContent>
-        <mc:AlternateContent xmlns:mc="http://schemas.openxmlformats.org/markup-compatibility/2006">
-          <mc:Choice xmlns:a14="http://schemas.microsoft.com/office/drawing/2010/main" Requires="a14">
+        <mc:AlternateContent xmlns:mc="http://schemas.openxmlformats.org/markup-compatibility/2006" xmlns:a14="http://schemas.microsoft.com/office/drawing/2010/main">
+          <mc:Choice Requires="a14">
             <p:sp>
               <p:nvSpPr>
                 <p:cNvPr id="12" name="TextBox 11">
@@ -18097,6 +19925,7 @@
                 </a:bodyPr>
                 <a:lstStyle/>
                 <a:p>
+                  <a:pPr/>
                   <a14:m>
                     <m:oMathPara xmlns:m="http://schemas.openxmlformats.org/officeDocument/2006/math">
                       <m:oMathParaPr>
@@ -18136,7 +19965,7 @@
               </p:txBody>
             </p:sp>
           </mc:Choice>
-          <mc:Fallback>
+          <mc:Fallback xmlns="">
             <p:sp>
               <p:nvSpPr>
                 <p:cNvPr id="12" name="TextBox 11">
@@ -18181,8 +20010,8 @@
             </p:sp>
           </mc:Fallback>
         </mc:AlternateContent>
-        <mc:AlternateContent xmlns:mc="http://schemas.openxmlformats.org/markup-compatibility/2006">
-          <mc:Choice xmlns:a14="http://schemas.microsoft.com/office/drawing/2010/main" Requires="a14">
+        <mc:AlternateContent xmlns:mc="http://schemas.openxmlformats.org/markup-compatibility/2006" xmlns:a14="http://schemas.microsoft.com/office/drawing/2010/main">
+          <mc:Choice Requires="a14">
             <p:sp>
               <p:nvSpPr>
                 <p:cNvPr id="13" name="TextBox 12">
@@ -18213,6 +20042,7 @@
                 </a:bodyPr>
                 <a:lstStyle/>
                 <a:p>
+                  <a:pPr/>
                   <a14:m>
                     <m:oMathPara xmlns:m="http://schemas.openxmlformats.org/officeDocument/2006/math">
                       <m:oMathParaPr>
@@ -18252,7 +20082,7 @@
               </p:txBody>
             </p:sp>
           </mc:Choice>
-          <mc:Fallback>
+          <mc:Fallback xmlns="">
             <p:sp>
               <p:nvSpPr>
                 <p:cNvPr id="13" name="TextBox 12">
@@ -18297,8 +20127,8 @@
             </p:sp>
           </mc:Fallback>
         </mc:AlternateContent>
-        <mc:AlternateContent xmlns:mc="http://schemas.openxmlformats.org/markup-compatibility/2006">
-          <mc:Choice xmlns:a14="http://schemas.microsoft.com/office/drawing/2010/main" Requires="a14">
+        <mc:AlternateContent xmlns:mc="http://schemas.openxmlformats.org/markup-compatibility/2006" xmlns:a14="http://schemas.microsoft.com/office/drawing/2010/main">
+          <mc:Choice Requires="a14">
             <p:sp>
               <p:nvSpPr>
                 <p:cNvPr id="15" name="TextBox 14">
@@ -18327,6 +20157,7 @@
                 </a:bodyPr>
                 <a:lstStyle/>
                 <a:p>
+                  <a:pPr/>
                   <a14:m>
                     <m:oMathPara xmlns:m="http://schemas.openxmlformats.org/officeDocument/2006/math">
                       <m:oMathParaPr>
@@ -18347,7 +20178,7 @@
               </p:txBody>
             </p:sp>
           </mc:Choice>
-          <mc:Fallback>
+          <mc:Fallback xmlns="">
             <p:sp>
               <p:nvSpPr>
                 <p:cNvPr id="15" name="TextBox 14">
@@ -18393,8 +20224,8 @@
           </mc:Fallback>
         </mc:AlternateContent>
       </p:grpSp>
-      <mc:AlternateContent xmlns:mc="http://schemas.openxmlformats.org/markup-compatibility/2006">
-        <mc:Choice xmlns:a14="http://schemas.microsoft.com/office/drawing/2010/main" Requires="a14">
+      <mc:AlternateContent xmlns:mc="http://schemas.openxmlformats.org/markup-compatibility/2006" xmlns:a14="http://schemas.microsoft.com/office/drawing/2010/main">
+        <mc:Choice Requires="a14">
           <p:sp>
             <p:nvSpPr>
               <p:cNvPr id="16" name="TextBox 15">
@@ -18423,6 +20254,7 @@
               </a:bodyPr>
               <a:lstStyle/>
               <a:p>
+                <a:pPr/>
                 <a14:m>
                   <m:oMathPara xmlns:m="http://schemas.openxmlformats.org/officeDocument/2006/math">
                     <m:oMathParaPr>
@@ -18804,7 +20636,7 @@
             </p:txBody>
           </p:sp>
         </mc:Choice>
-        <mc:Fallback>
+        <mc:Fallback xmlns="">
           <p:sp>
             <p:nvSpPr>
               <p:cNvPr id="16" name="TextBox 15">
@@ -18849,8 +20681,8 @@
           </p:sp>
         </mc:Fallback>
       </mc:AlternateContent>
-      <mc:AlternateContent xmlns:mc="http://schemas.openxmlformats.org/markup-compatibility/2006">
-        <mc:Choice xmlns:a14="http://schemas.microsoft.com/office/drawing/2010/main" Requires="a14">
+      <mc:AlternateContent xmlns:mc="http://schemas.openxmlformats.org/markup-compatibility/2006" xmlns:a14="http://schemas.microsoft.com/office/drawing/2010/main">
+        <mc:Choice Requires="a14">
           <p:sp>
             <p:nvSpPr>
               <p:cNvPr id="17" name="TextBox 16">
@@ -18923,7 +20755,7 @@
             </p:txBody>
           </p:sp>
         </mc:Choice>
-        <mc:Fallback>
+        <mc:Fallback xmlns="">
           <p:sp>
             <p:nvSpPr>
               <p:cNvPr id="17" name="TextBox 16">
@@ -19015,8 +20847,8 @@
           </a:extLst>
         </p:spPr>
       </p:pic>
-      <mc:AlternateContent xmlns:mc="http://schemas.openxmlformats.org/markup-compatibility/2006">
-        <mc:Choice xmlns:a14="http://schemas.microsoft.com/office/drawing/2010/main" Requires="a14">
+      <mc:AlternateContent xmlns:mc="http://schemas.openxmlformats.org/markup-compatibility/2006" xmlns:a14="http://schemas.microsoft.com/office/drawing/2010/main">
+        <mc:Choice Requires="a14">
           <p:sp>
             <p:nvSpPr>
               <p:cNvPr id="8" name="TextBox 7">
@@ -19067,7 +20899,7 @@
             </p:txBody>
           </p:sp>
         </mc:Choice>
-        <mc:Fallback>
+        <mc:Fallback xmlns="">
           <p:sp>
             <p:nvSpPr>
               <p:cNvPr id="8" name="TextBox 7">
@@ -19229,8 +21061,8 @@
           </a:p>
         </p:txBody>
       </p:sp>
-      <mc:AlternateContent xmlns:mc="http://schemas.openxmlformats.org/markup-compatibility/2006">
-        <mc:Choice xmlns:a14="http://schemas.microsoft.com/office/drawing/2010/main" Requires="a14">
+      <mc:AlternateContent xmlns:mc="http://schemas.openxmlformats.org/markup-compatibility/2006" xmlns:a14="http://schemas.microsoft.com/office/drawing/2010/main">
+        <mc:Choice Requires="a14">
           <p:sp>
             <p:nvSpPr>
               <p:cNvPr id="23" name="TextBox 22">
@@ -19286,7 +21118,7 @@
             </p:txBody>
           </p:sp>
         </mc:Choice>
-        <mc:Fallback>
+        <mc:Fallback xmlns="">
           <p:sp>
             <p:nvSpPr>
               <p:cNvPr id="23" name="TextBox 22">
@@ -19366,8 +21198,8 @@
           </a:p>
         </p:txBody>
       </p:sp>
-      <mc:AlternateContent xmlns:mc="http://schemas.openxmlformats.org/markup-compatibility/2006">
-        <mc:Choice xmlns:a14="http://schemas.microsoft.com/office/drawing/2010/main" Requires="a14">
+      <mc:AlternateContent xmlns:mc="http://schemas.openxmlformats.org/markup-compatibility/2006" xmlns:a14="http://schemas.microsoft.com/office/drawing/2010/main">
+        <mc:Choice Requires="a14">
           <p:sp>
             <p:nvSpPr>
               <p:cNvPr id="26" name="TextBox 25">
@@ -19396,6 +21228,7 @@
               </a:bodyPr>
               <a:lstStyle/>
               <a:p>
+                <a:pPr/>
                 <a14:m>
                   <m:oMathPara xmlns:m="http://schemas.openxmlformats.org/officeDocument/2006/math">
                     <m:oMathParaPr>
@@ -19637,7 +21470,7 @@
             </p:txBody>
           </p:sp>
         </mc:Choice>
-        <mc:Fallback>
+        <mc:Fallback xmlns="">
           <p:sp>
             <p:nvSpPr>
               <p:cNvPr id="26" name="TextBox 25">
@@ -20186,7 +22019,7 @@
 </p:sld>
 </file>
 
-<file path=ppt/slides/slide14.xml><?xml version="1.0" encoding="utf-8"?>
+<file path=ppt/slides/slide15.xml><?xml version="1.0" encoding="utf-8"?>
 <p:sld xmlns:a="http://schemas.openxmlformats.org/drawingml/2006/main" xmlns:r="http://schemas.openxmlformats.org/officeDocument/2006/relationships" xmlns:p="http://schemas.openxmlformats.org/presentationml/2006/main">
   <p:cSld>
     <p:spTree>
@@ -20260,7 +22093,7 @@
               <a:pPr>
                 <a:defRPr/>
               </a:pPr>
-              <a:t>14</a:t>
+              <a:t>15</a:t>
             </a:fld>
             <a:endParaRPr lang="en-US" altLang="x-none"/>
           </a:p>
@@ -20301,8 +22134,8 @@
           </a:p>
         </p:txBody>
       </p:sp>
-      <mc:AlternateContent xmlns:mc="http://schemas.openxmlformats.org/markup-compatibility/2006">
-        <mc:Choice xmlns:a14="http://schemas.microsoft.com/office/drawing/2010/main" Requires="a14">
+      <mc:AlternateContent xmlns:mc="http://schemas.openxmlformats.org/markup-compatibility/2006" xmlns:a14="http://schemas.microsoft.com/office/drawing/2010/main">
+        <mc:Choice Requires="a14">
           <p:sp>
             <p:nvSpPr>
               <p:cNvPr id="8" name="TextBox 7">
@@ -20403,7 +22236,7 @@
             </p:txBody>
           </p:sp>
         </mc:Choice>
-        <mc:Fallback>
+        <mc:Fallback xmlns="">
           <p:sp>
             <p:nvSpPr>
               <p:cNvPr id="8" name="TextBox 7">
@@ -20448,8 +22281,8 @@
           </p:sp>
         </mc:Fallback>
       </mc:AlternateContent>
-      <mc:AlternateContent xmlns:mc="http://schemas.openxmlformats.org/markup-compatibility/2006">
-        <mc:Choice xmlns:a14="http://schemas.microsoft.com/office/drawing/2010/main" Requires="a14">
+      <mc:AlternateContent xmlns:mc="http://schemas.openxmlformats.org/markup-compatibility/2006" xmlns:a14="http://schemas.microsoft.com/office/drawing/2010/main">
+        <mc:Choice Requires="a14">
           <p:sp>
             <p:nvSpPr>
               <p:cNvPr id="9" name="Rectangle 8">
@@ -20513,7 +22346,7 @@
             </p:txBody>
           </p:sp>
         </mc:Choice>
-        <mc:Fallback>
+        <mc:Fallback xmlns="">
           <p:sp>
             <p:nvSpPr>
               <p:cNvPr id="9" name="Rectangle 8">
@@ -20659,7 +22492,7 @@
 </p:sld>
 </file>
 
-<file path=ppt/slides/slide15.xml><?xml version="1.0" encoding="utf-8"?>
+<file path=ppt/slides/slide16.xml><?xml version="1.0" encoding="utf-8"?>
 <p:sld xmlns:a="http://schemas.openxmlformats.org/drawingml/2006/main" xmlns:r="http://schemas.openxmlformats.org/officeDocument/2006/relationships" xmlns:p="http://schemas.openxmlformats.org/presentationml/2006/main">
   <p:cSld>
     <p:spTree>
@@ -20733,14 +22566,14 @@
               <a:pPr>
                 <a:defRPr/>
               </a:pPr>
-              <a:t>15</a:t>
+              <a:t>16</a:t>
             </a:fld>
             <a:endParaRPr lang="en-US" altLang="x-none"/>
           </a:p>
         </p:txBody>
       </p:sp>
-      <mc:AlternateContent xmlns:mc="http://schemas.openxmlformats.org/markup-compatibility/2006">
-        <mc:Choice xmlns:a14="http://schemas.microsoft.com/office/drawing/2010/main" Requires="a14">
+      <mc:AlternateContent xmlns:mc="http://schemas.openxmlformats.org/markup-compatibility/2006" xmlns:a14="http://schemas.microsoft.com/office/drawing/2010/main">
+        <mc:Choice Requires="a14">
           <p:sp>
             <p:nvSpPr>
               <p:cNvPr id="9" name="Rectangle 8">
@@ -20804,7 +22637,7 @@
             </p:txBody>
           </p:sp>
         </mc:Choice>
-        <mc:Fallback>
+        <mc:Fallback xmlns="">
           <p:sp>
             <p:nvSpPr>
               <p:cNvPr id="9" name="Rectangle 8">
@@ -20849,8 +22682,8 @@
           </p:sp>
         </mc:Fallback>
       </mc:AlternateContent>
-      <mc:AlternateContent xmlns:mc="http://schemas.openxmlformats.org/markup-compatibility/2006">
-        <mc:Choice xmlns:a14="http://schemas.microsoft.com/office/drawing/2010/main" Requires="a14">
+      <mc:AlternateContent xmlns:mc="http://schemas.openxmlformats.org/markup-compatibility/2006" xmlns:a14="http://schemas.microsoft.com/office/drawing/2010/main">
+        <mc:Choice Requires="a14">
           <p:sp>
             <p:nvSpPr>
               <p:cNvPr id="12" name="Rectangle 11">
@@ -20878,6 +22711,7 @@
               </a:bodyPr>
               <a:lstStyle/>
               <a:p>
+                <a:pPr/>
                 <a14:m>
                   <m:oMathPara xmlns:m="http://schemas.openxmlformats.org/officeDocument/2006/math">
                     <m:oMathParaPr>
@@ -20945,7 +22779,7 @@
             </p:txBody>
           </p:sp>
         </mc:Choice>
-        <mc:Fallback>
+        <mc:Fallback xmlns="">
           <p:sp>
             <p:nvSpPr>
               <p:cNvPr id="12" name="Rectangle 11">
@@ -20990,8 +22824,8 @@
           </p:sp>
         </mc:Fallback>
       </mc:AlternateContent>
-      <mc:AlternateContent xmlns:mc="http://schemas.openxmlformats.org/markup-compatibility/2006">
-        <mc:Choice xmlns:a14="http://schemas.microsoft.com/office/drawing/2010/main" Requires="a14">
+      <mc:AlternateContent xmlns:mc="http://schemas.openxmlformats.org/markup-compatibility/2006" xmlns:a14="http://schemas.microsoft.com/office/drawing/2010/main">
+        <mc:Choice Requires="a14">
           <p:sp>
             <p:nvSpPr>
               <p:cNvPr id="13" name="Rectangle 12">
@@ -21019,6 +22853,7 @@
               </a:bodyPr>
               <a:lstStyle/>
               <a:p>
+                <a:pPr/>
                 <a14:m>
                   <m:oMathPara xmlns:m="http://schemas.openxmlformats.org/officeDocument/2006/math">
                     <m:oMathParaPr>
@@ -21430,7 +23265,7 @@
             </p:txBody>
           </p:sp>
         </mc:Choice>
-        <mc:Fallback>
+        <mc:Fallback xmlns="">
           <p:sp>
             <p:nvSpPr>
               <p:cNvPr id="13" name="Rectangle 12">
@@ -21475,8 +23310,8 @@
           </p:sp>
         </mc:Fallback>
       </mc:AlternateContent>
-      <mc:AlternateContent xmlns:mc="http://schemas.openxmlformats.org/markup-compatibility/2006">
-        <mc:Choice xmlns:a14="http://schemas.microsoft.com/office/drawing/2010/main" Requires="a14">
+      <mc:AlternateContent xmlns:mc="http://schemas.openxmlformats.org/markup-compatibility/2006" xmlns:a14="http://schemas.microsoft.com/office/drawing/2010/main">
+        <mc:Choice Requires="a14">
           <p:sp>
             <p:nvSpPr>
               <p:cNvPr id="15" name="TextBox 14">
@@ -21535,7 +23370,7 @@
             </p:txBody>
           </p:sp>
         </mc:Choice>
-        <mc:Fallback>
+        <mc:Fallback xmlns="">
           <p:sp>
             <p:nvSpPr>
               <p:cNvPr id="15" name="TextBox 14">
@@ -21685,8 +23520,8 @@
           </a:p>
         </p:txBody>
       </p:sp>
-      <mc:AlternateContent xmlns:mc="http://schemas.openxmlformats.org/markup-compatibility/2006">
-        <mc:Choice xmlns:a14="http://schemas.microsoft.com/office/drawing/2010/main" Requires="a14">
+      <mc:AlternateContent xmlns:mc="http://schemas.openxmlformats.org/markup-compatibility/2006" xmlns:a14="http://schemas.microsoft.com/office/drawing/2010/main">
+        <mc:Choice Requires="a14">
           <p:sp>
             <p:nvSpPr>
               <p:cNvPr id="19" name="Rectangle 18">
@@ -21802,7 +23637,7 @@
             </p:txBody>
           </p:sp>
         </mc:Choice>
-        <mc:Fallback>
+        <mc:Fallback xmlns="">
           <p:sp>
             <p:nvSpPr>
               <p:cNvPr id="19" name="Rectangle 18">
@@ -21984,8 +23819,8 @@
           </a:p>
         </p:txBody>
       </p:sp>
-      <mc:AlternateContent xmlns:mc="http://schemas.openxmlformats.org/markup-compatibility/2006">
-        <mc:Choice xmlns:a14="http://schemas.microsoft.com/office/drawing/2010/main" Requires="a14">
+      <mc:AlternateContent xmlns:mc="http://schemas.openxmlformats.org/markup-compatibility/2006" xmlns:a14="http://schemas.microsoft.com/office/drawing/2010/main">
+        <mc:Choice Requires="a14">
           <p:sp>
             <p:nvSpPr>
               <p:cNvPr id="2" name="Rectangle 1">
@@ -22095,7 +23930,7 @@
             </p:txBody>
           </p:sp>
         </mc:Choice>
-        <mc:Fallback>
+        <mc:Fallback xmlns="">
           <p:sp>
             <p:nvSpPr>
               <p:cNvPr id="2" name="Rectangle 1">
@@ -22526,7 +24361,7 @@
 </p:sld>
 </file>
 
-<file path=ppt/slides/slide16.xml><?xml version="1.0" encoding="utf-8"?>
+<file path=ppt/slides/slide17.xml><?xml version="1.0" encoding="utf-8"?>
 <p:sld xmlns:a="http://schemas.openxmlformats.org/drawingml/2006/main" xmlns:r="http://schemas.openxmlformats.org/officeDocument/2006/relationships" xmlns:p="http://schemas.openxmlformats.org/presentationml/2006/main">
   <p:cSld>
     <p:spTree>
@@ -22600,7 +24435,7 @@
               <a:pPr>
                 <a:defRPr/>
               </a:pPr>
-              <a:t>16</a:t>
+              <a:t>17</a:t>
             </a:fld>
             <a:endParaRPr lang="en-US" altLang="x-none"/>
           </a:p>
@@ -22650,8 +24485,8 @@
           </a:p>
         </p:txBody>
       </p:sp>
-      <mc:AlternateContent xmlns:mc="http://schemas.openxmlformats.org/markup-compatibility/2006">
-        <mc:Choice xmlns:a14="http://schemas.microsoft.com/office/drawing/2010/main" Requires="a14">
+      <mc:AlternateContent xmlns:mc="http://schemas.openxmlformats.org/markup-compatibility/2006" xmlns:a14="http://schemas.microsoft.com/office/drawing/2010/main">
+        <mc:Choice Requires="a14">
           <p:sp>
             <p:nvSpPr>
               <p:cNvPr id="5" name="Rectangle 4">
@@ -22705,7 +24540,7 @@
             </p:txBody>
           </p:sp>
         </mc:Choice>
-        <mc:Fallback>
+        <mc:Fallback xmlns="">
           <p:sp>
             <p:nvSpPr>
               <p:cNvPr id="5" name="Rectangle 4">
@@ -22750,8 +24585,8 @@
           </p:sp>
         </mc:Fallback>
       </mc:AlternateContent>
-      <mc:AlternateContent xmlns:mc="http://schemas.openxmlformats.org/markup-compatibility/2006">
-        <mc:Choice xmlns:a14="http://schemas.microsoft.com/office/drawing/2010/main" Requires="a14">
+      <mc:AlternateContent xmlns:mc="http://schemas.openxmlformats.org/markup-compatibility/2006" xmlns:a14="http://schemas.microsoft.com/office/drawing/2010/main">
+        <mc:Choice Requires="a14">
           <p:sp>
             <p:nvSpPr>
               <p:cNvPr id="6" name="Rectangle 5">
@@ -22790,6 +24625,7 @@
                 </a:endParaRPr>
               </a:p>
               <a:p>
+                <a:pPr/>
                 <a14:m>
                   <m:oMathPara xmlns:m="http://schemas.openxmlformats.org/officeDocument/2006/math">
                     <m:oMathParaPr>
@@ -23144,7 +24980,7 @@
             </p:txBody>
           </p:sp>
         </mc:Choice>
-        <mc:Fallback>
+        <mc:Fallback xmlns="">
           <p:sp>
             <p:nvSpPr>
               <p:cNvPr id="6" name="Rectangle 5">
@@ -23189,8 +25025,8 @@
           </p:sp>
         </mc:Fallback>
       </mc:AlternateContent>
-      <mc:AlternateContent xmlns:mc="http://schemas.openxmlformats.org/markup-compatibility/2006">
-        <mc:Choice xmlns:a14="http://schemas.microsoft.com/office/drawing/2010/main" Requires="a14">
+      <mc:AlternateContent xmlns:mc="http://schemas.openxmlformats.org/markup-compatibility/2006" xmlns:a14="http://schemas.microsoft.com/office/drawing/2010/main">
+        <mc:Choice Requires="a14">
           <p:sp>
             <p:nvSpPr>
               <p:cNvPr id="7" name="Rectangle 6">
@@ -23218,6 +25054,7 @@
               </a:bodyPr>
               <a:lstStyle/>
               <a:p>
+                <a:pPr/>
                 <a14:m>
                   <m:oMathPara xmlns:m="http://schemas.openxmlformats.org/officeDocument/2006/math">
                     <m:oMathParaPr>
@@ -23484,7 +25321,7 @@
             </p:txBody>
           </p:sp>
         </mc:Choice>
-        <mc:Fallback>
+        <mc:Fallback xmlns="">
           <p:sp>
             <p:nvSpPr>
               <p:cNvPr id="7" name="Rectangle 6">
@@ -23529,8 +25366,8 @@
           </p:sp>
         </mc:Fallback>
       </mc:AlternateContent>
-      <mc:AlternateContent xmlns:mc="http://schemas.openxmlformats.org/markup-compatibility/2006">
-        <mc:Choice xmlns:a14="http://schemas.microsoft.com/office/drawing/2010/main" Requires="a14">
+      <mc:AlternateContent xmlns:mc="http://schemas.openxmlformats.org/markup-compatibility/2006" xmlns:a14="http://schemas.microsoft.com/office/drawing/2010/main">
+        <mc:Choice Requires="a14">
           <p:sp>
             <p:nvSpPr>
               <p:cNvPr id="8" name="Rectangle 7">
@@ -23653,7 +25490,7 @@
             </p:txBody>
           </p:sp>
         </mc:Choice>
-        <mc:Fallback>
+        <mc:Fallback xmlns="">
           <p:sp>
             <p:nvSpPr>
               <p:cNvPr id="8" name="Rectangle 7">
@@ -23891,7 +25728,7 @@
 </p:sld>
 </file>
 
-<file path=ppt/slides/slide17.xml><?xml version="1.0" encoding="utf-8"?>
+<file path=ppt/slides/slide18.xml><?xml version="1.0" encoding="utf-8"?>
 <p:sld xmlns:a="http://schemas.openxmlformats.org/drawingml/2006/main" xmlns:r="http://schemas.openxmlformats.org/officeDocument/2006/relationships" xmlns:p="http://schemas.openxmlformats.org/presentationml/2006/main">
   <p:cSld>
     <p:spTree>
@@ -23965,7 +25802,7 @@
               <a:pPr>
                 <a:defRPr/>
               </a:pPr>
-              <a:t>17</a:t>
+              <a:t>18</a:t>
             </a:fld>
             <a:endParaRPr lang="en-US" altLang="x-none"/>
           </a:p>
@@ -24018,8 +25855,8 @@
           </a:extLst>
         </p:spPr>
       </p:pic>
-      <mc:AlternateContent xmlns:mc="http://schemas.openxmlformats.org/markup-compatibility/2006">
-        <mc:Choice xmlns:a14="http://schemas.microsoft.com/office/drawing/2010/main" Requires="a14">
+      <mc:AlternateContent xmlns:mc="http://schemas.openxmlformats.org/markup-compatibility/2006" xmlns:a14="http://schemas.microsoft.com/office/drawing/2010/main">
+        <mc:Choice Requires="a14">
           <p:sp>
             <p:nvSpPr>
               <p:cNvPr id="33" name="TextBox 32">
@@ -24155,7 +25992,7 @@
             </p:txBody>
           </p:sp>
         </mc:Choice>
-        <mc:Fallback>
+        <mc:Fallback xmlns="">
           <p:sp>
             <p:nvSpPr>
               <p:cNvPr id="33" name="TextBox 32">
@@ -24200,8 +26037,8 @@
           </p:sp>
         </mc:Fallback>
       </mc:AlternateContent>
-      <mc:AlternateContent xmlns:mc="http://schemas.openxmlformats.org/markup-compatibility/2006">
-        <mc:Choice xmlns:a14="http://schemas.microsoft.com/office/drawing/2010/main" Requires="a14">
+      <mc:AlternateContent xmlns:mc="http://schemas.openxmlformats.org/markup-compatibility/2006" xmlns:a14="http://schemas.microsoft.com/office/drawing/2010/main">
+        <mc:Choice Requires="a14">
           <p:sp>
             <p:nvSpPr>
               <p:cNvPr id="35" name="TextBox 34">
@@ -24265,7 +26102,7 @@
             </p:txBody>
           </p:sp>
         </mc:Choice>
-        <mc:Fallback>
+        <mc:Fallback xmlns="">
           <p:sp>
             <p:nvSpPr>
               <p:cNvPr id="35" name="TextBox 34">
@@ -24310,8 +26147,8 @@
           </p:sp>
         </mc:Fallback>
       </mc:AlternateContent>
-      <mc:AlternateContent xmlns:mc="http://schemas.openxmlformats.org/markup-compatibility/2006">
-        <mc:Choice xmlns:a14="http://schemas.microsoft.com/office/drawing/2010/main" Requires="a14">
+      <mc:AlternateContent xmlns:mc="http://schemas.openxmlformats.org/markup-compatibility/2006" xmlns:a14="http://schemas.microsoft.com/office/drawing/2010/main">
+        <mc:Choice Requires="a14">
           <p:sp>
             <p:nvSpPr>
               <p:cNvPr id="36" name="TextBox 35">
@@ -24607,7 +26444,7 @@
             </p:txBody>
           </p:sp>
         </mc:Choice>
-        <mc:Fallback>
+        <mc:Fallback xmlns="">
           <p:sp>
             <p:nvSpPr>
               <p:cNvPr id="36" name="TextBox 35">
@@ -24652,8 +26489,8 @@
           </p:sp>
         </mc:Fallback>
       </mc:AlternateContent>
-      <mc:AlternateContent xmlns:mc="http://schemas.openxmlformats.org/markup-compatibility/2006">
-        <mc:Choice xmlns:a14="http://schemas.microsoft.com/office/drawing/2010/main" Requires="a14">
+      <mc:AlternateContent xmlns:mc="http://schemas.openxmlformats.org/markup-compatibility/2006" xmlns:a14="http://schemas.microsoft.com/office/drawing/2010/main">
+        <mc:Choice Requires="a14">
           <p:sp>
             <p:nvSpPr>
               <p:cNvPr id="37" name="TextBox 36">
@@ -24793,7 +26630,7 @@
             </p:txBody>
           </p:sp>
         </mc:Choice>
-        <mc:Fallback>
+        <mc:Fallback xmlns="">
           <p:sp>
             <p:nvSpPr>
               <p:cNvPr id="37" name="TextBox 36">
@@ -24975,7 +26812,7 @@
 </p:sld>
 </file>
 
-<file path=ppt/slides/slide18.xml><?xml version="1.0" encoding="utf-8"?>
+<file path=ppt/slides/slide19.xml><?xml version="1.0" encoding="utf-8"?>
 <p:sld xmlns:a="http://schemas.openxmlformats.org/drawingml/2006/main" xmlns:r="http://schemas.openxmlformats.org/officeDocument/2006/relationships" xmlns:p="http://schemas.openxmlformats.org/presentationml/2006/main">
   <p:cSld>
     <p:spTree>
@@ -24992,8 +26829,8 @@
           <a:chExt cx="0" cy="0"/>
         </a:xfrm>
       </p:grpSpPr>
-      <mc:AlternateContent xmlns:mc="http://schemas.openxmlformats.org/markup-compatibility/2006">
-        <mc:Choice xmlns:a14="http://schemas.microsoft.com/office/drawing/2010/main" Requires="a14">
+      <mc:AlternateContent xmlns:mc="http://schemas.openxmlformats.org/markup-compatibility/2006" xmlns:a14="http://schemas.microsoft.com/office/drawing/2010/main">
+        <mc:Choice Requires="a14">
           <p:sp>
             <p:nvSpPr>
               <p:cNvPr id="2" name="Title 1">
@@ -25055,7 +26892,7 @@
             </p:txBody>
           </p:sp>
         </mc:Choice>
-        <mc:Fallback>
+        <mc:Fallback xmlns="">
           <p:sp>
             <p:nvSpPr>
               <p:cNvPr id="2" name="Title 1">
@@ -25095,8 +26932,8 @@
           </p:sp>
         </mc:Fallback>
       </mc:AlternateContent>
-      <mc:AlternateContent xmlns:mc="http://schemas.openxmlformats.org/markup-compatibility/2006">
-        <mc:Choice xmlns:a14="http://schemas.microsoft.com/office/drawing/2010/main" Requires="a14">
+      <mc:AlternateContent xmlns:mc="http://schemas.openxmlformats.org/markup-compatibility/2006" xmlns:a14="http://schemas.microsoft.com/office/drawing/2010/main">
+        <mc:Choice Requires="a14">
           <p:sp>
             <p:nvSpPr>
               <p:cNvPr id="4" name="Content Placeholder 3">
@@ -25735,7 +27572,7 @@
             </p:txBody>
           </p:sp>
         </mc:Choice>
-        <mc:Fallback>
+        <mc:Fallback xmlns="">
           <p:sp>
             <p:nvSpPr>
               <p:cNvPr id="4" name="Content Placeholder 3">
@@ -25808,7 +27645,7 @@
               <a:pPr>
                 <a:defRPr/>
               </a:pPr>
-              <a:t>18</a:t>
+              <a:t>19</a:t>
             </a:fld>
             <a:endParaRPr lang="en-US" altLang="x-none"/>
           </a:p>
@@ -26070,8 +27907,8 @@
             </a:fontRef>
           </p:style>
         </p:cxnSp>
-        <mc:AlternateContent xmlns:mc="http://schemas.openxmlformats.org/markup-compatibility/2006">
-          <mc:Choice xmlns:a14="http://schemas.microsoft.com/office/drawing/2010/main" Requires="a14">
+        <mc:AlternateContent xmlns:mc="http://schemas.openxmlformats.org/markup-compatibility/2006" xmlns:a14="http://schemas.microsoft.com/office/drawing/2010/main">
+          <mc:Choice Requires="a14">
             <p:sp>
               <p:nvSpPr>
                 <p:cNvPr id="25" name="Rectangle 24">
@@ -26099,6 +27936,7 @@
                 </a:bodyPr>
                 <a:lstStyle/>
                 <a:p>
+                  <a:pPr/>
                   <a14:m>
                     <m:oMathPara xmlns:m="http://schemas.openxmlformats.org/officeDocument/2006/math">
                       <m:oMathParaPr>
@@ -26125,7 +27963,7 @@
               </p:txBody>
             </p:sp>
           </mc:Choice>
-          <mc:Fallback>
+          <mc:Fallback xmlns="">
             <p:sp>
               <p:nvSpPr>
                 <p:cNvPr id="25" name="Rectangle 24">
@@ -26279,8 +28117,8 @@
           </a:p>
         </p:txBody>
       </p:sp>
-      <mc:AlternateContent xmlns:mc="http://schemas.openxmlformats.org/markup-compatibility/2006">
-        <mc:Choice xmlns:a14="http://schemas.microsoft.com/office/drawing/2010/main" Requires="a14">
+      <mc:AlternateContent xmlns:mc="http://schemas.openxmlformats.org/markup-compatibility/2006" xmlns:a14="http://schemas.microsoft.com/office/drawing/2010/main">
+        <mc:Choice Requires="a14">
           <p:sp>
             <p:nvSpPr>
               <p:cNvPr id="15" name="TextBox 14">
@@ -26309,6 +28147,7 @@
               </a:bodyPr>
               <a:lstStyle/>
               <a:p>
+                <a:pPr/>
                 <a14:m>
                   <m:oMathPara xmlns:m="http://schemas.openxmlformats.org/officeDocument/2006/math">
                     <m:oMathParaPr>
@@ -26329,7 +28168,7 @@
             </p:txBody>
           </p:sp>
         </mc:Choice>
-        <mc:Fallback>
+        <mc:Fallback xmlns="">
           <p:sp>
             <p:nvSpPr>
               <p:cNvPr id="15" name="TextBox 14">
@@ -26394,8 +28233,8 @@
             <a:chExt cx="7943281" cy="755437"/>
           </a:xfrm>
         </p:grpSpPr>
-        <mc:AlternateContent xmlns:mc="http://schemas.openxmlformats.org/markup-compatibility/2006">
-          <mc:Choice xmlns:a14="http://schemas.microsoft.com/office/drawing/2010/main" Requires="a14">
+        <mc:AlternateContent xmlns:mc="http://schemas.openxmlformats.org/markup-compatibility/2006" xmlns:a14="http://schemas.microsoft.com/office/drawing/2010/main">
+          <mc:Choice Requires="a14">
             <p:sp>
               <p:nvSpPr>
                 <p:cNvPr id="16" name="TextBox 15">
@@ -26662,7 +28501,7 @@
               </p:txBody>
             </p:sp>
           </mc:Choice>
-          <mc:Fallback>
+          <mc:Fallback xmlns="">
             <p:sp>
               <p:nvSpPr>
                 <p:cNvPr id="16" name="TextBox 15">
@@ -26771,8 +28610,8 @@
               </a:fontRef>
             </p:style>
           </p:cxnSp>
-          <mc:AlternateContent xmlns:mc="http://schemas.openxmlformats.org/markup-compatibility/2006">
-            <mc:Choice xmlns:a14="http://schemas.microsoft.com/office/drawing/2010/main" Requires="a14">
+          <mc:AlternateContent xmlns:mc="http://schemas.openxmlformats.org/markup-compatibility/2006" xmlns:a14="http://schemas.microsoft.com/office/drawing/2010/main">
+            <mc:Choice Requires="a14">
               <p:sp>
                 <p:nvSpPr>
                   <p:cNvPr id="17" name="Rectangle 16">
@@ -26800,6 +28639,7 @@
                   </a:bodyPr>
                   <a:lstStyle/>
                   <a:p>
+                    <a:pPr/>
                     <a14:m>
                       <m:oMathPara xmlns:m="http://schemas.openxmlformats.org/officeDocument/2006/math">
                         <m:oMathParaPr>
@@ -26820,7 +28660,7 @@
                 </p:txBody>
               </p:sp>
             </mc:Choice>
-            <mc:Fallback>
+            <mc:Fallback xmlns="">
               <p:sp>
                 <p:nvSpPr>
                   <p:cNvPr id="17" name="Rectangle 16">
@@ -26938,8 +28778,8 @@
             </a:fontRef>
           </p:style>
         </p:cxnSp>
-        <mc:AlternateContent xmlns:mc="http://schemas.openxmlformats.org/markup-compatibility/2006">
-          <mc:Choice xmlns:a14="http://schemas.microsoft.com/office/drawing/2010/main" Requires="a14">
+        <mc:AlternateContent xmlns:mc="http://schemas.openxmlformats.org/markup-compatibility/2006" xmlns:a14="http://schemas.microsoft.com/office/drawing/2010/main">
+          <mc:Choice Requires="a14">
             <p:sp>
               <p:nvSpPr>
                 <p:cNvPr id="18" name="Rectangle 17">
@@ -26967,6 +28807,7 @@
                 </a:bodyPr>
                 <a:lstStyle/>
                 <a:p>
+                  <a:pPr/>
                   <a14:m>
                     <m:oMathPara xmlns:m="http://schemas.openxmlformats.org/officeDocument/2006/math">
                       <m:oMathParaPr>
@@ -26987,7 +28828,7 @@
               </p:txBody>
             </p:sp>
           </mc:Choice>
-          <mc:Fallback>
+          <mc:Fallback xmlns="">
             <p:sp>
               <p:nvSpPr>
                 <p:cNvPr id="18" name="Rectangle 17">
@@ -27102,8 +28943,8 @@
             </a:fontRef>
           </p:style>
         </p:cxnSp>
-        <mc:AlternateContent xmlns:mc="http://schemas.openxmlformats.org/markup-compatibility/2006">
-          <mc:Choice xmlns:a14="http://schemas.microsoft.com/office/drawing/2010/main" Requires="a14">
+        <mc:AlternateContent xmlns:mc="http://schemas.openxmlformats.org/markup-compatibility/2006" xmlns:a14="http://schemas.microsoft.com/office/drawing/2010/main">
+          <mc:Choice Requires="a14">
             <p:sp>
               <p:nvSpPr>
                 <p:cNvPr id="19" name="Rectangle 18">
@@ -27131,6 +28972,7 @@
                 </a:bodyPr>
                 <a:lstStyle/>
                 <a:p>
+                  <a:pPr/>
                   <a14:m>
                     <m:oMathPara xmlns:m="http://schemas.openxmlformats.org/officeDocument/2006/math">
                       <m:oMathParaPr>
@@ -27175,7 +29017,7 @@
               </p:txBody>
             </p:sp>
           </mc:Choice>
-          <mc:Fallback>
+          <mc:Fallback xmlns="">
             <p:sp>
               <p:nvSpPr>
                 <p:cNvPr id="19" name="Rectangle 18">
@@ -27221,8 +29063,8 @@
           </mc:Fallback>
         </mc:AlternateContent>
       </p:grpSp>
-      <mc:AlternateContent xmlns:mc="http://schemas.openxmlformats.org/markup-compatibility/2006">
-        <mc:Choice xmlns:a14="http://schemas.microsoft.com/office/drawing/2010/main" Requires="a14">
+      <mc:AlternateContent xmlns:mc="http://schemas.openxmlformats.org/markup-compatibility/2006" xmlns:a14="http://schemas.microsoft.com/office/drawing/2010/main">
+        <mc:Choice Requires="a14">
           <p:sp>
             <p:nvSpPr>
               <p:cNvPr id="20" name="TextBox 19">
@@ -27251,6 +29093,7 @@
               </a:bodyPr>
               <a:lstStyle/>
               <a:p>
+                <a:pPr/>
                 <a14:m>
                   <m:oMathPara xmlns:m="http://schemas.openxmlformats.org/officeDocument/2006/math">
                     <m:oMathParaPr>
@@ -27382,7 +29225,7 @@
             </p:txBody>
           </p:sp>
         </mc:Choice>
-        <mc:Fallback>
+        <mc:Fallback xmlns="">
           <p:sp>
             <p:nvSpPr>
               <p:cNvPr id="20" name="TextBox 19">
@@ -27427,8 +29270,8 @@
           </p:sp>
         </mc:Fallback>
       </mc:AlternateContent>
-      <mc:AlternateContent xmlns:mc="http://schemas.openxmlformats.org/markup-compatibility/2006">
-        <mc:Choice xmlns:a14="http://schemas.microsoft.com/office/drawing/2010/main" Requires="a14">
+      <mc:AlternateContent xmlns:mc="http://schemas.openxmlformats.org/markup-compatibility/2006" xmlns:a14="http://schemas.microsoft.com/office/drawing/2010/main">
+        <mc:Choice Requires="a14">
           <p:sp>
             <p:nvSpPr>
               <p:cNvPr id="21" name="Rectangle 20">
@@ -27575,7 +29418,7 @@
             </p:txBody>
           </p:sp>
         </mc:Choice>
-        <mc:Fallback>
+        <mc:Fallback xmlns="">
           <p:sp>
             <p:nvSpPr>
               <p:cNvPr id="21" name="Rectangle 20">
@@ -27620,8 +29463,8 @@
           </p:sp>
         </mc:Fallback>
       </mc:AlternateContent>
-      <mc:AlternateContent xmlns:mc="http://schemas.openxmlformats.org/markup-compatibility/2006">
-        <mc:Choice xmlns:a14="http://schemas.microsoft.com/office/drawing/2010/main" Requires="a14">
+      <mc:AlternateContent xmlns:mc="http://schemas.openxmlformats.org/markup-compatibility/2006" xmlns:a14="http://schemas.microsoft.com/office/drawing/2010/main">
+        <mc:Choice Requires="a14">
           <p:sp>
             <p:nvSpPr>
               <p:cNvPr id="22" name="Rectangle 21">
@@ -27709,7 +29552,7 @@
             </p:txBody>
           </p:sp>
         </mc:Choice>
-        <mc:Fallback>
+        <mc:Fallback xmlns="">
           <p:sp>
             <p:nvSpPr>
               <p:cNvPr id="22" name="Rectangle 21">
@@ -28324,8 +30167,8 @@
           </a:p>
         </p:txBody>
       </p:sp>
-      <mc:AlternateContent xmlns:mc="http://schemas.openxmlformats.org/markup-compatibility/2006">
-        <mc:Choice xmlns:a14="http://schemas.microsoft.com/office/drawing/2010/main" Requires="a14">
+      <mc:AlternateContent xmlns:mc="http://schemas.openxmlformats.org/markup-compatibility/2006" xmlns:a14="http://schemas.microsoft.com/office/drawing/2010/main">
+        <mc:Choice Requires="a14">
           <p:sp>
             <p:nvSpPr>
               <p:cNvPr id="19" name="Rectangle 18">
@@ -28438,7 +30281,7 @@
                     <m:sSub>
                       <m:sSubPr>
                         <m:ctrlPr>
-                          <a:rPr lang="en-US" b="0" i="0" smtClean="0">
+                          <a:rPr lang="en-US" b="0" i="1" smtClean="0">
                             <a:latin typeface="Cambria Math" panose="02040503050406030204" pitchFamily="18" charset="0"/>
                           </a:rPr>
                         </m:ctrlPr>
@@ -28498,7 +30341,7 @@
             </p:txBody>
           </p:sp>
         </mc:Choice>
-        <mc:Fallback>
+        <mc:Fallback xmlns="">
           <p:sp>
             <p:nvSpPr>
               <p:cNvPr id="19" name="Rectangle 18">
@@ -28543,8 +30386,8 @@
           </p:sp>
         </mc:Fallback>
       </mc:AlternateContent>
-      <mc:AlternateContent xmlns:mc="http://schemas.openxmlformats.org/markup-compatibility/2006">
-        <mc:Choice xmlns:a14="http://schemas.microsoft.com/office/drawing/2010/main" Requires="a14">
+      <mc:AlternateContent xmlns:mc="http://schemas.openxmlformats.org/markup-compatibility/2006" xmlns:a14="http://schemas.microsoft.com/office/drawing/2010/main">
+        <mc:Choice Requires="a14">
           <p:sp>
             <p:nvSpPr>
               <p:cNvPr id="5" name="TextBox 4">
@@ -28573,6 +30416,7 @@
               </a:bodyPr>
               <a:lstStyle/>
               <a:p>
+                <a:pPr/>
                 <a14:m>
                   <m:oMathPara xmlns:m="http://schemas.openxmlformats.org/officeDocument/2006/math">
                     <m:oMathParaPr>
@@ -28863,7 +30707,7 @@
             </p:txBody>
           </p:sp>
         </mc:Choice>
-        <mc:Fallback>
+        <mc:Fallback xmlns="">
           <p:sp>
             <p:nvSpPr>
               <p:cNvPr id="5" name="TextBox 4">
@@ -28908,8 +30752,8 @@
           </p:sp>
         </mc:Fallback>
       </mc:AlternateContent>
-      <mc:AlternateContent xmlns:mc="http://schemas.openxmlformats.org/markup-compatibility/2006">
-        <mc:Choice xmlns:a14="http://schemas.microsoft.com/office/drawing/2010/main" Requires="a14">
+      <mc:AlternateContent xmlns:mc="http://schemas.openxmlformats.org/markup-compatibility/2006" xmlns:a14="http://schemas.microsoft.com/office/drawing/2010/main">
+        <mc:Choice Requires="a14">
           <p:sp>
             <p:nvSpPr>
               <p:cNvPr id="26" name="Rectangle 25">
@@ -29010,7 +30854,7 @@
                     <m:sSub>
                       <m:sSubPr>
                         <m:ctrlPr>
-                          <a:rPr lang="en-US" b="0" i="0" smtClean="0">
+                          <a:rPr lang="en-US" b="0" i="1" smtClean="0">
                             <a:latin typeface="Cambria Math" panose="02040503050406030204" pitchFamily="18" charset="0"/>
                           </a:rPr>
                         </m:ctrlPr>
@@ -29149,7 +30993,7 @@
             </p:txBody>
           </p:sp>
         </mc:Choice>
-        <mc:Fallback>
+        <mc:Fallback xmlns="">
           <p:sp>
             <p:nvSpPr>
               <p:cNvPr id="26" name="Rectangle 25">
@@ -29194,8 +31038,8 @@
           </p:sp>
         </mc:Fallback>
       </mc:AlternateContent>
-      <mc:AlternateContent xmlns:mc="http://schemas.openxmlformats.org/markup-compatibility/2006">
-        <mc:Choice xmlns:a14="http://schemas.microsoft.com/office/drawing/2010/main" Requires="a14">
+      <mc:AlternateContent xmlns:mc="http://schemas.openxmlformats.org/markup-compatibility/2006" xmlns:a14="http://schemas.microsoft.com/office/drawing/2010/main">
+        <mc:Choice Requires="a14">
           <p:sp>
             <p:nvSpPr>
               <p:cNvPr id="27" name="Rectangle 26">
@@ -29324,7 +31168,7 @@
                     <m:sSub>
                       <m:sSubPr>
                         <m:ctrlPr>
-                          <a:rPr lang="en-US" b="0" i="0" smtClean="0">
+                          <a:rPr lang="en-US" b="0" i="1" smtClean="0">
                             <a:latin typeface="Cambria Math" panose="02040503050406030204" pitchFamily="18" charset="0"/>
                           </a:rPr>
                         </m:ctrlPr>
@@ -29433,7 +31277,7 @@
             </p:txBody>
           </p:sp>
         </mc:Choice>
-        <mc:Fallback>
+        <mc:Fallback xmlns="">
           <p:sp>
             <p:nvSpPr>
               <p:cNvPr id="27" name="Rectangle 26">
@@ -29478,8 +31322,8 @@
           </p:sp>
         </mc:Fallback>
       </mc:AlternateContent>
-      <mc:AlternateContent xmlns:mc="http://schemas.openxmlformats.org/markup-compatibility/2006">
-        <mc:Choice xmlns:a14="http://schemas.microsoft.com/office/drawing/2010/main" Requires="a14">
+      <mc:AlternateContent xmlns:mc="http://schemas.openxmlformats.org/markup-compatibility/2006" xmlns:a14="http://schemas.microsoft.com/office/drawing/2010/main">
+        <mc:Choice Requires="a14">
           <p:sp>
             <p:nvSpPr>
               <p:cNvPr id="28" name="Rectangle 27">
@@ -29507,6 +31351,7 @@
               </a:bodyPr>
               <a:lstStyle/>
               <a:p>
+                <a:pPr/>
                 <a14:m>
                   <m:oMathPara xmlns:m="http://schemas.openxmlformats.org/officeDocument/2006/math">
                     <m:oMathParaPr>
@@ -29900,7 +31745,7 @@
             </p:txBody>
           </p:sp>
         </mc:Choice>
-        <mc:Fallback>
+        <mc:Fallback xmlns="">
           <p:sp>
             <p:nvSpPr>
               <p:cNvPr id="28" name="Rectangle 27">
@@ -29945,8 +31790,8 @@
           </p:sp>
         </mc:Fallback>
       </mc:AlternateContent>
-      <mc:AlternateContent xmlns:mc="http://schemas.openxmlformats.org/markup-compatibility/2006">
-        <mc:Choice xmlns:a14="http://schemas.microsoft.com/office/drawing/2010/main" Requires="a14">
+      <mc:AlternateContent xmlns:mc="http://schemas.openxmlformats.org/markup-compatibility/2006" xmlns:a14="http://schemas.microsoft.com/office/drawing/2010/main">
+        <mc:Choice Requires="a14">
           <p:sp>
             <p:nvSpPr>
               <p:cNvPr id="6" name="TextBox 5">
@@ -30014,13 +31859,7 @@
                       <a:rPr lang="en-US" b="1" i="1">
                         <a:latin typeface="Cambria Math" panose="02040503050406030204" pitchFamily="18" charset="0"/>
                       </a:rPr>
-                      <m:t>,</m:t>
-                    </m:r>
-                    <m:r>
-                      <a:rPr lang="en-US" b="1" i="1">
-                        <a:latin typeface="Cambria Math" panose="02040503050406030204" pitchFamily="18" charset="0"/>
-                      </a:rPr>
-                      <m:t>⋯</m:t>
+                      <m:t>,⋯</m:t>
                     </m:r>
                     <m:r>
                       <m:rPr>
@@ -30226,7 +32065,7 @@
             </p:txBody>
           </p:sp>
         </mc:Choice>
-        <mc:Fallback>
+        <mc:Fallback xmlns="">
           <p:sp>
             <p:nvSpPr>
               <p:cNvPr id="6" name="TextBox 5">
@@ -30686,8 +32525,8 @@
           </a:p>
         </p:txBody>
       </p:sp>
-      <mc:AlternateContent xmlns:mc="http://schemas.openxmlformats.org/markup-compatibility/2006">
-        <mc:Choice xmlns:a14="http://schemas.microsoft.com/office/drawing/2010/main" Requires="a14">
+      <mc:AlternateContent xmlns:mc="http://schemas.openxmlformats.org/markup-compatibility/2006" xmlns:a14="http://schemas.microsoft.com/office/drawing/2010/main">
+        <mc:Choice Requires="a14">
           <p:sp>
             <p:nvSpPr>
               <p:cNvPr id="11" name="TextBox 10">
@@ -30716,6 +32555,7 @@
               </a:bodyPr>
               <a:lstStyle/>
               <a:p>
+                <a:pPr/>
                 <a14:m>
                   <m:oMathPara xmlns:m="http://schemas.openxmlformats.org/officeDocument/2006/math">
                     <m:oMathParaPr>
@@ -30901,7 +32741,7 @@
             </p:txBody>
           </p:sp>
         </mc:Choice>
-        <mc:Fallback>
+        <mc:Fallback xmlns="">
           <p:sp>
             <p:nvSpPr>
               <p:cNvPr id="11" name="TextBox 10">
@@ -30946,8 +32786,8 @@
           </p:sp>
         </mc:Fallback>
       </mc:AlternateContent>
-      <mc:AlternateContent xmlns:mc="http://schemas.openxmlformats.org/markup-compatibility/2006">
-        <mc:Choice xmlns:a14="http://schemas.microsoft.com/office/drawing/2010/main" Requires="a14">
+      <mc:AlternateContent xmlns:mc="http://schemas.openxmlformats.org/markup-compatibility/2006" xmlns:a14="http://schemas.microsoft.com/office/drawing/2010/main">
+        <mc:Choice Requires="a14">
           <p:sp>
             <p:nvSpPr>
               <p:cNvPr id="13" name="TextBox 12">
@@ -30976,6 +32816,7 @@
               </a:bodyPr>
               <a:lstStyle/>
               <a:p>
+                <a:pPr/>
                 <a14:m>
                   <m:oMathPara xmlns:m="http://schemas.openxmlformats.org/officeDocument/2006/math">
                     <m:oMathParaPr>
@@ -31087,7 +32928,7 @@
             </p:txBody>
           </p:sp>
         </mc:Choice>
-        <mc:Fallback>
+        <mc:Fallback xmlns="">
           <p:sp>
             <p:nvSpPr>
               <p:cNvPr id="13" name="TextBox 12">
@@ -31132,8 +32973,8 @@
           </p:sp>
         </mc:Fallback>
       </mc:AlternateContent>
-      <mc:AlternateContent xmlns:mc="http://schemas.openxmlformats.org/markup-compatibility/2006">
-        <mc:Choice xmlns:a14="http://schemas.microsoft.com/office/drawing/2010/main" Requires="a14">
+      <mc:AlternateContent xmlns:mc="http://schemas.openxmlformats.org/markup-compatibility/2006" xmlns:a14="http://schemas.microsoft.com/office/drawing/2010/main">
+        <mc:Choice Requires="a14">
           <p:sp>
             <p:nvSpPr>
               <p:cNvPr id="14" name="TextBox 13">
@@ -31162,6 +33003,7 @@
               </a:bodyPr>
               <a:lstStyle/>
               <a:p>
+                <a:pPr/>
                 <a14:m>
                   <m:oMathPara xmlns:m="http://schemas.openxmlformats.org/officeDocument/2006/math">
                     <m:oMathParaPr>
@@ -31275,7 +33117,7 @@
             </p:txBody>
           </p:sp>
         </mc:Choice>
-        <mc:Fallback>
+        <mc:Fallback xmlns="">
           <p:sp>
             <p:nvSpPr>
               <p:cNvPr id="14" name="TextBox 13">
@@ -31320,8 +33162,8 @@
           </p:sp>
         </mc:Fallback>
       </mc:AlternateContent>
-      <mc:AlternateContent xmlns:mc="http://schemas.openxmlformats.org/markup-compatibility/2006">
-        <mc:Choice xmlns:a14="http://schemas.microsoft.com/office/drawing/2010/main" Requires="a14">
+      <mc:AlternateContent xmlns:mc="http://schemas.openxmlformats.org/markup-compatibility/2006" xmlns:a14="http://schemas.microsoft.com/office/drawing/2010/main">
+        <mc:Choice Requires="a14">
           <p:sp>
             <p:nvSpPr>
               <p:cNvPr id="34" name="TextBox 33">
@@ -31350,6 +33192,7 @@
               </a:bodyPr>
               <a:lstStyle/>
               <a:p>
+                <a:pPr/>
                 <a14:m>
                   <m:oMathPara xmlns:m="http://schemas.openxmlformats.org/officeDocument/2006/math">
                     <m:oMathParaPr>
@@ -31401,7 +33244,7 @@
             </p:txBody>
           </p:sp>
         </mc:Choice>
-        <mc:Fallback>
+        <mc:Fallback xmlns="">
           <p:sp>
             <p:nvSpPr>
               <p:cNvPr id="34" name="TextBox 33">
@@ -31902,8 +33745,8 @@
           </a:p>
         </p:txBody>
       </p:sp>
-      <mc:AlternateContent xmlns:mc="http://schemas.openxmlformats.org/markup-compatibility/2006">
-        <mc:Choice xmlns:a14="http://schemas.microsoft.com/office/drawing/2010/main" Requires="a14">
+      <mc:AlternateContent xmlns:mc="http://schemas.openxmlformats.org/markup-compatibility/2006" xmlns:a14="http://schemas.microsoft.com/office/drawing/2010/main">
+        <mc:Choice Requires="a14">
           <p:sp>
             <p:nvSpPr>
               <p:cNvPr id="5" name="TextBox 4">
@@ -31932,6 +33775,7 @@
               </a:bodyPr>
               <a:lstStyle/>
               <a:p>
+                <a:pPr/>
                 <a14:m>
                   <m:oMathPara xmlns:m="http://schemas.openxmlformats.org/officeDocument/2006/math">
                     <m:oMathParaPr>
@@ -32221,43 +34065,7 @@
                                   <a:rPr lang="en-US" i="1">
                                     <a:latin typeface="Cambria Math" panose="02040503050406030204" pitchFamily="18" charset="0"/>
                                   </a:rPr>
-                                  <m:t>4</m:t>
-                                </m:r>
-                                <m:r>
-                                  <a:rPr lang="en-US" i="1">
-                                    <a:latin typeface="Cambria Math" panose="02040503050406030204" pitchFamily="18" charset="0"/>
-                                  </a:rPr>
-                                  <m:t>×7+</m:t>
-                                </m:r>
-                                <m:r>
-                                  <a:rPr lang="en-US" i="1">
-                                    <a:latin typeface="Cambria Math" panose="02040503050406030204" pitchFamily="18" charset="0"/>
-                                  </a:rPr>
-                                  <m:t>5</m:t>
-                                </m:r>
-                                <m:r>
-                                  <a:rPr lang="en-US" i="1">
-                                    <a:latin typeface="Cambria Math" panose="02040503050406030204" pitchFamily="18" charset="0"/>
-                                  </a:rPr>
-                                  <m:t>×9+</m:t>
-                                </m:r>
-                                <m:r>
-                                  <a:rPr lang="en-US" i="1">
-                                    <a:latin typeface="Cambria Math" panose="02040503050406030204" pitchFamily="18" charset="0"/>
-                                  </a:rPr>
-                                  <m:t>6</m:t>
-                                </m:r>
-                                <m:r>
-                                  <a:rPr lang="en-US" i="1">
-                                    <a:latin typeface="Cambria Math" panose="02040503050406030204" pitchFamily="18" charset="0"/>
-                                  </a:rPr>
-                                  <m:t>×</m:t>
-                                </m:r>
-                                <m:r>
-                                  <a:rPr lang="en-US" i="1">
-                                    <a:latin typeface="Cambria Math" panose="02040503050406030204" pitchFamily="18" charset="0"/>
-                                  </a:rPr>
-                                  <m:t>11</m:t>
+                                  <m:t>4×7+5×9+6×11</m:t>
                                 </m:r>
                               </m:e>
                               <m:e>
@@ -32310,7 +34118,7 @@
             </p:txBody>
           </p:sp>
         </mc:Choice>
-        <mc:Fallback>
+        <mc:Fallback xmlns="">
           <p:sp>
             <p:nvSpPr>
               <p:cNvPr id="5" name="TextBox 4">
@@ -32355,8 +34163,8 @@
           </p:sp>
         </mc:Fallback>
       </mc:AlternateContent>
-      <mc:AlternateContent xmlns:mc="http://schemas.openxmlformats.org/markup-compatibility/2006">
-        <mc:Choice xmlns:a14="http://schemas.microsoft.com/office/drawing/2010/main" Requires="a14">
+      <mc:AlternateContent xmlns:mc="http://schemas.openxmlformats.org/markup-compatibility/2006" xmlns:a14="http://schemas.microsoft.com/office/drawing/2010/main">
+        <mc:Choice Requires="a14">
           <p:sp>
             <p:nvSpPr>
               <p:cNvPr id="6" name="Rectangle 5">
@@ -32384,6 +34192,7 @@
               </a:bodyPr>
               <a:lstStyle/>
               <a:p>
+                <a:pPr/>
                 <a14:m>
                   <m:oMathPara xmlns:m="http://schemas.openxmlformats.org/officeDocument/2006/math">
                     <m:oMathParaPr>
@@ -32713,7 +34522,7 @@
             </p:txBody>
           </p:sp>
         </mc:Choice>
-        <mc:Fallback>
+        <mc:Fallback xmlns="">
           <p:sp>
             <p:nvSpPr>
               <p:cNvPr id="6" name="Rectangle 5">
@@ -32758,8 +34567,8 @@
           </p:sp>
         </mc:Fallback>
       </mc:AlternateContent>
-      <mc:AlternateContent xmlns:mc="http://schemas.openxmlformats.org/markup-compatibility/2006">
-        <mc:Choice xmlns:a14="http://schemas.microsoft.com/office/drawing/2010/main" Requires="a14">
+      <mc:AlternateContent xmlns:mc="http://schemas.openxmlformats.org/markup-compatibility/2006" xmlns:a14="http://schemas.microsoft.com/office/drawing/2010/main">
+        <mc:Choice Requires="a14">
           <p:sp>
             <p:nvSpPr>
               <p:cNvPr id="7" name="Rectangle 6">
@@ -32787,6 +34596,7 @@
               </a:bodyPr>
               <a:lstStyle/>
               <a:p>
+                <a:pPr/>
                 <a14:m>
                   <m:oMathPara xmlns:m="http://schemas.openxmlformats.org/officeDocument/2006/math">
                     <m:oMathParaPr>
@@ -32882,7 +34692,7 @@
             </p:txBody>
           </p:sp>
         </mc:Choice>
-        <mc:Fallback>
+        <mc:Fallback xmlns="">
           <p:sp>
             <p:nvSpPr>
               <p:cNvPr id="7" name="Rectangle 6">
@@ -33020,8 +34830,8 @@
           </a:p>
         </p:txBody>
       </p:sp>
-      <mc:AlternateContent xmlns:mc="http://schemas.openxmlformats.org/markup-compatibility/2006">
-        <mc:Choice xmlns:a14="http://schemas.microsoft.com/office/drawing/2010/main" Requires="a14">
+      <mc:AlternateContent xmlns:mc="http://schemas.openxmlformats.org/markup-compatibility/2006" xmlns:a14="http://schemas.microsoft.com/office/drawing/2010/main">
+        <mc:Choice Requires="a14">
           <p:sp>
             <p:nvSpPr>
               <p:cNvPr id="47" name="TextBox 46">
@@ -33050,6 +34860,7 @@
               </a:bodyPr>
               <a:lstStyle/>
               <a:p>
+                <a:pPr/>
                 <a14:m>
                   <m:oMathPara xmlns:m="http://schemas.openxmlformats.org/officeDocument/2006/math">
                     <m:oMathParaPr>
@@ -33167,7 +34978,7 @@
             </p:txBody>
           </p:sp>
         </mc:Choice>
-        <mc:Fallback>
+        <mc:Fallback xmlns="">
           <p:sp>
             <p:nvSpPr>
               <p:cNvPr id="47" name="TextBox 46">
@@ -33232,8 +35043,8 @@
             <a:chExt cx="5493617" cy="2002393"/>
           </a:xfrm>
         </p:grpSpPr>
-        <mc:AlternateContent xmlns:mc="http://schemas.openxmlformats.org/markup-compatibility/2006">
-          <mc:Choice xmlns:a14="http://schemas.microsoft.com/office/drawing/2010/main" Requires="a14">
+        <mc:AlternateContent xmlns:mc="http://schemas.openxmlformats.org/markup-compatibility/2006" xmlns:a14="http://schemas.microsoft.com/office/drawing/2010/main">
+          <mc:Choice Requires="a14">
             <p:sp>
               <p:nvSpPr>
                 <p:cNvPr id="46" name="TextBox 45">
@@ -33262,6 +35073,7 @@
                 </a:bodyPr>
                 <a:lstStyle/>
                 <a:p>
+                  <a:pPr/>
                   <a14:m>
                     <m:oMathPara xmlns:m="http://schemas.openxmlformats.org/officeDocument/2006/math">
                       <m:oMathParaPr>
@@ -33285,7 +35097,7 @@
               </p:txBody>
             </p:sp>
           </mc:Choice>
-          <mc:Fallback>
+          <mc:Fallback xmlns="">
             <p:sp>
               <p:nvSpPr>
                 <p:cNvPr id="46" name="TextBox 45">
@@ -34077,8 +35889,8 @@
             </a:p>
           </p:txBody>
         </p:sp>
-        <mc:AlternateContent xmlns:mc="http://schemas.openxmlformats.org/markup-compatibility/2006">
-          <mc:Choice xmlns:a14="http://schemas.microsoft.com/office/drawing/2010/main" Requires="a14">
+        <mc:AlternateContent xmlns:mc="http://schemas.openxmlformats.org/markup-compatibility/2006" xmlns:a14="http://schemas.microsoft.com/office/drawing/2010/main">
+          <mc:Choice Requires="a14">
             <p:sp>
               <p:nvSpPr>
                 <p:cNvPr id="49" name="TextBox 48">
@@ -34107,6 +35919,7 @@
                 </a:bodyPr>
                 <a:lstStyle/>
                 <a:p>
+                  <a:pPr/>
                   <a14:m>
                     <m:oMathPara xmlns:m="http://schemas.openxmlformats.org/officeDocument/2006/math">
                       <m:oMathParaPr>
@@ -34127,7 +35940,7 @@
               </p:txBody>
             </p:sp>
           </mc:Choice>
-          <mc:Fallback>
+          <mc:Fallback xmlns="">
             <p:sp>
               <p:nvSpPr>
                 <p:cNvPr id="49" name="TextBox 48">
@@ -34172,8 +35985,8 @@
             </p:sp>
           </mc:Fallback>
         </mc:AlternateContent>
-        <mc:AlternateContent xmlns:mc="http://schemas.openxmlformats.org/markup-compatibility/2006">
-          <mc:Choice xmlns:a14="http://schemas.microsoft.com/office/drawing/2010/main" Requires="a14">
+        <mc:AlternateContent xmlns:mc="http://schemas.openxmlformats.org/markup-compatibility/2006" xmlns:a14="http://schemas.microsoft.com/office/drawing/2010/main">
+          <mc:Choice Requires="a14">
             <p:sp>
               <p:nvSpPr>
                 <p:cNvPr id="50" name="TextBox 49">
@@ -34202,6 +36015,7 @@
                 </a:bodyPr>
                 <a:lstStyle/>
                 <a:p>
+                  <a:pPr/>
                   <a14:m>
                     <m:oMathPara xmlns:m="http://schemas.openxmlformats.org/officeDocument/2006/math">
                       <m:oMathParaPr>
@@ -34222,7 +36036,7 @@
               </p:txBody>
             </p:sp>
           </mc:Choice>
-          <mc:Fallback>
+          <mc:Fallback xmlns="">
             <p:sp>
               <p:nvSpPr>
                 <p:cNvPr id="50" name="TextBox 49">
@@ -34267,8 +36081,8 @@
             </p:sp>
           </mc:Fallback>
         </mc:AlternateContent>
-        <mc:AlternateContent xmlns:mc="http://schemas.openxmlformats.org/markup-compatibility/2006">
-          <mc:Choice xmlns:a14="http://schemas.microsoft.com/office/drawing/2010/main" Requires="a14">
+        <mc:AlternateContent xmlns:mc="http://schemas.openxmlformats.org/markup-compatibility/2006" xmlns:a14="http://schemas.microsoft.com/office/drawing/2010/main">
+          <mc:Choice Requires="a14">
             <p:sp>
               <p:nvSpPr>
                 <p:cNvPr id="51" name="TextBox 50">
@@ -34297,6 +36111,7 @@
                 </a:bodyPr>
                 <a:lstStyle/>
                 <a:p>
+                  <a:pPr/>
                   <a14:m>
                     <m:oMathPara xmlns:m="http://schemas.openxmlformats.org/officeDocument/2006/math">
                       <m:oMathParaPr>
@@ -34317,7 +36132,7 @@
               </p:txBody>
             </p:sp>
           </mc:Choice>
-          <mc:Fallback>
+          <mc:Fallback xmlns="">
             <p:sp>
               <p:nvSpPr>
                 <p:cNvPr id="51" name="TextBox 50">
@@ -34398,8 +36213,8 @@
           </a:p>
         </p:txBody>
       </p:sp>
-      <mc:AlternateContent xmlns:mc="http://schemas.openxmlformats.org/markup-compatibility/2006">
-        <mc:Choice xmlns:a14="http://schemas.microsoft.com/office/drawing/2010/main" Requires="a14">
+      <mc:AlternateContent xmlns:mc="http://schemas.openxmlformats.org/markup-compatibility/2006" xmlns:a14="http://schemas.microsoft.com/office/drawing/2010/main">
+        <mc:Choice Requires="a14">
           <p:sp>
             <p:nvSpPr>
               <p:cNvPr id="32" name="TextBox 31">
@@ -34428,6 +36243,7 @@
               </a:bodyPr>
               <a:lstStyle/>
               <a:p>
+                <a:pPr/>
                 <a14:m>
                   <m:oMathPara xmlns:m="http://schemas.openxmlformats.org/officeDocument/2006/math">
                     <m:oMathParaPr>
@@ -34677,37 +36493,7 @@
                                   <a:rPr lang="en-US" i="1">
                                     <a:latin typeface="Cambria Math" panose="02040503050406030204" pitchFamily="18" charset="0"/>
                                   </a:rPr>
-                                  <m:t>×</m:t>
-                                </m:r>
-                                <m:r>
-                                  <a:rPr lang="en-US" i="1">
-                                    <a:latin typeface="Cambria Math" panose="02040503050406030204" pitchFamily="18" charset="0"/>
-                                  </a:rPr>
-                                  <m:t>8</m:t>
-                                </m:r>
-                                <m:r>
-                                  <a:rPr lang="en-US" i="1">
-                                    <a:latin typeface="Cambria Math" panose="02040503050406030204" pitchFamily="18" charset="0"/>
-                                  </a:rPr>
-                                  <m:t>+2×</m:t>
-                                </m:r>
-                                <m:r>
-                                  <a:rPr lang="en-US" i="1">
-                                    <a:latin typeface="Cambria Math" panose="02040503050406030204" pitchFamily="18" charset="0"/>
-                                  </a:rPr>
-                                  <m:t>10</m:t>
-                                </m:r>
-                                <m:r>
-                                  <a:rPr lang="en-US" i="1">
-                                    <a:latin typeface="Cambria Math" panose="02040503050406030204" pitchFamily="18" charset="0"/>
-                                  </a:rPr>
-                                  <m:t>+3×1</m:t>
-                                </m:r>
-                                <m:r>
-                                  <a:rPr lang="en-US" i="1">
-                                    <a:latin typeface="Cambria Math" panose="02040503050406030204" pitchFamily="18" charset="0"/>
-                                  </a:rPr>
-                                  <m:t>2</m:t>
+                                  <m:t>×8+2×10+3×12</m:t>
                                 </m:r>
                               </m:e>
                             </m:mr>
@@ -34725,37 +36511,7 @@
                                   <a:rPr lang="en-US" i="1">
                                     <a:latin typeface="Cambria Math" panose="02040503050406030204" pitchFamily="18" charset="0"/>
                                   </a:rPr>
-                                  <m:t>4×</m:t>
-                                </m:r>
-                                <m:r>
-                                  <a:rPr lang="en-US" i="1">
-                                    <a:latin typeface="Cambria Math" panose="02040503050406030204" pitchFamily="18" charset="0"/>
-                                  </a:rPr>
-                                  <m:t>8</m:t>
-                                </m:r>
-                                <m:r>
-                                  <a:rPr lang="en-US" i="1">
-                                    <a:latin typeface="Cambria Math" panose="02040503050406030204" pitchFamily="18" charset="0"/>
-                                  </a:rPr>
-                                  <m:t>+5×</m:t>
-                                </m:r>
-                                <m:r>
-                                  <a:rPr lang="en-US" i="1">
-                                    <a:latin typeface="Cambria Math" panose="02040503050406030204" pitchFamily="18" charset="0"/>
-                                  </a:rPr>
-                                  <m:t>10</m:t>
-                                </m:r>
-                                <m:r>
-                                  <a:rPr lang="en-US" i="1">
-                                    <a:latin typeface="Cambria Math" panose="02040503050406030204" pitchFamily="18" charset="0"/>
-                                  </a:rPr>
-                                  <m:t>+6×1</m:t>
-                                </m:r>
-                                <m:r>
-                                  <a:rPr lang="en-US" i="1">
-                                    <a:latin typeface="Cambria Math" panose="02040503050406030204" pitchFamily="18" charset="0"/>
-                                  </a:rPr>
-                                  <m:t>2</m:t>
+                                  <m:t>4×8+5×10+6×12</m:t>
                                 </m:r>
                               </m:e>
                             </m:mr>
@@ -34770,7 +36526,7 @@
             </p:txBody>
           </p:sp>
         </mc:Choice>
-        <mc:Fallback>
+        <mc:Fallback xmlns="">
           <p:sp>
             <p:nvSpPr>
               <p:cNvPr id="32" name="TextBox 31">
@@ -35364,8 +37120,8 @@
               </a:p>
             </p:txBody>
           </p:sp>
-          <mc:AlternateContent xmlns:mc="http://schemas.openxmlformats.org/markup-compatibility/2006">
-            <mc:Choice xmlns:a14="http://schemas.microsoft.com/office/drawing/2010/main" Requires="a14">
+          <mc:AlternateContent xmlns:mc="http://schemas.openxmlformats.org/markup-compatibility/2006" xmlns:a14="http://schemas.microsoft.com/office/drawing/2010/main">
+            <mc:Choice Requires="a14">
               <p:sp>
                 <p:nvSpPr>
                   <p:cNvPr id="15" name="Rectangle 14">
@@ -35393,6 +37149,7 @@
                   </a:bodyPr>
                   <a:lstStyle/>
                   <a:p>
+                    <a:pPr/>
                     <a14:m>
                       <m:oMathPara xmlns:m="http://schemas.openxmlformats.org/officeDocument/2006/math">
                         <m:oMathParaPr>
@@ -35432,7 +37189,7 @@
                 </p:txBody>
               </p:sp>
             </mc:Choice>
-            <mc:Fallback>
+            <mc:Fallback xmlns="">
               <p:sp>
                 <p:nvSpPr>
                   <p:cNvPr id="15" name="Rectangle 14">
@@ -35477,8 +37234,8 @@
               </p:sp>
             </mc:Fallback>
           </mc:AlternateContent>
-          <mc:AlternateContent xmlns:mc="http://schemas.openxmlformats.org/markup-compatibility/2006">
-            <mc:Choice xmlns:a14="http://schemas.microsoft.com/office/drawing/2010/main" Requires="a14">
+          <mc:AlternateContent xmlns:mc="http://schemas.openxmlformats.org/markup-compatibility/2006" xmlns:a14="http://schemas.microsoft.com/office/drawing/2010/main">
+            <mc:Choice Requires="a14">
               <p:sp>
                 <p:nvSpPr>
                   <p:cNvPr id="17" name="Rectangle 16">
@@ -35506,6 +37263,7 @@
                   </a:bodyPr>
                   <a:lstStyle/>
                   <a:p>
+                    <a:pPr/>
                     <a14:m>
                       <m:oMathPara xmlns:m="http://schemas.openxmlformats.org/officeDocument/2006/math">
                         <m:oMathParaPr>
@@ -35553,7 +37311,7 @@
                 </p:txBody>
               </p:sp>
             </mc:Choice>
-            <mc:Fallback>
+            <mc:Fallback xmlns="">
               <p:sp>
                 <p:nvSpPr>
                   <p:cNvPr id="17" name="Rectangle 16">
@@ -35810,8 +37568,8 @@
               </p:txBody>
             </p:sp>
           </p:grpSp>
-          <mc:AlternateContent xmlns:mc="http://schemas.openxmlformats.org/markup-compatibility/2006">
-            <mc:Choice xmlns:a14="http://schemas.microsoft.com/office/drawing/2010/main" Requires="a14">
+          <mc:AlternateContent xmlns:mc="http://schemas.openxmlformats.org/markup-compatibility/2006" xmlns:a14="http://schemas.microsoft.com/office/drawing/2010/main">
+            <mc:Choice Requires="a14">
               <p:sp>
                 <p:nvSpPr>
                   <p:cNvPr id="27" name="Rectangle 26">
@@ -35839,6 +37597,7 @@
                   </a:bodyPr>
                   <a:lstStyle/>
                   <a:p>
+                    <a:pPr/>
                     <a14:m>
                       <m:oMathPara xmlns:m="http://schemas.openxmlformats.org/officeDocument/2006/math">
                         <m:oMathParaPr>
@@ -35886,7 +37645,7 @@
                 </p:txBody>
               </p:sp>
             </mc:Choice>
-            <mc:Fallback>
+            <mc:Fallback xmlns="">
               <p:sp>
                 <p:nvSpPr>
                   <p:cNvPr id="27" name="Rectangle 26">
@@ -35986,8 +37745,8 @@
               </a:p>
             </p:txBody>
           </p:sp>
-          <mc:AlternateContent xmlns:mc="http://schemas.openxmlformats.org/markup-compatibility/2006">
-            <mc:Choice xmlns:a14="http://schemas.microsoft.com/office/drawing/2010/main" Requires="a14">
+          <mc:AlternateContent xmlns:mc="http://schemas.openxmlformats.org/markup-compatibility/2006" xmlns:a14="http://schemas.microsoft.com/office/drawing/2010/main">
+            <mc:Choice Requires="a14">
               <p:sp>
                 <p:nvSpPr>
                   <p:cNvPr id="29" name="Rectangle 28">
@@ -36015,6 +37774,7 @@
                   </a:bodyPr>
                   <a:lstStyle/>
                   <a:p>
+                    <a:pPr/>
                     <a14:m>
                       <m:oMathPara xmlns:m="http://schemas.openxmlformats.org/officeDocument/2006/math">
                         <m:oMathParaPr>
@@ -36054,7 +37814,7 @@
                 </p:txBody>
               </p:sp>
             </mc:Choice>
-            <mc:Fallback>
+            <mc:Fallback xmlns="">
               <p:sp>
                 <p:nvSpPr>
                   <p:cNvPr id="29" name="Rectangle 28">
@@ -36099,8 +37859,8 @@
               </p:sp>
             </mc:Fallback>
           </mc:AlternateContent>
-          <mc:AlternateContent xmlns:mc="http://schemas.openxmlformats.org/markup-compatibility/2006">
-            <mc:Choice xmlns:a14="http://schemas.microsoft.com/office/drawing/2010/main" Requires="a14">
+          <mc:AlternateContent xmlns:mc="http://schemas.openxmlformats.org/markup-compatibility/2006" xmlns:a14="http://schemas.microsoft.com/office/drawing/2010/main">
+            <mc:Choice Requires="a14">
               <p:sp>
                 <p:nvSpPr>
                   <p:cNvPr id="30" name="Rectangle 29">
@@ -36128,6 +37888,7 @@
                   </a:bodyPr>
                   <a:lstStyle/>
                   <a:p>
+                    <a:pPr/>
                     <a14:m>
                       <m:oMathPara xmlns:m="http://schemas.openxmlformats.org/officeDocument/2006/math">
                         <m:oMathParaPr>
@@ -36207,7 +37968,7 @@
                 </p:txBody>
               </p:sp>
             </mc:Choice>
-            <mc:Fallback>
+            <mc:Fallback xmlns="">
               <p:sp>
                 <p:nvSpPr>
                   <p:cNvPr id="30" name="Rectangle 29">
@@ -36252,8 +38013,8 @@
               </p:sp>
             </mc:Fallback>
           </mc:AlternateContent>
-          <mc:AlternateContent xmlns:mc="http://schemas.openxmlformats.org/markup-compatibility/2006">
-            <mc:Choice xmlns:a14="http://schemas.microsoft.com/office/drawing/2010/main" Requires="a14">
+          <mc:AlternateContent xmlns:mc="http://schemas.openxmlformats.org/markup-compatibility/2006" xmlns:a14="http://schemas.microsoft.com/office/drawing/2010/main">
+            <mc:Choice Requires="a14">
               <p:sp>
                 <p:nvSpPr>
                   <p:cNvPr id="32" name="Rectangle 31">
@@ -36281,6 +38042,7 @@
                   </a:bodyPr>
                   <a:lstStyle/>
                   <a:p>
+                    <a:pPr/>
                     <a14:m>
                       <m:oMathPara xmlns:m="http://schemas.openxmlformats.org/officeDocument/2006/math">
                         <m:oMathParaPr>
@@ -36360,7 +38122,7 @@
                 </p:txBody>
               </p:sp>
             </mc:Choice>
-            <mc:Fallback>
+            <mc:Fallback xmlns="">
               <p:sp>
                 <p:nvSpPr>
                   <p:cNvPr id="32" name="Rectangle 31">
@@ -36405,8 +38167,8 @@
               </p:sp>
             </mc:Fallback>
           </mc:AlternateContent>
-          <mc:AlternateContent xmlns:mc="http://schemas.openxmlformats.org/markup-compatibility/2006">
-            <mc:Choice xmlns:a14="http://schemas.microsoft.com/office/drawing/2010/main" Requires="a14">
+          <mc:AlternateContent xmlns:mc="http://schemas.openxmlformats.org/markup-compatibility/2006" xmlns:a14="http://schemas.microsoft.com/office/drawing/2010/main">
+            <mc:Choice Requires="a14">
               <p:sp>
                 <p:nvSpPr>
                   <p:cNvPr id="33" name="Rectangle 32">
@@ -36434,6 +38196,7 @@
                   </a:bodyPr>
                   <a:lstStyle/>
                   <a:p>
+                    <a:pPr/>
                     <a14:m>
                       <m:oMathPara xmlns:m="http://schemas.openxmlformats.org/officeDocument/2006/math">
                         <m:oMathParaPr>
@@ -36513,7 +38276,7 @@
                 </p:txBody>
               </p:sp>
             </mc:Choice>
-            <mc:Fallback>
+            <mc:Fallback xmlns="">
               <p:sp>
                 <p:nvSpPr>
                   <p:cNvPr id="33" name="Rectangle 32">
@@ -36558,8 +38321,8 @@
               </p:sp>
             </mc:Fallback>
           </mc:AlternateContent>
-          <mc:AlternateContent xmlns:mc="http://schemas.openxmlformats.org/markup-compatibility/2006">
-            <mc:Choice xmlns:a14="http://schemas.microsoft.com/office/drawing/2010/main" Requires="a14">
+          <mc:AlternateContent xmlns:mc="http://schemas.openxmlformats.org/markup-compatibility/2006" xmlns:a14="http://schemas.microsoft.com/office/drawing/2010/main">
+            <mc:Choice Requires="a14">
               <p:sp>
                 <p:nvSpPr>
                   <p:cNvPr id="34" name="Rectangle 33">
@@ -36587,6 +38350,7 @@
                   </a:bodyPr>
                   <a:lstStyle/>
                   <a:p>
+                    <a:pPr/>
                     <a14:m>
                       <m:oMathPara xmlns:m="http://schemas.openxmlformats.org/officeDocument/2006/math">
                         <m:oMathParaPr>
@@ -36666,7 +38430,7 @@
                 </p:txBody>
               </p:sp>
             </mc:Choice>
-            <mc:Fallback>
+            <mc:Fallback xmlns="">
               <p:sp>
                 <p:nvSpPr>
                   <p:cNvPr id="34" name="Rectangle 33">
@@ -37353,8 +39117,8 @@
           </p:txBody>
         </p:sp>
       </p:grpSp>
-      <mc:AlternateContent xmlns:mc="http://schemas.openxmlformats.org/markup-compatibility/2006">
-        <mc:Choice xmlns:a14="http://schemas.microsoft.com/office/drawing/2010/main" Requires="a14">
+      <mc:AlternateContent xmlns:mc="http://schemas.openxmlformats.org/markup-compatibility/2006" xmlns:a14="http://schemas.microsoft.com/office/drawing/2010/main">
+        <mc:Choice Requires="a14">
           <p:sp>
             <p:nvSpPr>
               <p:cNvPr id="79" name="TextBox 78">
@@ -37457,7 +39221,7 @@
             </p:txBody>
           </p:sp>
         </mc:Choice>
-        <mc:Fallback>
+        <mc:Fallback xmlns="">
           <p:sp>
             <p:nvSpPr>
               <p:cNvPr id="79" name="TextBox 78">
@@ -37714,8 +39478,8 @@
           </a:p>
         </p:txBody>
       </p:sp>
-      <mc:AlternateContent xmlns:mc="http://schemas.openxmlformats.org/markup-compatibility/2006">
-        <mc:Choice xmlns:a14="http://schemas.microsoft.com/office/drawing/2010/main" Requires="a14">
+      <mc:AlternateContent xmlns:mc="http://schemas.openxmlformats.org/markup-compatibility/2006" xmlns:a14="http://schemas.microsoft.com/office/drawing/2010/main">
+        <mc:Choice Requires="a14">
           <p:sp>
             <p:nvSpPr>
               <p:cNvPr id="80" name="TextBox 79">
@@ -37744,6 +39508,7 @@
               </a:bodyPr>
               <a:lstStyle/>
               <a:p>
+                <a:pPr/>
                 <a14:m>
                   <m:oMathPara xmlns:m="http://schemas.openxmlformats.org/officeDocument/2006/math">
                     <m:oMathParaPr>
@@ -37969,7 +39734,7 @@
             </p:txBody>
           </p:sp>
         </mc:Choice>
-        <mc:Fallback>
+        <mc:Fallback xmlns="">
           <p:sp>
             <p:nvSpPr>
               <p:cNvPr id="80" name="TextBox 79">
@@ -38430,7 +40195,7 @@
             </p:nvSpPr>
             <p:spPr>
               <a:xfrm>
-                <a:off x="1288683" y="4035939"/>
+                <a:off x="557303" y="3707758"/>
                 <a:ext cx="3791423" cy="896207"/>
               </a:xfrm>
               <a:prstGeom prst="rect">
@@ -38444,6 +40209,7 @@
               </a:bodyPr>
               <a:lstStyle/>
               <a:p>
+                <a:pPr/>
                 <a14:m>
                   <m:oMathPara xmlns:m="http://schemas.openxmlformats.org/officeDocument/2006/math">
                     <m:oMathParaPr>
@@ -38634,7 +40400,7 @@
             </p:nvSpPr>
             <p:spPr>
               <a:xfrm>
-                <a:off x="1288683" y="4035939"/>
+                <a:off x="557303" y="3707758"/>
                 <a:ext cx="3791423" cy="896207"/>
               </a:xfrm>
               <a:prstGeom prst="rect">
@@ -38643,7 +40409,7 @@
               <a:blipFill>
                 <a:blip r:embed="rId2"/>
                 <a:stretch>
-                  <a:fillRect l="-5686" t="-147222" b="-202778"/>
+                  <a:fillRect l="-5667" t="-147222" b="-202778"/>
                 </a:stretch>
               </a:blipFill>
             </p:spPr>
@@ -38677,9 +40443,9 @@
         <p:grpSpPr>
           <a:xfrm>
             <a:off x="1111237" y="1792947"/>
-            <a:ext cx="1125231" cy="1994360"/>
+            <a:ext cx="1125231" cy="1871250"/>
             <a:chOff x="1111237" y="1792947"/>
-            <a:chExt cx="1125231" cy="1994360"/>
+            <a:chExt cx="1125231" cy="1871250"/>
           </a:xfrm>
         </p:grpSpPr>
         <p:sp>
@@ -38730,7 +40496,7 @@
             <a:lstStyle/>
             <a:p>
               <a:pPr algn="ctr"/>
-              <a:endParaRPr lang="en-US"/>
+              <a:endParaRPr lang="en-US" sz="1400"/>
             </a:p>
           </p:txBody>
         </p:sp>
@@ -38749,7 +40515,7 @@
           <p:spPr>
             <a:xfrm>
               <a:off x="1755403" y="1792947"/>
-              <a:ext cx="351378" cy="369332"/>
+              <a:ext cx="314510" cy="307777"/>
             </a:xfrm>
             <a:prstGeom prst="rect">
               <a:avLst/>
@@ -38763,7 +40529,7 @@
             <a:lstStyle/>
             <a:p>
               <a:r>
-                <a:rPr lang="en-US" i="1" dirty="0">
+                <a:rPr lang="en-US" sz="1400" i="1" dirty="0">
                   <a:solidFill>
                     <a:schemeClr val="bg1">
                       <a:lumMod val="65000"/>
@@ -38892,7 +40658,7 @@
           <p:spPr>
             <a:xfrm>
               <a:off x="1111237" y="2487702"/>
-              <a:ext cx="377026" cy="369332"/>
+              <a:ext cx="333746" cy="307777"/>
             </a:xfrm>
             <a:prstGeom prst="rect">
               <a:avLst/>
@@ -38906,7 +40672,7 @@
             <a:lstStyle/>
             <a:p>
               <a:r>
-                <a:rPr lang="en-US" i="1" dirty="0">
+                <a:rPr lang="en-US" sz="1400" i="1" dirty="0">
                   <a:solidFill>
                     <a:schemeClr val="bg1">
                       <a:lumMod val="65000"/>
@@ -38976,7 +40742,7 @@
           <p:spPr>
             <a:xfrm>
               <a:off x="1877965" y="2220130"/>
-              <a:ext cx="356188" cy="461665"/>
+              <a:ext cx="312906" cy="369332"/>
             </a:xfrm>
             <a:prstGeom prst="rect">
               <a:avLst/>
@@ -38990,7 +40756,7 @@
             <a:lstStyle/>
             <a:p>
               <a:r>
-                <a:rPr lang="en-US" sz="2400" b="1" dirty="0">
+                <a:rPr lang="en-US" b="1" dirty="0">
                   <a:solidFill>
                     <a:schemeClr val="bg1"/>
                   </a:solidFill>
@@ -39015,7 +40781,7 @@
           <p:spPr>
             <a:xfrm>
               <a:off x="1628029" y="2619418"/>
-              <a:ext cx="356188" cy="461665"/>
+              <a:ext cx="312906" cy="369332"/>
             </a:xfrm>
             <a:prstGeom prst="rect">
               <a:avLst/>
@@ -39029,7 +40795,7 @@
             <a:lstStyle/>
             <a:p>
               <a:r>
-                <a:rPr lang="en-US" sz="2400" b="1" dirty="0">
+                <a:rPr lang="en-US" b="1" dirty="0">
                   <a:solidFill>
                     <a:schemeClr val="bg1"/>
                   </a:solidFill>
@@ -39056,7 +40822,7 @@
               <p:spPr>
                 <a:xfrm>
                   <a:off x="1604964" y="3171754"/>
-                  <a:ext cx="473078" cy="615553"/>
+                  <a:ext cx="377539" cy="492443"/>
                 </a:xfrm>
                 <a:prstGeom prst="rect">
                   <a:avLst/>
@@ -39069,6 +40835,7 @@
                 </a:bodyPr>
                 <a:lstStyle/>
                 <a:p>
+                  <a:pPr/>
                   <a14:m>
                     <m:oMathPara xmlns:m="http://schemas.openxmlformats.org/officeDocument/2006/math">
                       <m:oMathParaPr>
@@ -39076,7 +40843,7 @@
                       </m:oMathParaPr>
                       <m:oMath xmlns:m="http://schemas.openxmlformats.org/officeDocument/2006/math">
                         <m:r>
-                          <a:rPr lang="en-US" sz="4000" b="0" i="1" smtClean="0">
+                          <a:rPr lang="en-US" sz="3200" b="0" i="1" smtClean="0">
                             <a:latin typeface="Cambria Math" panose="02040503050406030204" pitchFamily="18" charset="0"/>
                           </a:rPr>
                           <m:t>𝐴</m:t>
@@ -39084,7 +40851,7 @@
                       </m:oMath>
                     </m:oMathPara>
                   </a14:m>
-                  <a:endParaRPr lang="en-US" sz="4000" dirty="0"/>
+                  <a:endParaRPr lang="en-US" sz="3200" dirty="0"/>
                 </a:p>
               </p:txBody>
             </p:sp>
@@ -39107,7 +40874,7 @@
               <p:spPr>
                 <a:xfrm>
                   <a:off x="1604964" y="3171754"/>
-                  <a:ext cx="473078" cy="615553"/>
+                  <a:ext cx="377539" cy="492443"/>
                 </a:xfrm>
                 <a:prstGeom prst="rect">
                   <a:avLst/>
@@ -39115,7 +40882,7 @@
                 <a:blipFill>
                   <a:blip r:embed="rId3"/>
                   <a:stretch>
-                    <a:fillRect l="-21053" r="-21053" b="-8000"/>
+                    <a:fillRect l="-23333" r="-23333" b="-7500"/>
                   </a:stretch>
                 </a:blipFill>
               </p:spPr>
@@ -39150,9 +40917,9 @@
         <p:grpSpPr>
           <a:xfrm>
             <a:off x="2078042" y="1808187"/>
-            <a:ext cx="2270684" cy="1987153"/>
+            <a:ext cx="2270684" cy="1864043"/>
             <a:chOff x="2078042" y="1808187"/>
-            <a:chExt cx="2270684" cy="1987153"/>
+            <a:chExt cx="2270684" cy="1864043"/>
           </a:xfrm>
         </p:grpSpPr>
         <p:sp>
@@ -39170,7 +40937,7 @@
           <p:spPr>
             <a:xfrm>
               <a:off x="3599443" y="1808187"/>
-              <a:ext cx="338554" cy="369332"/>
+              <a:ext cx="304892" cy="307777"/>
             </a:xfrm>
             <a:prstGeom prst="rect">
               <a:avLst/>
@@ -39184,7 +40951,7 @@
             <a:lstStyle/>
             <a:p>
               <a:r>
-                <a:rPr lang="en-US" i="1" dirty="0">
+                <a:rPr lang="en-US" sz="1400" i="1" dirty="0">
                   <a:solidFill>
                     <a:schemeClr val="bg1">
                       <a:lumMod val="65000"/>
@@ -39211,9 +40978,9 @@
           <p:grpSpPr>
             <a:xfrm>
               <a:off x="2078042" y="2161828"/>
-              <a:ext cx="2270684" cy="1633512"/>
+              <a:ext cx="2270684" cy="1510402"/>
               <a:chOff x="2078042" y="2161828"/>
-              <a:chExt cx="2270684" cy="1633512"/>
+              <a:chExt cx="2270684" cy="1510402"/>
             </a:xfrm>
           </p:grpSpPr>
           <mc:AlternateContent xmlns:mc="http://schemas.openxmlformats.org/markup-compatibility/2006">
@@ -39233,7 +41000,7 @@
                 <p:spPr>
                   <a:xfrm>
                     <a:off x="2078042" y="2397797"/>
-                    <a:ext cx="979755" cy="954107"/>
+                    <a:ext cx="647934" cy="707886"/>
                   </a:xfrm>
                   <a:prstGeom prst="rect">
                     <a:avLst/>
@@ -39246,6 +41013,7 @@
                   </a:bodyPr>
                   <a:lstStyle/>
                   <a:p>
+                    <a:pPr/>
                     <a14:m>
                       <m:oMathPara xmlns:m="http://schemas.openxmlformats.org/officeDocument/2006/math">
                         <m:oMathParaPr>
@@ -39253,7 +41021,7 @@
                         </m:oMathParaPr>
                         <m:oMath xmlns:m="http://schemas.openxmlformats.org/officeDocument/2006/math">
                           <m:r>
-                            <a:rPr lang="en-US" sz="2800" b="0" i="1" smtClean="0">
+                            <a:rPr lang="en-US" sz="2000" b="0" i="1" smtClean="0">
                               <a:latin typeface="Cambria Math" panose="02040503050406030204" pitchFamily="18" charset="0"/>
                             </a:rPr>
                             <m:t>×</m:t>
@@ -39261,10 +41029,10 @@
                         </m:oMath>
                       </m:oMathPara>
                     </a14:m>
-                    <a:endParaRPr lang="en-US" sz="2800" b="0" dirty="0"/>
+                    <a:endParaRPr lang="en-US" sz="2000" b="0" dirty="0"/>
                   </a:p>
                   <a:p>
-                    <a:endParaRPr lang="en-US" sz="2800" dirty="0"/>
+                    <a:endParaRPr lang="en-US" sz="2000" dirty="0"/>
                   </a:p>
                 </p:txBody>
               </p:sp>
@@ -39287,7 +41055,7 @@
                 <p:spPr>
                   <a:xfrm>
                     <a:off x="2078042" y="2397797"/>
-                    <a:ext cx="979755" cy="954107"/>
+                    <a:ext cx="647934" cy="707886"/>
                   </a:xfrm>
                   <a:prstGeom prst="rect">
                     <a:avLst/>
@@ -39362,7 +41130,7 @@
               <a:lstStyle/>
               <a:p>
                 <a:pPr algn="ctr"/>
-                <a:endParaRPr lang="en-US"/>
+                <a:endParaRPr lang="en-US" sz="1400"/>
               </a:p>
             </p:txBody>
           </p:sp>
@@ -39476,7 +41244,7 @@
             <p:spPr>
               <a:xfrm>
                 <a:off x="2725186" y="2524561"/>
-                <a:ext cx="351378" cy="369332"/>
+                <a:ext cx="314510" cy="307777"/>
               </a:xfrm>
               <a:prstGeom prst="rect">
                 <a:avLst/>
@@ -39490,7 +41258,7 @@
               <a:lstStyle/>
               <a:p>
                 <a:r>
-                  <a:rPr lang="en-US" i="1" dirty="0">
+                  <a:rPr lang="en-US" sz="1400" i="1" dirty="0">
                     <a:solidFill>
                       <a:schemeClr val="bg1">
                         <a:lumMod val="65000"/>
@@ -39517,7 +41285,7 @@
             <p:spPr>
               <a:xfrm>
                 <a:off x="3225181" y="2625514"/>
-                <a:ext cx="356188" cy="461665"/>
+                <a:ext cx="312906" cy="369332"/>
               </a:xfrm>
               <a:prstGeom prst="rect">
                 <a:avLst/>
@@ -39531,7 +41299,7 @@
               <a:lstStyle/>
               <a:p>
                 <a:r>
-                  <a:rPr lang="en-US" sz="2400" b="1" dirty="0">
+                  <a:rPr lang="en-US" b="1" dirty="0">
                     <a:solidFill>
                       <a:schemeClr val="bg1"/>
                     </a:solidFill>
@@ -39556,7 +41324,7 @@
             <p:spPr>
               <a:xfrm>
                 <a:off x="3606181" y="2348146"/>
-                <a:ext cx="356188" cy="461665"/>
+                <a:ext cx="312906" cy="369332"/>
               </a:xfrm>
               <a:prstGeom prst="rect">
                 <a:avLst/>
@@ -39570,7 +41338,7 @@
               <a:lstStyle/>
               <a:p>
                 <a:r>
-                  <a:rPr lang="en-US" sz="2400" b="1" dirty="0">
+                  <a:rPr lang="en-US" b="1" dirty="0">
                     <a:solidFill>
                       <a:schemeClr val="bg1"/>
                     </a:solidFill>
@@ -39649,7 +41417,7 @@
                 <p:spPr>
                   <a:xfrm>
                     <a:off x="3379681" y="3179787"/>
-                    <a:ext cx="493084" cy="615553"/>
+                    <a:ext cx="394146" cy="492443"/>
                   </a:xfrm>
                   <a:prstGeom prst="rect">
                     <a:avLst/>
@@ -39662,6 +41430,7 @@
                   </a:bodyPr>
                   <a:lstStyle/>
                   <a:p>
+                    <a:pPr/>
                     <a14:m>
                       <m:oMathPara xmlns:m="http://schemas.openxmlformats.org/officeDocument/2006/math">
                         <m:oMathParaPr>
@@ -39669,7 +41438,7 @@
                         </m:oMathParaPr>
                         <m:oMath xmlns:m="http://schemas.openxmlformats.org/officeDocument/2006/math">
                           <m:r>
-                            <a:rPr lang="en-US" sz="4000" b="0" i="1" smtClean="0">
+                            <a:rPr lang="en-US" sz="3200" b="0" i="1" smtClean="0">
                               <a:latin typeface="Cambria Math" panose="02040503050406030204" pitchFamily="18" charset="0"/>
                             </a:rPr>
                             <m:t>𝐵</m:t>
@@ -39677,7 +41446,7 @@
                         </m:oMath>
                       </m:oMathPara>
                     </a14:m>
-                    <a:endParaRPr lang="en-US" sz="4000" dirty="0"/>
+                    <a:endParaRPr lang="en-US" sz="3200" dirty="0"/>
                   </a:p>
                 </p:txBody>
               </p:sp>
@@ -39700,7 +41469,7 @@
                 <p:spPr>
                   <a:xfrm>
                     <a:off x="3379681" y="3179787"/>
-                    <a:ext cx="493084" cy="615553"/>
+                    <a:ext cx="394146" cy="492443"/>
                   </a:xfrm>
                   <a:prstGeom prst="rect">
                     <a:avLst/>
@@ -39708,7 +41477,7 @@
                   <a:blipFill>
                     <a:blip r:embed="rId5"/>
                     <a:stretch>
-                      <a:fillRect l="-17500" r="-17500" b="-6000"/>
+                      <a:fillRect l="-15152" r="-15152" b="-10256"/>
                     </a:stretch>
                   </a:blipFill>
                 </p:spPr>
@@ -39744,9 +41513,9 @@
         <p:grpSpPr>
           <a:xfrm>
             <a:off x="4410539" y="1795995"/>
-            <a:ext cx="2194315" cy="1917163"/>
+            <a:ext cx="2194315" cy="1794053"/>
             <a:chOff x="4410539" y="1795995"/>
-            <a:chExt cx="2194315" cy="1917163"/>
+            <a:chExt cx="2194315" cy="1794053"/>
           </a:xfrm>
         </p:grpSpPr>
         <p:grpSp>
@@ -39764,9 +41533,9 @@
           <p:grpSpPr>
             <a:xfrm>
               <a:off x="4410539" y="1795995"/>
-              <a:ext cx="2194315" cy="1326519"/>
+              <a:ext cx="2194315" cy="1326377"/>
               <a:chOff x="4410539" y="1795995"/>
-              <a:chExt cx="2194315" cy="1326519"/>
+              <a:chExt cx="2194315" cy="1326377"/>
             </a:xfrm>
           </p:grpSpPr>
           <p:sp>
@@ -39817,7 +41586,7 @@
               <a:lstStyle/>
               <a:p>
                 <a:pPr algn="ctr"/>
-                <a:endParaRPr lang="en-US"/>
+                <a:endParaRPr lang="en-US" sz="1400"/>
               </a:p>
             </p:txBody>
           </p:sp>
@@ -39879,7 +41648,7 @@
             <p:spPr>
               <a:xfrm>
                 <a:off x="5937790" y="2426153"/>
-                <a:ext cx="356188" cy="461665"/>
+                <a:ext cx="312906" cy="369332"/>
               </a:xfrm>
               <a:prstGeom prst="rect">
                 <a:avLst/>
@@ -39893,7 +41662,7 @@
               <a:lstStyle/>
               <a:p>
                 <a:r>
-                  <a:rPr lang="en-US" sz="2400" b="1" dirty="0">
+                  <a:rPr lang="en-US" b="1" dirty="0">
                     <a:solidFill>
                       <a:schemeClr val="bg1"/>
                     </a:solidFill>
@@ -39918,7 +41687,7 @@
             <p:spPr>
               <a:xfrm>
                 <a:off x="5504974" y="2660849"/>
-                <a:ext cx="356188" cy="461665"/>
+                <a:ext cx="312906" cy="369332"/>
               </a:xfrm>
               <a:prstGeom prst="rect">
                 <a:avLst/>
@@ -39932,7 +41701,7 @@
               <a:lstStyle/>
               <a:p>
                 <a:r>
-                  <a:rPr lang="en-US" sz="2400" b="1" dirty="0">
+                  <a:rPr lang="en-US" b="1" dirty="0">
                     <a:solidFill>
                       <a:schemeClr val="bg1"/>
                     </a:solidFill>
@@ -39957,7 +41726,7 @@
             <p:spPr>
               <a:xfrm>
                 <a:off x="5827531" y="1795995"/>
-                <a:ext cx="338554" cy="369332"/>
+                <a:ext cx="304892" cy="307777"/>
               </a:xfrm>
               <a:prstGeom prst="rect">
                 <a:avLst/>
@@ -39971,7 +41740,7 @@
               <a:lstStyle/>
               <a:p>
                 <a:r>
-                  <a:rPr lang="en-US" i="1" dirty="0">
+                  <a:rPr lang="en-US" sz="1400" i="1" dirty="0">
                     <a:solidFill>
                       <a:schemeClr val="bg1">
                         <a:lumMod val="65000"/>
@@ -40102,7 +41871,7 @@
             <p:spPr>
               <a:xfrm>
                 <a:off x="4966957" y="2512086"/>
-                <a:ext cx="377026" cy="369332"/>
+                <a:ext cx="333746" cy="307777"/>
               </a:xfrm>
               <a:prstGeom prst="rect">
                 <a:avLst/>
@@ -40116,7 +41885,7 @@
               <a:lstStyle/>
               <a:p>
                 <a:r>
-                  <a:rPr lang="en-US" i="1" dirty="0">
+                  <a:rPr lang="en-US" sz="1400" i="1" dirty="0">
                     <a:solidFill>
                       <a:schemeClr val="bg1">
                         <a:lumMod val="65000"/>
@@ -40143,7 +41912,7 @@
             <p:spPr>
               <a:xfrm>
                 <a:off x="4410539" y="2409423"/>
-                <a:ext cx="394660" cy="523220"/>
+                <a:ext cx="333746" cy="400110"/>
               </a:xfrm>
               <a:prstGeom prst="rect">
                 <a:avLst/>
@@ -40157,7 +41926,7 @@
               <a:lstStyle/>
               <a:p>
                 <a:r>
-                  <a:rPr lang="en-US" sz="2800" dirty="0"/>
+                  <a:rPr lang="en-US" sz="2000" dirty="0"/>
                   <a:t>=</a:t>
                 </a:r>
               </a:p>
@@ -40181,7 +41950,7 @@
               <p:spPr>
                 <a:xfrm>
                   <a:off x="5691248" y="3097605"/>
-                  <a:ext cx="471411" cy="615553"/>
+                  <a:ext cx="377091" cy="492443"/>
                 </a:xfrm>
                 <a:prstGeom prst="rect">
                   <a:avLst/>
@@ -40194,6 +41963,7 @@
                 </a:bodyPr>
                 <a:lstStyle/>
                 <a:p>
+                  <a:pPr/>
                   <a14:m>
                     <m:oMathPara xmlns:m="http://schemas.openxmlformats.org/officeDocument/2006/math">
                       <m:oMathParaPr>
@@ -40201,7 +41971,7 @@
                       </m:oMathParaPr>
                       <m:oMath xmlns:m="http://schemas.openxmlformats.org/officeDocument/2006/math">
                         <m:r>
-                          <a:rPr lang="en-US" sz="4000" b="0" i="1" smtClean="0">
+                          <a:rPr lang="en-US" sz="3200" b="0" i="1" smtClean="0">
                             <a:latin typeface="Cambria Math" panose="02040503050406030204" pitchFamily="18" charset="0"/>
                           </a:rPr>
                           <m:t>𝐶</m:t>
@@ -40209,7 +41979,7 @@
                       </m:oMath>
                     </m:oMathPara>
                   </a14:m>
-                  <a:endParaRPr lang="en-US" sz="4000" dirty="0"/>
+                  <a:endParaRPr lang="en-US" sz="3200" dirty="0"/>
                 </a:p>
               </p:txBody>
             </p:sp>
@@ -40232,7 +42002,7 @@
               <p:spPr>
                 <a:xfrm>
                   <a:off x="5691248" y="3097605"/>
-                  <a:ext cx="471411" cy="615553"/>
+                  <a:ext cx="377091" cy="492443"/>
                 </a:xfrm>
                 <a:prstGeom prst="rect">
                   <a:avLst/>
@@ -40240,7 +42010,7 @@
                 <a:blipFill>
                   <a:blip r:embed="rId6"/>
                   <a:stretch>
-                    <a:fillRect l="-21053" r="-15789" b="-8000"/>
+                    <a:fillRect l="-23333" r="-16667" b="-10000"/>
                   </a:stretch>
                 </a:blipFill>
               </p:spPr>
@@ -40260,8 +42030,8 @@
           </mc:Fallback>
         </mc:AlternateContent>
       </p:grpSp>
-      <mc:AlternateContent xmlns:mc="http://schemas.openxmlformats.org/markup-compatibility/2006">
-        <mc:Choice xmlns:a14="http://schemas.microsoft.com/office/drawing/2010/main" Requires="a14">
+      <mc:AlternateContent xmlns:mc="http://schemas.openxmlformats.org/markup-compatibility/2006" xmlns:a14="http://schemas.microsoft.com/office/drawing/2010/main">
+        <mc:Choice Requires="a14">
           <p:sp>
             <p:nvSpPr>
               <p:cNvPr id="53" name="TextBox 52">
@@ -40388,7 +42158,7 @@
             </p:txBody>
           </p:sp>
         </mc:Choice>
-        <mc:Fallback>
+        <mc:Fallback xmlns="">
           <p:sp>
             <p:nvSpPr>
               <p:cNvPr id="53" name="TextBox 52">
@@ -40447,8 +42217,8 @@
         </p:nvSpPr>
         <p:spPr>
           <a:xfrm>
-            <a:off x="982124" y="5190363"/>
-            <a:ext cx="6219972" cy="400110"/>
+            <a:off x="4966957" y="3746800"/>
+            <a:ext cx="3956076" cy="707886"/>
           </a:xfrm>
           <a:prstGeom prst="rect">
             <a:avLst/>
@@ -40456,7 +42226,7 @@
           <a:noFill/>
         </p:spPr>
         <p:txBody>
-          <a:bodyPr wrap="none" rtlCol="0">
+          <a:bodyPr wrap="square" rtlCol="0">
             <a:spAutoFit/>
           </a:bodyPr>
           <a:lstStyle/>
@@ -40468,6 +42238,989 @@
           </a:p>
         </p:txBody>
       </p:sp>
+      <mc:AlternateContent xmlns:mc="http://schemas.openxmlformats.org/markup-compatibility/2006">
+        <mc:Choice xmlns:a14="http://schemas.microsoft.com/office/drawing/2010/main" Requires="a14">
+          <p:sp>
+            <p:nvSpPr>
+              <p:cNvPr id="63" name="TextBox 62">
+                <a:extLst>
+                  <a:ext uri="{FF2B5EF4-FFF2-40B4-BE49-F238E27FC236}">
+                    <a16:creationId xmlns:a16="http://schemas.microsoft.com/office/drawing/2014/main" id="{EDA3F352-4387-0049-A6C5-15CF5B6049F1}"/>
+                  </a:ext>
+                </a:extLst>
+              </p:cNvPr>
+              <p:cNvSpPr txBox="1"/>
+              <p:nvPr/>
+            </p:nvSpPr>
+            <p:spPr>
+              <a:xfrm>
+                <a:off x="1444983" y="4910729"/>
+                <a:ext cx="6203941" cy="856645"/>
+              </a:xfrm>
+              <a:prstGeom prst="rect">
+                <a:avLst/>
+              </a:prstGeom>
+              <a:noFill/>
+            </p:spPr>
+            <p:txBody>
+              <a:bodyPr wrap="none" lIns="0" tIns="0" rIns="0" bIns="0" rtlCol="0">
+                <a:spAutoFit/>
+              </a:bodyPr>
+              <a:lstStyle/>
+              <a:p>
+                <a14:m>
+                  <m:oMathPara xmlns:m="http://schemas.openxmlformats.org/officeDocument/2006/math">
+                    <m:oMathParaPr>
+                      <m:jc m:val="centerGroup"/>
+                    </m:oMathParaPr>
+                    <m:oMath xmlns:m="http://schemas.openxmlformats.org/officeDocument/2006/math">
+                      <m:d>
+                        <m:dPr>
+                          <m:begChr m:val="["/>
+                          <m:endChr m:val="]"/>
+                          <m:ctrlPr>
+                            <a:rPr lang="en-US" sz="1600" i="1" smtClean="0">
+                              <a:latin typeface="Cambria Math" panose="02040503050406030204" pitchFamily="18" charset="0"/>
+                            </a:rPr>
+                          </m:ctrlPr>
+                        </m:dPr>
+                        <m:e>
+                          <m:m>
+                            <m:mPr>
+                              <m:mcs>
+                                <m:mc>
+                                  <m:mcPr>
+                                    <m:count m:val="2"/>
+                                    <m:mcJc m:val="center"/>
+                                  </m:mcPr>
+                                </m:mc>
+                              </m:mcs>
+                              <m:ctrlPr>
+                                <a:rPr lang="en-US" sz="1600" i="1">
+                                  <a:latin typeface="Cambria Math" panose="02040503050406030204" pitchFamily="18" charset="0"/>
+                                </a:rPr>
+                              </m:ctrlPr>
+                            </m:mPr>
+                            <m:mr>
+                              <m:e>
+                                <m:m>
+                                  <m:mPr>
+                                    <m:mcs>
+                                      <m:mc>
+                                        <m:mcPr>
+                                          <m:count m:val="2"/>
+                                          <m:mcJc m:val="center"/>
+                                        </m:mcPr>
+                                      </m:mc>
+                                    </m:mcs>
+                                    <m:ctrlPr>
+                                      <a:rPr lang="en-US" sz="1600" i="1">
+                                        <a:latin typeface="Cambria Math" panose="02040503050406030204" pitchFamily="18" charset="0"/>
+                                      </a:rPr>
+                                    </m:ctrlPr>
+                                  </m:mPr>
+                                  <m:mr>
+                                    <m:e>
+                                      <m:r>
+                                        <m:rPr>
+                                          <m:brk m:alnAt="7"/>
+                                        </m:rPr>
+                                        <a:rPr lang="en-US" sz="1600" i="1">
+                                          <a:latin typeface="Cambria Math" panose="02040503050406030204" pitchFamily="18" charset="0"/>
+                                        </a:rPr>
+                                        <m:t>1</m:t>
+                                      </m:r>
+                                    </m:e>
+                                    <m:e>
+                                      <m:r>
+                                        <a:rPr lang="en-US" sz="1600" i="1">
+                                          <a:latin typeface="Cambria Math" panose="02040503050406030204" pitchFamily="18" charset="0"/>
+                                        </a:rPr>
+                                        <m:t>0</m:t>
+                                      </m:r>
+                                    </m:e>
+                                  </m:mr>
+                                  <m:mr>
+                                    <m:e>
+                                      <m:r>
+                                        <a:rPr lang="en-US" sz="1600" i="1">
+                                          <a:latin typeface="Cambria Math" panose="02040503050406030204" pitchFamily="18" charset="0"/>
+                                        </a:rPr>
+                                        <m:t>0</m:t>
+                                      </m:r>
+                                    </m:e>
+                                    <m:e>
+                                      <m:r>
+                                        <a:rPr lang="en-US" sz="1600" i="1">
+                                          <a:latin typeface="Cambria Math" panose="02040503050406030204" pitchFamily="18" charset="0"/>
+                                        </a:rPr>
+                                        <m:t>2</m:t>
+                                      </m:r>
+                                    </m:e>
+                                  </m:mr>
+                                </m:m>
+                              </m:e>
+                              <m:e>
+                                <m:m>
+                                  <m:mPr>
+                                    <m:mcs>
+                                      <m:mc>
+                                        <m:mcPr>
+                                          <m:count m:val="2"/>
+                                          <m:mcJc m:val="center"/>
+                                        </m:mcPr>
+                                      </m:mc>
+                                    </m:mcs>
+                                    <m:ctrlPr>
+                                      <a:rPr lang="en-US" sz="1600" i="1">
+                                        <a:latin typeface="Cambria Math" panose="02040503050406030204" pitchFamily="18" charset="0"/>
+                                      </a:rPr>
+                                    </m:ctrlPr>
+                                  </m:mPr>
+                                  <m:mr>
+                                    <m:e>
+                                      <m:r>
+                                        <m:rPr>
+                                          <m:brk m:alnAt="7"/>
+                                        </m:rPr>
+                                        <a:rPr lang="en-US" sz="1600" i="1">
+                                          <a:latin typeface="Cambria Math" panose="02040503050406030204" pitchFamily="18" charset="0"/>
+                                        </a:rPr>
+                                        <m:t>0</m:t>
+                                      </m:r>
+                                    </m:e>
+                                    <m:e>
+                                      <m:r>
+                                        <a:rPr lang="en-US" sz="1600" i="1">
+                                          <a:latin typeface="Cambria Math" panose="02040503050406030204" pitchFamily="18" charset="0"/>
+                                        </a:rPr>
+                                        <m:t>0</m:t>
+                                      </m:r>
+                                    </m:e>
+                                  </m:mr>
+                                  <m:mr>
+                                    <m:e>
+                                      <m:r>
+                                        <a:rPr lang="en-US" sz="1600" i="1">
+                                          <a:latin typeface="Cambria Math" panose="02040503050406030204" pitchFamily="18" charset="0"/>
+                                        </a:rPr>
+                                        <m:t>0</m:t>
+                                      </m:r>
+                                    </m:e>
+                                    <m:e>
+                                      <m:r>
+                                        <a:rPr lang="en-US" sz="1600" i="1">
+                                          <a:latin typeface="Cambria Math" panose="02040503050406030204" pitchFamily="18" charset="0"/>
+                                        </a:rPr>
+                                        <m:t>0</m:t>
+                                      </m:r>
+                                    </m:e>
+                                  </m:mr>
+                                </m:m>
+                              </m:e>
+                            </m:mr>
+                            <m:mr>
+                              <m:e>
+                                <m:m>
+                                  <m:mPr>
+                                    <m:mcs>
+                                      <m:mc>
+                                        <m:mcPr>
+                                          <m:count m:val="2"/>
+                                          <m:mcJc m:val="center"/>
+                                        </m:mcPr>
+                                      </m:mc>
+                                    </m:mcs>
+                                    <m:ctrlPr>
+                                      <a:rPr lang="en-US" sz="1600" i="1">
+                                        <a:latin typeface="Cambria Math" panose="02040503050406030204" pitchFamily="18" charset="0"/>
+                                      </a:rPr>
+                                    </m:ctrlPr>
+                                  </m:mPr>
+                                  <m:mr>
+                                    <m:e>
+                                      <m:r>
+                                        <m:rPr>
+                                          <m:brk m:alnAt="7"/>
+                                        </m:rPr>
+                                        <a:rPr lang="en-US" sz="1600" i="1">
+                                          <a:latin typeface="Cambria Math" panose="02040503050406030204" pitchFamily="18" charset="0"/>
+                                        </a:rPr>
+                                        <m:t>0</m:t>
+                                      </m:r>
+                                    </m:e>
+                                    <m:e>
+                                      <m:r>
+                                        <a:rPr lang="en-US" sz="1600" i="1">
+                                          <a:latin typeface="Cambria Math" panose="02040503050406030204" pitchFamily="18" charset="0"/>
+                                        </a:rPr>
+                                        <m:t>0</m:t>
+                                      </m:r>
+                                    </m:e>
+                                  </m:mr>
+                                  <m:mr>
+                                    <m:e>
+                                      <m:r>
+                                        <a:rPr lang="en-US" sz="1600" i="1">
+                                          <a:latin typeface="Cambria Math" panose="02040503050406030204" pitchFamily="18" charset="0"/>
+                                        </a:rPr>
+                                        <m:t>0</m:t>
+                                      </m:r>
+                                    </m:e>
+                                    <m:e>
+                                      <m:r>
+                                        <a:rPr lang="en-US" sz="1600" i="1">
+                                          <a:latin typeface="Cambria Math" panose="02040503050406030204" pitchFamily="18" charset="0"/>
+                                        </a:rPr>
+                                        <m:t>0</m:t>
+                                      </m:r>
+                                    </m:e>
+                                  </m:mr>
+                                </m:m>
+                              </m:e>
+                              <m:e>
+                                <m:m>
+                                  <m:mPr>
+                                    <m:mcs>
+                                      <m:mc>
+                                        <m:mcPr>
+                                          <m:count m:val="2"/>
+                                          <m:mcJc m:val="center"/>
+                                        </m:mcPr>
+                                      </m:mc>
+                                    </m:mcs>
+                                    <m:ctrlPr>
+                                      <a:rPr lang="en-US" sz="1600" i="1">
+                                        <a:latin typeface="Cambria Math" panose="02040503050406030204" pitchFamily="18" charset="0"/>
+                                      </a:rPr>
+                                    </m:ctrlPr>
+                                  </m:mPr>
+                                  <m:mr>
+                                    <m:e>
+                                      <m:r>
+                                        <m:rPr>
+                                          <m:brk m:alnAt="7"/>
+                                        </m:rPr>
+                                        <a:rPr lang="en-US" sz="1600" i="1">
+                                          <a:latin typeface="Cambria Math" panose="02040503050406030204" pitchFamily="18" charset="0"/>
+                                        </a:rPr>
+                                        <m:t>3</m:t>
+                                      </m:r>
+                                    </m:e>
+                                    <m:e>
+                                      <m:r>
+                                        <a:rPr lang="en-US" sz="1600" i="1">
+                                          <a:latin typeface="Cambria Math" panose="02040503050406030204" pitchFamily="18" charset="0"/>
+                                        </a:rPr>
+                                        <m:t>0</m:t>
+                                      </m:r>
+                                    </m:e>
+                                  </m:mr>
+                                  <m:mr>
+                                    <m:e>
+                                      <m:r>
+                                        <a:rPr lang="en-US" sz="1600" i="1">
+                                          <a:latin typeface="Cambria Math" panose="02040503050406030204" pitchFamily="18" charset="0"/>
+                                        </a:rPr>
+                                        <m:t>0</m:t>
+                                      </m:r>
+                                    </m:e>
+                                    <m:e>
+                                      <m:r>
+                                        <a:rPr lang="en-US" sz="1600" i="1">
+                                          <a:latin typeface="Cambria Math" panose="02040503050406030204" pitchFamily="18" charset="0"/>
+                                        </a:rPr>
+                                        <m:t>4</m:t>
+                                      </m:r>
+                                    </m:e>
+                                  </m:mr>
+                                </m:m>
+                              </m:e>
+                            </m:mr>
+                          </m:m>
+                        </m:e>
+                      </m:d>
+                      <m:r>
+                        <a:rPr lang="en-US" sz="1600" b="0" i="1" smtClean="0">
+                          <a:latin typeface="Cambria Math" panose="02040503050406030204" pitchFamily="18" charset="0"/>
+                        </a:rPr>
+                        <m:t>×</m:t>
+                      </m:r>
+                      <m:d>
+                        <m:dPr>
+                          <m:begChr m:val="["/>
+                          <m:endChr m:val="]"/>
+                          <m:ctrlPr>
+                            <a:rPr lang="en-US" sz="1600" i="1">
+                              <a:latin typeface="Cambria Math" panose="02040503050406030204" pitchFamily="18" charset="0"/>
+                            </a:rPr>
+                          </m:ctrlPr>
+                        </m:dPr>
+                        <m:e>
+                          <m:m>
+                            <m:mPr>
+                              <m:mcs>
+                                <m:mc>
+                                  <m:mcPr>
+                                    <m:count m:val="2"/>
+                                    <m:mcJc m:val="center"/>
+                                  </m:mcPr>
+                                </m:mc>
+                              </m:mcs>
+                              <m:ctrlPr>
+                                <a:rPr lang="en-US" sz="1600" i="1">
+                                  <a:latin typeface="Cambria Math" panose="02040503050406030204" pitchFamily="18" charset="0"/>
+                                </a:rPr>
+                              </m:ctrlPr>
+                            </m:mPr>
+                            <m:mr>
+                              <m:e>
+                                <m:m>
+                                  <m:mPr>
+                                    <m:mcs>
+                                      <m:mc>
+                                        <m:mcPr>
+                                          <m:count m:val="2"/>
+                                          <m:mcJc m:val="center"/>
+                                        </m:mcPr>
+                                      </m:mc>
+                                    </m:mcs>
+                                    <m:ctrlPr>
+                                      <a:rPr lang="en-US" sz="1600" i="1">
+                                        <a:latin typeface="Cambria Math" panose="02040503050406030204" pitchFamily="18" charset="0"/>
+                                      </a:rPr>
+                                    </m:ctrlPr>
+                                  </m:mPr>
+                                  <m:mr>
+                                    <m:e>
+                                      <m:r>
+                                        <m:rPr>
+                                          <m:brk m:alnAt="7"/>
+                                        </m:rPr>
+                                        <a:rPr lang="en-US" sz="1600" i="1">
+                                          <a:latin typeface="Cambria Math" panose="02040503050406030204" pitchFamily="18" charset="0"/>
+                                        </a:rPr>
+                                        <m:t>1</m:t>
+                                      </m:r>
+                                      <m:r>
+                                        <a:rPr lang="en-US" sz="1600" i="1">
+                                          <a:latin typeface="Cambria Math" panose="02040503050406030204" pitchFamily="18" charset="0"/>
+                                        </a:rPr>
+                                        <m:t>0</m:t>
+                                      </m:r>
+                                    </m:e>
+                                    <m:e>
+                                      <m:r>
+                                        <a:rPr lang="en-US" sz="1600" i="1">
+                                          <a:latin typeface="Cambria Math" panose="02040503050406030204" pitchFamily="18" charset="0"/>
+                                        </a:rPr>
+                                        <m:t>0</m:t>
+                                      </m:r>
+                                    </m:e>
+                                  </m:mr>
+                                  <m:mr>
+                                    <m:e>
+                                      <m:r>
+                                        <a:rPr lang="en-US" sz="1600" i="1">
+                                          <a:latin typeface="Cambria Math" panose="02040503050406030204" pitchFamily="18" charset="0"/>
+                                        </a:rPr>
+                                        <m:t>0</m:t>
+                                      </m:r>
+                                    </m:e>
+                                    <m:e>
+                                      <m:r>
+                                        <a:rPr lang="en-US" sz="1600" i="1">
+                                          <a:latin typeface="Cambria Math" panose="02040503050406030204" pitchFamily="18" charset="0"/>
+                                        </a:rPr>
+                                        <m:t>2</m:t>
+                                      </m:r>
+                                      <m:r>
+                                        <a:rPr lang="en-US" sz="1600" i="1">
+                                          <a:latin typeface="Cambria Math" panose="02040503050406030204" pitchFamily="18" charset="0"/>
+                                        </a:rPr>
+                                        <m:t>0</m:t>
+                                      </m:r>
+                                    </m:e>
+                                  </m:mr>
+                                </m:m>
+                              </m:e>
+                              <m:e>
+                                <m:m>
+                                  <m:mPr>
+                                    <m:mcs>
+                                      <m:mc>
+                                        <m:mcPr>
+                                          <m:count m:val="2"/>
+                                          <m:mcJc m:val="center"/>
+                                        </m:mcPr>
+                                      </m:mc>
+                                    </m:mcs>
+                                    <m:ctrlPr>
+                                      <a:rPr lang="en-US" sz="1600" i="1">
+                                        <a:latin typeface="Cambria Math" panose="02040503050406030204" pitchFamily="18" charset="0"/>
+                                      </a:rPr>
+                                    </m:ctrlPr>
+                                  </m:mPr>
+                                  <m:mr>
+                                    <m:e>
+                                      <m:r>
+                                        <m:rPr>
+                                          <m:brk m:alnAt="7"/>
+                                        </m:rPr>
+                                        <a:rPr lang="en-US" sz="1600" i="1">
+                                          <a:latin typeface="Cambria Math" panose="02040503050406030204" pitchFamily="18" charset="0"/>
+                                        </a:rPr>
+                                        <m:t>0</m:t>
+                                      </m:r>
+                                    </m:e>
+                                    <m:e>
+                                      <m:r>
+                                        <a:rPr lang="en-US" sz="1600" i="1">
+                                          <a:latin typeface="Cambria Math" panose="02040503050406030204" pitchFamily="18" charset="0"/>
+                                        </a:rPr>
+                                        <m:t>0</m:t>
+                                      </m:r>
+                                    </m:e>
+                                  </m:mr>
+                                  <m:mr>
+                                    <m:e>
+                                      <m:r>
+                                        <a:rPr lang="en-US" sz="1600" i="1">
+                                          <a:latin typeface="Cambria Math" panose="02040503050406030204" pitchFamily="18" charset="0"/>
+                                        </a:rPr>
+                                        <m:t>0</m:t>
+                                      </m:r>
+                                    </m:e>
+                                    <m:e>
+                                      <m:r>
+                                        <a:rPr lang="en-US" sz="1600" i="1">
+                                          <a:latin typeface="Cambria Math" panose="02040503050406030204" pitchFamily="18" charset="0"/>
+                                        </a:rPr>
+                                        <m:t>0</m:t>
+                                      </m:r>
+                                    </m:e>
+                                  </m:mr>
+                                </m:m>
+                              </m:e>
+                            </m:mr>
+                            <m:mr>
+                              <m:e>
+                                <m:m>
+                                  <m:mPr>
+                                    <m:mcs>
+                                      <m:mc>
+                                        <m:mcPr>
+                                          <m:count m:val="2"/>
+                                          <m:mcJc m:val="center"/>
+                                        </m:mcPr>
+                                      </m:mc>
+                                    </m:mcs>
+                                    <m:ctrlPr>
+                                      <a:rPr lang="en-US" sz="1600" i="1">
+                                        <a:latin typeface="Cambria Math" panose="02040503050406030204" pitchFamily="18" charset="0"/>
+                                      </a:rPr>
+                                    </m:ctrlPr>
+                                  </m:mPr>
+                                  <m:mr>
+                                    <m:e>
+                                      <m:r>
+                                        <m:rPr>
+                                          <m:brk m:alnAt="7"/>
+                                        </m:rPr>
+                                        <a:rPr lang="en-US" sz="1600" i="1">
+                                          <a:latin typeface="Cambria Math" panose="02040503050406030204" pitchFamily="18" charset="0"/>
+                                        </a:rPr>
+                                        <m:t>0</m:t>
+                                      </m:r>
+                                    </m:e>
+                                    <m:e>
+                                      <m:r>
+                                        <a:rPr lang="en-US" sz="1600" i="1">
+                                          <a:latin typeface="Cambria Math" panose="02040503050406030204" pitchFamily="18" charset="0"/>
+                                        </a:rPr>
+                                        <m:t>0</m:t>
+                                      </m:r>
+                                    </m:e>
+                                  </m:mr>
+                                  <m:mr>
+                                    <m:e>
+                                      <m:r>
+                                        <a:rPr lang="en-US" sz="1600" i="1">
+                                          <a:latin typeface="Cambria Math" panose="02040503050406030204" pitchFamily="18" charset="0"/>
+                                        </a:rPr>
+                                        <m:t>0</m:t>
+                                      </m:r>
+                                    </m:e>
+                                    <m:e>
+                                      <m:r>
+                                        <a:rPr lang="en-US" sz="1600" i="1">
+                                          <a:latin typeface="Cambria Math" panose="02040503050406030204" pitchFamily="18" charset="0"/>
+                                        </a:rPr>
+                                        <m:t>0</m:t>
+                                      </m:r>
+                                    </m:e>
+                                  </m:mr>
+                                </m:m>
+                              </m:e>
+                              <m:e>
+                                <m:m>
+                                  <m:mPr>
+                                    <m:mcs>
+                                      <m:mc>
+                                        <m:mcPr>
+                                          <m:count m:val="2"/>
+                                          <m:mcJc m:val="center"/>
+                                        </m:mcPr>
+                                      </m:mc>
+                                    </m:mcs>
+                                    <m:ctrlPr>
+                                      <a:rPr lang="en-US" sz="1600" i="1">
+                                        <a:latin typeface="Cambria Math" panose="02040503050406030204" pitchFamily="18" charset="0"/>
+                                      </a:rPr>
+                                    </m:ctrlPr>
+                                  </m:mPr>
+                                  <m:mr>
+                                    <m:e>
+                                      <m:r>
+                                        <m:rPr>
+                                          <m:brk m:alnAt="7"/>
+                                        </m:rPr>
+                                        <a:rPr lang="en-US" sz="1600" i="1">
+                                          <a:latin typeface="Cambria Math" panose="02040503050406030204" pitchFamily="18" charset="0"/>
+                                        </a:rPr>
+                                        <m:t>3</m:t>
+                                      </m:r>
+                                      <m:r>
+                                        <a:rPr lang="en-US" sz="1600" i="1">
+                                          <a:latin typeface="Cambria Math" panose="02040503050406030204" pitchFamily="18" charset="0"/>
+                                        </a:rPr>
+                                        <m:t>0</m:t>
+                                      </m:r>
+                                    </m:e>
+                                    <m:e>
+                                      <m:r>
+                                        <a:rPr lang="en-US" sz="1600" i="1">
+                                          <a:latin typeface="Cambria Math" panose="02040503050406030204" pitchFamily="18" charset="0"/>
+                                        </a:rPr>
+                                        <m:t>0</m:t>
+                                      </m:r>
+                                    </m:e>
+                                  </m:mr>
+                                  <m:mr>
+                                    <m:e>
+                                      <m:r>
+                                        <a:rPr lang="en-US" sz="1600" i="1">
+                                          <a:latin typeface="Cambria Math" panose="02040503050406030204" pitchFamily="18" charset="0"/>
+                                        </a:rPr>
+                                        <m:t>0</m:t>
+                                      </m:r>
+                                    </m:e>
+                                    <m:e>
+                                      <m:r>
+                                        <a:rPr lang="en-US" sz="1600" i="1">
+                                          <a:latin typeface="Cambria Math" panose="02040503050406030204" pitchFamily="18" charset="0"/>
+                                        </a:rPr>
+                                        <m:t>4</m:t>
+                                      </m:r>
+                                      <m:r>
+                                        <a:rPr lang="en-US" sz="1600" i="1">
+                                          <a:latin typeface="Cambria Math" panose="02040503050406030204" pitchFamily="18" charset="0"/>
+                                        </a:rPr>
+                                        <m:t>0</m:t>
+                                      </m:r>
+                                    </m:e>
+                                  </m:mr>
+                                </m:m>
+                              </m:e>
+                            </m:mr>
+                          </m:m>
+                        </m:e>
+                      </m:d>
+                      <m:r>
+                        <a:rPr lang="en-US" sz="1600" i="1">
+                          <a:latin typeface="Cambria Math" panose="02040503050406030204" pitchFamily="18" charset="0"/>
+                        </a:rPr>
+                        <m:t>=</m:t>
+                      </m:r>
+                      <m:d>
+                        <m:dPr>
+                          <m:begChr m:val="["/>
+                          <m:endChr m:val="]"/>
+                          <m:ctrlPr>
+                            <a:rPr lang="en-US" sz="1600" i="1">
+                              <a:latin typeface="Cambria Math" panose="02040503050406030204" pitchFamily="18" charset="0"/>
+                            </a:rPr>
+                          </m:ctrlPr>
+                        </m:dPr>
+                        <m:e>
+                          <m:m>
+                            <m:mPr>
+                              <m:mcs>
+                                <m:mc>
+                                  <m:mcPr>
+                                    <m:count m:val="2"/>
+                                    <m:mcJc m:val="center"/>
+                                  </m:mcPr>
+                                </m:mc>
+                              </m:mcs>
+                              <m:ctrlPr>
+                                <a:rPr lang="en-US" sz="1600" i="1">
+                                  <a:latin typeface="Cambria Math" panose="02040503050406030204" pitchFamily="18" charset="0"/>
+                                </a:rPr>
+                              </m:ctrlPr>
+                            </m:mPr>
+                            <m:mr>
+                              <m:e>
+                                <m:m>
+                                  <m:mPr>
+                                    <m:mcs>
+                                      <m:mc>
+                                        <m:mcPr>
+                                          <m:count m:val="2"/>
+                                          <m:mcJc m:val="center"/>
+                                        </m:mcPr>
+                                      </m:mc>
+                                    </m:mcs>
+                                    <m:ctrlPr>
+                                      <a:rPr lang="en-US" sz="1600" i="1">
+                                        <a:latin typeface="Cambria Math" panose="02040503050406030204" pitchFamily="18" charset="0"/>
+                                      </a:rPr>
+                                    </m:ctrlPr>
+                                  </m:mPr>
+                                  <m:mr>
+                                    <m:e>
+                                      <m:r>
+                                        <m:rPr>
+                                          <m:brk m:alnAt="7"/>
+                                        </m:rPr>
+                                        <a:rPr lang="en-US" sz="1600" b="0" i="1" smtClean="0">
+                                          <a:latin typeface="Cambria Math" panose="02040503050406030204" pitchFamily="18" charset="0"/>
+                                        </a:rPr>
+                                        <m:t>1</m:t>
+                                      </m:r>
+                                      <m:r>
+                                        <a:rPr lang="en-US" sz="1600" b="0" i="1" smtClean="0">
+                                          <a:latin typeface="Cambria Math" panose="02040503050406030204" pitchFamily="18" charset="0"/>
+                                        </a:rPr>
+                                        <m:t>×</m:t>
+                                      </m:r>
+                                      <m:r>
+                                        <a:rPr lang="en-US" sz="1600" i="1">
+                                          <a:latin typeface="Cambria Math" panose="02040503050406030204" pitchFamily="18" charset="0"/>
+                                        </a:rPr>
+                                        <m:t>1</m:t>
+                                      </m:r>
+                                      <m:r>
+                                        <a:rPr lang="en-US" sz="1600" i="1">
+                                          <a:latin typeface="Cambria Math" panose="02040503050406030204" pitchFamily="18" charset="0"/>
+                                        </a:rPr>
+                                        <m:t>0</m:t>
+                                      </m:r>
+                                    </m:e>
+                                    <m:e>
+                                      <m:r>
+                                        <a:rPr lang="en-US" sz="1600" i="1">
+                                          <a:latin typeface="Cambria Math" panose="02040503050406030204" pitchFamily="18" charset="0"/>
+                                        </a:rPr>
+                                        <m:t>0</m:t>
+                                      </m:r>
+                                    </m:e>
+                                  </m:mr>
+                                  <m:mr>
+                                    <m:e>
+                                      <m:r>
+                                        <a:rPr lang="en-US" sz="1600" i="1">
+                                          <a:latin typeface="Cambria Math" panose="02040503050406030204" pitchFamily="18" charset="0"/>
+                                        </a:rPr>
+                                        <m:t>0</m:t>
+                                      </m:r>
+                                    </m:e>
+                                    <m:e>
+                                      <m:r>
+                                        <a:rPr lang="en-US" sz="1600" b="0" i="1" smtClean="0">
+                                          <a:latin typeface="Cambria Math" panose="02040503050406030204" pitchFamily="18" charset="0"/>
+                                        </a:rPr>
+                                        <m:t>2×</m:t>
+                                      </m:r>
+                                      <m:r>
+                                        <a:rPr lang="en-US" sz="1600" i="1">
+                                          <a:latin typeface="Cambria Math" panose="02040503050406030204" pitchFamily="18" charset="0"/>
+                                        </a:rPr>
+                                        <m:t>2</m:t>
+                                      </m:r>
+                                      <m:r>
+                                        <a:rPr lang="en-US" sz="1600" i="1">
+                                          <a:latin typeface="Cambria Math" panose="02040503050406030204" pitchFamily="18" charset="0"/>
+                                        </a:rPr>
+                                        <m:t>0</m:t>
+                                      </m:r>
+                                    </m:e>
+                                  </m:mr>
+                                </m:m>
+                              </m:e>
+                              <m:e>
+                                <m:m>
+                                  <m:mPr>
+                                    <m:mcs>
+                                      <m:mc>
+                                        <m:mcPr>
+                                          <m:count m:val="2"/>
+                                          <m:mcJc m:val="center"/>
+                                        </m:mcPr>
+                                      </m:mc>
+                                    </m:mcs>
+                                    <m:ctrlPr>
+                                      <a:rPr lang="en-US" sz="1600" i="1">
+                                        <a:latin typeface="Cambria Math" panose="02040503050406030204" pitchFamily="18" charset="0"/>
+                                      </a:rPr>
+                                    </m:ctrlPr>
+                                  </m:mPr>
+                                  <m:mr>
+                                    <m:e>
+                                      <m:r>
+                                        <m:rPr>
+                                          <m:brk m:alnAt="7"/>
+                                        </m:rPr>
+                                        <a:rPr lang="en-US" sz="1600" i="1">
+                                          <a:latin typeface="Cambria Math" panose="02040503050406030204" pitchFamily="18" charset="0"/>
+                                        </a:rPr>
+                                        <m:t>0</m:t>
+                                      </m:r>
+                                    </m:e>
+                                    <m:e>
+                                      <m:r>
+                                        <a:rPr lang="en-US" sz="1600" i="1">
+                                          <a:latin typeface="Cambria Math" panose="02040503050406030204" pitchFamily="18" charset="0"/>
+                                        </a:rPr>
+                                        <m:t>0</m:t>
+                                      </m:r>
+                                    </m:e>
+                                  </m:mr>
+                                  <m:mr>
+                                    <m:e>
+                                      <m:r>
+                                        <a:rPr lang="en-US" sz="1600" i="1">
+                                          <a:latin typeface="Cambria Math" panose="02040503050406030204" pitchFamily="18" charset="0"/>
+                                        </a:rPr>
+                                        <m:t>0</m:t>
+                                      </m:r>
+                                    </m:e>
+                                    <m:e>
+                                      <m:r>
+                                        <a:rPr lang="en-US" sz="1600" i="1">
+                                          <a:latin typeface="Cambria Math" panose="02040503050406030204" pitchFamily="18" charset="0"/>
+                                        </a:rPr>
+                                        <m:t>0</m:t>
+                                      </m:r>
+                                    </m:e>
+                                  </m:mr>
+                                </m:m>
+                              </m:e>
+                            </m:mr>
+                            <m:mr>
+                              <m:e>
+                                <m:m>
+                                  <m:mPr>
+                                    <m:mcs>
+                                      <m:mc>
+                                        <m:mcPr>
+                                          <m:count m:val="2"/>
+                                          <m:mcJc m:val="center"/>
+                                        </m:mcPr>
+                                      </m:mc>
+                                    </m:mcs>
+                                    <m:ctrlPr>
+                                      <a:rPr lang="en-US" sz="1600" i="1">
+                                        <a:latin typeface="Cambria Math" panose="02040503050406030204" pitchFamily="18" charset="0"/>
+                                      </a:rPr>
+                                    </m:ctrlPr>
+                                  </m:mPr>
+                                  <m:mr>
+                                    <m:e>
+                                      <m:r>
+                                        <m:rPr>
+                                          <m:brk m:alnAt="7"/>
+                                        </m:rPr>
+                                        <a:rPr lang="en-US" sz="1600" i="1">
+                                          <a:latin typeface="Cambria Math" panose="02040503050406030204" pitchFamily="18" charset="0"/>
+                                        </a:rPr>
+                                        <m:t>0</m:t>
+                                      </m:r>
+                                    </m:e>
+                                    <m:e>
+                                      <m:r>
+                                        <a:rPr lang="en-US" sz="1600" i="1">
+                                          <a:latin typeface="Cambria Math" panose="02040503050406030204" pitchFamily="18" charset="0"/>
+                                        </a:rPr>
+                                        <m:t>0</m:t>
+                                      </m:r>
+                                    </m:e>
+                                  </m:mr>
+                                  <m:mr>
+                                    <m:e>
+                                      <m:r>
+                                        <a:rPr lang="en-US" sz="1600" i="1">
+                                          <a:latin typeface="Cambria Math" panose="02040503050406030204" pitchFamily="18" charset="0"/>
+                                        </a:rPr>
+                                        <m:t>0</m:t>
+                                      </m:r>
+                                    </m:e>
+                                    <m:e>
+                                      <m:r>
+                                        <a:rPr lang="en-US" sz="1600" i="1">
+                                          <a:latin typeface="Cambria Math" panose="02040503050406030204" pitchFamily="18" charset="0"/>
+                                        </a:rPr>
+                                        <m:t>0</m:t>
+                                      </m:r>
+                                    </m:e>
+                                  </m:mr>
+                                </m:m>
+                              </m:e>
+                              <m:e>
+                                <m:m>
+                                  <m:mPr>
+                                    <m:mcs>
+                                      <m:mc>
+                                        <m:mcPr>
+                                          <m:count m:val="2"/>
+                                          <m:mcJc m:val="center"/>
+                                        </m:mcPr>
+                                      </m:mc>
+                                    </m:mcs>
+                                    <m:ctrlPr>
+                                      <a:rPr lang="en-US" sz="1600" i="1">
+                                        <a:latin typeface="Cambria Math" panose="02040503050406030204" pitchFamily="18" charset="0"/>
+                                      </a:rPr>
+                                    </m:ctrlPr>
+                                  </m:mPr>
+                                  <m:mr>
+                                    <m:e>
+                                      <m:r>
+                                        <m:rPr>
+                                          <m:brk m:alnAt="7"/>
+                                        </m:rPr>
+                                        <a:rPr lang="en-US" sz="1600" b="0" i="1" smtClean="0">
+                                          <a:latin typeface="Cambria Math" panose="02040503050406030204" pitchFamily="18" charset="0"/>
+                                        </a:rPr>
+                                        <m:t>3</m:t>
+                                      </m:r>
+                                      <m:r>
+                                        <a:rPr lang="en-US" sz="1600" b="0" i="1" smtClean="0">
+                                          <a:latin typeface="Cambria Math" panose="02040503050406030204" pitchFamily="18" charset="0"/>
+                                        </a:rPr>
+                                        <m:t>×</m:t>
+                                      </m:r>
+                                      <m:r>
+                                        <a:rPr lang="en-US" sz="1600" i="1">
+                                          <a:latin typeface="Cambria Math" panose="02040503050406030204" pitchFamily="18" charset="0"/>
+                                        </a:rPr>
+                                        <m:t>3</m:t>
+                                      </m:r>
+                                      <m:r>
+                                        <a:rPr lang="en-US" sz="1600" i="1">
+                                          <a:latin typeface="Cambria Math" panose="02040503050406030204" pitchFamily="18" charset="0"/>
+                                        </a:rPr>
+                                        <m:t>0</m:t>
+                                      </m:r>
+                                    </m:e>
+                                    <m:e>
+                                      <m:r>
+                                        <a:rPr lang="en-US" sz="1600" i="1">
+                                          <a:latin typeface="Cambria Math" panose="02040503050406030204" pitchFamily="18" charset="0"/>
+                                        </a:rPr>
+                                        <m:t>0</m:t>
+                                      </m:r>
+                                    </m:e>
+                                  </m:mr>
+                                  <m:mr>
+                                    <m:e>
+                                      <m:r>
+                                        <a:rPr lang="en-US" sz="1600" i="1">
+                                          <a:latin typeface="Cambria Math" panose="02040503050406030204" pitchFamily="18" charset="0"/>
+                                        </a:rPr>
+                                        <m:t>0</m:t>
+                                      </m:r>
+                                    </m:e>
+                                    <m:e>
+                                      <m:r>
+                                        <a:rPr lang="en-US" sz="1600" b="0" i="1" smtClean="0">
+                                          <a:latin typeface="Cambria Math" panose="02040503050406030204" pitchFamily="18" charset="0"/>
+                                        </a:rPr>
+                                        <m:t>4×</m:t>
+                                      </m:r>
+                                      <m:r>
+                                        <a:rPr lang="en-US" sz="1600" i="1">
+                                          <a:latin typeface="Cambria Math" panose="02040503050406030204" pitchFamily="18" charset="0"/>
+                                        </a:rPr>
+                                        <m:t>4</m:t>
+                                      </m:r>
+                                      <m:r>
+                                        <a:rPr lang="en-US" sz="1600" i="1">
+                                          <a:latin typeface="Cambria Math" panose="02040503050406030204" pitchFamily="18" charset="0"/>
+                                        </a:rPr>
+                                        <m:t>0</m:t>
+                                      </m:r>
+                                    </m:e>
+                                  </m:mr>
+                                </m:m>
+                              </m:e>
+                            </m:mr>
+                          </m:m>
+                        </m:e>
+                      </m:d>
+                    </m:oMath>
+                  </m:oMathPara>
+                </a14:m>
+                <a:endParaRPr lang="en-US" sz="1600" dirty="0"/>
+              </a:p>
+            </p:txBody>
+          </p:sp>
+        </mc:Choice>
+        <mc:Fallback>
+          <p:sp>
+            <p:nvSpPr>
+              <p:cNvPr id="63" name="TextBox 62">
+                <a:extLst>
+                  <a:ext uri="{FF2B5EF4-FFF2-40B4-BE49-F238E27FC236}">
+                    <a16:creationId xmlns:a16="http://schemas.microsoft.com/office/drawing/2014/main" id="{EDA3F352-4387-0049-A6C5-15CF5B6049F1}"/>
+                  </a:ext>
+                </a:extLst>
+              </p:cNvPr>
+              <p:cNvSpPr txBox="1">
+                <a:spLocks noRot="1" noChangeAspect="1" noMove="1" noResize="1" noEditPoints="1" noAdjustHandles="1" noChangeArrowheads="1" noChangeShapeType="1" noTextEdit="1"/>
+              </p:cNvSpPr>
+              <p:nvPr/>
+            </p:nvSpPr>
+            <p:spPr>
+              <a:xfrm>
+                <a:off x="1444983" y="4910729"/>
+                <a:ext cx="6203941" cy="856645"/>
+              </a:xfrm>
+              <a:prstGeom prst="rect">
+                <a:avLst/>
+              </a:prstGeom>
+              <a:blipFill>
+                <a:blip r:embed="rId8"/>
+                <a:stretch>
+                  <a:fillRect t="-1449" b="-7246"/>
+                </a:stretch>
+              </a:blipFill>
+            </p:spPr>
+            <p:txBody>
+              <a:bodyPr/>
+              <a:lstStyle/>
+              <a:p>
+                <a:r>
+                  <a:rPr lang="en-US">
+                    <a:noFill/>
+                  </a:rPr>
+                  <a:t> </a:t>
+                </a:r>
+              </a:p>
+            </p:txBody>
+          </p:sp>
+        </mc:Fallback>
+      </mc:AlternateContent>
     </p:spTree>
     <p:extLst>
       <p:ext uri="{BB962C8B-B14F-4D97-AF65-F5344CB8AC3E}">
@@ -40711,6 +43464,51 @@
                       </p:childTnLst>
                     </p:cTn>
                   </p:par>
+                  <p:par>
+                    <p:cTn id="23" fill="hold">
+                      <p:stCondLst>
+                        <p:cond delay="indefinite"/>
+                      </p:stCondLst>
+                      <p:childTnLst>
+                        <p:par>
+                          <p:cTn id="24" fill="hold">
+                            <p:stCondLst>
+                              <p:cond delay="0"/>
+                            </p:stCondLst>
+                            <p:childTnLst>
+                              <p:par>
+                                <p:cTn id="25" presetID="1" presetClass="entr" presetSubtype="0" fill="hold" grpId="0" nodeType="clickEffect">
+                                  <p:stCondLst>
+                                    <p:cond delay="0"/>
+                                  </p:stCondLst>
+                                  <p:childTnLst>
+                                    <p:set>
+                                      <p:cBhvr>
+                                        <p:cTn id="26" dur="1" fill="hold">
+                                          <p:stCondLst>
+                                            <p:cond delay="0"/>
+                                          </p:stCondLst>
+                                        </p:cTn>
+                                        <p:tgtEl>
+                                          <p:spTgt spid="63"/>
+                                        </p:tgtEl>
+                                        <p:attrNameLst>
+                                          <p:attrName>style.visibility</p:attrName>
+                                        </p:attrNameLst>
+                                      </p:cBhvr>
+                                      <p:to>
+                                        <p:strVal val="visible"/>
+                                      </p:to>
+                                    </p:set>
+                                  </p:childTnLst>
+                                </p:cTn>
+                              </p:par>
+                            </p:childTnLst>
+                          </p:cTn>
+                        </p:par>
+                      </p:childTnLst>
+                    </p:cTn>
+                  </p:par>
                 </p:childTnLst>
               </p:cTn>
               <p:prevCondLst>
@@ -40735,6 +43533,7 @@
     <p:bldLst>
       <p:bldP spid="47" grpId="0"/>
       <p:bldP spid="54" grpId="0"/>
+      <p:bldP spid="63" grpId="0"/>
     </p:bldLst>
   </p:timing>
 </p:sld>

--- a/Lecture_4-Geometric-Linear-Algebra/Geometric-Linear-Algebra.pptx
+++ b/Lecture_4-Geometric-Linear-Algebra/Geometric-Linear-Algebra.pptx
@@ -5,10 +5,10 @@
     <p:sldMasterId id="2147483648" r:id="rId1"/>
   </p:sldMasterIdLst>
   <p:notesMasterIdLst>
-    <p:notesMasterId r:id="rId21"/>
+    <p:notesMasterId r:id="rId20"/>
   </p:notesMasterIdLst>
   <p:handoutMasterIdLst>
-    <p:handoutMasterId r:id="rId22"/>
+    <p:handoutMasterId r:id="rId21"/>
   </p:handoutMasterIdLst>
   <p:sldIdLst>
     <p:sldId id="256" r:id="rId2"/>
@@ -20,16 +20,15 @@
     <p:sldId id="506" r:id="rId8"/>
     <p:sldId id="487" r:id="rId9"/>
     <p:sldId id="505" r:id="rId10"/>
-    <p:sldId id="507" r:id="rId11"/>
-    <p:sldId id="498" r:id="rId12"/>
-    <p:sldId id="491" r:id="rId13"/>
-    <p:sldId id="500" r:id="rId14"/>
-    <p:sldId id="499" r:id="rId15"/>
-    <p:sldId id="501" r:id="rId16"/>
-    <p:sldId id="502" r:id="rId17"/>
-    <p:sldId id="503" r:id="rId18"/>
-    <p:sldId id="504" r:id="rId19"/>
-    <p:sldId id="490" r:id="rId20"/>
+    <p:sldId id="498" r:id="rId11"/>
+    <p:sldId id="491" r:id="rId12"/>
+    <p:sldId id="500" r:id="rId13"/>
+    <p:sldId id="499" r:id="rId14"/>
+    <p:sldId id="501" r:id="rId15"/>
+    <p:sldId id="502" r:id="rId16"/>
+    <p:sldId id="503" r:id="rId17"/>
+    <p:sldId id="504" r:id="rId18"/>
+    <p:sldId id="490" r:id="rId19"/>
   </p:sldIdLst>
   <p:sldSz cx="9144000" cy="6858000" type="screen4x3"/>
   <p:notesSz cx="6858000" cy="9144000"/>
@@ -1587,7 +1586,7 @@
               <a:pPr>
                 <a:defRPr/>
               </a:pPr>
-              <a:t>11</a:t>
+              <a:t>10</a:t>
             </a:fld>
             <a:endParaRPr lang="en-US" altLang="x-none"/>
           </a:p>
@@ -1680,7 +1679,7 @@
               <a:pPr>
                 <a:defRPr/>
               </a:pPr>
-              <a:t>16</a:t>
+              <a:t>15</a:t>
             </a:fld>
             <a:endParaRPr lang="en-US" altLang="x-none"/>
           </a:p>
@@ -1773,7 +1772,7 @@
               <a:pPr>
                 <a:defRPr/>
               </a:pPr>
-              <a:t>17</a:t>
+              <a:t>16</a:t>
             </a:fld>
             <a:endParaRPr lang="en-US" altLang="x-none"/>
           </a:p>
@@ -6101,1789 +6100,6 @@
           <a:chExt cx="0" cy="0"/>
         </a:xfrm>
       </p:grpSpPr>
-      <p:sp>
-        <p:nvSpPr>
-          <p:cNvPr id="2" name="Title 1">
-            <a:extLst>
-              <a:ext uri="{FF2B5EF4-FFF2-40B4-BE49-F238E27FC236}">
-                <a16:creationId xmlns:a16="http://schemas.microsoft.com/office/drawing/2014/main" id="{6F0D3A74-A266-114E-B9A2-702A3E4C2C32}"/>
-              </a:ext>
-            </a:extLst>
-          </p:cNvPr>
-          <p:cNvSpPr>
-            <a:spLocks noGrp="1"/>
-          </p:cNvSpPr>
-          <p:nvPr>
-            <p:ph type="title"/>
-          </p:nvPr>
-        </p:nvSpPr>
-        <p:spPr/>
-        <p:txBody>
-          <a:bodyPr/>
-          <a:lstStyle/>
-          <a:p>
-            <a:endParaRPr lang="en-US"/>
-          </a:p>
-        </p:txBody>
-      </p:sp>
-      <p:sp>
-        <p:nvSpPr>
-          <p:cNvPr id="3" name="Slide Number Placeholder 2">
-            <a:extLst>
-              <a:ext uri="{FF2B5EF4-FFF2-40B4-BE49-F238E27FC236}">
-                <a16:creationId xmlns:a16="http://schemas.microsoft.com/office/drawing/2014/main" id="{9CE4FCAF-5DF6-B242-B7C5-AAC261A7623C}"/>
-              </a:ext>
-            </a:extLst>
-          </p:cNvPr>
-          <p:cNvSpPr>
-            <a:spLocks noGrp="1"/>
-          </p:cNvSpPr>
-          <p:nvPr>
-            <p:ph type="sldNum" sz="quarter" idx="11"/>
-          </p:nvPr>
-        </p:nvSpPr>
-        <p:spPr/>
-        <p:txBody>
-          <a:bodyPr/>
-          <a:lstStyle/>
-          <a:p>
-            <a:pPr>
-              <a:defRPr/>
-            </a:pPr>
-            <a:fld id="{2E4304A7-0FB2-4094-BC1E-DB17183AD0C1}" type="slidenum">
-              <a:rPr lang="en-US" altLang="x-none" smtClean="0"/>
-              <a:pPr>
-                <a:defRPr/>
-              </a:pPr>
-              <a:t>10</a:t>
-            </a:fld>
-            <a:endParaRPr lang="en-US" altLang="x-none"/>
-          </a:p>
-        </p:txBody>
-      </p:sp>
-      <mc:AlternateContent xmlns:mc="http://schemas.openxmlformats.org/markup-compatibility/2006">
-        <mc:Choice xmlns:a14="http://schemas.microsoft.com/office/drawing/2010/main" Requires="a14">
-          <p:sp>
-            <p:nvSpPr>
-              <p:cNvPr id="5" name="TextBox 4">
-                <a:extLst>
-                  <a:ext uri="{FF2B5EF4-FFF2-40B4-BE49-F238E27FC236}">
-                    <a16:creationId xmlns:a16="http://schemas.microsoft.com/office/drawing/2014/main" id="{3BAFAD0D-511C-4648-8D51-A763616BD51C}"/>
-                  </a:ext>
-                </a:extLst>
-              </p:cNvPr>
-              <p:cNvSpPr txBox="1"/>
-              <p:nvPr/>
-            </p:nvSpPr>
-            <p:spPr>
-              <a:xfrm>
-                <a:off x="975239" y="2279203"/>
-                <a:ext cx="4834978" cy="963662"/>
-              </a:xfrm>
-              <a:prstGeom prst="rect">
-                <a:avLst/>
-              </a:prstGeom>
-              <a:noFill/>
-            </p:spPr>
-            <p:txBody>
-              <a:bodyPr wrap="none" lIns="0" tIns="0" rIns="0" bIns="0" rtlCol="0">
-                <a:spAutoFit/>
-              </a:bodyPr>
-              <a:lstStyle/>
-              <a:p>
-                <a14:m>
-                  <m:oMathPara xmlns:m="http://schemas.openxmlformats.org/officeDocument/2006/math">
-                    <m:oMathParaPr>
-                      <m:jc m:val="centerGroup"/>
-                    </m:oMathParaPr>
-                    <m:oMath xmlns:m="http://schemas.openxmlformats.org/officeDocument/2006/math">
-                      <m:r>
-                        <a:rPr lang="en-US" b="1" i="1" smtClean="0">
-                          <a:latin typeface="Cambria Math" panose="02040503050406030204" pitchFamily="18" charset="0"/>
-                        </a:rPr>
-                        <m:t>𝑨</m:t>
-                      </m:r>
-                      <m:r>
-                        <a:rPr lang="en-US" b="0" i="1" smtClean="0">
-                          <a:latin typeface="Cambria Math" panose="02040503050406030204" pitchFamily="18" charset="0"/>
-                        </a:rPr>
-                        <m:t>=</m:t>
-                      </m:r>
-                      <m:d>
-                        <m:dPr>
-                          <m:begChr m:val="["/>
-                          <m:endChr m:val="]"/>
-                          <m:ctrlPr>
-                            <a:rPr lang="en-US" b="0" i="1" smtClean="0">
-                              <a:latin typeface="Cambria Math" panose="02040503050406030204" pitchFamily="18" charset="0"/>
-                            </a:rPr>
-                          </m:ctrlPr>
-                        </m:dPr>
-                        <m:e>
-                          <m:m>
-                            <m:mPr>
-                              <m:mcs>
-                                <m:mc>
-                                  <m:mcPr>
-                                    <m:count m:val="2"/>
-                                    <m:mcJc m:val="center"/>
-                                  </m:mcPr>
-                                </m:mc>
-                              </m:mcs>
-                              <m:ctrlPr>
-                                <a:rPr lang="en-US" b="0" i="1" smtClean="0">
-                                  <a:latin typeface="Cambria Math" panose="02040503050406030204" pitchFamily="18" charset="0"/>
-                                </a:rPr>
-                              </m:ctrlPr>
-                            </m:mPr>
-                            <m:mr>
-                              <m:e>
-                                <m:m>
-                                  <m:mPr>
-                                    <m:mcs>
-                                      <m:mc>
-                                        <m:mcPr>
-                                          <m:count m:val="2"/>
-                                          <m:mcJc m:val="center"/>
-                                        </m:mcPr>
-                                      </m:mc>
-                                    </m:mcs>
-                                    <m:ctrlPr>
-                                      <a:rPr lang="en-US" i="1">
-                                        <a:latin typeface="Cambria Math" panose="02040503050406030204" pitchFamily="18" charset="0"/>
-                                      </a:rPr>
-                                    </m:ctrlPr>
-                                  </m:mPr>
-                                  <m:mr>
-                                    <m:e>
-                                      <m:r>
-                                        <m:rPr>
-                                          <m:brk m:alnAt="7"/>
-                                        </m:rPr>
-                                        <a:rPr lang="en-US" b="0" i="1" smtClean="0">
-                                          <a:latin typeface="Cambria Math" panose="02040503050406030204" pitchFamily="18" charset="0"/>
-                                        </a:rPr>
-                                        <m:t>1</m:t>
-                                      </m:r>
-                                    </m:e>
-                                    <m:e>
-                                      <m:r>
-                                        <a:rPr lang="en-US" b="0" i="1" smtClean="0">
-                                          <a:latin typeface="Cambria Math" panose="02040503050406030204" pitchFamily="18" charset="0"/>
-                                        </a:rPr>
-                                        <m:t>0</m:t>
-                                      </m:r>
-                                    </m:e>
-                                  </m:mr>
-                                  <m:mr>
-                                    <m:e>
-                                      <m:r>
-                                        <a:rPr lang="en-US" b="0" i="1" smtClean="0">
-                                          <a:latin typeface="Cambria Math" panose="02040503050406030204" pitchFamily="18" charset="0"/>
-                                        </a:rPr>
-                                        <m:t>0</m:t>
-                                      </m:r>
-                                    </m:e>
-                                    <m:e>
-                                      <m:r>
-                                        <a:rPr lang="en-US" b="0" i="1" smtClean="0">
-                                          <a:latin typeface="Cambria Math" panose="02040503050406030204" pitchFamily="18" charset="0"/>
-                                        </a:rPr>
-                                        <m:t>2</m:t>
-                                      </m:r>
-                                    </m:e>
-                                  </m:mr>
-                                </m:m>
-                              </m:e>
-                              <m:e>
-                                <m:m>
-                                  <m:mPr>
-                                    <m:mcs>
-                                      <m:mc>
-                                        <m:mcPr>
-                                          <m:count m:val="2"/>
-                                          <m:mcJc m:val="center"/>
-                                        </m:mcPr>
-                                      </m:mc>
-                                    </m:mcs>
-                                    <m:ctrlPr>
-                                      <a:rPr lang="en-US" i="1">
-                                        <a:latin typeface="Cambria Math" panose="02040503050406030204" pitchFamily="18" charset="0"/>
-                                      </a:rPr>
-                                    </m:ctrlPr>
-                                  </m:mPr>
-                                  <m:mr>
-                                    <m:e>
-                                      <m:r>
-                                        <m:rPr>
-                                          <m:brk m:alnAt="7"/>
-                                        </m:rPr>
-                                        <a:rPr lang="en-US" b="0" i="1" smtClean="0">
-                                          <a:latin typeface="Cambria Math" panose="02040503050406030204" pitchFamily="18" charset="0"/>
-                                        </a:rPr>
-                                        <m:t>0</m:t>
-                                      </m:r>
-                                    </m:e>
-                                    <m:e>
-                                      <m:r>
-                                        <a:rPr lang="en-US" b="0" i="1" smtClean="0">
-                                          <a:latin typeface="Cambria Math" panose="02040503050406030204" pitchFamily="18" charset="0"/>
-                                        </a:rPr>
-                                        <m:t>0</m:t>
-                                      </m:r>
-                                    </m:e>
-                                  </m:mr>
-                                  <m:mr>
-                                    <m:e>
-                                      <m:r>
-                                        <a:rPr lang="en-US" b="0" i="1" smtClean="0">
-                                          <a:latin typeface="Cambria Math" panose="02040503050406030204" pitchFamily="18" charset="0"/>
-                                        </a:rPr>
-                                        <m:t>0</m:t>
-                                      </m:r>
-                                    </m:e>
-                                    <m:e>
-                                      <m:r>
-                                        <a:rPr lang="en-US" b="0" i="1" smtClean="0">
-                                          <a:latin typeface="Cambria Math" panose="02040503050406030204" pitchFamily="18" charset="0"/>
-                                        </a:rPr>
-                                        <m:t>0</m:t>
-                                      </m:r>
-                                    </m:e>
-                                  </m:mr>
-                                </m:m>
-                              </m:e>
-                            </m:mr>
-                            <m:mr>
-                              <m:e>
-                                <m:m>
-                                  <m:mPr>
-                                    <m:mcs>
-                                      <m:mc>
-                                        <m:mcPr>
-                                          <m:count m:val="2"/>
-                                          <m:mcJc m:val="center"/>
-                                        </m:mcPr>
-                                      </m:mc>
-                                    </m:mcs>
-                                    <m:ctrlPr>
-                                      <a:rPr lang="en-US" i="1">
-                                        <a:latin typeface="Cambria Math" panose="02040503050406030204" pitchFamily="18" charset="0"/>
-                                      </a:rPr>
-                                    </m:ctrlPr>
-                                  </m:mPr>
-                                  <m:mr>
-                                    <m:e>
-                                      <m:r>
-                                        <m:rPr>
-                                          <m:brk m:alnAt="7"/>
-                                        </m:rPr>
-                                        <a:rPr lang="en-US" b="0" i="1" smtClean="0">
-                                          <a:latin typeface="Cambria Math" panose="02040503050406030204" pitchFamily="18" charset="0"/>
-                                        </a:rPr>
-                                        <m:t>0</m:t>
-                                      </m:r>
-                                    </m:e>
-                                    <m:e>
-                                      <m:r>
-                                        <a:rPr lang="en-US" b="0" i="1" smtClean="0">
-                                          <a:latin typeface="Cambria Math" panose="02040503050406030204" pitchFamily="18" charset="0"/>
-                                        </a:rPr>
-                                        <m:t>0</m:t>
-                                      </m:r>
-                                    </m:e>
-                                  </m:mr>
-                                  <m:mr>
-                                    <m:e>
-                                      <m:r>
-                                        <a:rPr lang="en-US" b="0" i="1" smtClean="0">
-                                          <a:latin typeface="Cambria Math" panose="02040503050406030204" pitchFamily="18" charset="0"/>
-                                        </a:rPr>
-                                        <m:t>0</m:t>
-                                      </m:r>
-                                    </m:e>
-                                    <m:e>
-                                      <m:r>
-                                        <a:rPr lang="en-US" b="0" i="1" smtClean="0">
-                                          <a:latin typeface="Cambria Math" panose="02040503050406030204" pitchFamily="18" charset="0"/>
-                                        </a:rPr>
-                                        <m:t>0</m:t>
-                                      </m:r>
-                                    </m:e>
-                                  </m:mr>
-                                </m:m>
-                              </m:e>
-                              <m:e>
-                                <m:m>
-                                  <m:mPr>
-                                    <m:mcs>
-                                      <m:mc>
-                                        <m:mcPr>
-                                          <m:count m:val="2"/>
-                                          <m:mcJc m:val="center"/>
-                                        </m:mcPr>
-                                      </m:mc>
-                                    </m:mcs>
-                                    <m:ctrlPr>
-                                      <a:rPr lang="en-US" i="1">
-                                        <a:latin typeface="Cambria Math" panose="02040503050406030204" pitchFamily="18" charset="0"/>
-                                      </a:rPr>
-                                    </m:ctrlPr>
-                                  </m:mPr>
-                                  <m:mr>
-                                    <m:e>
-                                      <m:r>
-                                        <m:rPr>
-                                          <m:brk m:alnAt="7"/>
-                                        </m:rPr>
-                                        <a:rPr lang="en-US" b="0" i="1" smtClean="0">
-                                          <a:latin typeface="Cambria Math" panose="02040503050406030204" pitchFamily="18" charset="0"/>
-                                        </a:rPr>
-                                        <m:t>3</m:t>
-                                      </m:r>
-                                    </m:e>
-                                    <m:e>
-                                      <m:r>
-                                        <a:rPr lang="en-US" b="0" i="1" smtClean="0">
-                                          <a:latin typeface="Cambria Math" panose="02040503050406030204" pitchFamily="18" charset="0"/>
-                                        </a:rPr>
-                                        <m:t>0</m:t>
-                                      </m:r>
-                                    </m:e>
-                                  </m:mr>
-                                  <m:mr>
-                                    <m:e>
-                                      <m:r>
-                                        <a:rPr lang="en-US" b="0" i="1" smtClean="0">
-                                          <a:latin typeface="Cambria Math" panose="02040503050406030204" pitchFamily="18" charset="0"/>
-                                        </a:rPr>
-                                        <m:t>0</m:t>
-                                      </m:r>
-                                    </m:e>
-                                    <m:e>
-                                      <m:r>
-                                        <a:rPr lang="en-US" b="0" i="1" smtClean="0">
-                                          <a:latin typeface="Cambria Math" panose="02040503050406030204" pitchFamily="18" charset="0"/>
-                                        </a:rPr>
-                                        <m:t>4</m:t>
-                                      </m:r>
-                                    </m:e>
-                                  </m:mr>
-                                </m:m>
-                              </m:e>
-                            </m:mr>
-                          </m:m>
-                        </m:e>
-                      </m:d>
-                      <m:r>
-                        <a:rPr lang="en-US" b="0" i="1" smtClean="0">
-                          <a:latin typeface="Cambria Math" panose="02040503050406030204" pitchFamily="18" charset="0"/>
-                        </a:rPr>
-                        <m:t>,  </m:t>
-                      </m:r>
-                      <m:r>
-                        <a:rPr lang="en-US" b="1" i="1" smtClean="0">
-                          <a:latin typeface="Cambria Math" panose="02040503050406030204" pitchFamily="18" charset="0"/>
-                        </a:rPr>
-                        <m:t>𝑩</m:t>
-                      </m:r>
-                      <m:r>
-                        <a:rPr lang="en-US" b="0" i="1" smtClean="0">
-                          <a:latin typeface="Cambria Math" panose="02040503050406030204" pitchFamily="18" charset="0"/>
-                        </a:rPr>
-                        <m:t>=</m:t>
-                      </m:r>
-                      <m:d>
-                        <m:dPr>
-                          <m:begChr m:val="["/>
-                          <m:endChr m:val="]"/>
-                          <m:ctrlPr>
-                            <a:rPr lang="en-US" i="1">
-                              <a:latin typeface="Cambria Math" panose="02040503050406030204" pitchFamily="18" charset="0"/>
-                            </a:rPr>
-                          </m:ctrlPr>
-                        </m:dPr>
-                        <m:e>
-                          <m:m>
-                            <m:mPr>
-                              <m:mcs>
-                                <m:mc>
-                                  <m:mcPr>
-                                    <m:count m:val="2"/>
-                                    <m:mcJc m:val="center"/>
-                                  </m:mcPr>
-                                </m:mc>
-                              </m:mcs>
-                              <m:ctrlPr>
-                                <a:rPr lang="en-US" i="1">
-                                  <a:latin typeface="Cambria Math" panose="02040503050406030204" pitchFamily="18" charset="0"/>
-                                </a:rPr>
-                              </m:ctrlPr>
-                            </m:mPr>
-                            <m:mr>
-                              <m:e>
-                                <m:m>
-                                  <m:mPr>
-                                    <m:mcs>
-                                      <m:mc>
-                                        <m:mcPr>
-                                          <m:count m:val="2"/>
-                                          <m:mcJc m:val="center"/>
-                                        </m:mcPr>
-                                      </m:mc>
-                                    </m:mcs>
-                                    <m:ctrlPr>
-                                      <a:rPr lang="en-US" i="1">
-                                        <a:latin typeface="Cambria Math" panose="02040503050406030204" pitchFamily="18" charset="0"/>
-                                      </a:rPr>
-                                    </m:ctrlPr>
-                                  </m:mPr>
-                                  <m:mr>
-                                    <m:e>
-                                      <m:r>
-                                        <m:rPr>
-                                          <m:brk m:alnAt="7"/>
-                                        </m:rPr>
-                                        <a:rPr lang="en-US" i="1">
-                                          <a:latin typeface="Cambria Math" panose="02040503050406030204" pitchFamily="18" charset="0"/>
-                                        </a:rPr>
-                                        <m:t>1</m:t>
-                                      </m:r>
-                                      <m:r>
-                                        <a:rPr lang="en-US" b="0" i="1" smtClean="0">
-                                          <a:latin typeface="Cambria Math" panose="02040503050406030204" pitchFamily="18" charset="0"/>
-                                        </a:rPr>
-                                        <m:t>0</m:t>
-                                      </m:r>
-                                    </m:e>
-                                    <m:e>
-                                      <m:r>
-                                        <a:rPr lang="en-US" i="1">
-                                          <a:latin typeface="Cambria Math" panose="02040503050406030204" pitchFamily="18" charset="0"/>
-                                        </a:rPr>
-                                        <m:t>0</m:t>
-                                      </m:r>
-                                    </m:e>
-                                  </m:mr>
-                                  <m:mr>
-                                    <m:e>
-                                      <m:r>
-                                        <a:rPr lang="en-US" i="1">
-                                          <a:latin typeface="Cambria Math" panose="02040503050406030204" pitchFamily="18" charset="0"/>
-                                        </a:rPr>
-                                        <m:t>0</m:t>
-                                      </m:r>
-                                    </m:e>
-                                    <m:e>
-                                      <m:r>
-                                        <a:rPr lang="en-US" i="1">
-                                          <a:latin typeface="Cambria Math" panose="02040503050406030204" pitchFamily="18" charset="0"/>
-                                        </a:rPr>
-                                        <m:t>2</m:t>
-                                      </m:r>
-                                      <m:r>
-                                        <a:rPr lang="en-US" b="0" i="1" smtClean="0">
-                                          <a:latin typeface="Cambria Math" panose="02040503050406030204" pitchFamily="18" charset="0"/>
-                                        </a:rPr>
-                                        <m:t>0</m:t>
-                                      </m:r>
-                                    </m:e>
-                                  </m:mr>
-                                </m:m>
-                              </m:e>
-                              <m:e>
-                                <m:m>
-                                  <m:mPr>
-                                    <m:mcs>
-                                      <m:mc>
-                                        <m:mcPr>
-                                          <m:count m:val="2"/>
-                                          <m:mcJc m:val="center"/>
-                                        </m:mcPr>
-                                      </m:mc>
-                                    </m:mcs>
-                                    <m:ctrlPr>
-                                      <a:rPr lang="en-US" i="1">
-                                        <a:latin typeface="Cambria Math" panose="02040503050406030204" pitchFamily="18" charset="0"/>
-                                      </a:rPr>
-                                    </m:ctrlPr>
-                                  </m:mPr>
-                                  <m:mr>
-                                    <m:e>
-                                      <m:r>
-                                        <m:rPr>
-                                          <m:brk m:alnAt="7"/>
-                                        </m:rPr>
-                                        <a:rPr lang="en-US" i="1">
-                                          <a:latin typeface="Cambria Math" panose="02040503050406030204" pitchFamily="18" charset="0"/>
-                                        </a:rPr>
-                                        <m:t>0</m:t>
-                                      </m:r>
-                                    </m:e>
-                                    <m:e>
-                                      <m:r>
-                                        <a:rPr lang="en-US" i="1">
-                                          <a:latin typeface="Cambria Math" panose="02040503050406030204" pitchFamily="18" charset="0"/>
-                                        </a:rPr>
-                                        <m:t>0</m:t>
-                                      </m:r>
-                                    </m:e>
-                                  </m:mr>
-                                  <m:mr>
-                                    <m:e>
-                                      <m:r>
-                                        <a:rPr lang="en-US" i="1">
-                                          <a:latin typeface="Cambria Math" panose="02040503050406030204" pitchFamily="18" charset="0"/>
-                                        </a:rPr>
-                                        <m:t>0</m:t>
-                                      </m:r>
-                                    </m:e>
-                                    <m:e>
-                                      <m:r>
-                                        <a:rPr lang="en-US" i="1">
-                                          <a:latin typeface="Cambria Math" panose="02040503050406030204" pitchFamily="18" charset="0"/>
-                                        </a:rPr>
-                                        <m:t>0</m:t>
-                                      </m:r>
-                                    </m:e>
-                                  </m:mr>
-                                </m:m>
-                              </m:e>
-                            </m:mr>
-                            <m:mr>
-                              <m:e>
-                                <m:m>
-                                  <m:mPr>
-                                    <m:mcs>
-                                      <m:mc>
-                                        <m:mcPr>
-                                          <m:count m:val="2"/>
-                                          <m:mcJc m:val="center"/>
-                                        </m:mcPr>
-                                      </m:mc>
-                                    </m:mcs>
-                                    <m:ctrlPr>
-                                      <a:rPr lang="en-US" i="1">
-                                        <a:latin typeface="Cambria Math" panose="02040503050406030204" pitchFamily="18" charset="0"/>
-                                      </a:rPr>
-                                    </m:ctrlPr>
-                                  </m:mPr>
-                                  <m:mr>
-                                    <m:e>
-                                      <m:r>
-                                        <m:rPr>
-                                          <m:brk m:alnAt="7"/>
-                                        </m:rPr>
-                                        <a:rPr lang="en-US" i="1">
-                                          <a:latin typeface="Cambria Math" panose="02040503050406030204" pitchFamily="18" charset="0"/>
-                                        </a:rPr>
-                                        <m:t>0</m:t>
-                                      </m:r>
-                                    </m:e>
-                                    <m:e>
-                                      <m:r>
-                                        <a:rPr lang="en-US" i="1">
-                                          <a:latin typeface="Cambria Math" panose="02040503050406030204" pitchFamily="18" charset="0"/>
-                                        </a:rPr>
-                                        <m:t>0</m:t>
-                                      </m:r>
-                                    </m:e>
-                                  </m:mr>
-                                  <m:mr>
-                                    <m:e>
-                                      <m:r>
-                                        <a:rPr lang="en-US" i="1">
-                                          <a:latin typeface="Cambria Math" panose="02040503050406030204" pitchFamily="18" charset="0"/>
-                                        </a:rPr>
-                                        <m:t>0</m:t>
-                                      </m:r>
-                                    </m:e>
-                                    <m:e>
-                                      <m:r>
-                                        <a:rPr lang="en-US" i="1">
-                                          <a:latin typeface="Cambria Math" panose="02040503050406030204" pitchFamily="18" charset="0"/>
-                                        </a:rPr>
-                                        <m:t>0</m:t>
-                                      </m:r>
-                                    </m:e>
-                                  </m:mr>
-                                </m:m>
-                              </m:e>
-                              <m:e>
-                                <m:m>
-                                  <m:mPr>
-                                    <m:mcs>
-                                      <m:mc>
-                                        <m:mcPr>
-                                          <m:count m:val="2"/>
-                                          <m:mcJc m:val="center"/>
-                                        </m:mcPr>
-                                      </m:mc>
-                                    </m:mcs>
-                                    <m:ctrlPr>
-                                      <a:rPr lang="en-US" i="1">
-                                        <a:latin typeface="Cambria Math" panose="02040503050406030204" pitchFamily="18" charset="0"/>
-                                      </a:rPr>
-                                    </m:ctrlPr>
-                                  </m:mPr>
-                                  <m:mr>
-                                    <m:e>
-                                      <m:r>
-                                        <m:rPr>
-                                          <m:brk m:alnAt="7"/>
-                                        </m:rPr>
-                                        <a:rPr lang="en-US" i="1">
-                                          <a:latin typeface="Cambria Math" panose="02040503050406030204" pitchFamily="18" charset="0"/>
-                                        </a:rPr>
-                                        <m:t>3</m:t>
-                                      </m:r>
-                                      <m:r>
-                                        <a:rPr lang="en-US" b="0" i="1" smtClean="0">
-                                          <a:latin typeface="Cambria Math" panose="02040503050406030204" pitchFamily="18" charset="0"/>
-                                        </a:rPr>
-                                        <m:t>0</m:t>
-                                      </m:r>
-                                    </m:e>
-                                    <m:e>
-                                      <m:r>
-                                        <a:rPr lang="en-US" i="1">
-                                          <a:latin typeface="Cambria Math" panose="02040503050406030204" pitchFamily="18" charset="0"/>
-                                        </a:rPr>
-                                        <m:t>0</m:t>
-                                      </m:r>
-                                    </m:e>
-                                  </m:mr>
-                                  <m:mr>
-                                    <m:e>
-                                      <m:r>
-                                        <a:rPr lang="en-US" i="1">
-                                          <a:latin typeface="Cambria Math" panose="02040503050406030204" pitchFamily="18" charset="0"/>
-                                        </a:rPr>
-                                        <m:t>0</m:t>
-                                      </m:r>
-                                    </m:e>
-                                    <m:e>
-                                      <m:r>
-                                        <a:rPr lang="en-US" i="1">
-                                          <a:latin typeface="Cambria Math" panose="02040503050406030204" pitchFamily="18" charset="0"/>
-                                        </a:rPr>
-                                        <m:t>4</m:t>
-                                      </m:r>
-                                      <m:r>
-                                        <a:rPr lang="en-US" b="0" i="1" smtClean="0">
-                                          <a:latin typeface="Cambria Math" panose="02040503050406030204" pitchFamily="18" charset="0"/>
-                                        </a:rPr>
-                                        <m:t>0</m:t>
-                                      </m:r>
-                                    </m:e>
-                                  </m:mr>
-                                </m:m>
-                              </m:e>
-                            </m:mr>
-                          </m:m>
-                        </m:e>
-                      </m:d>
-                    </m:oMath>
-                  </m:oMathPara>
-                </a14:m>
-                <a:endParaRPr lang="en-US" b="1" dirty="0"/>
-              </a:p>
-            </p:txBody>
-          </p:sp>
-        </mc:Choice>
-        <mc:Fallback>
-          <p:sp>
-            <p:nvSpPr>
-              <p:cNvPr id="5" name="TextBox 4">
-                <a:extLst>
-                  <a:ext uri="{FF2B5EF4-FFF2-40B4-BE49-F238E27FC236}">
-                    <a16:creationId xmlns:a16="http://schemas.microsoft.com/office/drawing/2014/main" id="{3BAFAD0D-511C-4648-8D51-A763616BD51C}"/>
-                  </a:ext>
-                </a:extLst>
-              </p:cNvPr>
-              <p:cNvSpPr txBox="1">
-                <a:spLocks noRot="1" noChangeAspect="1" noMove="1" noResize="1" noEditPoints="1" noAdjustHandles="1" noChangeArrowheads="1" noChangeShapeType="1" noTextEdit="1"/>
-              </p:cNvSpPr>
-              <p:nvPr/>
-            </p:nvSpPr>
-            <p:spPr>
-              <a:xfrm>
-                <a:off x="975239" y="2279203"/>
-                <a:ext cx="4834978" cy="963662"/>
-              </a:xfrm>
-              <a:prstGeom prst="rect">
-                <a:avLst/>
-              </a:prstGeom>
-              <a:blipFill>
-                <a:blip r:embed="rId2"/>
-                <a:stretch>
-                  <a:fillRect l="-524" b="-6494"/>
-                </a:stretch>
-              </a:blipFill>
-            </p:spPr>
-            <p:txBody>
-              <a:bodyPr/>
-              <a:lstStyle/>
-              <a:p>
-                <a:r>
-                  <a:rPr lang="en-US">
-                    <a:noFill/>
-                  </a:rPr>
-                  <a:t> </a:t>
-                </a:r>
-              </a:p>
-            </p:txBody>
-          </p:sp>
-        </mc:Fallback>
-      </mc:AlternateContent>
-      <mc:AlternateContent xmlns:mc="http://schemas.openxmlformats.org/markup-compatibility/2006">
-        <mc:Choice xmlns:a14="http://schemas.microsoft.com/office/drawing/2010/main" Requires="a14">
-          <p:sp>
-            <p:nvSpPr>
-              <p:cNvPr id="7" name="TextBox 6">
-                <a:extLst>
-                  <a:ext uri="{FF2B5EF4-FFF2-40B4-BE49-F238E27FC236}">
-                    <a16:creationId xmlns:a16="http://schemas.microsoft.com/office/drawing/2014/main" id="{2BF87101-6DEF-1043-A86B-BAE7C704482C}"/>
-                  </a:ext>
-                </a:extLst>
-              </p:cNvPr>
-              <p:cNvSpPr txBox="1"/>
-              <p:nvPr/>
-            </p:nvSpPr>
-            <p:spPr>
-              <a:xfrm>
-                <a:off x="1232691" y="3681290"/>
-                <a:ext cx="6988773" cy="963662"/>
-              </a:xfrm>
-              <a:prstGeom prst="rect">
-                <a:avLst/>
-              </a:prstGeom>
-              <a:noFill/>
-            </p:spPr>
-            <p:txBody>
-              <a:bodyPr wrap="none" lIns="0" tIns="0" rIns="0" bIns="0" rtlCol="0">
-                <a:spAutoFit/>
-              </a:bodyPr>
-              <a:lstStyle/>
-              <a:p>
-                <a14:m>
-                  <m:oMathPara xmlns:m="http://schemas.openxmlformats.org/officeDocument/2006/math">
-                    <m:oMathParaPr>
-                      <m:jc m:val="centerGroup"/>
-                    </m:oMathParaPr>
-                    <m:oMath xmlns:m="http://schemas.openxmlformats.org/officeDocument/2006/math">
-                      <m:d>
-                        <m:dPr>
-                          <m:begChr m:val="["/>
-                          <m:endChr m:val="]"/>
-                          <m:ctrlPr>
-                            <a:rPr lang="en-US" i="1" smtClean="0">
-                              <a:latin typeface="Cambria Math" panose="02040503050406030204" pitchFamily="18" charset="0"/>
-                            </a:rPr>
-                          </m:ctrlPr>
-                        </m:dPr>
-                        <m:e>
-                          <m:m>
-                            <m:mPr>
-                              <m:mcs>
-                                <m:mc>
-                                  <m:mcPr>
-                                    <m:count m:val="2"/>
-                                    <m:mcJc m:val="center"/>
-                                  </m:mcPr>
-                                </m:mc>
-                              </m:mcs>
-                              <m:ctrlPr>
-                                <a:rPr lang="en-US" i="1">
-                                  <a:latin typeface="Cambria Math" panose="02040503050406030204" pitchFamily="18" charset="0"/>
-                                </a:rPr>
-                              </m:ctrlPr>
-                            </m:mPr>
-                            <m:mr>
-                              <m:e>
-                                <m:m>
-                                  <m:mPr>
-                                    <m:mcs>
-                                      <m:mc>
-                                        <m:mcPr>
-                                          <m:count m:val="2"/>
-                                          <m:mcJc m:val="center"/>
-                                        </m:mcPr>
-                                      </m:mc>
-                                    </m:mcs>
-                                    <m:ctrlPr>
-                                      <a:rPr lang="en-US" i="1">
-                                        <a:latin typeface="Cambria Math" panose="02040503050406030204" pitchFamily="18" charset="0"/>
-                                      </a:rPr>
-                                    </m:ctrlPr>
-                                  </m:mPr>
-                                  <m:mr>
-                                    <m:e>
-                                      <m:r>
-                                        <m:rPr>
-                                          <m:brk m:alnAt="7"/>
-                                        </m:rPr>
-                                        <a:rPr lang="en-US" i="1">
-                                          <a:latin typeface="Cambria Math" panose="02040503050406030204" pitchFamily="18" charset="0"/>
-                                        </a:rPr>
-                                        <m:t>1</m:t>
-                                      </m:r>
-                                    </m:e>
-                                    <m:e>
-                                      <m:r>
-                                        <a:rPr lang="en-US" i="1">
-                                          <a:latin typeface="Cambria Math" panose="02040503050406030204" pitchFamily="18" charset="0"/>
-                                        </a:rPr>
-                                        <m:t>0</m:t>
-                                      </m:r>
-                                    </m:e>
-                                  </m:mr>
-                                  <m:mr>
-                                    <m:e>
-                                      <m:r>
-                                        <a:rPr lang="en-US" i="1">
-                                          <a:latin typeface="Cambria Math" panose="02040503050406030204" pitchFamily="18" charset="0"/>
-                                        </a:rPr>
-                                        <m:t>0</m:t>
-                                      </m:r>
-                                    </m:e>
-                                    <m:e>
-                                      <m:r>
-                                        <a:rPr lang="en-US" i="1">
-                                          <a:latin typeface="Cambria Math" panose="02040503050406030204" pitchFamily="18" charset="0"/>
-                                        </a:rPr>
-                                        <m:t>2</m:t>
-                                      </m:r>
-                                    </m:e>
-                                  </m:mr>
-                                </m:m>
-                              </m:e>
-                              <m:e>
-                                <m:m>
-                                  <m:mPr>
-                                    <m:mcs>
-                                      <m:mc>
-                                        <m:mcPr>
-                                          <m:count m:val="2"/>
-                                          <m:mcJc m:val="center"/>
-                                        </m:mcPr>
-                                      </m:mc>
-                                    </m:mcs>
-                                    <m:ctrlPr>
-                                      <a:rPr lang="en-US" i="1">
-                                        <a:latin typeface="Cambria Math" panose="02040503050406030204" pitchFamily="18" charset="0"/>
-                                      </a:rPr>
-                                    </m:ctrlPr>
-                                  </m:mPr>
-                                  <m:mr>
-                                    <m:e>
-                                      <m:r>
-                                        <m:rPr>
-                                          <m:brk m:alnAt="7"/>
-                                        </m:rPr>
-                                        <a:rPr lang="en-US" i="1">
-                                          <a:latin typeface="Cambria Math" panose="02040503050406030204" pitchFamily="18" charset="0"/>
-                                        </a:rPr>
-                                        <m:t>0</m:t>
-                                      </m:r>
-                                    </m:e>
-                                    <m:e>
-                                      <m:r>
-                                        <a:rPr lang="en-US" i="1">
-                                          <a:latin typeface="Cambria Math" panose="02040503050406030204" pitchFamily="18" charset="0"/>
-                                        </a:rPr>
-                                        <m:t>0</m:t>
-                                      </m:r>
-                                    </m:e>
-                                  </m:mr>
-                                  <m:mr>
-                                    <m:e>
-                                      <m:r>
-                                        <a:rPr lang="en-US" i="1">
-                                          <a:latin typeface="Cambria Math" panose="02040503050406030204" pitchFamily="18" charset="0"/>
-                                        </a:rPr>
-                                        <m:t>0</m:t>
-                                      </m:r>
-                                    </m:e>
-                                    <m:e>
-                                      <m:r>
-                                        <a:rPr lang="en-US" i="1">
-                                          <a:latin typeface="Cambria Math" panose="02040503050406030204" pitchFamily="18" charset="0"/>
-                                        </a:rPr>
-                                        <m:t>0</m:t>
-                                      </m:r>
-                                    </m:e>
-                                  </m:mr>
-                                </m:m>
-                              </m:e>
-                            </m:mr>
-                            <m:mr>
-                              <m:e>
-                                <m:m>
-                                  <m:mPr>
-                                    <m:mcs>
-                                      <m:mc>
-                                        <m:mcPr>
-                                          <m:count m:val="2"/>
-                                          <m:mcJc m:val="center"/>
-                                        </m:mcPr>
-                                      </m:mc>
-                                    </m:mcs>
-                                    <m:ctrlPr>
-                                      <a:rPr lang="en-US" i="1">
-                                        <a:latin typeface="Cambria Math" panose="02040503050406030204" pitchFamily="18" charset="0"/>
-                                      </a:rPr>
-                                    </m:ctrlPr>
-                                  </m:mPr>
-                                  <m:mr>
-                                    <m:e>
-                                      <m:r>
-                                        <m:rPr>
-                                          <m:brk m:alnAt="7"/>
-                                        </m:rPr>
-                                        <a:rPr lang="en-US" i="1">
-                                          <a:latin typeface="Cambria Math" panose="02040503050406030204" pitchFamily="18" charset="0"/>
-                                        </a:rPr>
-                                        <m:t>0</m:t>
-                                      </m:r>
-                                    </m:e>
-                                    <m:e>
-                                      <m:r>
-                                        <a:rPr lang="en-US" i="1">
-                                          <a:latin typeface="Cambria Math" panose="02040503050406030204" pitchFamily="18" charset="0"/>
-                                        </a:rPr>
-                                        <m:t>0</m:t>
-                                      </m:r>
-                                    </m:e>
-                                  </m:mr>
-                                  <m:mr>
-                                    <m:e>
-                                      <m:r>
-                                        <a:rPr lang="en-US" i="1">
-                                          <a:latin typeface="Cambria Math" panose="02040503050406030204" pitchFamily="18" charset="0"/>
-                                        </a:rPr>
-                                        <m:t>0</m:t>
-                                      </m:r>
-                                    </m:e>
-                                    <m:e>
-                                      <m:r>
-                                        <a:rPr lang="en-US" i="1">
-                                          <a:latin typeface="Cambria Math" panose="02040503050406030204" pitchFamily="18" charset="0"/>
-                                        </a:rPr>
-                                        <m:t>0</m:t>
-                                      </m:r>
-                                    </m:e>
-                                  </m:mr>
-                                </m:m>
-                              </m:e>
-                              <m:e>
-                                <m:m>
-                                  <m:mPr>
-                                    <m:mcs>
-                                      <m:mc>
-                                        <m:mcPr>
-                                          <m:count m:val="2"/>
-                                          <m:mcJc m:val="center"/>
-                                        </m:mcPr>
-                                      </m:mc>
-                                    </m:mcs>
-                                    <m:ctrlPr>
-                                      <a:rPr lang="en-US" i="1">
-                                        <a:latin typeface="Cambria Math" panose="02040503050406030204" pitchFamily="18" charset="0"/>
-                                      </a:rPr>
-                                    </m:ctrlPr>
-                                  </m:mPr>
-                                  <m:mr>
-                                    <m:e>
-                                      <m:r>
-                                        <m:rPr>
-                                          <m:brk m:alnAt="7"/>
-                                        </m:rPr>
-                                        <a:rPr lang="en-US" i="1">
-                                          <a:latin typeface="Cambria Math" panose="02040503050406030204" pitchFamily="18" charset="0"/>
-                                        </a:rPr>
-                                        <m:t>3</m:t>
-                                      </m:r>
-                                    </m:e>
-                                    <m:e>
-                                      <m:r>
-                                        <a:rPr lang="en-US" i="1">
-                                          <a:latin typeface="Cambria Math" panose="02040503050406030204" pitchFamily="18" charset="0"/>
-                                        </a:rPr>
-                                        <m:t>0</m:t>
-                                      </m:r>
-                                    </m:e>
-                                  </m:mr>
-                                  <m:mr>
-                                    <m:e>
-                                      <m:r>
-                                        <a:rPr lang="en-US" i="1">
-                                          <a:latin typeface="Cambria Math" panose="02040503050406030204" pitchFamily="18" charset="0"/>
-                                        </a:rPr>
-                                        <m:t>0</m:t>
-                                      </m:r>
-                                    </m:e>
-                                    <m:e>
-                                      <m:r>
-                                        <a:rPr lang="en-US" i="1">
-                                          <a:latin typeface="Cambria Math" panose="02040503050406030204" pitchFamily="18" charset="0"/>
-                                        </a:rPr>
-                                        <m:t>4</m:t>
-                                      </m:r>
-                                    </m:e>
-                                  </m:mr>
-                                </m:m>
-                              </m:e>
-                            </m:mr>
-                          </m:m>
-                        </m:e>
-                      </m:d>
-                      <m:r>
-                        <a:rPr lang="en-US" b="0" i="1" smtClean="0">
-                          <a:latin typeface="Cambria Math" panose="02040503050406030204" pitchFamily="18" charset="0"/>
-                        </a:rPr>
-                        <m:t>×</m:t>
-                      </m:r>
-                      <m:d>
-                        <m:dPr>
-                          <m:begChr m:val="["/>
-                          <m:endChr m:val="]"/>
-                          <m:ctrlPr>
-                            <a:rPr lang="en-US" i="1">
-                              <a:latin typeface="Cambria Math" panose="02040503050406030204" pitchFamily="18" charset="0"/>
-                            </a:rPr>
-                          </m:ctrlPr>
-                        </m:dPr>
-                        <m:e>
-                          <m:m>
-                            <m:mPr>
-                              <m:mcs>
-                                <m:mc>
-                                  <m:mcPr>
-                                    <m:count m:val="2"/>
-                                    <m:mcJc m:val="center"/>
-                                  </m:mcPr>
-                                </m:mc>
-                              </m:mcs>
-                              <m:ctrlPr>
-                                <a:rPr lang="en-US" i="1">
-                                  <a:latin typeface="Cambria Math" panose="02040503050406030204" pitchFamily="18" charset="0"/>
-                                </a:rPr>
-                              </m:ctrlPr>
-                            </m:mPr>
-                            <m:mr>
-                              <m:e>
-                                <m:m>
-                                  <m:mPr>
-                                    <m:mcs>
-                                      <m:mc>
-                                        <m:mcPr>
-                                          <m:count m:val="2"/>
-                                          <m:mcJc m:val="center"/>
-                                        </m:mcPr>
-                                      </m:mc>
-                                    </m:mcs>
-                                    <m:ctrlPr>
-                                      <a:rPr lang="en-US" i="1">
-                                        <a:latin typeface="Cambria Math" panose="02040503050406030204" pitchFamily="18" charset="0"/>
-                                      </a:rPr>
-                                    </m:ctrlPr>
-                                  </m:mPr>
-                                  <m:mr>
-                                    <m:e>
-                                      <m:r>
-                                        <m:rPr>
-                                          <m:brk m:alnAt="7"/>
-                                        </m:rPr>
-                                        <a:rPr lang="en-US" i="1">
-                                          <a:latin typeface="Cambria Math" panose="02040503050406030204" pitchFamily="18" charset="0"/>
-                                        </a:rPr>
-                                        <m:t>1</m:t>
-                                      </m:r>
-                                      <m:r>
-                                        <a:rPr lang="en-US" i="1">
-                                          <a:latin typeface="Cambria Math" panose="02040503050406030204" pitchFamily="18" charset="0"/>
-                                        </a:rPr>
-                                        <m:t>0</m:t>
-                                      </m:r>
-                                    </m:e>
-                                    <m:e>
-                                      <m:r>
-                                        <a:rPr lang="en-US" i="1">
-                                          <a:latin typeface="Cambria Math" panose="02040503050406030204" pitchFamily="18" charset="0"/>
-                                        </a:rPr>
-                                        <m:t>0</m:t>
-                                      </m:r>
-                                    </m:e>
-                                  </m:mr>
-                                  <m:mr>
-                                    <m:e>
-                                      <m:r>
-                                        <a:rPr lang="en-US" i="1">
-                                          <a:latin typeface="Cambria Math" panose="02040503050406030204" pitchFamily="18" charset="0"/>
-                                        </a:rPr>
-                                        <m:t>0</m:t>
-                                      </m:r>
-                                    </m:e>
-                                    <m:e>
-                                      <m:r>
-                                        <a:rPr lang="en-US" i="1">
-                                          <a:latin typeface="Cambria Math" panose="02040503050406030204" pitchFamily="18" charset="0"/>
-                                        </a:rPr>
-                                        <m:t>2</m:t>
-                                      </m:r>
-                                      <m:r>
-                                        <a:rPr lang="en-US" i="1">
-                                          <a:latin typeface="Cambria Math" panose="02040503050406030204" pitchFamily="18" charset="0"/>
-                                        </a:rPr>
-                                        <m:t>0</m:t>
-                                      </m:r>
-                                    </m:e>
-                                  </m:mr>
-                                </m:m>
-                              </m:e>
-                              <m:e>
-                                <m:m>
-                                  <m:mPr>
-                                    <m:mcs>
-                                      <m:mc>
-                                        <m:mcPr>
-                                          <m:count m:val="2"/>
-                                          <m:mcJc m:val="center"/>
-                                        </m:mcPr>
-                                      </m:mc>
-                                    </m:mcs>
-                                    <m:ctrlPr>
-                                      <a:rPr lang="en-US" i="1">
-                                        <a:latin typeface="Cambria Math" panose="02040503050406030204" pitchFamily="18" charset="0"/>
-                                      </a:rPr>
-                                    </m:ctrlPr>
-                                  </m:mPr>
-                                  <m:mr>
-                                    <m:e>
-                                      <m:r>
-                                        <m:rPr>
-                                          <m:brk m:alnAt="7"/>
-                                        </m:rPr>
-                                        <a:rPr lang="en-US" i="1">
-                                          <a:latin typeface="Cambria Math" panose="02040503050406030204" pitchFamily="18" charset="0"/>
-                                        </a:rPr>
-                                        <m:t>0</m:t>
-                                      </m:r>
-                                    </m:e>
-                                    <m:e>
-                                      <m:r>
-                                        <a:rPr lang="en-US" i="1">
-                                          <a:latin typeface="Cambria Math" panose="02040503050406030204" pitchFamily="18" charset="0"/>
-                                        </a:rPr>
-                                        <m:t>0</m:t>
-                                      </m:r>
-                                    </m:e>
-                                  </m:mr>
-                                  <m:mr>
-                                    <m:e>
-                                      <m:r>
-                                        <a:rPr lang="en-US" i="1">
-                                          <a:latin typeface="Cambria Math" panose="02040503050406030204" pitchFamily="18" charset="0"/>
-                                        </a:rPr>
-                                        <m:t>0</m:t>
-                                      </m:r>
-                                    </m:e>
-                                    <m:e>
-                                      <m:r>
-                                        <a:rPr lang="en-US" i="1">
-                                          <a:latin typeface="Cambria Math" panose="02040503050406030204" pitchFamily="18" charset="0"/>
-                                        </a:rPr>
-                                        <m:t>0</m:t>
-                                      </m:r>
-                                    </m:e>
-                                  </m:mr>
-                                </m:m>
-                              </m:e>
-                            </m:mr>
-                            <m:mr>
-                              <m:e>
-                                <m:m>
-                                  <m:mPr>
-                                    <m:mcs>
-                                      <m:mc>
-                                        <m:mcPr>
-                                          <m:count m:val="2"/>
-                                          <m:mcJc m:val="center"/>
-                                        </m:mcPr>
-                                      </m:mc>
-                                    </m:mcs>
-                                    <m:ctrlPr>
-                                      <a:rPr lang="en-US" i="1">
-                                        <a:latin typeface="Cambria Math" panose="02040503050406030204" pitchFamily="18" charset="0"/>
-                                      </a:rPr>
-                                    </m:ctrlPr>
-                                  </m:mPr>
-                                  <m:mr>
-                                    <m:e>
-                                      <m:r>
-                                        <m:rPr>
-                                          <m:brk m:alnAt="7"/>
-                                        </m:rPr>
-                                        <a:rPr lang="en-US" i="1">
-                                          <a:latin typeface="Cambria Math" panose="02040503050406030204" pitchFamily="18" charset="0"/>
-                                        </a:rPr>
-                                        <m:t>0</m:t>
-                                      </m:r>
-                                    </m:e>
-                                    <m:e>
-                                      <m:r>
-                                        <a:rPr lang="en-US" i="1">
-                                          <a:latin typeface="Cambria Math" panose="02040503050406030204" pitchFamily="18" charset="0"/>
-                                        </a:rPr>
-                                        <m:t>0</m:t>
-                                      </m:r>
-                                    </m:e>
-                                  </m:mr>
-                                  <m:mr>
-                                    <m:e>
-                                      <m:r>
-                                        <a:rPr lang="en-US" i="1">
-                                          <a:latin typeface="Cambria Math" panose="02040503050406030204" pitchFamily="18" charset="0"/>
-                                        </a:rPr>
-                                        <m:t>0</m:t>
-                                      </m:r>
-                                    </m:e>
-                                    <m:e>
-                                      <m:r>
-                                        <a:rPr lang="en-US" i="1">
-                                          <a:latin typeface="Cambria Math" panose="02040503050406030204" pitchFamily="18" charset="0"/>
-                                        </a:rPr>
-                                        <m:t>0</m:t>
-                                      </m:r>
-                                    </m:e>
-                                  </m:mr>
-                                </m:m>
-                              </m:e>
-                              <m:e>
-                                <m:m>
-                                  <m:mPr>
-                                    <m:mcs>
-                                      <m:mc>
-                                        <m:mcPr>
-                                          <m:count m:val="2"/>
-                                          <m:mcJc m:val="center"/>
-                                        </m:mcPr>
-                                      </m:mc>
-                                    </m:mcs>
-                                    <m:ctrlPr>
-                                      <a:rPr lang="en-US" i="1">
-                                        <a:latin typeface="Cambria Math" panose="02040503050406030204" pitchFamily="18" charset="0"/>
-                                      </a:rPr>
-                                    </m:ctrlPr>
-                                  </m:mPr>
-                                  <m:mr>
-                                    <m:e>
-                                      <m:r>
-                                        <m:rPr>
-                                          <m:brk m:alnAt="7"/>
-                                        </m:rPr>
-                                        <a:rPr lang="en-US" i="1">
-                                          <a:latin typeface="Cambria Math" panose="02040503050406030204" pitchFamily="18" charset="0"/>
-                                        </a:rPr>
-                                        <m:t>3</m:t>
-                                      </m:r>
-                                      <m:r>
-                                        <a:rPr lang="en-US" i="1">
-                                          <a:latin typeface="Cambria Math" panose="02040503050406030204" pitchFamily="18" charset="0"/>
-                                        </a:rPr>
-                                        <m:t>0</m:t>
-                                      </m:r>
-                                    </m:e>
-                                    <m:e>
-                                      <m:r>
-                                        <a:rPr lang="en-US" i="1">
-                                          <a:latin typeface="Cambria Math" panose="02040503050406030204" pitchFamily="18" charset="0"/>
-                                        </a:rPr>
-                                        <m:t>0</m:t>
-                                      </m:r>
-                                    </m:e>
-                                  </m:mr>
-                                  <m:mr>
-                                    <m:e>
-                                      <m:r>
-                                        <a:rPr lang="en-US" i="1">
-                                          <a:latin typeface="Cambria Math" panose="02040503050406030204" pitchFamily="18" charset="0"/>
-                                        </a:rPr>
-                                        <m:t>0</m:t>
-                                      </m:r>
-                                    </m:e>
-                                    <m:e>
-                                      <m:r>
-                                        <a:rPr lang="en-US" i="1">
-                                          <a:latin typeface="Cambria Math" panose="02040503050406030204" pitchFamily="18" charset="0"/>
-                                        </a:rPr>
-                                        <m:t>4</m:t>
-                                      </m:r>
-                                      <m:r>
-                                        <a:rPr lang="en-US" i="1">
-                                          <a:latin typeface="Cambria Math" panose="02040503050406030204" pitchFamily="18" charset="0"/>
-                                        </a:rPr>
-                                        <m:t>0</m:t>
-                                      </m:r>
-                                    </m:e>
-                                  </m:mr>
-                                </m:m>
-                              </m:e>
-                            </m:mr>
-                          </m:m>
-                        </m:e>
-                      </m:d>
-                      <m:r>
-                        <a:rPr lang="en-US" i="1">
-                          <a:latin typeface="Cambria Math" panose="02040503050406030204" pitchFamily="18" charset="0"/>
-                        </a:rPr>
-                        <m:t>=</m:t>
-                      </m:r>
-                      <m:d>
-                        <m:dPr>
-                          <m:begChr m:val="["/>
-                          <m:endChr m:val="]"/>
-                          <m:ctrlPr>
-                            <a:rPr lang="en-US" i="1">
-                              <a:latin typeface="Cambria Math" panose="02040503050406030204" pitchFamily="18" charset="0"/>
-                            </a:rPr>
-                          </m:ctrlPr>
-                        </m:dPr>
-                        <m:e>
-                          <m:m>
-                            <m:mPr>
-                              <m:mcs>
-                                <m:mc>
-                                  <m:mcPr>
-                                    <m:count m:val="2"/>
-                                    <m:mcJc m:val="center"/>
-                                  </m:mcPr>
-                                </m:mc>
-                              </m:mcs>
-                              <m:ctrlPr>
-                                <a:rPr lang="en-US" i="1">
-                                  <a:latin typeface="Cambria Math" panose="02040503050406030204" pitchFamily="18" charset="0"/>
-                                </a:rPr>
-                              </m:ctrlPr>
-                            </m:mPr>
-                            <m:mr>
-                              <m:e>
-                                <m:m>
-                                  <m:mPr>
-                                    <m:mcs>
-                                      <m:mc>
-                                        <m:mcPr>
-                                          <m:count m:val="2"/>
-                                          <m:mcJc m:val="center"/>
-                                        </m:mcPr>
-                                      </m:mc>
-                                    </m:mcs>
-                                    <m:ctrlPr>
-                                      <a:rPr lang="en-US" i="1">
-                                        <a:latin typeface="Cambria Math" panose="02040503050406030204" pitchFamily="18" charset="0"/>
-                                      </a:rPr>
-                                    </m:ctrlPr>
-                                  </m:mPr>
-                                  <m:mr>
-                                    <m:e>
-                                      <m:r>
-                                        <m:rPr>
-                                          <m:brk m:alnAt="7"/>
-                                        </m:rPr>
-                                        <a:rPr lang="en-US" b="0" i="1" smtClean="0">
-                                          <a:latin typeface="Cambria Math" panose="02040503050406030204" pitchFamily="18" charset="0"/>
-                                        </a:rPr>
-                                        <m:t>1</m:t>
-                                      </m:r>
-                                      <m:r>
-                                        <a:rPr lang="en-US" b="0" i="1" smtClean="0">
-                                          <a:latin typeface="Cambria Math" panose="02040503050406030204" pitchFamily="18" charset="0"/>
-                                        </a:rPr>
-                                        <m:t>×</m:t>
-                                      </m:r>
-                                      <m:r>
-                                        <a:rPr lang="en-US" i="1">
-                                          <a:latin typeface="Cambria Math" panose="02040503050406030204" pitchFamily="18" charset="0"/>
-                                        </a:rPr>
-                                        <m:t>1</m:t>
-                                      </m:r>
-                                      <m:r>
-                                        <a:rPr lang="en-US" i="1">
-                                          <a:latin typeface="Cambria Math" panose="02040503050406030204" pitchFamily="18" charset="0"/>
-                                        </a:rPr>
-                                        <m:t>0</m:t>
-                                      </m:r>
-                                    </m:e>
-                                    <m:e>
-                                      <m:r>
-                                        <a:rPr lang="en-US" i="1">
-                                          <a:latin typeface="Cambria Math" panose="02040503050406030204" pitchFamily="18" charset="0"/>
-                                        </a:rPr>
-                                        <m:t>0</m:t>
-                                      </m:r>
-                                    </m:e>
-                                  </m:mr>
-                                  <m:mr>
-                                    <m:e>
-                                      <m:r>
-                                        <a:rPr lang="en-US" i="1">
-                                          <a:latin typeface="Cambria Math" panose="02040503050406030204" pitchFamily="18" charset="0"/>
-                                        </a:rPr>
-                                        <m:t>0</m:t>
-                                      </m:r>
-                                    </m:e>
-                                    <m:e>
-                                      <m:r>
-                                        <a:rPr lang="en-US" b="0" i="1" smtClean="0">
-                                          <a:latin typeface="Cambria Math" panose="02040503050406030204" pitchFamily="18" charset="0"/>
-                                        </a:rPr>
-                                        <m:t>2×</m:t>
-                                      </m:r>
-                                      <m:r>
-                                        <a:rPr lang="en-US" i="1">
-                                          <a:latin typeface="Cambria Math" panose="02040503050406030204" pitchFamily="18" charset="0"/>
-                                        </a:rPr>
-                                        <m:t>2</m:t>
-                                      </m:r>
-                                      <m:r>
-                                        <a:rPr lang="en-US" i="1">
-                                          <a:latin typeface="Cambria Math" panose="02040503050406030204" pitchFamily="18" charset="0"/>
-                                        </a:rPr>
-                                        <m:t>0</m:t>
-                                      </m:r>
-                                    </m:e>
-                                  </m:mr>
-                                </m:m>
-                              </m:e>
-                              <m:e>
-                                <m:m>
-                                  <m:mPr>
-                                    <m:mcs>
-                                      <m:mc>
-                                        <m:mcPr>
-                                          <m:count m:val="2"/>
-                                          <m:mcJc m:val="center"/>
-                                        </m:mcPr>
-                                      </m:mc>
-                                    </m:mcs>
-                                    <m:ctrlPr>
-                                      <a:rPr lang="en-US" i="1">
-                                        <a:latin typeface="Cambria Math" panose="02040503050406030204" pitchFamily="18" charset="0"/>
-                                      </a:rPr>
-                                    </m:ctrlPr>
-                                  </m:mPr>
-                                  <m:mr>
-                                    <m:e>
-                                      <m:r>
-                                        <m:rPr>
-                                          <m:brk m:alnAt="7"/>
-                                        </m:rPr>
-                                        <a:rPr lang="en-US" i="1">
-                                          <a:latin typeface="Cambria Math" panose="02040503050406030204" pitchFamily="18" charset="0"/>
-                                        </a:rPr>
-                                        <m:t>0</m:t>
-                                      </m:r>
-                                    </m:e>
-                                    <m:e>
-                                      <m:r>
-                                        <a:rPr lang="en-US" i="1">
-                                          <a:latin typeface="Cambria Math" panose="02040503050406030204" pitchFamily="18" charset="0"/>
-                                        </a:rPr>
-                                        <m:t>0</m:t>
-                                      </m:r>
-                                    </m:e>
-                                  </m:mr>
-                                  <m:mr>
-                                    <m:e>
-                                      <m:r>
-                                        <a:rPr lang="en-US" i="1">
-                                          <a:latin typeface="Cambria Math" panose="02040503050406030204" pitchFamily="18" charset="0"/>
-                                        </a:rPr>
-                                        <m:t>0</m:t>
-                                      </m:r>
-                                    </m:e>
-                                    <m:e>
-                                      <m:r>
-                                        <a:rPr lang="en-US" i="1">
-                                          <a:latin typeface="Cambria Math" panose="02040503050406030204" pitchFamily="18" charset="0"/>
-                                        </a:rPr>
-                                        <m:t>0</m:t>
-                                      </m:r>
-                                    </m:e>
-                                  </m:mr>
-                                </m:m>
-                              </m:e>
-                            </m:mr>
-                            <m:mr>
-                              <m:e>
-                                <m:m>
-                                  <m:mPr>
-                                    <m:mcs>
-                                      <m:mc>
-                                        <m:mcPr>
-                                          <m:count m:val="2"/>
-                                          <m:mcJc m:val="center"/>
-                                        </m:mcPr>
-                                      </m:mc>
-                                    </m:mcs>
-                                    <m:ctrlPr>
-                                      <a:rPr lang="en-US" i="1">
-                                        <a:latin typeface="Cambria Math" panose="02040503050406030204" pitchFamily="18" charset="0"/>
-                                      </a:rPr>
-                                    </m:ctrlPr>
-                                  </m:mPr>
-                                  <m:mr>
-                                    <m:e>
-                                      <m:r>
-                                        <m:rPr>
-                                          <m:brk m:alnAt="7"/>
-                                        </m:rPr>
-                                        <a:rPr lang="en-US" i="1">
-                                          <a:latin typeface="Cambria Math" panose="02040503050406030204" pitchFamily="18" charset="0"/>
-                                        </a:rPr>
-                                        <m:t>0</m:t>
-                                      </m:r>
-                                    </m:e>
-                                    <m:e>
-                                      <m:r>
-                                        <a:rPr lang="en-US" i="1">
-                                          <a:latin typeface="Cambria Math" panose="02040503050406030204" pitchFamily="18" charset="0"/>
-                                        </a:rPr>
-                                        <m:t>0</m:t>
-                                      </m:r>
-                                    </m:e>
-                                  </m:mr>
-                                  <m:mr>
-                                    <m:e>
-                                      <m:r>
-                                        <a:rPr lang="en-US" i="1">
-                                          <a:latin typeface="Cambria Math" panose="02040503050406030204" pitchFamily="18" charset="0"/>
-                                        </a:rPr>
-                                        <m:t>0</m:t>
-                                      </m:r>
-                                    </m:e>
-                                    <m:e>
-                                      <m:r>
-                                        <a:rPr lang="en-US" i="1">
-                                          <a:latin typeface="Cambria Math" panose="02040503050406030204" pitchFamily="18" charset="0"/>
-                                        </a:rPr>
-                                        <m:t>0</m:t>
-                                      </m:r>
-                                    </m:e>
-                                  </m:mr>
-                                </m:m>
-                              </m:e>
-                              <m:e>
-                                <m:m>
-                                  <m:mPr>
-                                    <m:mcs>
-                                      <m:mc>
-                                        <m:mcPr>
-                                          <m:count m:val="2"/>
-                                          <m:mcJc m:val="center"/>
-                                        </m:mcPr>
-                                      </m:mc>
-                                    </m:mcs>
-                                    <m:ctrlPr>
-                                      <a:rPr lang="en-US" i="1">
-                                        <a:latin typeface="Cambria Math" panose="02040503050406030204" pitchFamily="18" charset="0"/>
-                                      </a:rPr>
-                                    </m:ctrlPr>
-                                  </m:mPr>
-                                  <m:mr>
-                                    <m:e>
-                                      <m:r>
-                                        <m:rPr>
-                                          <m:brk m:alnAt="7"/>
-                                        </m:rPr>
-                                        <a:rPr lang="en-US" b="0" i="1" smtClean="0">
-                                          <a:latin typeface="Cambria Math" panose="02040503050406030204" pitchFamily="18" charset="0"/>
-                                        </a:rPr>
-                                        <m:t>3</m:t>
-                                      </m:r>
-                                      <m:r>
-                                        <a:rPr lang="en-US" b="0" i="1" smtClean="0">
-                                          <a:latin typeface="Cambria Math" panose="02040503050406030204" pitchFamily="18" charset="0"/>
-                                        </a:rPr>
-                                        <m:t>×</m:t>
-                                      </m:r>
-                                      <m:r>
-                                        <a:rPr lang="en-US" i="1">
-                                          <a:latin typeface="Cambria Math" panose="02040503050406030204" pitchFamily="18" charset="0"/>
-                                        </a:rPr>
-                                        <m:t>3</m:t>
-                                      </m:r>
-                                      <m:r>
-                                        <a:rPr lang="en-US" i="1">
-                                          <a:latin typeface="Cambria Math" panose="02040503050406030204" pitchFamily="18" charset="0"/>
-                                        </a:rPr>
-                                        <m:t>0</m:t>
-                                      </m:r>
-                                    </m:e>
-                                    <m:e>
-                                      <m:r>
-                                        <a:rPr lang="en-US" i="1">
-                                          <a:latin typeface="Cambria Math" panose="02040503050406030204" pitchFamily="18" charset="0"/>
-                                        </a:rPr>
-                                        <m:t>0</m:t>
-                                      </m:r>
-                                    </m:e>
-                                  </m:mr>
-                                  <m:mr>
-                                    <m:e>
-                                      <m:r>
-                                        <a:rPr lang="en-US" i="1">
-                                          <a:latin typeface="Cambria Math" panose="02040503050406030204" pitchFamily="18" charset="0"/>
-                                        </a:rPr>
-                                        <m:t>0</m:t>
-                                      </m:r>
-                                    </m:e>
-                                    <m:e>
-                                      <m:r>
-                                        <a:rPr lang="en-US" b="0" i="1" smtClean="0">
-                                          <a:latin typeface="Cambria Math" panose="02040503050406030204" pitchFamily="18" charset="0"/>
-                                        </a:rPr>
-                                        <m:t>4×</m:t>
-                                      </m:r>
-                                      <m:r>
-                                        <a:rPr lang="en-US" i="1">
-                                          <a:latin typeface="Cambria Math" panose="02040503050406030204" pitchFamily="18" charset="0"/>
-                                        </a:rPr>
-                                        <m:t>4</m:t>
-                                      </m:r>
-                                      <m:r>
-                                        <a:rPr lang="en-US" i="1">
-                                          <a:latin typeface="Cambria Math" panose="02040503050406030204" pitchFamily="18" charset="0"/>
-                                        </a:rPr>
-                                        <m:t>0</m:t>
-                                      </m:r>
-                                    </m:e>
-                                  </m:mr>
-                                </m:m>
-                              </m:e>
-                            </m:mr>
-                          </m:m>
-                        </m:e>
-                      </m:d>
-                    </m:oMath>
-                  </m:oMathPara>
-                </a14:m>
-                <a:endParaRPr lang="en-US" dirty="0"/>
-              </a:p>
-            </p:txBody>
-          </p:sp>
-        </mc:Choice>
-        <mc:Fallback>
-          <p:sp>
-            <p:nvSpPr>
-              <p:cNvPr id="7" name="TextBox 6">
-                <a:extLst>
-                  <a:ext uri="{FF2B5EF4-FFF2-40B4-BE49-F238E27FC236}">
-                    <a16:creationId xmlns:a16="http://schemas.microsoft.com/office/drawing/2014/main" id="{2BF87101-6DEF-1043-A86B-BAE7C704482C}"/>
-                  </a:ext>
-                </a:extLst>
-              </p:cNvPr>
-              <p:cNvSpPr txBox="1">
-                <a:spLocks noRot="1" noChangeAspect="1" noMove="1" noResize="1" noEditPoints="1" noAdjustHandles="1" noChangeArrowheads="1" noChangeShapeType="1" noTextEdit="1"/>
-              </p:cNvSpPr>
-              <p:nvPr/>
-            </p:nvSpPr>
-            <p:spPr>
-              <a:xfrm>
-                <a:off x="1232691" y="3681290"/>
-                <a:ext cx="6988773" cy="963662"/>
-              </a:xfrm>
-              <a:prstGeom prst="rect">
-                <a:avLst/>
-              </a:prstGeom>
-              <a:blipFill>
-                <a:blip r:embed="rId3"/>
-                <a:stretch>
-                  <a:fillRect b="-7792"/>
-                </a:stretch>
-              </a:blipFill>
-            </p:spPr>
-            <p:txBody>
-              <a:bodyPr/>
-              <a:lstStyle/>
-              <a:p>
-                <a:r>
-                  <a:rPr lang="en-US">
-                    <a:noFill/>
-                  </a:rPr>
-                  <a:t> </a:t>
-                </a:r>
-              </a:p>
-            </p:txBody>
-          </p:sp>
-        </mc:Fallback>
-      </mc:AlternateContent>
-      <p:sp>
-        <p:nvSpPr>
-          <p:cNvPr id="8" name="TextBox 7">
-            <a:extLst>
-              <a:ext uri="{FF2B5EF4-FFF2-40B4-BE49-F238E27FC236}">
-                <a16:creationId xmlns:a16="http://schemas.microsoft.com/office/drawing/2014/main" id="{8217F874-D370-E24A-AEFF-416D0C153658}"/>
-              </a:ext>
-            </a:extLst>
-          </p:cNvPr>
-          <p:cNvSpPr txBox="1"/>
-          <p:nvPr/>
-        </p:nvSpPr>
-        <p:spPr>
-          <a:xfrm>
-            <a:off x="1929048" y="4898711"/>
-            <a:ext cx="5724644" cy="369332"/>
-          </a:xfrm>
-          <a:prstGeom prst="rect">
-            <a:avLst/>
-          </a:prstGeom>
-          <a:noFill/>
-        </p:spPr>
-        <p:txBody>
-          <a:bodyPr wrap="none" rtlCol="0">
-            <a:spAutoFit/>
-          </a:bodyPr>
-          <a:lstStyle/>
-          <a:p>
-            <a:r>
-              <a:rPr lang="en-US" dirty="0"/>
-              <a:t>Just multiply corresponding elements in the diagonals.</a:t>
-            </a:r>
-          </a:p>
-        </p:txBody>
-      </p:sp>
-    </p:spTree>
-    <p:extLst>
-      <p:ext uri="{BB962C8B-B14F-4D97-AF65-F5344CB8AC3E}">
-        <p14:creationId xmlns:p14="http://schemas.microsoft.com/office/powerpoint/2010/main" val="4064988069"/>
-      </p:ext>
-    </p:extLst>
-  </p:cSld>
-  <p:clrMapOvr>
-    <a:masterClrMapping/>
-  </p:clrMapOvr>
-</p:sld>
-</file>
-
-<file path=ppt/slides/slide11.xml><?xml version="1.0" encoding="utf-8"?>
-<p:sld xmlns:a="http://schemas.openxmlformats.org/drawingml/2006/main" xmlns:r="http://schemas.openxmlformats.org/officeDocument/2006/relationships" xmlns:p="http://schemas.openxmlformats.org/presentationml/2006/main">
-  <p:cSld>
-    <p:spTree>
-      <p:nvGrpSpPr>
-        <p:cNvPr id="1" name=""/>
-        <p:cNvGrpSpPr/>
-        <p:nvPr/>
-      </p:nvGrpSpPr>
-      <p:grpSpPr>
-        <a:xfrm>
-          <a:off x="0" y="0"/>
-          <a:ext cx="0" cy="0"/>
-          <a:chOff x="0" y="0"/>
-          <a:chExt cx="0" cy="0"/>
-        </a:xfrm>
-      </p:grpSpPr>
       <p:grpSp>
         <p:nvGrpSpPr>
           <p:cNvPr id="96" name="Group 95">
@@ -8830,14 +7046,14 @@
               <a:pPr>
                 <a:defRPr/>
               </a:pPr>
-              <a:t>11</a:t>
+              <a:t>10</a:t>
             </a:fld>
             <a:endParaRPr lang="en-US" altLang="x-none"/>
           </a:p>
         </p:txBody>
       </p:sp>
-      <mc:AlternateContent xmlns:mc="http://schemas.openxmlformats.org/markup-compatibility/2006" xmlns:a14="http://schemas.microsoft.com/office/drawing/2010/main">
-        <mc:Choice Requires="a14">
+      <mc:AlternateContent xmlns:mc="http://schemas.openxmlformats.org/markup-compatibility/2006">
+        <mc:Choice xmlns:a14="http://schemas.microsoft.com/office/drawing/2010/main" Requires="a14">
           <p:sp>
             <p:nvSpPr>
               <p:cNvPr id="4" name="TextBox 3">
@@ -8853,7 +7069,7 @@
             <p:spPr>
               <a:xfrm>
                 <a:off x="404725" y="1102452"/>
-                <a:ext cx="2160207" cy="733342"/>
+                <a:ext cx="2159629" cy="731867"/>
               </a:xfrm>
               <a:prstGeom prst="rect">
                 <a:avLst/>
@@ -8988,7 +7204,7 @@
                                       <a:rPr lang="en-US" b="0" i="1" smtClean="0">
                                         <a:latin typeface="Cambria Math" panose="02040503050406030204" pitchFamily="18" charset="0"/>
                                       </a:rPr>
-                                      <m:t>𝑛</m:t>
+                                      <m:t>𝑁</m:t>
                                     </m:r>
                                   </m:sub>
                                 </m:sSub>
@@ -9043,7 +7259,7 @@
                                       <a:rPr lang="en-US" b="0" i="1" smtClean="0">
                                         <a:latin typeface="Cambria Math" panose="02040503050406030204" pitchFamily="18" charset="0"/>
                                       </a:rPr>
-                                      <m:t>𝑚</m:t>
+                                      <m:t>𝑀</m:t>
                                     </m:r>
                                     <m:r>
                                       <a:rPr lang="en-US" b="0" i="1" smtClean="0">
@@ -9084,7 +7300,7 @@
                                       <a:rPr lang="en-US" b="0" i="1" smtClean="0">
                                         <a:latin typeface="Cambria Math" panose="02040503050406030204" pitchFamily="18" charset="0"/>
                                       </a:rPr>
-                                      <m:t>𝑚𝑛</m:t>
+                                      <m:t>𝑀𝑁</m:t>
                                     </m:r>
                                   </m:sub>
                                 </m:sSub>
@@ -9101,7 +7317,7 @@
             </p:txBody>
           </p:sp>
         </mc:Choice>
-        <mc:Fallback xmlns="">
+        <mc:Fallback>
           <p:sp>
             <p:nvSpPr>
               <p:cNvPr id="4" name="TextBox 3">
@@ -9119,7 +7335,7 @@
             <p:spPr>
               <a:xfrm>
                 <a:off x="404725" y="1102452"/>
-                <a:ext cx="2160207" cy="733342"/>
+                <a:ext cx="2159629" cy="731867"/>
               </a:xfrm>
               <a:prstGeom prst="rect">
                 <a:avLst/>
@@ -9127,7 +7343,7 @@
               <a:blipFill>
                 <a:blip r:embed="rId4"/>
                 <a:stretch>
-                  <a:fillRect l="-1744" b="-5085"/>
+                  <a:fillRect l="-1744" b="-6780"/>
                 </a:stretch>
               </a:blipFill>
             </p:spPr>
@@ -9146,8 +7362,8 @@
           </p:sp>
         </mc:Fallback>
       </mc:AlternateContent>
-      <mc:AlternateContent xmlns:mc="http://schemas.openxmlformats.org/markup-compatibility/2006" xmlns:a14="http://schemas.microsoft.com/office/drawing/2010/main">
-        <mc:Choice Requires="a14">
+      <mc:AlternateContent xmlns:mc="http://schemas.openxmlformats.org/markup-compatibility/2006">
+        <mc:Choice xmlns:a14="http://schemas.microsoft.com/office/drawing/2010/main" Requires="a14">
           <p:sp>
             <p:nvSpPr>
               <p:cNvPr id="26" name="TextBox 25">
@@ -9163,7 +7379,7 @@
             <p:spPr>
               <a:xfrm>
                 <a:off x="2613165" y="1996108"/>
-                <a:ext cx="6154890" cy="338554"/>
+                <a:ext cx="6147324" cy="349839"/>
               </a:xfrm>
               <a:prstGeom prst="rect">
                 <a:avLst/>
@@ -9223,28 +7439,28 @@
                     <m:sSup>
                       <m:sSupPr>
                         <m:ctrlPr>
-                          <a:rPr lang="en-US" sz="1600" b="0" i="1" smtClean="0">
+                          <a:rPr lang="en-US" sz="1600" i="1">
                             <a:latin typeface="Cambria Math" panose="02040503050406030204" pitchFamily="18" charset="0"/>
-                            <a:cs typeface="Arial" panose="020B0604020202020204" pitchFamily="34" charset="0"/>
+                            <a:ea typeface="Cambria Math" panose="02040503050406030204" pitchFamily="18" charset="0"/>
                           </a:rPr>
                         </m:ctrlPr>
                       </m:sSupPr>
                       <m:e>
                         <m:r>
-                          <a:rPr lang="en-US" sz="1600" b="1" i="1" smtClean="0">
+                          <a:rPr lang="en-US" sz="1600" i="1">
                             <a:latin typeface="Cambria Math" panose="02040503050406030204" pitchFamily="18" charset="0"/>
-                            <a:cs typeface="Arial" panose="020B0604020202020204" pitchFamily="34" charset="0"/>
+                            <a:ea typeface="Cambria Math" panose="02040503050406030204" pitchFamily="18" charset="0"/>
                           </a:rPr>
-                          <m:t>𝑹</m:t>
+                          <m:t>ℝ</m:t>
                         </m:r>
                       </m:e>
                       <m:sup>
                         <m:r>
                           <a:rPr lang="en-US" sz="1600" b="0" i="1" smtClean="0">
                             <a:latin typeface="Cambria Math" panose="02040503050406030204" pitchFamily="18" charset="0"/>
-                            <a:cs typeface="Arial" panose="020B0604020202020204" pitchFamily="34" charset="0"/>
+                            <a:ea typeface="Cambria Math" panose="02040503050406030204" pitchFamily="18" charset="0"/>
                           </a:rPr>
-                          <m:t>𝑚</m:t>
+                          <m:t>𝑀</m:t>
                         </m:r>
                       </m:sup>
                     </m:sSup>
@@ -9274,26 +7490,26 @@
                         <m:ctrlPr>
                           <a:rPr lang="en-US" sz="1600" i="1">
                             <a:latin typeface="Cambria Math" panose="02040503050406030204" pitchFamily="18" charset="0"/>
-                            <a:cs typeface="Arial" panose="020B0604020202020204" pitchFamily="34" charset="0"/>
+                            <a:ea typeface="Cambria Math" panose="02040503050406030204" pitchFamily="18" charset="0"/>
                           </a:rPr>
                         </m:ctrlPr>
                       </m:sSupPr>
                       <m:e>
                         <m:r>
-                          <a:rPr lang="en-US" sz="1600" b="1" i="1">
+                          <a:rPr lang="en-US" sz="1600" i="1">
                             <a:latin typeface="Cambria Math" panose="02040503050406030204" pitchFamily="18" charset="0"/>
-                            <a:cs typeface="Arial" panose="020B0604020202020204" pitchFamily="34" charset="0"/>
+                            <a:ea typeface="Cambria Math" panose="02040503050406030204" pitchFamily="18" charset="0"/>
                           </a:rPr>
-                          <m:t>𝑹</m:t>
+                          <m:t>ℝ</m:t>
                         </m:r>
                       </m:e>
                       <m:sup>
                         <m:r>
-                          <a:rPr lang="en-US" sz="1600" b="0" i="1" smtClean="0">
+                          <a:rPr lang="en-US" sz="1600" i="1">
                             <a:latin typeface="Cambria Math" panose="02040503050406030204" pitchFamily="18" charset="0"/>
-                            <a:cs typeface="Arial" panose="020B0604020202020204" pitchFamily="34" charset="0"/>
+                            <a:ea typeface="Cambria Math" panose="02040503050406030204" pitchFamily="18" charset="0"/>
                           </a:rPr>
-                          <m:t>𝑛</m:t>
+                          <m:t>𝑁</m:t>
                         </m:r>
                       </m:sup>
                     </m:sSup>
@@ -9307,7 +7523,7 @@
             </p:txBody>
           </p:sp>
         </mc:Choice>
-        <mc:Fallback xmlns="">
+        <mc:Fallback>
           <p:sp>
             <p:nvSpPr>
               <p:cNvPr id="26" name="TextBox 25">
@@ -9325,7 +7541,7 @@
             <p:spPr>
               <a:xfrm>
                 <a:off x="2613165" y="1996108"/>
-                <a:ext cx="6154890" cy="338554"/>
+                <a:ext cx="6147324" cy="349839"/>
               </a:xfrm>
               <a:prstGeom prst="rect">
                 <a:avLst/>
@@ -9333,7 +7549,7 @@
               <a:blipFill>
                 <a:blip r:embed="rId5"/>
                 <a:stretch>
-                  <a:fillRect l="-412" t="-14286" b="-14286"/>
+                  <a:fillRect l="-412" t="-13793" b="-10345"/>
                 </a:stretch>
               </a:blipFill>
             </p:spPr>
@@ -9352,8 +7568,8 @@
           </p:sp>
         </mc:Fallback>
       </mc:AlternateContent>
-      <mc:AlternateContent xmlns:mc="http://schemas.openxmlformats.org/markup-compatibility/2006" xmlns:a14="http://schemas.microsoft.com/office/drawing/2010/main">
-        <mc:Choice Requires="a14">
+      <mc:AlternateContent xmlns:mc="http://schemas.openxmlformats.org/markup-compatibility/2006">
+        <mc:Choice xmlns:a14="http://schemas.microsoft.com/office/drawing/2010/main" Requires="a14">
           <p:sp>
             <p:nvSpPr>
               <p:cNvPr id="27" name="TextBox 26">
@@ -9473,26 +7689,26 @@
                         <m:ctrlPr>
                           <a:rPr lang="en-US" sz="1600" i="1">
                             <a:latin typeface="Cambria Math" panose="02040503050406030204" pitchFamily="18" charset="0"/>
-                            <a:cs typeface="Arial" panose="020B0604020202020204" pitchFamily="34" charset="0"/>
+                            <a:ea typeface="Cambria Math" panose="02040503050406030204" pitchFamily="18" charset="0"/>
                           </a:rPr>
                         </m:ctrlPr>
                       </m:sSupPr>
                       <m:e>
                         <m:r>
-                          <a:rPr lang="en-US" sz="1600" b="1" i="1">
+                          <a:rPr lang="en-US" sz="1600" i="1">
                             <a:latin typeface="Cambria Math" panose="02040503050406030204" pitchFamily="18" charset="0"/>
-                            <a:cs typeface="Arial" panose="020B0604020202020204" pitchFamily="34" charset="0"/>
+                            <a:ea typeface="Cambria Math" panose="02040503050406030204" pitchFamily="18" charset="0"/>
                           </a:rPr>
-                          <m:t>𝑹</m:t>
+                          <m:t>ℝ</m:t>
                         </m:r>
                       </m:e>
                       <m:sup>
                         <m:r>
                           <a:rPr lang="en-US" sz="1600" i="1">
                             <a:latin typeface="Cambria Math" panose="02040503050406030204" pitchFamily="18" charset="0"/>
-                            <a:cs typeface="Arial" panose="020B0604020202020204" pitchFamily="34" charset="0"/>
+                            <a:ea typeface="Cambria Math" panose="02040503050406030204" pitchFamily="18" charset="0"/>
                           </a:rPr>
-                          <m:t>𝑚</m:t>
+                          <m:t>𝑀</m:t>
                         </m:r>
                       </m:sup>
                     </m:sSup>
@@ -9506,7 +7722,7 @@
             </p:txBody>
           </p:sp>
         </mc:Choice>
-        <mc:Fallback xmlns="">
+        <mc:Fallback>
           <p:sp>
             <p:nvSpPr>
               <p:cNvPr id="27" name="TextBox 26">
@@ -9551,8 +7767,8 @@
           </p:sp>
         </mc:Fallback>
       </mc:AlternateContent>
-      <mc:AlternateContent xmlns:mc="http://schemas.openxmlformats.org/markup-compatibility/2006" xmlns:a14="http://schemas.microsoft.com/office/drawing/2010/main">
-        <mc:Choice Requires="a14">
+      <mc:AlternateContent xmlns:mc="http://schemas.openxmlformats.org/markup-compatibility/2006">
+        <mc:Choice xmlns:a14="http://schemas.microsoft.com/office/drawing/2010/main" Requires="a14">
           <p:sp>
             <p:nvSpPr>
               <p:cNvPr id="28" name="TextBox 27">
@@ -9568,7 +7784,7 @@
             <p:spPr>
               <a:xfrm>
                 <a:off x="5268652" y="2611541"/>
-                <a:ext cx="3105915" cy="338554"/>
+                <a:ext cx="3132524" cy="338554"/>
               </a:xfrm>
               <a:prstGeom prst="rect">
                 <a:avLst/>
@@ -9644,26 +7860,26 @@
                         <m:ctrlPr>
                           <a:rPr lang="en-US" sz="1600" i="1">
                             <a:latin typeface="Cambria Math" panose="02040503050406030204" pitchFamily="18" charset="0"/>
-                            <a:cs typeface="Arial" panose="020B0604020202020204" pitchFamily="34" charset="0"/>
+                            <a:ea typeface="Cambria Math" panose="02040503050406030204" pitchFamily="18" charset="0"/>
                           </a:rPr>
                         </m:ctrlPr>
                       </m:sSupPr>
                       <m:e>
                         <m:r>
-                          <a:rPr lang="en-US" sz="1600" b="1" i="1">
+                          <a:rPr lang="en-US" sz="1600" i="1">
                             <a:latin typeface="Cambria Math" panose="02040503050406030204" pitchFamily="18" charset="0"/>
-                            <a:cs typeface="Arial" panose="020B0604020202020204" pitchFamily="34" charset="0"/>
+                            <a:ea typeface="Cambria Math" panose="02040503050406030204" pitchFamily="18" charset="0"/>
                           </a:rPr>
-                          <m:t>𝑹</m:t>
+                          <m:t>ℝ</m:t>
                         </m:r>
                       </m:e>
                       <m:sup>
                         <m:r>
                           <a:rPr lang="en-US" sz="1600" b="0" i="1" smtClean="0">
                             <a:latin typeface="Cambria Math" panose="02040503050406030204" pitchFamily="18" charset="0"/>
-                            <a:cs typeface="Arial" panose="020B0604020202020204" pitchFamily="34" charset="0"/>
+                            <a:ea typeface="Cambria Math" panose="02040503050406030204" pitchFamily="18" charset="0"/>
                           </a:rPr>
-                          <m:t>𝑛</m:t>
+                          <m:t>𝑁</m:t>
                         </m:r>
                       </m:sup>
                     </m:sSup>
@@ -9677,7 +7893,7 @@
             </p:txBody>
           </p:sp>
         </mc:Choice>
-        <mc:Fallback xmlns="">
+        <mc:Fallback>
           <p:sp>
             <p:nvSpPr>
               <p:cNvPr id="28" name="TextBox 27">
@@ -9695,7 +7911,7 @@
             <p:spPr>
               <a:xfrm>
                 <a:off x="5268652" y="2611541"/>
-                <a:ext cx="3105915" cy="338554"/>
+                <a:ext cx="3132524" cy="338554"/>
               </a:xfrm>
               <a:prstGeom prst="rect">
                 <a:avLst/>
@@ -9703,7 +7919,7 @@
               <a:blipFill>
                 <a:blip r:embed="rId7"/>
                 <a:stretch>
-                  <a:fillRect l="-813" t="-14286" b="-14286"/>
+                  <a:fillRect l="-806" t="-14286" b="-14286"/>
                 </a:stretch>
               </a:blipFill>
             </p:spPr>
@@ -9722,8 +7938,8 @@
           </p:sp>
         </mc:Fallback>
       </mc:AlternateContent>
-      <mc:AlternateContent xmlns:mc="http://schemas.openxmlformats.org/markup-compatibility/2006" xmlns:a14="http://schemas.microsoft.com/office/drawing/2010/main">
-        <mc:Choice Requires="a14">
+      <mc:AlternateContent xmlns:mc="http://schemas.openxmlformats.org/markup-compatibility/2006">
+        <mc:Choice xmlns:a14="http://schemas.microsoft.com/office/drawing/2010/main" Requires="a14">
           <p:sp>
             <p:nvSpPr>
               <p:cNvPr id="29" name="TextBox 28">
@@ -9849,26 +8065,26 @@
                         <m:ctrlPr>
                           <a:rPr lang="en-US" sz="1600" i="1">
                             <a:latin typeface="Cambria Math" panose="02040503050406030204" pitchFamily="18" charset="0"/>
-                            <a:cs typeface="Arial" panose="020B0604020202020204" pitchFamily="34" charset="0"/>
+                            <a:ea typeface="Cambria Math" panose="02040503050406030204" pitchFamily="18" charset="0"/>
                           </a:rPr>
                         </m:ctrlPr>
                       </m:sSupPr>
                       <m:e>
                         <m:r>
-                          <a:rPr lang="en-US" sz="1600" b="1" i="1">
+                          <a:rPr lang="en-US" sz="1600" i="1">
                             <a:latin typeface="Cambria Math" panose="02040503050406030204" pitchFamily="18" charset="0"/>
-                            <a:cs typeface="Arial" panose="020B0604020202020204" pitchFamily="34" charset="0"/>
+                            <a:ea typeface="Cambria Math" panose="02040503050406030204" pitchFamily="18" charset="0"/>
                           </a:rPr>
-                          <m:t>𝑹</m:t>
+                          <m:t>ℝ</m:t>
                         </m:r>
                       </m:e>
                       <m:sup>
                         <m:r>
-                          <a:rPr lang="en-US" sz="1600" b="0" i="1" smtClean="0">
+                          <a:rPr lang="en-US" sz="1600" i="1">
                             <a:latin typeface="Cambria Math" panose="02040503050406030204" pitchFamily="18" charset="0"/>
-                            <a:cs typeface="Arial" panose="020B0604020202020204" pitchFamily="34" charset="0"/>
+                            <a:ea typeface="Cambria Math" panose="02040503050406030204" pitchFamily="18" charset="0"/>
                           </a:rPr>
-                          <m:t>𝑚</m:t>
+                          <m:t>𝑀</m:t>
                         </m:r>
                       </m:sup>
                     </m:sSup>
@@ -9882,7 +8098,7 @@
             </p:txBody>
           </p:sp>
         </mc:Choice>
-        <mc:Fallback xmlns="">
+        <mc:Fallback>
           <p:sp>
             <p:nvSpPr>
               <p:cNvPr id="29" name="TextBox 28">
@@ -11422,9 +9638,9 @@
         <p:grpSpPr>
           <a:xfrm>
             <a:off x="3436570" y="1455814"/>
-            <a:ext cx="327012" cy="383781"/>
+            <a:ext cx="352660" cy="383781"/>
             <a:chOff x="2913666" y="1293607"/>
-            <a:chExt cx="327012" cy="383781"/>
+            <a:chExt cx="352660" cy="383781"/>
           </a:xfrm>
         </p:grpSpPr>
         <p:pic>
@@ -11489,7 +9705,7 @@
           <p:spPr>
             <a:xfrm>
               <a:off x="2971052" y="1293607"/>
-              <a:ext cx="269626" cy="276999"/>
+              <a:ext cx="295274" cy="276999"/>
             </a:xfrm>
             <a:prstGeom prst="rect">
               <a:avLst/>
@@ -11508,7 +9724,7 @@
                     <a:srgbClr val="FF0000"/>
                   </a:solidFill>
                 </a:rPr>
-                <a:t>n</a:t>
+                <a:t>N</a:t>
               </a:r>
             </a:p>
           </p:txBody>
@@ -11704,7 +9920,7 @@
                     <a:srgbClr val="002060"/>
                   </a:solidFill>
                 </a:rPr>
-                <a:t>m</a:t>
+                <a:t>M</a:t>
               </a:r>
             </a:p>
           </p:txBody>
@@ -11892,9 +10108,9 @@
         <p:grpSpPr>
           <a:xfrm>
             <a:off x="1028650" y="2412886"/>
-            <a:ext cx="327012" cy="383781"/>
+            <a:ext cx="352660" cy="383781"/>
             <a:chOff x="2913666" y="1293607"/>
-            <a:chExt cx="327012" cy="383781"/>
+            <a:chExt cx="352660" cy="383781"/>
           </a:xfrm>
         </p:grpSpPr>
         <p:pic>
@@ -11959,7 +10175,7 @@
           <p:spPr>
             <a:xfrm>
               <a:off x="2971052" y="1293607"/>
-              <a:ext cx="269626" cy="276999"/>
+              <a:ext cx="295274" cy="276999"/>
             </a:xfrm>
             <a:prstGeom prst="rect">
               <a:avLst/>
@@ -11978,7 +10194,7 @@
                     <a:srgbClr val="FF0000"/>
                   </a:solidFill>
                 </a:rPr>
-                <a:t>n</a:t>
+                <a:t>N</a:t>
               </a:r>
             </a:p>
           </p:txBody>
@@ -12124,7 +10340,7 @@
                     <a:srgbClr val="002060"/>
                   </a:solidFill>
                 </a:rPr>
-                <a:t>m</a:t>
+                <a:t>M</a:t>
               </a:r>
             </a:p>
           </p:txBody>
@@ -13096,7 +11312,7 @@
 </p:sld>
 </file>
 
-<file path=ppt/slides/slide12.xml><?xml version="1.0" encoding="utf-8"?>
+<file path=ppt/slides/slide11.xml><?xml version="1.0" encoding="utf-8"?>
 <p:sld xmlns:a="http://schemas.openxmlformats.org/drawingml/2006/main" xmlns:r="http://schemas.openxmlformats.org/officeDocument/2006/relationships" xmlns:p="http://schemas.openxmlformats.org/presentationml/2006/main">
   <p:cSld>
     <p:spTree>
@@ -13170,7 +11386,7 @@
               <a:pPr>
                 <a:defRPr/>
               </a:pPr>
-              <a:t>12</a:t>
+              <a:t>11</a:t>
             </a:fld>
             <a:endParaRPr lang="en-US" altLang="x-none"/>
           </a:p>
@@ -16034,7 +14250,7 @@
 </p:sld>
 </file>
 
-<file path=ppt/slides/slide13.xml><?xml version="1.0" encoding="utf-8"?>
+<file path=ppt/slides/slide12.xml><?xml version="1.0" encoding="utf-8"?>
 <p:sld xmlns:a="http://schemas.openxmlformats.org/drawingml/2006/main" xmlns:r="http://schemas.openxmlformats.org/officeDocument/2006/relationships" xmlns:p="http://schemas.openxmlformats.org/presentationml/2006/main">
   <p:cSld>
     <p:spTree>
@@ -16113,7 +14329,7 @@
               <a:pPr>
                 <a:defRPr/>
               </a:pPr>
-              <a:t>13</a:t>
+              <a:t>12</a:t>
             </a:fld>
             <a:endParaRPr lang="en-US" altLang="x-none"/>
           </a:p>
@@ -17674,8 +15890,8 @@
           </p:sp>
         </mc:Fallback>
       </mc:AlternateContent>
-      <mc:AlternateContent xmlns:mc="http://schemas.openxmlformats.org/markup-compatibility/2006" xmlns:a14="http://schemas.microsoft.com/office/drawing/2010/main">
-        <mc:Choice Requires="a14">
+      <mc:AlternateContent xmlns:mc="http://schemas.openxmlformats.org/markup-compatibility/2006">
+        <mc:Choice xmlns:a14="http://schemas.microsoft.com/office/drawing/2010/main" Requires="a14">
           <p:sp>
             <p:nvSpPr>
               <p:cNvPr id="20" name="TextBox 19">
@@ -17691,7 +15907,7 @@
             <p:spPr>
               <a:xfrm>
                 <a:off x="521208" y="3835935"/>
-                <a:ext cx="4112408" cy="338554"/>
+                <a:ext cx="4226222" cy="338554"/>
               </a:xfrm>
               <a:prstGeom prst="rect">
                 <a:avLst/>
@@ -17762,7 +15978,7 @@
                           <a:rPr lang="en-US" sz="1600" b="0" i="1" smtClean="0">
                             <a:latin typeface="Cambria Math" panose="02040503050406030204" pitchFamily="18" charset="0"/>
                           </a:rPr>
-                          <m:t>𝑛</m:t>
+                          <m:t>𝑁</m:t>
                         </m:r>
                       </m:sub>
                     </m:sSub>
@@ -17773,7 +15989,7 @@
             </p:txBody>
           </p:sp>
         </mc:Choice>
-        <mc:Fallback xmlns="">
+        <mc:Fallback>
           <p:sp>
             <p:nvSpPr>
               <p:cNvPr id="20" name="TextBox 19">
@@ -17791,7 +16007,7 @@
             <p:spPr>
               <a:xfrm>
                 <a:off x="521208" y="3835935"/>
-                <a:ext cx="4112408" cy="338554"/>
+                <a:ext cx="4226222" cy="338554"/>
               </a:xfrm>
               <a:prstGeom prst="rect">
                 <a:avLst/>
@@ -17799,7 +16015,7 @@
               <a:blipFill>
                 <a:blip r:embed="rId9"/>
                 <a:stretch>
-                  <a:fillRect l="-926" t="-3571" b="-25000"/>
+                  <a:fillRect l="-901" t="-3571" b="-25000"/>
                 </a:stretch>
               </a:blipFill>
             </p:spPr>
@@ -17818,8 +16034,8 @@
           </p:sp>
         </mc:Fallback>
       </mc:AlternateContent>
-      <mc:AlternateContent xmlns:mc="http://schemas.openxmlformats.org/markup-compatibility/2006" xmlns:a14="http://schemas.microsoft.com/office/drawing/2010/main">
-        <mc:Choice Requires="a14">
+      <mc:AlternateContent xmlns:mc="http://schemas.openxmlformats.org/markup-compatibility/2006">
+        <mc:Choice xmlns:a14="http://schemas.microsoft.com/office/drawing/2010/main" Requires="a14">
           <p:sp>
             <p:nvSpPr>
               <p:cNvPr id="21" name="TextBox 20">
@@ -17835,7 +16051,7 @@
             <p:spPr>
               <a:xfrm>
                 <a:off x="740664" y="4169405"/>
-                <a:ext cx="6745886" cy="830997"/>
+                <a:ext cx="6874126" cy="830997"/>
               </a:xfrm>
               <a:prstGeom prst="rect">
                 <a:avLst/>
@@ -17926,10 +16142,10 @@
                           </m:e>
                           <m:sub>
                             <m:r>
-                              <a:rPr lang="en-US" i="1">
+                              <a:rPr lang="en-US" b="0" i="1" smtClean="0">
                                 <a:latin typeface="Cambria Math" panose="02040503050406030204" pitchFamily="18" charset="0"/>
                               </a:rPr>
-                              <m:t>𝑛</m:t>
+                              <m:t>𝑁</m:t>
                             </m:r>
                           </m:sub>
                         </m:sSub>
@@ -18004,10 +16220,10 @@
                 <a14:m>
                   <m:oMath xmlns:m="http://schemas.openxmlformats.org/officeDocument/2006/math">
                     <m:r>
-                      <a:rPr lang="en-US" b="0" i="1">
+                      <a:rPr lang="en-US" b="0" i="1" smtClean="0">
                         <a:latin typeface="Cambria Math" panose="02040503050406030204" pitchFamily="18" charset="0"/>
                       </a:rPr>
-                      <m:t>𝑛</m:t>
+                      <m:t>𝑁</m:t>
                     </m:r>
                     <m:r>
                       <a:rPr lang="en-US" b="1" i="1">
@@ -18190,10 +16406,10 @@
                       </m:e>
                       <m:sub>
                         <m:r>
-                          <a:rPr lang="en-US" i="1">
+                          <a:rPr lang="en-US" b="0" i="1" smtClean="0">
                             <a:latin typeface="Cambria Math" panose="02040503050406030204" pitchFamily="18" charset="0"/>
                           </a:rPr>
-                          <m:t>1</m:t>
+                          <m:t>𝑁</m:t>
                         </m:r>
                       </m:sub>
                     </m:sSub>
@@ -18225,7 +16441,7 @@
                           <a:rPr lang="en-US" b="0" i="1" smtClean="0">
                             <a:latin typeface="Cambria Math" panose="02040503050406030204" pitchFamily="18" charset="0"/>
                           </a:rPr>
-                          <m:t>𝑛</m:t>
+                          <m:t>𝑁</m:t>
                         </m:r>
                       </m:sub>
                     </m:sSub>
@@ -18324,10 +16540,10 @@
                       </m:e>
                       <m:sub>
                         <m:r>
-                          <a:rPr lang="en-US" i="1">
+                          <a:rPr lang="en-US" b="0" i="1" smtClean="0">
                             <a:latin typeface="Cambria Math" panose="02040503050406030204" pitchFamily="18" charset="0"/>
                           </a:rPr>
-                          <m:t>1</m:t>
+                          <m:t>𝑁</m:t>
                         </m:r>
                       </m:sub>
                     </m:sSub>
@@ -18341,7 +16557,7 @@
             </p:txBody>
           </p:sp>
         </mc:Choice>
-        <mc:Fallback xmlns="">
+        <mc:Fallback>
           <p:sp>
             <p:nvSpPr>
               <p:cNvPr id="21" name="TextBox 20">
@@ -18359,7 +16575,7 @@
             <p:spPr>
               <a:xfrm>
                 <a:off x="740664" y="4169405"/>
-                <a:ext cx="6745886" cy="830997"/>
+                <a:ext cx="6874126" cy="830997"/>
               </a:xfrm>
               <a:prstGeom prst="rect">
                 <a:avLst/>
@@ -18367,7 +16583,7 @@
               <a:blipFill>
                 <a:blip r:embed="rId10"/>
                 <a:stretch>
-                  <a:fillRect l="-2068" t="-9091" r="-1128" b="-16667"/>
+                  <a:fillRect l="-2030" t="-9091" b="-16667"/>
                 </a:stretch>
               </a:blipFill>
             </p:spPr>
@@ -19241,7 +17457,7 @@
 </p:sld>
 </file>
 
-<file path=ppt/slides/slide14.xml><?xml version="1.0" encoding="utf-8"?>
+<file path=ppt/slides/slide13.xml><?xml version="1.0" encoding="utf-8"?>
 <p:sld xmlns:a="http://schemas.openxmlformats.org/drawingml/2006/main" xmlns:r="http://schemas.openxmlformats.org/officeDocument/2006/relationships" xmlns:p="http://schemas.openxmlformats.org/presentationml/2006/main">
   <p:cSld>
     <p:spTree>
@@ -19315,7 +17531,7 @@
               <a:pPr>
                 <a:defRPr/>
               </a:pPr>
-              <a:t>14</a:t>
+              <a:t>13</a:t>
             </a:fld>
             <a:endParaRPr lang="en-US" altLang="x-none"/>
           </a:p>
@@ -22019,7 +20235,7 @@
 </p:sld>
 </file>
 
-<file path=ppt/slides/slide15.xml><?xml version="1.0" encoding="utf-8"?>
+<file path=ppt/slides/slide14.xml><?xml version="1.0" encoding="utf-8"?>
 <p:sld xmlns:a="http://schemas.openxmlformats.org/drawingml/2006/main" xmlns:r="http://schemas.openxmlformats.org/officeDocument/2006/relationships" xmlns:p="http://schemas.openxmlformats.org/presentationml/2006/main">
   <p:cSld>
     <p:spTree>
@@ -22093,7 +20309,7 @@
               <a:pPr>
                 <a:defRPr/>
               </a:pPr>
-              <a:t>15</a:t>
+              <a:t>14</a:t>
             </a:fld>
             <a:endParaRPr lang="en-US" altLang="x-none"/>
           </a:p>
@@ -22492,7 +20708,7 @@
 </p:sld>
 </file>
 
-<file path=ppt/slides/slide16.xml><?xml version="1.0" encoding="utf-8"?>
+<file path=ppt/slides/slide15.xml><?xml version="1.0" encoding="utf-8"?>
 <p:sld xmlns:a="http://schemas.openxmlformats.org/drawingml/2006/main" xmlns:r="http://schemas.openxmlformats.org/officeDocument/2006/relationships" xmlns:p="http://schemas.openxmlformats.org/presentationml/2006/main">
   <p:cSld>
     <p:spTree>
@@ -22566,7 +20782,7 @@
               <a:pPr>
                 <a:defRPr/>
               </a:pPr>
-              <a:t>16</a:t>
+              <a:t>15</a:t>
             </a:fld>
             <a:endParaRPr lang="en-US" altLang="x-none"/>
           </a:p>
@@ -22824,8 +21040,8 @@
           </p:sp>
         </mc:Fallback>
       </mc:AlternateContent>
-      <mc:AlternateContent xmlns:mc="http://schemas.openxmlformats.org/markup-compatibility/2006" xmlns:a14="http://schemas.microsoft.com/office/drawing/2010/main">
-        <mc:Choice Requires="a14">
+      <mc:AlternateContent xmlns:mc="http://schemas.openxmlformats.org/markup-compatibility/2006">
+        <mc:Choice xmlns:a14="http://schemas.microsoft.com/office/drawing/2010/main" Requires="a14">
           <p:sp>
             <p:nvSpPr>
               <p:cNvPr id="13" name="Rectangle 12">
@@ -22841,7 +21057,7 @@
             <p:spPr>
               <a:xfrm>
                 <a:off x="429768" y="2834509"/>
-                <a:ext cx="8203336" cy="707886"/>
+                <a:ext cx="8396658" cy="707886"/>
               </a:xfrm>
               <a:prstGeom prst="rect">
                 <a:avLst/>
@@ -22996,7 +21212,7 @@
                                 <a:rPr lang="en-US" sz="2000" b="0" i="1" smtClean="0">
                                   <a:latin typeface="Cambria Math" panose="02040503050406030204" pitchFamily="18" charset="0"/>
                                 </a:rPr>
-                                <m:t>𝑛</m:t>
+                                <m:t>𝑁</m:t>
                               </m:r>
                             </m:sub>
                           </m:sSub>
@@ -23041,7 +21257,7 @@
                             <a:rPr lang="en-US" sz="2000" b="0" i="1" smtClean="0">
                               <a:latin typeface="Cambria Math" panose="02040503050406030204" pitchFamily="18" charset="0"/>
                             </a:rPr>
-                            <m:t>𝑛</m:t>
+                            <m:t>𝑁</m:t>
                           </m:r>
                         </m:sup>
                       </m:sSup>
@@ -23097,7 +21313,7 @@
                             <a:rPr lang="en-US" sz="2000" b="0" i="1" smtClean="0">
                               <a:latin typeface="Cambria Math" panose="02040503050406030204" pitchFamily="18" charset="0"/>
                             </a:rPr>
-                            <m:t>𝑛</m:t>
+                            <m:t>𝑁</m:t>
                           </m:r>
                           <m:r>
                             <a:rPr lang="en-US" sz="2000" b="0" i="1" smtClean="0">
@@ -23134,7 +21350,7 @@
                             <a:rPr lang="en-US" sz="2000" b="0" i="1" smtClean="0">
                               <a:latin typeface="Cambria Math" panose="02040503050406030204" pitchFamily="18" charset="0"/>
                             </a:rPr>
-                            <m:t>𝑛</m:t>
+                            <m:t>𝑁</m:t>
                           </m:r>
                         </m:sub>
                       </m:sSub>
@@ -23237,7 +21453,7 @@
                           <a:rPr lang="en-US" sz="2000" b="0" i="1" smtClean="0">
                             <a:latin typeface="Cambria Math" panose="02040503050406030204" pitchFamily="18" charset="0"/>
                           </a:rPr>
-                          <m:t>𝑛</m:t>
+                          <m:t>𝑁</m:t>
                         </m:r>
                       </m:sub>
                     </m:sSub>
@@ -23265,7 +21481,7 @@
             </p:txBody>
           </p:sp>
         </mc:Choice>
-        <mc:Fallback xmlns="">
+        <mc:Fallback>
           <p:sp>
             <p:nvSpPr>
               <p:cNvPr id="13" name="Rectangle 12">
@@ -23283,7 +21499,7 @@
             <p:spPr>
               <a:xfrm>
                 <a:off x="429768" y="2834509"/>
-                <a:ext cx="8203336" cy="707886"/>
+                <a:ext cx="8396658" cy="707886"/>
               </a:xfrm>
               <a:prstGeom prst="rect">
                 <a:avLst/>
@@ -23291,7 +21507,7 @@
               <a:blipFill>
                 <a:blip r:embed="rId5"/>
                 <a:stretch>
-                  <a:fillRect l="-929" t="-1786" b="-16071"/>
+                  <a:fillRect l="-906" t="-1786" b="-16071"/>
                 </a:stretch>
               </a:blipFill>
             </p:spPr>
@@ -23520,8 +21736,8 @@
           </a:p>
         </p:txBody>
       </p:sp>
-      <mc:AlternateContent xmlns:mc="http://schemas.openxmlformats.org/markup-compatibility/2006" xmlns:a14="http://schemas.microsoft.com/office/drawing/2010/main">
-        <mc:Choice Requires="a14">
+      <mc:AlternateContent xmlns:mc="http://schemas.openxmlformats.org/markup-compatibility/2006">
+        <mc:Choice xmlns:a14="http://schemas.microsoft.com/office/drawing/2010/main" Requires="a14">
           <p:sp>
             <p:nvSpPr>
               <p:cNvPr id="19" name="Rectangle 18">
@@ -23637,7 +21853,7 @@
             </p:txBody>
           </p:sp>
         </mc:Choice>
-        <mc:Fallback xmlns="">
+        <mc:Fallback>
           <p:sp>
             <p:nvSpPr>
               <p:cNvPr id="19" name="Rectangle 18">
@@ -23714,108 +21930,6 @@
               <a:rPr lang="en-US" sz="2000" b="1" dirty="0"/>
               <a:t>Eigenvalues of a triangular matrix is the diagonal.</a:t>
             </a:r>
-          </a:p>
-        </p:txBody>
-      </p:sp>
-      <p:pic>
-        <p:nvPicPr>
-          <p:cNvPr id="14338" name="Picture 2" descr="Upper Triangular Matrix -- from Wolfram MathWorld">
-            <a:extLst>
-              <a:ext uri="{FF2B5EF4-FFF2-40B4-BE49-F238E27FC236}">
-                <a16:creationId xmlns:a16="http://schemas.microsoft.com/office/drawing/2014/main" id="{D7CE80FD-1D73-CA41-B39A-EDD4925B3494}"/>
-              </a:ext>
-            </a:extLst>
-          </p:cNvPr>
-          <p:cNvPicPr>
-            <a:picLocks noChangeAspect="1" noChangeArrowheads="1"/>
-          </p:cNvPicPr>
-          <p:nvPr/>
-        </p:nvPicPr>
-        <p:blipFill>
-          <a:blip r:embed="rId8">
-            <a:extLst>
-              <a:ext uri="{28A0092B-C50C-407E-A947-70E740481C1C}">
-                <a14:useLocalDpi xmlns:a14="http://schemas.microsoft.com/office/drawing/2010/main" val="0"/>
-              </a:ext>
-            </a:extLst>
-          </a:blip>
-          <a:srcRect/>
-          <a:stretch>
-            <a:fillRect/>
-          </a:stretch>
-        </p:blipFill>
-        <p:spPr bwMode="auto">
-          <a:xfrm>
-            <a:off x="1422252" y="5004926"/>
-            <a:ext cx="2425085" cy="1231789"/>
-          </a:xfrm>
-          <a:prstGeom prst="rect">
-            <a:avLst/>
-          </a:prstGeom>
-          <a:noFill/>
-          <a:extLst>
-            <a:ext uri="{909E8E84-426E-40DD-AFC4-6F175D3DCCD1}">
-              <a14:hiddenFill xmlns:a14="http://schemas.microsoft.com/office/drawing/2010/main">
-                <a:solidFill>
-                  <a:srgbClr val="FFFFFF"/>
-                </a:solidFill>
-              </a14:hiddenFill>
-            </a:ext>
-          </a:extLst>
-        </p:spPr>
-      </p:pic>
-      <p:sp>
-        <p:nvSpPr>
-          <p:cNvPr id="22" name="Rectangle 21">
-            <a:extLst>
-              <a:ext uri="{FF2B5EF4-FFF2-40B4-BE49-F238E27FC236}">
-                <a16:creationId xmlns:a16="http://schemas.microsoft.com/office/drawing/2014/main" id="{E0373137-5A97-A746-B0C5-5376466A3CEF}"/>
-              </a:ext>
-            </a:extLst>
-          </p:cNvPr>
-          <p:cNvSpPr/>
-          <p:nvPr/>
-        </p:nvSpPr>
-        <p:spPr>
-          <a:xfrm>
-            <a:off x="1167426" y="4852075"/>
-            <a:ext cx="661186" cy="1566961"/>
-          </a:xfrm>
-          <a:prstGeom prst="rect">
-            <a:avLst/>
-          </a:prstGeom>
-          <a:solidFill>
-            <a:schemeClr val="bg1"/>
-          </a:solidFill>
-          <a:ln>
-            <a:noFill/>
-          </a:ln>
-          <a:effectLst>
-            <a:outerShdw dist="23000" sx="1000" sy="1000" rotWithShape="0">
-              <a:srgbClr val="000000"/>
-            </a:outerShdw>
-          </a:effectLst>
-        </p:spPr>
-        <p:style>
-          <a:lnRef idx="1">
-            <a:schemeClr val="accent1"/>
-          </a:lnRef>
-          <a:fillRef idx="3">
-            <a:schemeClr val="accent1"/>
-          </a:fillRef>
-          <a:effectRef idx="2">
-            <a:schemeClr val="accent1"/>
-          </a:effectRef>
-          <a:fontRef idx="minor">
-            <a:schemeClr val="lt1"/>
-          </a:fontRef>
-        </p:style>
-        <p:txBody>
-          <a:bodyPr rtlCol="0" anchor="ctr"/>
-          <a:lstStyle/>
-          <a:p>
-            <a:pPr algn="ctr"/>
-            <a:endParaRPr lang="en-US"/>
           </a:p>
         </p:txBody>
       </p:sp>
@@ -23975,6 +22089,367 @@
           </p:sp>
         </mc:Fallback>
       </mc:AlternateContent>
+      <p:grpSp>
+        <p:nvGrpSpPr>
+          <p:cNvPr id="6" name="Group 5">
+            <a:extLst>
+              <a:ext uri="{FF2B5EF4-FFF2-40B4-BE49-F238E27FC236}">
+                <a16:creationId xmlns:a16="http://schemas.microsoft.com/office/drawing/2014/main" id="{C7A40235-FE71-4E47-BAA5-DB82A96AFB72}"/>
+              </a:ext>
+            </a:extLst>
+          </p:cNvPr>
+          <p:cNvGrpSpPr/>
+          <p:nvPr/>
+        </p:nvGrpSpPr>
+        <p:grpSpPr>
+          <a:xfrm>
+            <a:off x="1167426" y="4852075"/>
+            <a:ext cx="2679911" cy="1566961"/>
+            <a:chOff x="1167426" y="4852075"/>
+            <a:chExt cx="2679911" cy="1566961"/>
+          </a:xfrm>
+        </p:grpSpPr>
+        <p:pic>
+          <p:nvPicPr>
+            <p:cNvPr id="14338" name="Picture 2" descr="Upper Triangular Matrix -- from Wolfram MathWorld">
+              <a:extLst>
+                <a:ext uri="{FF2B5EF4-FFF2-40B4-BE49-F238E27FC236}">
+                  <a16:creationId xmlns:a16="http://schemas.microsoft.com/office/drawing/2014/main" id="{D7CE80FD-1D73-CA41-B39A-EDD4925B3494}"/>
+                </a:ext>
+              </a:extLst>
+            </p:cNvPr>
+            <p:cNvPicPr>
+              <a:picLocks noChangeAspect="1" noChangeArrowheads="1"/>
+            </p:cNvPicPr>
+            <p:nvPr/>
+          </p:nvPicPr>
+          <p:blipFill>
+            <a:blip r:embed="rId10">
+              <a:extLst>
+                <a:ext uri="{28A0092B-C50C-407E-A947-70E740481C1C}">
+                  <a14:useLocalDpi xmlns:a14="http://schemas.microsoft.com/office/drawing/2010/main" val="0"/>
+                </a:ext>
+              </a:extLst>
+            </a:blip>
+            <a:srcRect/>
+            <a:stretch>
+              <a:fillRect/>
+            </a:stretch>
+          </p:blipFill>
+          <p:spPr bwMode="auto">
+            <a:xfrm>
+              <a:off x="1422252" y="5004926"/>
+              <a:ext cx="2425085" cy="1231789"/>
+            </a:xfrm>
+            <a:prstGeom prst="rect">
+              <a:avLst/>
+            </a:prstGeom>
+            <a:noFill/>
+            <a:extLst>
+              <a:ext uri="{909E8E84-426E-40DD-AFC4-6F175D3DCCD1}">
+                <a14:hiddenFill xmlns:a14="http://schemas.microsoft.com/office/drawing/2010/main">
+                  <a:solidFill>
+                    <a:srgbClr val="FFFFFF"/>
+                  </a:solidFill>
+                </a14:hiddenFill>
+              </a:ext>
+            </a:extLst>
+          </p:spPr>
+        </p:pic>
+        <p:sp>
+          <p:nvSpPr>
+            <p:cNvPr id="22" name="Rectangle 21">
+              <a:extLst>
+                <a:ext uri="{FF2B5EF4-FFF2-40B4-BE49-F238E27FC236}">
+                  <a16:creationId xmlns:a16="http://schemas.microsoft.com/office/drawing/2014/main" id="{E0373137-5A97-A746-B0C5-5376466A3CEF}"/>
+                </a:ext>
+              </a:extLst>
+            </p:cNvPr>
+            <p:cNvSpPr/>
+            <p:nvPr/>
+          </p:nvSpPr>
+          <p:spPr>
+            <a:xfrm>
+              <a:off x="1167426" y="4852075"/>
+              <a:ext cx="661186" cy="1566961"/>
+            </a:xfrm>
+            <a:prstGeom prst="rect">
+              <a:avLst/>
+            </a:prstGeom>
+            <a:solidFill>
+              <a:schemeClr val="bg1"/>
+            </a:solidFill>
+            <a:ln>
+              <a:noFill/>
+            </a:ln>
+            <a:effectLst>
+              <a:outerShdw dist="23000" sx="1000" sy="1000" rotWithShape="0">
+                <a:srgbClr val="000000"/>
+              </a:outerShdw>
+            </a:effectLst>
+          </p:spPr>
+          <p:style>
+            <a:lnRef idx="1">
+              <a:schemeClr val="accent1"/>
+            </a:lnRef>
+            <a:fillRef idx="3">
+              <a:schemeClr val="accent1"/>
+            </a:fillRef>
+            <a:effectRef idx="2">
+              <a:schemeClr val="accent1"/>
+            </a:effectRef>
+            <a:fontRef idx="minor">
+              <a:schemeClr val="lt1"/>
+            </a:fontRef>
+          </p:style>
+          <p:txBody>
+            <a:bodyPr rtlCol="0" anchor="ctr"/>
+            <a:lstStyle/>
+            <a:p>
+              <a:pPr algn="ctr"/>
+              <a:endParaRPr lang="en-US"/>
+            </a:p>
+          </p:txBody>
+        </p:sp>
+        <mc:AlternateContent xmlns:mc="http://schemas.openxmlformats.org/markup-compatibility/2006">
+          <mc:Choice xmlns:a14="http://schemas.microsoft.com/office/drawing/2010/main" Requires="a14">
+            <p:sp>
+              <p:nvSpPr>
+                <p:cNvPr id="3" name="TextBox 2">
+                  <a:extLst>
+                    <a:ext uri="{FF2B5EF4-FFF2-40B4-BE49-F238E27FC236}">
+                      <a16:creationId xmlns:a16="http://schemas.microsoft.com/office/drawing/2014/main" id="{166082C0-2EA0-5741-A640-F7B30A8C9BDC}"/>
+                    </a:ext>
+                  </a:extLst>
+                </p:cNvPr>
+                <p:cNvSpPr txBox="1"/>
+                <p:nvPr/>
+              </p:nvSpPr>
+              <p:spPr>
+                <a:xfrm>
+                  <a:off x="3239630" y="4942267"/>
+                  <a:ext cx="563872" cy="338554"/>
+                </a:xfrm>
+                <a:prstGeom prst="rect">
+                  <a:avLst/>
+                </a:prstGeom>
+                <a:solidFill>
+                  <a:schemeClr val="bg1"/>
+                </a:solidFill>
+              </p:spPr>
+              <p:txBody>
+                <a:bodyPr wrap="none" rtlCol="0">
+                  <a:spAutoFit/>
+                </a:bodyPr>
+                <a:lstStyle/>
+                <a:p>
+                  <a14:m>
+                    <m:oMathPara xmlns:m="http://schemas.openxmlformats.org/officeDocument/2006/math">
+                      <m:oMathParaPr>
+                        <m:jc m:val="centerGroup"/>
+                      </m:oMathParaPr>
+                      <m:oMath xmlns:m="http://schemas.openxmlformats.org/officeDocument/2006/math">
+                        <m:sSub>
+                          <m:sSubPr>
+                            <m:ctrlPr>
+                              <a:rPr lang="en-US" sz="1600" b="0" i="1" smtClean="0">
+                                <a:latin typeface="Cambria Math" panose="02040503050406030204" pitchFamily="18" charset="0"/>
+                              </a:rPr>
+                            </m:ctrlPr>
+                          </m:sSubPr>
+                          <m:e>
+                            <m:r>
+                              <a:rPr lang="en-US" sz="1600" b="0" i="1" smtClean="0">
+                                <a:latin typeface="Cambria Math" panose="02040503050406030204" pitchFamily="18" charset="0"/>
+                              </a:rPr>
+                              <m:t>𝑎</m:t>
+                            </m:r>
+                          </m:e>
+                          <m:sub>
+                            <m:r>
+                              <a:rPr lang="en-US" sz="1600" b="0" i="1" smtClean="0">
+                                <a:latin typeface="Cambria Math" panose="02040503050406030204" pitchFamily="18" charset="0"/>
+                              </a:rPr>
+                              <m:t>1</m:t>
+                            </m:r>
+                            <m:r>
+                              <a:rPr lang="en-US" sz="1600" b="0" i="1" smtClean="0">
+                                <a:latin typeface="Cambria Math" panose="02040503050406030204" pitchFamily="18" charset="0"/>
+                              </a:rPr>
+                              <m:t>𝑁</m:t>
+                            </m:r>
+                          </m:sub>
+                        </m:sSub>
+                      </m:oMath>
+                    </m:oMathPara>
+                  </a14:m>
+                  <a:endParaRPr lang="en-US" sz="1600" dirty="0"/>
+                </a:p>
+              </p:txBody>
+            </p:sp>
+          </mc:Choice>
+          <mc:Fallback>
+            <p:sp>
+              <p:nvSpPr>
+                <p:cNvPr id="3" name="TextBox 2">
+                  <a:extLst>
+                    <a:ext uri="{FF2B5EF4-FFF2-40B4-BE49-F238E27FC236}">
+                      <a16:creationId xmlns:a16="http://schemas.microsoft.com/office/drawing/2014/main" id="{166082C0-2EA0-5741-A640-F7B30A8C9BDC}"/>
+                    </a:ext>
+                  </a:extLst>
+                </p:cNvPr>
+                <p:cNvSpPr txBox="1">
+                  <a:spLocks noRot="1" noChangeAspect="1" noMove="1" noResize="1" noEditPoints="1" noAdjustHandles="1" noChangeArrowheads="1" noChangeShapeType="1" noTextEdit="1"/>
+                </p:cNvSpPr>
+                <p:nvPr/>
+              </p:nvSpPr>
+              <p:spPr>
+                <a:xfrm>
+                  <a:off x="3239630" y="4942267"/>
+                  <a:ext cx="563872" cy="338554"/>
+                </a:xfrm>
+                <a:prstGeom prst="rect">
+                  <a:avLst/>
+                </a:prstGeom>
+                <a:blipFill>
+                  <a:blip r:embed="rId11"/>
+                  <a:stretch>
+                    <a:fillRect b="-3704"/>
+                  </a:stretch>
+                </a:blipFill>
+              </p:spPr>
+              <p:txBody>
+                <a:bodyPr/>
+                <a:lstStyle/>
+                <a:p>
+                  <a:r>
+                    <a:rPr lang="en-US">
+                      <a:noFill/>
+                    </a:rPr>
+                    <a:t> </a:t>
+                  </a:r>
+                </a:p>
+              </p:txBody>
+            </p:sp>
+          </mc:Fallback>
+        </mc:AlternateContent>
+        <mc:AlternateContent xmlns:mc="http://schemas.openxmlformats.org/markup-compatibility/2006">
+          <mc:Choice xmlns:a14="http://schemas.microsoft.com/office/drawing/2010/main" Requires="a14">
+            <p:sp>
+              <p:nvSpPr>
+                <p:cNvPr id="20" name="TextBox 19">
+                  <a:extLst>
+                    <a:ext uri="{FF2B5EF4-FFF2-40B4-BE49-F238E27FC236}">
+                      <a16:creationId xmlns:a16="http://schemas.microsoft.com/office/drawing/2014/main" id="{9CB35F13-AB80-0544-960A-1C94BD2EF0D5}"/>
+                    </a:ext>
+                  </a:extLst>
+                </p:cNvPr>
+                <p:cNvSpPr txBox="1"/>
+                <p:nvPr/>
+              </p:nvSpPr>
+              <p:spPr>
+                <a:xfrm>
+                  <a:off x="3216303" y="5910369"/>
+                  <a:ext cx="595869" cy="338554"/>
+                </a:xfrm>
+                <a:prstGeom prst="rect">
+                  <a:avLst/>
+                </a:prstGeom>
+                <a:solidFill>
+                  <a:schemeClr val="bg1"/>
+                </a:solidFill>
+              </p:spPr>
+              <p:txBody>
+                <a:bodyPr wrap="none" rtlCol="0">
+                  <a:spAutoFit/>
+                </a:bodyPr>
+                <a:lstStyle/>
+                <a:p>
+                  <a14:m>
+                    <m:oMathPara xmlns:m="http://schemas.openxmlformats.org/officeDocument/2006/math">
+                      <m:oMathParaPr>
+                        <m:jc m:val="centerGroup"/>
+                      </m:oMathParaPr>
+                      <m:oMath xmlns:m="http://schemas.openxmlformats.org/officeDocument/2006/math">
+                        <m:sSub>
+                          <m:sSubPr>
+                            <m:ctrlPr>
+                              <a:rPr lang="en-US" sz="1600" b="0" i="1" smtClean="0">
+                                <a:latin typeface="Cambria Math" panose="02040503050406030204" pitchFamily="18" charset="0"/>
+                              </a:rPr>
+                            </m:ctrlPr>
+                          </m:sSubPr>
+                          <m:e>
+                            <m:r>
+                              <a:rPr lang="en-US" sz="1600" b="0" i="1" smtClean="0">
+                                <a:latin typeface="Cambria Math" panose="02040503050406030204" pitchFamily="18" charset="0"/>
+                              </a:rPr>
+                              <m:t>𝑎</m:t>
+                            </m:r>
+                          </m:e>
+                          <m:sub>
+                            <m:r>
+                              <a:rPr lang="en-US" sz="1600" b="0" i="1" smtClean="0">
+                                <a:latin typeface="Cambria Math" panose="02040503050406030204" pitchFamily="18" charset="0"/>
+                              </a:rPr>
+                              <m:t>𝑁𝑁</m:t>
+                            </m:r>
+                          </m:sub>
+                        </m:sSub>
+                      </m:oMath>
+                    </m:oMathPara>
+                  </a14:m>
+                  <a:endParaRPr lang="en-US" sz="1600" dirty="0"/>
+                </a:p>
+              </p:txBody>
+            </p:sp>
+          </mc:Choice>
+          <mc:Fallback>
+            <p:sp>
+              <p:nvSpPr>
+                <p:cNvPr id="20" name="TextBox 19">
+                  <a:extLst>
+                    <a:ext uri="{FF2B5EF4-FFF2-40B4-BE49-F238E27FC236}">
+                      <a16:creationId xmlns:a16="http://schemas.microsoft.com/office/drawing/2014/main" id="{9CB35F13-AB80-0544-960A-1C94BD2EF0D5}"/>
+                    </a:ext>
+                  </a:extLst>
+                </p:cNvPr>
+                <p:cNvSpPr txBox="1">
+                  <a:spLocks noRot="1" noChangeAspect="1" noMove="1" noResize="1" noEditPoints="1" noAdjustHandles="1" noChangeArrowheads="1" noChangeShapeType="1" noTextEdit="1"/>
+                </p:cNvSpPr>
+                <p:nvPr/>
+              </p:nvSpPr>
+              <p:spPr>
+                <a:xfrm>
+                  <a:off x="3216303" y="5910369"/>
+                  <a:ext cx="595869" cy="338554"/>
+                </a:xfrm>
+                <a:prstGeom prst="rect">
+                  <a:avLst/>
+                </a:prstGeom>
+                <a:blipFill>
+                  <a:blip r:embed="rId12"/>
+                  <a:stretch>
+                    <a:fillRect/>
+                  </a:stretch>
+                </a:blipFill>
+              </p:spPr>
+              <p:txBody>
+                <a:bodyPr/>
+                <a:lstStyle/>
+                <a:p>
+                  <a:r>
+                    <a:rPr lang="en-US">
+                      <a:noFill/>
+                    </a:rPr>
+                    <a:t> </a:t>
+                  </a:r>
+                </a:p>
+              </p:txBody>
+            </p:sp>
+          </mc:Fallback>
+        </mc:AlternateContent>
+      </p:grpSp>
     </p:spTree>
     <p:extLst>
       <p:ext uri="{BB962C8B-B14F-4D97-AF65-F5344CB8AC3E}">
@@ -24293,33 +22768,6 @@
                                   </p:childTnLst>
                                 </p:cTn>
                               </p:par>
-                              <p:par>
-                                <p:cTn id="29" presetID="1" presetClass="entr" presetSubtype="0" fill="hold" nodeType="withEffect">
-                                  <p:stCondLst>
-                                    <p:cond delay="0"/>
-                                  </p:stCondLst>
-                                  <p:childTnLst>
-                                    <p:set>
-                                      <p:cBhvr>
-                                        <p:cTn id="30" dur="1" fill="hold">
-                                          <p:stCondLst>
-                                            <p:cond delay="0"/>
-                                          </p:stCondLst>
-                                        </p:cTn>
-                                        <p:tgtEl>
-                                          <p:spTgt spid="14338"/>
-                                        </p:tgtEl>
-                                        <p:attrNameLst>
-                                          <p:attrName>style.visibility</p:attrName>
-                                        </p:attrNameLst>
-                                      </p:cBhvr>
-                                      <p:to>
-                                        <p:strVal val="visible"/>
-                                      </p:to>
-                                    </p:set>
-                                  </p:childTnLst>
-                                </p:cTn>
-                              </p:par>
                             </p:childTnLst>
                           </p:cTn>
                         </p:par>
@@ -24361,7 +22809,7 @@
 </p:sld>
 </file>
 
-<file path=ppt/slides/slide17.xml><?xml version="1.0" encoding="utf-8"?>
+<file path=ppt/slides/slide16.xml><?xml version="1.0" encoding="utf-8"?>
 <p:sld xmlns:a="http://schemas.openxmlformats.org/drawingml/2006/main" xmlns:r="http://schemas.openxmlformats.org/officeDocument/2006/relationships" xmlns:p="http://schemas.openxmlformats.org/presentationml/2006/main">
   <p:cSld>
     <p:spTree>
@@ -24435,7 +22883,7 @@
               <a:pPr>
                 <a:defRPr/>
               </a:pPr>
-              <a:t>17</a:t>
+              <a:t>16</a:t>
             </a:fld>
             <a:endParaRPr lang="en-US" altLang="x-none"/>
           </a:p>
@@ -25728,7 +24176,7 @@
 </p:sld>
 </file>
 
-<file path=ppt/slides/slide18.xml><?xml version="1.0" encoding="utf-8"?>
+<file path=ppt/slides/slide17.xml><?xml version="1.0" encoding="utf-8"?>
 <p:sld xmlns:a="http://schemas.openxmlformats.org/drawingml/2006/main" xmlns:r="http://schemas.openxmlformats.org/officeDocument/2006/relationships" xmlns:p="http://schemas.openxmlformats.org/presentationml/2006/main">
   <p:cSld>
     <p:spTree>
@@ -25802,7 +24250,7 @@
               <a:pPr>
                 <a:defRPr/>
               </a:pPr>
-              <a:t>18</a:t>
+              <a:t>17</a:t>
             </a:fld>
             <a:endParaRPr lang="en-US" altLang="x-none"/>
           </a:p>
@@ -26812,7 +25260,7 @@
 </p:sld>
 </file>
 
-<file path=ppt/slides/slide19.xml><?xml version="1.0" encoding="utf-8"?>
+<file path=ppt/slides/slide18.xml><?xml version="1.0" encoding="utf-8"?>
 <p:sld xmlns:a="http://schemas.openxmlformats.org/drawingml/2006/main" xmlns:r="http://schemas.openxmlformats.org/officeDocument/2006/relationships" xmlns:p="http://schemas.openxmlformats.org/presentationml/2006/main">
   <p:cSld>
     <p:spTree>
@@ -26829,8 +25277,8 @@
           <a:chExt cx="0" cy="0"/>
         </a:xfrm>
       </p:grpSpPr>
-      <mc:AlternateContent xmlns:mc="http://schemas.openxmlformats.org/markup-compatibility/2006" xmlns:a14="http://schemas.microsoft.com/office/drawing/2010/main">
-        <mc:Choice Requires="a14">
+      <mc:AlternateContent xmlns:mc="http://schemas.openxmlformats.org/markup-compatibility/2006">
+        <mc:Choice xmlns:a14="http://schemas.microsoft.com/office/drawing/2010/main" Requires="a14">
           <p:sp>
             <p:nvSpPr>
               <p:cNvPr id="2" name="Title 1">
@@ -26862,7 +25310,7 @@
                       <a:rPr lang="en-US" b="0" i="1" smtClean="0">
                         <a:latin typeface="Cambria Math" panose="02040503050406030204" pitchFamily="18" charset="0"/>
                       </a:rPr>
-                      <m:t>𝑚</m:t>
+                      <m:t>𝑀</m:t>
                     </m:r>
                     <m:r>
                       <a:rPr lang="en-US" b="0" i="1" smtClean="0">
@@ -26874,7 +25322,7 @@
                       <a:rPr lang="en-US" b="0" i="1" smtClean="0">
                         <a:latin typeface="Cambria Math" panose="02040503050406030204" pitchFamily="18" charset="0"/>
                       </a:rPr>
-                      <m:t>𝑛</m:t>
+                      <m:t>𝑁</m:t>
                     </m:r>
                     <m:r>
                       <a:rPr lang="en-US" b="0" i="1" smtClean="0">
@@ -26892,7 +25340,7 @@
             </p:txBody>
           </p:sp>
         </mc:Choice>
-        <mc:Fallback xmlns="">
+        <mc:Fallback>
           <p:sp>
             <p:nvSpPr>
               <p:cNvPr id="2" name="Title 1">
@@ -26932,8 +25380,8 @@
           </p:sp>
         </mc:Fallback>
       </mc:AlternateContent>
-      <mc:AlternateContent xmlns:mc="http://schemas.openxmlformats.org/markup-compatibility/2006" xmlns:a14="http://schemas.microsoft.com/office/drawing/2010/main">
-        <mc:Choice Requires="a14">
+      <mc:AlternateContent xmlns:mc="http://schemas.openxmlformats.org/markup-compatibility/2006">
+        <mc:Choice xmlns:a14="http://schemas.microsoft.com/office/drawing/2010/main" Requires="a14">
           <p:sp>
             <p:nvSpPr>
               <p:cNvPr id="4" name="Content Placeholder 3">
@@ -26974,7 +25422,7 @@
                       <a:rPr lang="en-US" b="0" i="1" smtClean="0">
                         <a:latin typeface="Cambria Math" panose="02040503050406030204" pitchFamily="18" charset="0"/>
                       </a:rPr>
-                      <m:t>𝑛</m:t>
+                      <m:t>𝑀</m:t>
                     </m:r>
                     <m:r>
                       <a:rPr lang="en-US" b="0" i="1" smtClean="0">
@@ -26986,7 +25434,7 @@
                       <a:rPr lang="en-US" b="0" i="1" smtClean="0">
                         <a:latin typeface="Cambria Math" panose="02040503050406030204" pitchFamily="18" charset="0"/>
                       </a:rPr>
-                      <m:t>𝑚</m:t>
+                      <m:t>𝑁</m:t>
                     </m:r>
                   </m:oMath>
                 </a14:m>
@@ -27003,7 +25451,7 @@
                 </a:r>
                 <a:r>
                   <a:rPr lang="en-US" i="1" dirty="0"/>
-                  <a:t>n</a:t>
+                  <a:t>N</a:t>
                 </a:r>
               </a:p>
               <a:p>
@@ -27096,10 +25544,10 @@
                 <a14:m>
                   <m:oMath xmlns:m="http://schemas.openxmlformats.org/officeDocument/2006/math">
                     <m:r>
-                      <a:rPr lang="en-US" i="1">
+                      <a:rPr lang="en-US" b="0" i="1" smtClean="0">
                         <a:latin typeface="Cambria Math" panose="02040503050406030204" pitchFamily="18" charset="0"/>
                       </a:rPr>
-                      <m:t>𝑛</m:t>
+                      <m:t>𝑁</m:t>
                     </m:r>
                     <m:r>
                       <a:rPr lang="en-US" b="0" i="1" smtClean="0">
@@ -27108,10 +25556,10 @@
                       <m:t>=</m:t>
                     </m:r>
                     <m:r>
-                      <a:rPr lang="en-US" i="1">
+                      <a:rPr lang="en-US" b="0" i="1" smtClean="0">
                         <a:latin typeface="Cambria Math" panose="02040503050406030204" pitchFamily="18" charset="0"/>
                       </a:rPr>
-                      <m:t>𝑚</m:t>
+                      <m:t>𝑀</m:t>
                     </m:r>
                   </m:oMath>
                 </a14:m>
@@ -27129,22 +25577,22 @@
                 <a14:m>
                   <m:oMath xmlns:m="http://schemas.openxmlformats.org/officeDocument/2006/math">
                     <m:r>
-                      <a:rPr lang="en-US" i="1">
+                      <a:rPr lang="en-US" b="0" i="1" smtClean="0">
                         <a:latin typeface="Cambria Math" panose="02040503050406030204" pitchFamily="18" charset="0"/>
                       </a:rPr>
-                      <m:t>𝑛</m:t>
+                      <m:t>𝑁</m:t>
                     </m:r>
                     <m:r>
-                      <a:rPr lang="en-US" i="1">
+                      <a:rPr lang="en-US" b="0" i="1" smtClean="0">
                         <a:latin typeface="Cambria Math" panose="02040503050406030204" pitchFamily="18" charset="0"/>
                       </a:rPr>
                       <m:t>=</m:t>
                     </m:r>
                     <m:r>
-                      <a:rPr lang="en-US" i="1">
+                      <a:rPr lang="en-US" b="0" i="1" smtClean="0">
                         <a:latin typeface="Cambria Math" panose="02040503050406030204" pitchFamily="18" charset="0"/>
                       </a:rPr>
-                      <m:t>𝑚</m:t>
+                      <m:t>𝑀</m:t>
                     </m:r>
                     <m:r>
                       <a:rPr lang="en-US" b="0" i="1" smtClean="0">
@@ -27572,7 +26020,7 @@
             </p:txBody>
           </p:sp>
         </mc:Choice>
-        <mc:Fallback xmlns="">
+        <mc:Fallback>
           <p:sp>
             <p:nvSpPr>
               <p:cNvPr id="4" name="Content Placeholder 3">
@@ -27645,7 +26093,7 @@
               <a:pPr>
                 <a:defRPr/>
               </a:pPr>
-              <a:t>19</a:t>
+              <a:t>18</a:t>
             </a:fld>
             <a:endParaRPr lang="en-US" altLang="x-none"/>
           </a:p>
@@ -28228,13 +26676,13 @@
         <p:grpSpPr>
           <a:xfrm>
             <a:off x="790113" y="1808147"/>
-            <a:ext cx="7943281" cy="755437"/>
+            <a:ext cx="8041909" cy="755437"/>
             <a:chOff x="790113" y="1808147"/>
-            <a:chExt cx="7943281" cy="755437"/>
+            <a:chExt cx="8041909" cy="755437"/>
           </a:xfrm>
         </p:grpSpPr>
-        <mc:AlternateContent xmlns:mc="http://schemas.openxmlformats.org/markup-compatibility/2006" xmlns:a14="http://schemas.microsoft.com/office/drawing/2010/main">
-          <mc:Choice Requires="a14">
+        <mc:AlternateContent xmlns:mc="http://schemas.openxmlformats.org/markup-compatibility/2006">
+          <mc:Choice xmlns:a14="http://schemas.microsoft.com/office/drawing/2010/main" Requires="a14">
             <p:sp>
               <p:nvSpPr>
                 <p:cNvPr id="16" name="TextBox 15">
@@ -28249,8 +26697,8 @@
               </p:nvSpPr>
               <p:spPr>
                 <a:xfrm>
-                  <a:off x="3954457" y="1831717"/>
-                  <a:ext cx="4778937" cy="731867"/>
+                  <a:off x="3625981" y="1831717"/>
+                  <a:ext cx="5206041" cy="731867"/>
                 </a:xfrm>
                 <a:prstGeom prst="rect">
                   <a:avLst/>
@@ -28494,14 +26942,50 @@
                   </a:r>
                   <a:r>
                     <a:rPr lang="en-US" dirty="0"/>
-                    <a:t>dimensional vector)</a:t>
+                    <a:t>dimensional vector, </a:t>
+                  </a:r>
+                  <a14:m>
+                    <m:oMath xmlns:m="http://schemas.openxmlformats.org/officeDocument/2006/math">
+                      <m:sSup>
+                        <m:sSupPr>
+                          <m:ctrlPr>
+                            <a:rPr lang="en-US" i="1">
+                              <a:latin typeface="Cambria Math" panose="02040503050406030204" pitchFamily="18" charset="0"/>
+                              <a:ea typeface="Cambria Math" panose="02040503050406030204" pitchFamily="18" charset="0"/>
+                            </a:rPr>
+                          </m:ctrlPr>
+                        </m:sSupPr>
+                        <m:e>
+                          <m:r>
+                            <a:rPr lang="en-US" i="1">
+                              <a:latin typeface="Cambria Math" panose="02040503050406030204" pitchFamily="18" charset="0"/>
+                              <a:ea typeface="Cambria Math" panose="02040503050406030204" pitchFamily="18" charset="0"/>
+                            </a:rPr>
+                            <m:t>ℝ</m:t>
+                          </m:r>
+                        </m:e>
+                        <m:sup>
+                          <m:r>
+                            <a:rPr lang="en-US" i="1">
+                              <a:latin typeface="Cambria Math" panose="02040503050406030204" pitchFamily="18" charset="0"/>
+                              <a:ea typeface="Cambria Math" panose="02040503050406030204" pitchFamily="18" charset="0"/>
+                            </a:rPr>
+                            <m:t>𝑁</m:t>
+                          </m:r>
+                        </m:sup>
+                      </m:sSup>
+                    </m:oMath>
+                  </a14:m>
+                  <a:r>
+                    <a:rPr lang="en-US" dirty="0"/>
+                    <a:t>)</a:t>
                   </a:r>
                   <a:endParaRPr lang="en-US" b="1" dirty="0"/>
                 </a:p>
               </p:txBody>
             </p:sp>
           </mc:Choice>
-          <mc:Fallback xmlns="">
+          <mc:Fallback>
             <p:sp>
               <p:nvSpPr>
                 <p:cNvPr id="16" name="TextBox 15">
@@ -28518,8 +27002,8 @@
               </p:nvSpPr>
               <p:spPr>
                 <a:xfrm>
-                  <a:off x="3954457" y="1831717"/>
-                  <a:ext cx="4778937" cy="731867"/>
+                  <a:off x="3625981" y="1831717"/>
+                  <a:ext cx="5206041" cy="731867"/>
                 </a:xfrm>
                 <a:prstGeom prst="rect">
                   <a:avLst/>
@@ -28527,7 +27011,7 @@
                 <a:blipFill>
                   <a:blip r:embed="rId5"/>
                   <a:stretch>
-                    <a:fillRect l="-1326" r="-2122" b="-5085"/>
+                    <a:fillRect l="-1217" r="-1703" b="-5085"/>
                   </a:stretch>
                 </a:blipFill>
               </p:spPr>
@@ -31322,8 +29806,8 @@
           </p:sp>
         </mc:Fallback>
       </mc:AlternateContent>
-      <mc:AlternateContent xmlns:mc="http://schemas.openxmlformats.org/markup-compatibility/2006" xmlns:a14="http://schemas.microsoft.com/office/drawing/2010/main">
-        <mc:Choice Requires="a14">
+      <mc:AlternateContent xmlns:mc="http://schemas.openxmlformats.org/markup-compatibility/2006">
+        <mc:Choice xmlns:a14="http://schemas.microsoft.com/office/drawing/2010/main" Requires="a14">
           <p:sp>
             <p:nvSpPr>
               <p:cNvPr id="28" name="Rectangle 27">
@@ -31339,7 +29823,7 @@
             <p:spPr>
               <a:xfrm>
                 <a:off x="466077" y="3444499"/>
-                <a:ext cx="5499647" cy="488467"/>
+                <a:ext cx="4922309" cy="457754"/>
               </a:xfrm>
               <a:prstGeom prst="rect">
                 <a:avLst/>
@@ -31436,97 +29920,7 @@
                                 <a:rPr lang="en-US" b="0" i="1" smtClean="0">
                                   <a:latin typeface="Cambria Math" panose="02040503050406030204" pitchFamily="18" charset="0"/>
                                 </a:rPr>
-                                <m:t>|</m:t>
-                              </m:r>
-                              <m:d>
-                                <m:dPr>
-                                  <m:begChr m:val="{"/>
-                                  <m:endChr m:val="}"/>
-                                  <m:ctrlPr>
-                                    <a:rPr lang="en-US" b="0" i="1" smtClean="0">
-                                      <a:latin typeface="Cambria Math" panose="02040503050406030204" pitchFamily="18" charset="0"/>
-                                    </a:rPr>
-                                  </m:ctrlPr>
-                                </m:dPr>
-                                <m:e>
-                                  <m:sSub>
-                                    <m:sSubPr>
-                                      <m:ctrlPr>
-                                        <a:rPr lang="en-US" b="1" i="1">
-                                          <a:latin typeface="Cambria Math" panose="02040503050406030204" pitchFamily="18" charset="0"/>
-                                        </a:rPr>
-                                      </m:ctrlPr>
-                                    </m:sSubPr>
-                                    <m:e>
-                                      <m:r>
-                                        <a:rPr lang="en-US" b="1" i="1">
-                                          <a:latin typeface="Cambria Math" panose="02040503050406030204" pitchFamily="18" charset="0"/>
-                                        </a:rPr>
-                                        <m:t>𝒖</m:t>
-                                      </m:r>
-                                    </m:e>
-                                    <m:sub>
-                                      <m:r>
-                                        <a:rPr lang="en-US" i="1">
-                                          <a:latin typeface="Cambria Math" panose="02040503050406030204" pitchFamily="18" charset="0"/>
-                                        </a:rPr>
-                                        <m:t>1</m:t>
-                                      </m:r>
-                                    </m:sub>
-                                  </m:sSub>
-                                  <m:r>
-                                    <a:rPr lang="en-US" b="1" i="1" smtClean="0">
-                                      <a:latin typeface="Cambria Math" panose="02040503050406030204" pitchFamily="18" charset="0"/>
-                                    </a:rPr>
-                                    <m:t>,</m:t>
-                                  </m:r>
-                                  <m:r>
-                                    <a:rPr lang="en-US" b="1" i="1">
-                                      <a:latin typeface="Cambria Math" panose="02040503050406030204" pitchFamily="18" charset="0"/>
-                                    </a:rPr>
-                                    <m:t>⋯</m:t>
-                                  </m:r>
-                                  <m:r>
-                                    <m:rPr>
-                                      <m:nor/>
-                                    </m:rPr>
-                                    <a:rPr lang="en-US" i="0" smtClean="0">
-                                      <a:latin typeface="Cambria Math" panose="02040503050406030204" pitchFamily="18" charset="0"/>
-                                    </a:rPr>
-                                    <m:t>,</m:t>
-                                  </m:r>
-                                  <m:sSub>
-                                    <m:sSubPr>
-                                      <m:ctrlPr>
-                                        <a:rPr lang="en-US" b="1" i="1" smtClean="0">
-                                          <a:latin typeface="Cambria Math" panose="02040503050406030204" pitchFamily="18" charset="0"/>
-                                        </a:rPr>
-                                      </m:ctrlPr>
-                                    </m:sSubPr>
-                                    <m:e>
-                                      <m:r>
-                                        <a:rPr lang="en-US" b="1" i="1">
-                                          <a:latin typeface="Cambria Math" panose="02040503050406030204" pitchFamily="18" charset="0"/>
-                                        </a:rPr>
-                                        <m:t>𝒖</m:t>
-                                      </m:r>
-                                    </m:e>
-                                    <m:sub>
-                                      <m:r>
-                                        <a:rPr lang="en-US" i="1">
-                                          <a:latin typeface="Cambria Math" panose="02040503050406030204" pitchFamily="18" charset="0"/>
-                                        </a:rPr>
-                                        <m:t>𝐾</m:t>
-                                      </m:r>
-                                    </m:sub>
-                                  </m:sSub>
-                                </m:e>
-                              </m:d>
-                              <m:r>
-                                <a:rPr lang="en-US" b="0" i="1" smtClean="0">
-                                  <a:latin typeface="Cambria Math" panose="02040503050406030204" pitchFamily="18" charset="0"/>
-                                </a:rPr>
-                                <m:t>|</m:t>
+                                <m:t>𝐾</m:t>
                               </m:r>
                             </m:lim>
                           </m:limLow>
@@ -31745,7 +30139,7 @@
             </p:txBody>
           </p:sp>
         </mc:Choice>
-        <mc:Fallback xmlns="">
+        <mc:Fallback>
           <p:sp>
             <p:nvSpPr>
               <p:cNvPr id="28" name="Rectangle 27">
@@ -31763,7 +30157,7 @@
             <p:spPr>
               <a:xfrm>
                 <a:off x="466077" y="3444499"/>
-                <a:ext cx="5499647" cy="488467"/>
+                <a:ext cx="4922309" cy="457754"/>
               </a:xfrm>
               <a:prstGeom prst="rect">
                 <a:avLst/>
@@ -31771,7 +30165,7 @@
               <a:blipFill>
                 <a:blip r:embed="rId7"/>
                 <a:stretch>
-                  <a:fillRect t="-2564" b="-5128"/>
+                  <a:fillRect t="-2703"/>
                 </a:stretch>
               </a:blipFill>
             </p:spPr>
@@ -32373,53 +30767,6 @@
           </a:p>
         </p:txBody>
       </p:sp>
-      <p:pic>
-        <p:nvPicPr>
-          <p:cNvPr id="1028" name="Picture 4" descr="Linear Algebra - in a Nutshell">
-            <a:extLst>
-              <a:ext uri="{FF2B5EF4-FFF2-40B4-BE49-F238E27FC236}">
-                <a16:creationId xmlns:a16="http://schemas.microsoft.com/office/drawing/2014/main" id="{AF6CE0EB-9AE8-B844-B262-836FDD9E7B15}"/>
-              </a:ext>
-            </a:extLst>
-          </p:cNvPr>
-          <p:cNvPicPr>
-            <a:picLocks noChangeAspect="1" noChangeArrowheads="1"/>
-          </p:cNvPicPr>
-          <p:nvPr/>
-        </p:nvPicPr>
-        <p:blipFill>
-          <a:blip r:embed="rId3">
-            <a:extLst>
-              <a:ext uri="{28A0092B-C50C-407E-A947-70E740481C1C}">
-                <a14:useLocalDpi xmlns:a14="http://schemas.microsoft.com/office/drawing/2010/main" val="0"/>
-              </a:ext>
-            </a:extLst>
-          </a:blip>
-          <a:srcRect/>
-          <a:stretch>
-            <a:fillRect/>
-          </a:stretch>
-        </p:blipFill>
-        <p:spPr bwMode="auto">
-          <a:xfrm>
-            <a:off x="2654299" y="932956"/>
-            <a:ext cx="3835400" cy="2044700"/>
-          </a:xfrm>
-          <a:prstGeom prst="rect">
-            <a:avLst/>
-          </a:prstGeom>
-          <a:noFill/>
-          <a:extLst>
-            <a:ext uri="{909E8E84-426E-40DD-AFC4-6F175D3DCCD1}">
-              <a14:hiddenFill xmlns:a14="http://schemas.microsoft.com/office/drawing/2010/main">
-                <a:solidFill>
-                  <a:srgbClr val="FFFFFF"/>
-                </a:solidFill>
-              </a14:hiddenFill>
-            </a:ext>
-          </a:extLst>
-        </p:spPr>
-      </p:pic>
       <p:sp>
         <p:nvSpPr>
           <p:cNvPr id="10" name="TextBox 9">
@@ -32435,7 +30782,7 @@
         <p:spPr>
           <a:xfrm>
             <a:off x="443883" y="3124940"/>
-            <a:ext cx="2877711" cy="369332"/>
+            <a:ext cx="2749471" cy="369332"/>
           </a:xfrm>
           <a:prstGeom prst="rect">
             <a:avLst/>
@@ -32450,7 +30797,7 @@
           <a:p>
             <a:r>
               <a:rPr lang="en-US" dirty="0"/>
-              <a:t>Represent a set of vectors</a:t>
+              <a:t>Matrix as a set of vectors</a:t>
             </a:r>
           </a:p>
         </p:txBody>
@@ -32469,8 +30816,8 @@
         </p:nvSpPr>
         <p:spPr>
           <a:xfrm>
-            <a:off x="3605680" y="3118539"/>
-            <a:ext cx="1479892" cy="369332"/>
+            <a:off x="3286083" y="3118539"/>
+            <a:ext cx="2287806" cy="369332"/>
           </a:xfrm>
           <a:prstGeom prst="rect">
             <a:avLst/>
@@ -32485,7 +30832,7 @@
           <a:p>
             <a:r>
               <a:rPr lang="en-US" dirty="0"/>
-              <a:t>..as columns</a:t>
+              <a:t>..as columns vectors</a:t>
             </a:r>
           </a:p>
         </p:txBody>
@@ -32505,7 +30852,7 @@
         <p:spPr>
           <a:xfrm>
             <a:off x="5848382" y="3127159"/>
-            <a:ext cx="1107996" cy="369332"/>
+            <a:ext cx="1915909" cy="369332"/>
           </a:xfrm>
           <a:prstGeom prst="rect">
             <a:avLst/>
@@ -32520,7 +30867,7 @@
           <a:p>
             <a:r>
               <a:rPr lang="en-US" dirty="0"/>
-              <a:t>..as rows</a:t>
+              <a:t>..as rows vectors</a:t>
             </a:r>
           </a:p>
         </p:txBody>
@@ -33162,8 +31509,8 @@
           </p:sp>
         </mc:Fallback>
       </mc:AlternateContent>
-      <mc:AlternateContent xmlns:mc="http://schemas.openxmlformats.org/markup-compatibility/2006" xmlns:a14="http://schemas.microsoft.com/office/drawing/2010/main">
-        <mc:Choice Requires="a14">
+      <mc:AlternateContent xmlns:mc="http://schemas.openxmlformats.org/markup-compatibility/2006">
+        <mc:Choice xmlns:a14="http://schemas.microsoft.com/office/drawing/2010/main" Requires="a14">
           <p:sp>
             <p:nvSpPr>
               <p:cNvPr id="34" name="TextBox 33">
@@ -33178,7 +31525,7 @@
             </p:nvSpPr>
             <p:spPr>
               <a:xfrm>
-                <a:off x="7602262" y="3542854"/>
+                <a:off x="3525079" y="5431451"/>
                 <a:ext cx="803297" cy="276999"/>
               </a:xfrm>
               <a:prstGeom prst="rect">
@@ -33244,7 +31591,7 @@
             </p:txBody>
           </p:sp>
         </mc:Choice>
-        <mc:Fallback xmlns="">
+        <mc:Fallback>
           <p:sp>
             <p:nvSpPr>
               <p:cNvPr id="34" name="TextBox 33">
@@ -33261,7 +31608,7 @@
             </p:nvSpPr>
             <p:spPr>
               <a:xfrm>
-                <a:off x="7602262" y="3542854"/>
+                <a:off x="3525079" y="5431451"/>
                 <a:ext cx="803297" cy="276999"/>
               </a:xfrm>
               <a:prstGeom prst="rect">
@@ -33270,7 +31617,7 @@
               <a:blipFill>
                 <a:blip r:embed="rId7"/>
                 <a:stretch>
-                  <a:fillRect l="-4688" r="-1563" b="-13043"/>
+                  <a:fillRect l="-4688" r="-1563" b="-8696"/>
                 </a:stretch>
               </a:blipFill>
             </p:spPr>
@@ -33303,8 +31650,8 @@
         </p:nvSpPr>
         <p:spPr>
           <a:xfrm>
-            <a:off x="7370853" y="3137043"/>
-            <a:ext cx="1266116" cy="369332"/>
+            <a:off x="2929685" y="5025640"/>
+            <a:ext cx="2433102" cy="369332"/>
           </a:xfrm>
           <a:prstGeom prst="rect">
             <a:avLst/>
@@ -33319,11 +31666,1039 @@
           <a:p>
             <a:r>
               <a:rPr lang="en-US" dirty="0"/>
-              <a:t>Transpose</a:t>
+              <a:t>Transpose of a </a:t>
+            </a:r>
+            <a:r>
+              <a:rPr lang="en-US" dirty="0" err="1"/>
+              <a:t>matrx</a:t>
+            </a:r>
+            <a:r>
+              <a:rPr lang="en-US" dirty="0"/>
+              <a:t>`</a:t>
             </a:r>
           </a:p>
         </p:txBody>
       </p:sp>
+      <p:grpSp>
+        <p:nvGrpSpPr>
+          <p:cNvPr id="15" name="Group 14">
+            <a:extLst>
+              <a:ext uri="{FF2B5EF4-FFF2-40B4-BE49-F238E27FC236}">
+                <a16:creationId xmlns:a16="http://schemas.microsoft.com/office/drawing/2014/main" id="{8BDF1EEC-6D6C-E14C-9CD2-097C7650DF54}"/>
+              </a:ext>
+            </a:extLst>
+          </p:cNvPr>
+          <p:cNvGrpSpPr/>
+          <p:nvPr/>
+        </p:nvGrpSpPr>
+        <p:grpSpPr>
+          <a:xfrm>
+            <a:off x="2691279" y="1178309"/>
+            <a:ext cx="2679911" cy="1566961"/>
+            <a:chOff x="1167426" y="4852075"/>
+            <a:chExt cx="2679911" cy="1566961"/>
+          </a:xfrm>
+        </p:grpSpPr>
+        <p:pic>
+          <p:nvPicPr>
+            <p:cNvPr id="16" name="Picture 2" descr="Upper Triangular Matrix -- from Wolfram MathWorld">
+              <a:extLst>
+                <a:ext uri="{FF2B5EF4-FFF2-40B4-BE49-F238E27FC236}">
+                  <a16:creationId xmlns:a16="http://schemas.microsoft.com/office/drawing/2014/main" id="{E753EA8C-9653-5746-8627-795A317A210F}"/>
+                </a:ext>
+              </a:extLst>
+            </p:cNvPr>
+            <p:cNvPicPr>
+              <a:picLocks noChangeAspect="1" noChangeArrowheads="1"/>
+            </p:cNvPicPr>
+            <p:nvPr/>
+          </p:nvPicPr>
+          <p:blipFill>
+            <a:blip r:embed="rId8">
+              <a:extLst>
+                <a:ext uri="{28A0092B-C50C-407E-A947-70E740481C1C}">
+                  <a14:useLocalDpi xmlns:a14="http://schemas.microsoft.com/office/drawing/2010/main" val="0"/>
+                </a:ext>
+              </a:extLst>
+            </a:blip>
+            <a:srcRect/>
+            <a:stretch>
+              <a:fillRect/>
+            </a:stretch>
+          </p:blipFill>
+          <p:spPr bwMode="auto">
+            <a:xfrm>
+              <a:off x="1422252" y="5004926"/>
+              <a:ext cx="2425085" cy="1231789"/>
+            </a:xfrm>
+            <a:prstGeom prst="rect">
+              <a:avLst/>
+            </a:prstGeom>
+            <a:noFill/>
+            <a:extLst>
+              <a:ext uri="{909E8E84-426E-40DD-AFC4-6F175D3DCCD1}">
+                <a14:hiddenFill xmlns:a14="http://schemas.microsoft.com/office/drawing/2010/main">
+                  <a:solidFill>
+                    <a:srgbClr val="FFFFFF"/>
+                  </a:solidFill>
+                </a14:hiddenFill>
+              </a:ext>
+            </a:extLst>
+          </p:spPr>
+        </p:pic>
+        <p:sp>
+          <p:nvSpPr>
+            <p:cNvPr id="17" name="Rectangle 16">
+              <a:extLst>
+                <a:ext uri="{FF2B5EF4-FFF2-40B4-BE49-F238E27FC236}">
+                  <a16:creationId xmlns:a16="http://schemas.microsoft.com/office/drawing/2014/main" id="{EA7078AF-BCDA-9E4C-8291-D5D4D718B8C3}"/>
+                </a:ext>
+              </a:extLst>
+            </p:cNvPr>
+            <p:cNvSpPr/>
+            <p:nvPr/>
+          </p:nvSpPr>
+          <p:spPr>
+            <a:xfrm>
+              <a:off x="1167426" y="4852075"/>
+              <a:ext cx="661186" cy="1566961"/>
+            </a:xfrm>
+            <a:prstGeom prst="rect">
+              <a:avLst/>
+            </a:prstGeom>
+            <a:solidFill>
+              <a:schemeClr val="bg1"/>
+            </a:solidFill>
+            <a:ln>
+              <a:noFill/>
+            </a:ln>
+            <a:effectLst>
+              <a:outerShdw dist="23000" sx="1000" sy="1000" rotWithShape="0">
+                <a:srgbClr val="000000"/>
+              </a:outerShdw>
+            </a:effectLst>
+          </p:spPr>
+          <p:style>
+            <a:lnRef idx="1">
+              <a:schemeClr val="accent1"/>
+            </a:lnRef>
+            <a:fillRef idx="3">
+              <a:schemeClr val="accent1"/>
+            </a:fillRef>
+            <a:effectRef idx="2">
+              <a:schemeClr val="accent1"/>
+            </a:effectRef>
+            <a:fontRef idx="minor">
+              <a:schemeClr val="lt1"/>
+            </a:fontRef>
+          </p:style>
+          <p:txBody>
+            <a:bodyPr rtlCol="0" anchor="ctr"/>
+            <a:lstStyle/>
+            <a:p>
+              <a:pPr algn="ctr"/>
+              <a:endParaRPr lang="en-US"/>
+            </a:p>
+          </p:txBody>
+        </p:sp>
+        <mc:AlternateContent xmlns:mc="http://schemas.openxmlformats.org/markup-compatibility/2006">
+          <mc:Choice xmlns:a14="http://schemas.microsoft.com/office/drawing/2010/main" Requires="a14">
+            <p:sp>
+              <p:nvSpPr>
+                <p:cNvPr id="18" name="TextBox 17">
+                  <a:extLst>
+                    <a:ext uri="{FF2B5EF4-FFF2-40B4-BE49-F238E27FC236}">
+                      <a16:creationId xmlns:a16="http://schemas.microsoft.com/office/drawing/2014/main" id="{BCD56BF5-675A-3647-A168-DC351BBE632D}"/>
+                    </a:ext>
+                  </a:extLst>
+                </p:cNvPr>
+                <p:cNvSpPr txBox="1"/>
+                <p:nvPr/>
+              </p:nvSpPr>
+              <p:spPr>
+                <a:xfrm>
+                  <a:off x="3239630" y="4942267"/>
+                  <a:ext cx="563872" cy="338554"/>
+                </a:xfrm>
+                <a:prstGeom prst="rect">
+                  <a:avLst/>
+                </a:prstGeom>
+                <a:solidFill>
+                  <a:schemeClr val="bg1"/>
+                </a:solidFill>
+              </p:spPr>
+              <p:txBody>
+                <a:bodyPr wrap="none" rtlCol="0">
+                  <a:spAutoFit/>
+                </a:bodyPr>
+                <a:lstStyle/>
+                <a:p>
+                  <a14:m>
+                    <m:oMathPara xmlns:m="http://schemas.openxmlformats.org/officeDocument/2006/math">
+                      <m:oMathParaPr>
+                        <m:jc m:val="centerGroup"/>
+                      </m:oMathParaPr>
+                      <m:oMath xmlns:m="http://schemas.openxmlformats.org/officeDocument/2006/math">
+                        <m:sSub>
+                          <m:sSubPr>
+                            <m:ctrlPr>
+                              <a:rPr lang="en-US" sz="1600" b="0" i="1" smtClean="0">
+                                <a:latin typeface="Cambria Math" panose="02040503050406030204" pitchFamily="18" charset="0"/>
+                              </a:rPr>
+                            </m:ctrlPr>
+                          </m:sSubPr>
+                          <m:e>
+                            <m:r>
+                              <a:rPr lang="en-US" sz="1600" b="0" i="1" smtClean="0">
+                                <a:latin typeface="Cambria Math" panose="02040503050406030204" pitchFamily="18" charset="0"/>
+                              </a:rPr>
+                              <m:t>𝑎</m:t>
+                            </m:r>
+                          </m:e>
+                          <m:sub>
+                            <m:r>
+                              <a:rPr lang="en-US" sz="1600" b="0" i="1" smtClean="0">
+                                <a:latin typeface="Cambria Math" panose="02040503050406030204" pitchFamily="18" charset="0"/>
+                              </a:rPr>
+                              <m:t>1</m:t>
+                            </m:r>
+                            <m:r>
+                              <a:rPr lang="en-US" sz="1600" b="0" i="1" smtClean="0">
+                                <a:latin typeface="Cambria Math" panose="02040503050406030204" pitchFamily="18" charset="0"/>
+                              </a:rPr>
+                              <m:t>𝑁</m:t>
+                            </m:r>
+                          </m:sub>
+                        </m:sSub>
+                      </m:oMath>
+                    </m:oMathPara>
+                  </a14:m>
+                  <a:endParaRPr lang="en-US" sz="1600" dirty="0"/>
+                </a:p>
+              </p:txBody>
+            </p:sp>
+          </mc:Choice>
+          <mc:Fallback>
+            <p:sp>
+              <p:nvSpPr>
+                <p:cNvPr id="18" name="TextBox 17">
+                  <a:extLst>
+                    <a:ext uri="{FF2B5EF4-FFF2-40B4-BE49-F238E27FC236}">
+                      <a16:creationId xmlns:a16="http://schemas.microsoft.com/office/drawing/2014/main" id="{BCD56BF5-675A-3647-A168-DC351BBE632D}"/>
+                    </a:ext>
+                  </a:extLst>
+                </p:cNvPr>
+                <p:cNvSpPr txBox="1">
+                  <a:spLocks noRot="1" noChangeAspect="1" noMove="1" noResize="1" noEditPoints="1" noAdjustHandles="1" noChangeArrowheads="1" noChangeShapeType="1" noTextEdit="1"/>
+                </p:cNvSpPr>
+                <p:nvPr/>
+              </p:nvSpPr>
+              <p:spPr>
+                <a:xfrm>
+                  <a:off x="3239630" y="4942267"/>
+                  <a:ext cx="563872" cy="338554"/>
+                </a:xfrm>
+                <a:prstGeom prst="rect">
+                  <a:avLst/>
+                </a:prstGeom>
+                <a:blipFill>
+                  <a:blip r:embed="rId9"/>
+                  <a:stretch>
+                    <a:fillRect b="-3571"/>
+                  </a:stretch>
+                </a:blipFill>
+              </p:spPr>
+              <p:txBody>
+                <a:bodyPr/>
+                <a:lstStyle/>
+                <a:p>
+                  <a:r>
+                    <a:rPr lang="en-US">
+                      <a:noFill/>
+                    </a:rPr>
+                    <a:t> </a:t>
+                  </a:r>
+                </a:p>
+              </p:txBody>
+            </p:sp>
+          </mc:Fallback>
+        </mc:AlternateContent>
+        <mc:AlternateContent xmlns:mc="http://schemas.openxmlformats.org/markup-compatibility/2006">
+          <mc:Choice xmlns:a14="http://schemas.microsoft.com/office/drawing/2010/main" Requires="a14">
+            <p:sp>
+              <p:nvSpPr>
+                <p:cNvPr id="19" name="TextBox 18">
+                  <a:extLst>
+                    <a:ext uri="{FF2B5EF4-FFF2-40B4-BE49-F238E27FC236}">
+                      <a16:creationId xmlns:a16="http://schemas.microsoft.com/office/drawing/2014/main" id="{3114D8E9-A136-A64B-9F5E-8E863299B479}"/>
+                    </a:ext>
+                  </a:extLst>
+                </p:cNvPr>
+                <p:cNvSpPr txBox="1"/>
+                <p:nvPr/>
+              </p:nvSpPr>
+              <p:spPr>
+                <a:xfrm>
+                  <a:off x="3216303" y="5910369"/>
+                  <a:ext cx="613501" cy="338554"/>
+                </a:xfrm>
+                <a:prstGeom prst="rect">
+                  <a:avLst/>
+                </a:prstGeom>
+                <a:solidFill>
+                  <a:schemeClr val="bg1"/>
+                </a:solidFill>
+              </p:spPr>
+              <p:txBody>
+                <a:bodyPr wrap="none" rtlCol="0">
+                  <a:spAutoFit/>
+                </a:bodyPr>
+                <a:lstStyle/>
+                <a:p>
+                  <a14:m>
+                    <m:oMathPara xmlns:m="http://schemas.openxmlformats.org/officeDocument/2006/math">
+                      <m:oMathParaPr>
+                        <m:jc m:val="centerGroup"/>
+                      </m:oMathParaPr>
+                      <m:oMath xmlns:m="http://schemas.openxmlformats.org/officeDocument/2006/math">
+                        <m:sSub>
+                          <m:sSubPr>
+                            <m:ctrlPr>
+                              <a:rPr lang="en-US" sz="1600" b="0" i="1" smtClean="0">
+                                <a:latin typeface="Cambria Math" panose="02040503050406030204" pitchFamily="18" charset="0"/>
+                              </a:rPr>
+                            </m:ctrlPr>
+                          </m:sSubPr>
+                          <m:e>
+                            <m:r>
+                              <a:rPr lang="en-US" sz="1600" b="0" i="1" smtClean="0">
+                                <a:latin typeface="Cambria Math" panose="02040503050406030204" pitchFamily="18" charset="0"/>
+                              </a:rPr>
+                              <m:t>𝑎</m:t>
+                            </m:r>
+                          </m:e>
+                          <m:sub>
+                            <m:r>
+                              <a:rPr lang="en-US" sz="1600" b="0" i="1" smtClean="0">
+                                <a:latin typeface="Cambria Math" panose="02040503050406030204" pitchFamily="18" charset="0"/>
+                              </a:rPr>
+                              <m:t>𝑀𝑁</m:t>
+                            </m:r>
+                          </m:sub>
+                        </m:sSub>
+                      </m:oMath>
+                    </m:oMathPara>
+                  </a14:m>
+                  <a:endParaRPr lang="en-US" sz="1600" dirty="0"/>
+                </a:p>
+              </p:txBody>
+            </p:sp>
+          </mc:Choice>
+          <mc:Fallback>
+            <p:sp>
+              <p:nvSpPr>
+                <p:cNvPr id="19" name="TextBox 18">
+                  <a:extLst>
+                    <a:ext uri="{FF2B5EF4-FFF2-40B4-BE49-F238E27FC236}">
+                      <a16:creationId xmlns:a16="http://schemas.microsoft.com/office/drawing/2014/main" id="{3114D8E9-A136-A64B-9F5E-8E863299B479}"/>
+                    </a:ext>
+                  </a:extLst>
+                </p:cNvPr>
+                <p:cNvSpPr txBox="1">
+                  <a:spLocks noRot="1" noChangeAspect="1" noMove="1" noResize="1" noEditPoints="1" noAdjustHandles="1" noChangeArrowheads="1" noChangeShapeType="1" noTextEdit="1"/>
+                </p:cNvSpPr>
+                <p:nvPr/>
+              </p:nvSpPr>
+              <p:spPr>
+                <a:xfrm>
+                  <a:off x="3216303" y="5910369"/>
+                  <a:ext cx="613501" cy="338554"/>
+                </a:xfrm>
+                <a:prstGeom prst="rect">
+                  <a:avLst/>
+                </a:prstGeom>
+                <a:blipFill>
+                  <a:blip r:embed="rId10"/>
+                  <a:stretch>
+                    <a:fillRect b="-3704"/>
+                  </a:stretch>
+                </a:blipFill>
+              </p:spPr>
+              <p:txBody>
+                <a:bodyPr/>
+                <a:lstStyle/>
+                <a:p>
+                  <a:r>
+                    <a:rPr lang="en-US">
+                      <a:noFill/>
+                    </a:rPr>
+                    <a:t> </a:t>
+                  </a:r>
+                </a:p>
+              </p:txBody>
+            </p:sp>
+          </mc:Fallback>
+        </mc:AlternateContent>
+      </p:grpSp>
+      <mc:AlternateContent xmlns:mc="http://schemas.openxmlformats.org/markup-compatibility/2006">
+        <mc:Choice xmlns:a14="http://schemas.microsoft.com/office/drawing/2010/main" Requires="a14">
+          <p:sp>
+            <p:nvSpPr>
+              <p:cNvPr id="3" name="TextBox 2">
+                <a:extLst>
+                  <a:ext uri="{FF2B5EF4-FFF2-40B4-BE49-F238E27FC236}">
+                    <a16:creationId xmlns:a16="http://schemas.microsoft.com/office/drawing/2014/main" id="{B7C1CA2F-0641-2143-BBDA-10C1670B0A81}"/>
+                  </a:ext>
+                </a:extLst>
+              </p:cNvPr>
+              <p:cNvSpPr txBox="1"/>
+              <p:nvPr/>
+            </p:nvSpPr>
+            <p:spPr>
+              <a:xfrm>
+                <a:off x="3760637" y="926020"/>
+                <a:ext cx="1269130" cy="369332"/>
+              </a:xfrm>
+              <a:prstGeom prst="rect">
+                <a:avLst/>
+              </a:prstGeom>
+              <a:noFill/>
+            </p:spPr>
+            <p:txBody>
+              <a:bodyPr wrap="none" rtlCol="0">
+                <a:spAutoFit/>
+              </a:bodyPr>
+              <a:lstStyle/>
+              <a:p>
+                <a14:m>
+                  <m:oMath xmlns:m="http://schemas.openxmlformats.org/officeDocument/2006/math">
+                    <m:r>
+                      <a:rPr lang="en-US" b="0" i="1" smtClean="0">
+                        <a:latin typeface="Cambria Math" panose="02040503050406030204" pitchFamily="18" charset="0"/>
+                      </a:rPr>
+                      <m:t>𝑁</m:t>
+                    </m:r>
+                    <m:r>
+                      <a:rPr lang="en-US" b="0" i="1" smtClean="0">
+                        <a:latin typeface="Cambria Math" panose="02040503050406030204" pitchFamily="18" charset="0"/>
+                      </a:rPr>
+                      <m:t> </m:t>
+                    </m:r>
+                  </m:oMath>
+                </a14:m>
+                <a:r>
+                  <a:rPr lang="en-US" dirty="0"/>
+                  <a:t>columns</a:t>
+                </a:r>
+              </a:p>
+            </p:txBody>
+          </p:sp>
+        </mc:Choice>
+        <mc:Fallback>
+          <p:sp>
+            <p:nvSpPr>
+              <p:cNvPr id="3" name="TextBox 2">
+                <a:extLst>
+                  <a:ext uri="{FF2B5EF4-FFF2-40B4-BE49-F238E27FC236}">
+                    <a16:creationId xmlns:a16="http://schemas.microsoft.com/office/drawing/2014/main" id="{B7C1CA2F-0641-2143-BBDA-10C1670B0A81}"/>
+                  </a:ext>
+                </a:extLst>
+              </p:cNvPr>
+              <p:cNvSpPr txBox="1">
+                <a:spLocks noRot="1" noChangeAspect="1" noMove="1" noResize="1" noEditPoints="1" noAdjustHandles="1" noChangeArrowheads="1" noChangeShapeType="1" noTextEdit="1"/>
+              </p:cNvSpPr>
+              <p:nvPr/>
+            </p:nvSpPr>
+            <p:spPr>
+              <a:xfrm>
+                <a:off x="3760637" y="926020"/>
+                <a:ext cx="1269130" cy="369332"/>
+              </a:xfrm>
+              <a:prstGeom prst="rect">
+                <a:avLst/>
+              </a:prstGeom>
+              <a:blipFill>
+                <a:blip r:embed="rId11"/>
+                <a:stretch>
+                  <a:fillRect t="-6667" r="-3000" b="-26667"/>
+                </a:stretch>
+              </a:blipFill>
+            </p:spPr>
+            <p:txBody>
+              <a:bodyPr/>
+              <a:lstStyle/>
+              <a:p>
+                <a:r>
+                  <a:rPr lang="en-US">
+                    <a:noFill/>
+                  </a:rPr>
+                  <a:t> </a:t>
+                </a:r>
+              </a:p>
+            </p:txBody>
+          </p:sp>
+        </mc:Fallback>
+      </mc:AlternateContent>
+      <mc:AlternateContent xmlns:mc="http://schemas.openxmlformats.org/markup-compatibility/2006">
+        <mc:Choice xmlns:a14="http://schemas.microsoft.com/office/drawing/2010/main" Requires="a14">
+          <p:sp>
+            <p:nvSpPr>
+              <p:cNvPr id="20" name="TextBox 19">
+                <a:extLst>
+                  <a:ext uri="{FF2B5EF4-FFF2-40B4-BE49-F238E27FC236}">
+                    <a16:creationId xmlns:a16="http://schemas.microsoft.com/office/drawing/2014/main" id="{FCB96ABB-31FA-6944-B8CA-BBD2CDF2C4F6}"/>
+                  </a:ext>
+                </a:extLst>
+              </p:cNvPr>
+              <p:cNvSpPr txBox="1"/>
+              <p:nvPr/>
+            </p:nvSpPr>
+            <p:spPr>
+              <a:xfrm>
+                <a:off x="5535499" y="1778897"/>
+                <a:ext cx="926087" cy="369332"/>
+              </a:xfrm>
+              <a:prstGeom prst="rect">
+                <a:avLst/>
+              </a:prstGeom>
+              <a:noFill/>
+            </p:spPr>
+            <p:txBody>
+              <a:bodyPr wrap="none" rtlCol="0">
+                <a:spAutoFit/>
+              </a:bodyPr>
+              <a:lstStyle/>
+              <a:p>
+                <a14:m>
+                  <m:oMath xmlns:m="http://schemas.openxmlformats.org/officeDocument/2006/math">
+                    <m:r>
+                      <a:rPr lang="en-US" b="0" i="1" smtClean="0">
+                        <a:latin typeface="Cambria Math" panose="02040503050406030204" pitchFamily="18" charset="0"/>
+                      </a:rPr>
+                      <m:t>𝑀</m:t>
+                    </m:r>
+                    <m:r>
+                      <a:rPr lang="en-US" b="0" i="1" smtClean="0">
+                        <a:latin typeface="Cambria Math" panose="02040503050406030204" pitchFamily="18" charset="0"/>
+                      </a:rPr>
+                      <m:t> </m:t>
+                    </m:r>
+                  </m:oMath>
+                </a14:m>
+                <a:r>
+                  <a:rPr lang="en-US" dirty="0"/>
+                  <a:t>rows</a:t>
+                </a:r>
+              </a:p>
+            </p:txBody>
+          </p:sp>
+        </mc:Choice>
+        <mc:Fallback>
+          <p:sp>
+            <p:nvSpPr>
+              <p:cNvPr id="20" name="TextBox 19">
+                <a:extLst>
+                  <a:ext uri="{FF2B5EF4-FFF2-40B4-BE49-F238E27FC236}">
+                    <a16:creationId xmlns:a16="http://schemas.microsoft.com/office/drawing/2014/main" id="{FCB96ABB-31FA-6944-B8CA-BBD2CDF2C4F6}"/>
+                  </a:ext>
+                </a:extLst>
+              </p:cNvPr>
+              <p:cNvSpPr txBox="1">
+                <a:spLocks noRot="1" noChangeAspect="1" noMove="1" noResize="1" noEditPoints="1" noAdjustHandles="1" noChangeArrowheads="1" noChangeShapeType="1" noTextEdit="1"/>
+              </p:cNvSpPr>
+              <p:nvPr/>
+            </p:nvSpPr>
+            <p:spPr>
+              <a:xfrm>
+                <a:off x="5535499" y="1778897"/>
+                <a:ext cx="926087" cy="369332"/>
+              </a:xfrm>
+              <a:prstGeom prst="rect">
+                <a:avLst/>
+              </a:prstGeom>
+              <a:blipFill>
+                <a:blip r:embed="rId12"/>
+                <a:stretch>
+                  <a:fillRect t="-10345" r="-5405" b="-31034"/>
+                </a:stretch>
+              </a:blipFill>
+            </p:spPr>
+            <p:txBody>
+              <a:bodyPr/>
+              <a:lstStyle/>
+              <a:p>
+                <a:r>
+                  <a:rPr lang="en-US">
+                    <a:noFill/>
+                  </a:rPr>
+                  <a:t> </a:t>
+                </a:r>
+              </a:p>
+            </p:txBody>
+          </p:sp>
+        </mc:Fallback>
+      </mc:AlternateContent>
+      <mc:AlternateContent xmlns:mc="http://schemas.openxmlformats.org/markup-compatibility/2006">
+        <mc:Choice xmlns:a14="http://schemas.microsoft.com/office/drawing/2010/main" Requires="a14">
+          <p:sp>
+            <p:nvSpPr>
+              <p:cNvPr id="21" name="TextBox 20">
+                <a:extLst>
+                  <a:ext uri="{FF2B5EF4-FFF2-40B4-BE49-F238E27FC236}">
+                    <a16:creationId xmlns:a16="http://schemas.microsoft.com/office/drawing/2014/main" id="{196E0E7F-6509-8541-A54F-F2514C09E8A6}"/>
+                  </a:ext>
+                </a:extLst>
+              </p:cNvPr>
+              <p:cNvSpPr txBox="1"/>
+              <p:nvPr/>
+            </p:nvSpPr>
+            <p:spPr>
+              <a:xfrm>
+                <a:off x="2528325" y="1745555"/>
+                <a:ext cx="634148" cy="369332"/>
+              </a:xfrm>
+              <a:prstGeom prst="rect">
+                <a:avLst/>
+              </a:prstGeom>
+              <a:noFill/>
+            </p:spPr>
+            <p:txBody>
+              <a:bodyPr wrap="none" rtlCol="0">
+                <a:spAutoFit/>
+              </a:bodyPr>
+              <a:lstStyle/>
+              <a:p>
+                <a14:m>
+                  <m:oMathPara xmlns:m="http://schemas.openxmlformats.org/officeDocument/2006/math">
+                    <m:oMathParaPr>
+                      <m:jc m:val="centerGroup"/>
+                    </m:oMathParaPr>
+                    <m:oMath xmlns:m="http://schemas.openxmlformats.org/officeDocument/2006/math">
+                      <m:r>
+                        <a:rPr lang="en-US" b="0" i="1" smtClean="0">
+                          <a:latin typeface="Cambria Math" panose="02040503050406030204" pitchFamily="18" charset="0"/>
+                        </a:rPr>
+                        <m:t>𝐴</m:t>
+                      </m:r>
+                      <m:r>
+                        <a:rPr lang="en-US" b="0" i="1" smtClean="0">
+                          <a:latin typeface="Cambria Math" panose="02040503050406030204" pitchFamily="18" charset="0"/>
+                        </a:rPr>
+                        <m:t>=</m:t>
+                      </m:r>
+                    </m:oMath>
+                  </m:oMathPara>
+                </a14:m>
+                <a:endParaRPr lang="en-US" dirty="0"/>
+              </a:p>
+            </p:txBody>
+          </p:sp>
+        </mc:Choice>
+        <mc:Fallback>
+          <p:sp>
+            <p:nvSpPr>
+              <p:cNvPr id="21" name="TextBox 20">
+                <a:extLst>
+                  <a:ext uri="{FF2B5EF4-FFF2-40B4-BE49-F238E27FC236}">
+                    <a16:creationId xmlns:a16="http://schemas.microsoft.com/office/drawing/2014/main" id="{196E0E7F-6509-8541-A54F-F2514C09E8A6}"/>
+                  </a:ext>
+                </a:extLst>
+              </p:cNvPr>
+              <p:cNvSpPr txBox="1">
+                <a:spLocks noRot="1" noChangeAspect="1" noMove="1" noResize="1" noEditPoints="1" noAdjustHandles="1" noChangeArrowheads="1" noChangeShapeType="1" noTextEdit="1"/>
+              </p:cNvSpPr>
+              <p:nvPr/>
+            </p:nvSpPr>
+            <p:spPr>
+              <a:xfrm>
+                <a:off x="2528325" y="1745555"/>
+                <a:ext cx="634148" cy="369332"/>
+              </a:xfrm>
+              <a:prstGeom prst="rect">
+                <a:avLst/>
+              </a:prstGeom>
+              <a:blipFill>
+                <a:blip r:embed="rId13"/>
+                <a:stretch>
+                  <a:fillRect/>
+                </a:stretch>
+              </a:blipFill>
+            </p:spPr>
+            <p:txBody>
+              <a:bodyPr/>
+              <a:lstStyle/>
+              <a:p>
+                <a:r>
+                  <a:rPr lang="en-US">
+                    <a:noFill/>
+                  </a:rPr>
+                  <a:t> </a:t>
+                </a:r>
+              </a:p>
+            </p:txBody>
+          </p:sp>
+        </mc:Fallback>
+      </mc:AlternateContent>
+      <mc:AlternateContent xmlns:mc="http://schemas.openxmlformats.org/markup-compatibility/2006">
+        <mc:Choice xmlns:a14="http://schemas.microsoft.com/office/drawing/2010/main" Requires="a14">
+          <p:sp>
+            <p:nvSpPr>
+              <p:cNvPr id="22" name="TextBox 21">
+                <a:extLst>
+                  <a:ext uri="{FF2B5EF4-FFF2-40B4-BE49-F238E27FC236}">
+                    <a16:creationId xmlns:a16="http://schemas.microsoft.com/office/drawing/2014/main" id="{6361245A-8B14-3247-A984-840A8AEFE6D4}"/>
+                  </a:ext>
+                </a:extLst>
+              </p:cNvPr>
+              <p:cNvSpPr txBox="1"/>
+              <p:nvPr/>
+            </p:nvSpPr>
+            <p:spPr>
+              <a:xfrm>
+                <a:off x="3463586" y="2230499"/>
+                <a:ext cx="582724" cy="338554"/>
+              </a:xfrm>
+              <a:prstGeom prst="rect">
+                <a:avLst/>
+              </a:prstGeom>
+              <a:solidFill>
+                <a:schemeClr val="bg1"/>
+              </a:solidFill>
+            </p:spPr>
+            <p:txBody>
+              <a:bodyPr wrap="none" rtlCol="0">
+                <a:spAutoFit/>
+              </a:bodyPr>
+              <a:lstStyle/>
+              <a:p>
+                <a14:m>
+                  <m:oMathPara xmlns:m="http://schemas.openxmlformats.org/officeDocument/2006/math">
+                    <m:oMathParaPr>
+                      <m:jc m:val="centerGroup"/>
+                    </m:oMathParaPr>
+                    <m:oMath xmlns:m="http://schemas.openxmlformats.org/officeDocument/2006/math">
+                      <m:sSub>
+                        <m:sSubPr>
+                          <m:ctrlPr>
+                            <a:rPr lang="en-US" sz="1600" b="0" i="1" smtClean="0">
+                              <a:latin typeface="Cambria Math" panose="02040503050406030204" pitchFamily="18" charset="0"/>
+                            </a:rPr>
+                          </m:ctrlPr>
+                        </m:sSubPr>
+                        <m:e>
+                          <m:r>
+                            <a:rPr lang="en-US" sz="1600" b="0" i="1" smtClean="0">
+                              <a:latin typeface="Cambria Math" panose="02040503050406030204" pitchFamily="18" charset="0"/>
+                            </a:rPr>
+                            <m:t>𝑎</m:t>
+                          </m:r>
+                        </m:e>
+                        <m:sub>
+                          <m:r>
+                            <a:rPr lang="en-US" sz="1600" b="0" i="1" smtClean="0">
+                              <a:latin typeface="Cambria Math" panose="02040503050406030204" pitchFamily="18" charset="0"/>
+                            </a:rPr>
+                            <m:t>𝑀</m:t>
+                          </m:r>
+                          <m:r>
+                            <a:rPr lang="en-US" sz="1600" b="0" i="1" smtClean="0">
+                              <a:latin typeface="Cambria Math" panose="02040503050406030204" pitchFamily="18" charset="0"/>
+                            </a:rPr>
+                            <m:t>1</m:t>
+                          </m:r>
+                        </m:sub>
+                      </m:sSub>
+                    </m:oMath>
+                  </m:oMathPara>
+                </a14:m>
+                <a:endParaRPr lang="en-US" sz="1600" dirty="0"/>
+              </a:p>
+            </p:txBody>
+          </p:sp>
+        </mc:Choice>
+        <mc:Fallback>
+          <p:sp>
+            <p:nvSpPr>
+              <p:cNvPr id="22" name="TextBox 21">
+                <a:extLst>
+                  <a:ext uri="{FF2B5EF4-FFF2-40B4-BE49-F238E27FC236}">
+                    <a16:creationId xmlns:a16="http://schemas.microsoft.com/office/drawing/2014/main" id="{6361245A-8B14-3247-A984-840A8AEFE6D4}"/>
+                  </a:ext>
+                </a:extLst>
+              </p:cNvPr>
+              <p:cNvSpPr txBox="1">
+                <a:spLocks noRot="1" noChangeAspect="1" noMove="1" noResize="1" noEditPoints="1" noAdjustHandles="1" noChangeArrowheads="1" noChangeShapeType="1" noTextEdit="1"/>
+              </p:cNvSpPr>
+              <p:nvPr/>
+            </p:nvSpPr>
+            <p:spPr>
+              <a:xfrm>
+                <a:off x="3463586" y="2230499"/>
+                <a:ext cx="582724" cy="338554"/>
+              </a:xfrm>
+              <a:prstGeom prst="rect">
+                <a:avLst/>
+              </a:prstGeom>
+              <a:blipFill>
+                <a:blip r:embed="rId14"/>
+                <a:stretch>
+                  <a:fillRect/>
+                </a:stretch>
+              </a:blipFill>
+            </p:spPr>
+            <p:txBody>
+              <a:bodyPr/>
+              <a:lstStyle/>
+              <a:p>
+                <a:r>
+                  <a:rPr lang="en-US">
+                    <a:noFill/>
+                  </a:rPr>
+                  <a:t> </a:t>
+                </a:r>
+              </a:p>
+            </p:txBody>
+          </p:sp>
+        </mc:Fallback>
+      </mc:AlternateContent>
+      <mc:AlternateContent xmlns:mc="http://schemas.openxmlformats.org/markup-compatibility/2006">
+        <mc:Choice xmlns:a14="http://schemas.microsoft.com/office/drawing/2010/main" Requires="a14">
+          <p:sp>
+            <p:nvSpPr>
+              <p:cNvPr id="23" name="TextBox 22">
+                <a:extLst>
+                  <a:ext uri="{FF2B5EF4-FFF2-40B4-BE49-F238E27FC236}">
+                    <a16:creationId xmlns:a16="http://schemas.microsoft.com/office/drawing/2014/main" id="{55C49839-3A15-2F4A-9EFA-611E6E1A3D6E}"/>
+                  </a:ext>
+                </a:extLst>
+              </p:cNvPr>
+              <p:cNvSpPr txBox="1"/>
+              <p:nvPr/>
+            </p:nvSpPr>
+            <p:spPr>
+              <a:xfrm>
+                <a:off x="4010382" y="2257333"/>
+                <a:ext cx="582724" cy="338554"/>
+              </a:xfrm>
+              <a:prstGeom prst="rect">
+                <a:avLst/>
+              </a:prstGeom>
+              <a:solidFill>
+                <a:schemeClr val="bg1"/>
+              </a:solidFill>
+            </p:spPr>
+            <p:txBody>
+              <a:bodyPr wrap="none" rtlCol="0">
+                <a:spAutoFit/>
+              </a:bodyPr>
+              <a:lstStyle/>
+              <a:p>
+                <a14:m>
+                  <m:oMathPara xmlns:m="http://schemas.openxmlformats.org/officeDocument/2006/math">
+                    <m:oMathParaPr>
+                      <m:jc m:val="centerGroup"/>
+                    </m:oMathParaPr>
+                    <m:oMath xmlns:m="http://schemas.openxmlformats.org/officeDocument/2006/math">
+                      <m:sSub>
+                        <m:sSubPr>
+                          <m:ctrlPr>
+                            <a:rPr lang="en-US" sz="1600" b="0" i="1" smtClean="0">
+                              <a:latin typeface="Cambria Math" panose="02040503050406030204" pitchFamily="18" charset="0"/>
+                            </a:rPr>
+                          </m:ctrlPr>
+                        </m:sSubPr>
+                        <m:e>
+                          <m:r>
+                            <a:rPr lang="en-US" sz="1600" b="0" i="1" smtClean="0">
+                              <a:latin typeface="Cambria Math" panose="02040503050406030204" pitchFamily="18" charset="0"/>
+                            </a:rPr>
+                            <m:t>𝑎</m:t>
+                          </m:r>
+                        </m:e>
+                        <m:sub>
+                          <m:r>
+                            <a:rPr lang="en-US" sz="1600" b="0" i="1" smtClean="0">
+                              <a:latin typeface="Cambria Math" panose="02040503050406030204" pitchFamily="18" charset="0"/>
+                            </a:rPr>
+                            <m:t>𝑀</m:t>
+                          </m:r>
+                          <m:r>
+                            <a:rPr lang="en-US" sz="1600" b="0" i="1" smtClean="0">
+                              <a:latin typeface="Cambria Math" panose="02040503050406030204" pitchFamily="18" charset="0"/>
+                            </a:rPr>
+                            <m:t>2</m:t>
+                          </m:r>
+                        </m:sub>
+                      </m:sSub>
+                    </m:oMath>
+                  </m:oMathPara>
+                </a14:m>
+                <a:endParaRPr lang="en-US" sz="1600" dirty="0"/>
+              </a:p>
+            </p:txBody>
+          </p:sp>
+        </mc:Choice>
+        <mc:Fallback>
+          <p:sp>
+            <p:nvSpPr>
+              <p:cNvPr id="23" name="TextBox 22">
+                <a:extLst>
+                  <a:ext uri="{FF2B5EF4-FFF2-40B4-BE49-F238E27FC236}">
+                    <a16:creationId xmlns:a16="http://schemas.microsoft.com/office/drawing/2014/main" id="{55C49839-3A15-2F4A-9EFA-611E6E1A3D6E}"/>
+                  </a:ext>
+                </a:extLst>
+              </p:cNvPr>
+              <p:cNvSpPr txBox="1">
+                <a:spLocks noRot="1" noChangeAspect="1" noMove="1" noResize="1" noEditPoints="1" noAdjustHandles="1" noChangeArrowheads="1" noChangeShapeType="1" noTextEdit="1"/>
+              </p:cNvSpPr>
+              <p:nvPr/>
+            </p:nvSpPr>
+            <p:spPr>
+              <a:xfrm>
+                <a:off x="4010382" y="2257333"/>
+                <a:ext cx="582724" cy="338554"/>
+              </a:xfrm>
+              <a:prstGeom prst="rect">
+                <a:avLst/>
+              </a:prstGeom>
+              <a:blipFill>
+                <a:blip r:embed="rId15"/>
+                <a:stretch>
+                  <a:fillRect/>
+                </a:stretch>
+              </a:blipFill>
+            </p:spPr>
+            <p:txBody>
+              <a:bodyPr/>
+              <a:lstStyle/>
+              <a:p>
+                <a:r>
+                  <a:rPr lang="en-US">
+                    <a:noFill/>
+                  </a:rPr>
+                  <a:t> </a:t>
+                </a:r>
+              </a:p>
+            </p:txBody>
+          </p:sp>
+        </mc:Fallback>
+      </mc:AlternateContent>
+      <mc:AlternateContent xmlns:mc="http://schemas.openxmlformats.org/markup-compatibility/2006">
+        <mc:Choice xmlns:a14="http://schemas.microsoft.com/office/drawing/2010/main" Requires="a14">
+          <p:sp>
+            <p:nvSpPr>
+              <p:cNvPr id="24" name="TextBox 23">
+                <a:extLst>
+                  <a:ext uri="{FF2B5EF4-FFF2-40B4-BE49-F238E27FC236}">
+                    <a16:creationId xmlns:a16="http://schemas.microsoft.com/office/drawing/2014/main" id="{0F212EFC-A092-E748-AE4A-DAC1F7894A41}"/>
+                  </a:ext>
+                </a:extLst>
+              </p:cNvPr>
+              <p:cNvSpPr txBox="1"/>
+              <p:nvPr/>
+            </p:nvSpPr>
+            <p:spPr>
+              <a:xfrm>
+                <a:off x="3444551" y="1584859"/>
+                <a:ext cx="537840" cy="338554"/>
+              </a:xfrm>
+              <a:prstGeom prst="rect">
+                <a:avLst/>
+              </a:prstGeom>
+              <a:solidFill>
+                <a:schemeClr val="bg1"/>
+              </a:solidFill>
+            </p:spPr>
+            <p:txBody>
+              <a:bodyPr wrap="none" rtlCol="0">
+                <a:spAutoFit/>
+              </a:bodyPr>
+              <a:lstStyle/>
+              <a:p>
+                <a14:m>
+                  <m:oMathPara xmlns:m="http://schemas.openxmlformats.org/officeDocument/2006/math">
+                    <m:oMathParaPr>
+                      <m:jc m:val="centerGroup"/>
+                    </m:oMathParaPr>
+                    <m:oMath xmlns:m="http://schemas.openxmlformats.org/officeDocument/2006/math">
+                      <m:sSub>
+                        <m:sSubPr>
+                          <m:ctrlPr>
+                            <a:rPr lang="en-US" sz="1600" b="0" i="1" smtClean="0">
+                              <a:latin typeface="Cambria Math" panose="02040503050406030204" pitchFamily="18" charset="0"/>
+                            </a:rPr>
+                          </m:ctrlPr>
+                        </m:sSubPr>
+                        <m:e>
+                          <m:r>
+                            <a:rPr lang="en-US" sz="1600" b="0" i="1" smtClean="0">
+                              <a:latin typeface="Cambria Math" panose="02040503050406030204" pitchFamily="18" charset="0"/>
+                            </a:rPr>
+                            <m:t>𝑎</m:t>
+                          </m:r>
+                        </m:e>
+                        <m:sub>
+                          <m:r>
+                            <a:rPr lang="en-US" sz="1600" b="0" i="1" smtClean="0">
+                              <a:latin typeface="Cambria Math" panose="02040503050406030204" pitchFamily="18" charset="0"/>
+                            </a:rPr>
+                            <m:t>21</m:t>
+                          </m:r>
+                        </m:sub>
+                      </m:sSub>
+                    </m:oMath>
+                  </m:oMathPara>
+                </a14:m>
+                <a:endParaRPr lang="en-US" sz="1600" dirty="0"/>
+              </a:p>
+            </p:txBody>
+          </p:sp>
+        </mc:Choice>
+        <mc:Fallback>
+          <p:sp>
+            <p:nvSpPr>
+              <p:cNvPr id="24" name="TextBox 23">
+                <a:extLst>
+                  <a:ext uri="{FF2B5EF4-FFF2-40B4-BE49-F238E27FC236}">
+                    <a16:creationId xmlns:a16="http://schemas.microsoft.com/office/drawing/2014/main" id="{0F212EFC-A092-E748-AE4A-DAC1F7894A41}"/>
+                  </a:ext>
+                </a:extLst>
+              </p:cNvPr>
+              <p:cNvSpPr txBox="1">
+                <a:spLocks noRot="1" noChangeAspect="1" noMove="1" noResize="1" noEditPoints="1" noAdjustHandles="1" noChangeArrowheads="1" noChangeShapeType="1" noTextEdit="1"/>
+              </p:cNvSpPr>
+              <p:nvPr/>
+            </p:nvSpPr>
+            <p:spPr>
+              <a:xfrm>
+                <a:off x="3444551" y="1584859"/>
+                <a:ext cx="537840" cy="338554"/>
+              </a:xfrm>
+              <a:prstGeom prst="rect">
+                <a:avLst/>
+              </a:prstGeom>
+              <a:blipFill>
+                <a:blip r:embed="rId16"/>
+                <a:stretch>
+                  <a:fillRect/>
+                </a:stretch>
+              </a:blipFill>
+            </p:spPr>
+            <p:txBody>
+              <a:bodyPr/>
+              <a:lstStyle/>
+              <a:p>
+                <a:r>
+                  <a:rPr lang="en-US">
+                    <a:noFill/>
+                  </a:rPr>
+                  <a:t> </a:t>
+                </a:r>
+              </a:p>
+            </p:txBody>
+          </p:sp>
+        </mc:Fallback>
+      </mc:AlternateContent>
     </p:spTree>
     <p:extLst>
       <p:ext uri="{BB962C8B-B14F-4D97-AF65-F5344CB8AC3E}">
@@ -39117,8 +38492,8 @@
           </p:txBody>
         </p:sp>
       </p:grpSp>
-      <mc:AlternateContent xmlns:mc="http://schemas.openxmlformats.org/markup-compatibility/2006" xmlns:a14="http://schemas.microsoft.com/office/drawing/2010/main">
-        <mc:Choice Requires="a14">
+      <mc:AlternateContent xmlns:mc="http://schemas.openxmlformats.org/markup-compatibility/2006">
+        <mc:Choice xmlns:a14="http://schemas.microsoft.com/office/drawing/2010/main" Requires="a14">
           <p:sp>
             <p:nvSpPr>
               <p:cNvPr id="79" name="TextBox 78">
@@ -39134,7 +38509,7 @@
             <p:spPr>
               <a:xfrm>
                 <a:off x="4442121" y="3912240"/>
-                <a:ext cx="4460901" cy="338554"/>
+                <a:ext cx="4495205" cy="338554"/>
               </a:xfrm>
               <a:prstGeom prst="rect">
                 <a:avLst/>
@@ -39156,25 +38531,28 @@
                     <m:sSup>
                       <m:sSupPr>
                         <m:ctrlPr>
-                          <a:rPr lang="en-US" sz="1600" b="1" i="1" smtClean="0">
+                          <a:rPr lang="en-US" sz="1600" i="1">
                             <a:latin typeface="Cambria Math" panose="02040503050406030204" pitchFamily="18" charset="0"/>
+                            <a:ea typeface="Cambria Math" panose="02040503050406030204" pitchFamily="18" charset="0"/>
                           </a:rPr>
                         </m:ctrlPr>
                       </m:sSupPr>
                       <m:e>
                         <m:r>
-                          <a:rPr lang="en-US" sz="1600" b="1" i="1" smtClean="0">
+                          <a:rPr lang="en-US" sz="1600" i="1">
                             <a:latin typeface="Cambria Math" panose="02040503050406030204" pitchFamily="18" charset="0"/>
+                            <a:ea typeface="Cambria Math" panose="02040503050406030204" pitchFamily="18" charset="0"/>
                           </a:rPr>
-                          <m:t>𝑹</m:t>
+                          <m:t>ℝ</m:t>
                         </m:r>
                       </m:e>
                       <m:sup>
                         <m:r>
-                          <a:rPr lang="en-US" sz="1600" b="1" i="1" smtClean="0">
+                          <a:rPr lang="en-US" sz="1600" i="1">
                             <a:latin typeface="Cambria Math" panose="02040503050406030204" pitchFamily="18" charset="0"/>
+                            <a:ea typeface="Cambria Math" panose="02040503050406030204" pitchFamily="18" charset="0"/>
                           </a:rPr>
-                          <m:t>𝒏</m:t>
+                          <m:t>𝑁</m:t>
                         </m:r>
                       </m:sup>
                     </m:sSup>
@@ -39182,32 +38560,35 @@
                 </a14:m>
                 <a:r>
                   <a:rPr lang="en-US" sz="1600" b="1" dirty="0"/>
-                  <a:t> (# col) to </a:t>
+                  <a:t>(# col) to </a:t>
                 </a:r>
                 <a14:m>
                   <m:oMath xmlns:m="http://schemas.openxmlformats.org/officeDocument/2006/math">
                     <m:sSup>
                       <m:sSupPr>
                         <m:ctrlPr>
-                          <a:rPr lang="en-US" sz="1600" b="1" i="1" smtClean="0">
+                          <a:rPr lang="en-US" sz="1600" i="1">
                             <a:latin typeface="Cambria Math" panose="02040503050406030204" pitchFamily="18" charset="0"/>
+                            <a:ea typeface="Cambria Math" panose="02040503050406030204" pitchFamily="18" charset="0"/>
                           </a:rPr>
                         </m:ctrlPr>
                       </m:sSupPr>
                       <m:e>
                         <m:r>
-                          <a:rPr lang="en-US" sz="1600" b="1" i="1" smtClean="0">
+                          <a:rPr lang="en-US" sz="1600" i="1">
                             <a:latin typeface="Cambria Math" panose="02040503050406030204" pitchFamily="18" charset="0"/>
+                            <a:ea typeface="Cambria Math" panose="02040503050406030204" pitchFamily="18" charset="0"/>
                           </a:rPr>
-                          <m:t>𝑹</m:t>
+                          <m:t>ℝ</m:t>
                         </m:r>
                       </m:e>
                       <m:sup>
                         <m:r>
-                          <a:rPr lang="en-US" sz="1600" b="1" i="1" smtClean="0">
+                          <a:rPr lang="en-US" sz="1600" b="0" i="1" smtClean="0">
                             <a:latin typeface="Cambria Math" panose="02040503050406030204" pitchFamily="18" charset="0"/>
+                            <a:ea typeface="Cambria Math" panose="02040503050406030204" pitchFamily="18" charset="0"/>
                           </a:rPr>
-                          <m:t>𝒎</m:t>
+                          <m:t>𝑀</m:t>
                         </m:r>
                       </m:sup>
                     </m:sSup>
@@ -39215,13 +38596,13 @@
                 </a14:m>
                 <a:r>
                   <a:rPr lang="en-US" sz="1600" b="1" dirty="0"/>
-                  <a:t> (# row). </a:t>
+                  <a:t>(# row). </a:t>
                 </a:r>
               </a:p>
             </p:txBody>
           </p:sp>
         </mc:Choice>
-        <mc:Fallback xmlns="">
+        <mc:Fallback>
           <p:sp>
             <p:nvSpPr>
               <p:cNvPr id="79" name="TextBox 78">
@@ -39239,7 +38620,7 @@
             <p:spPr>
               <a:xfrm>
                 <a:off x="4442121" y="3912240"/>
-                <a:ext cx="4460901" cy="338554"/>
+                <a:ext cx="4495205" cy="338554"/>
               </a:xfrm>
               <a:prstGeom prst="rect">
                 <a:avLst/>
@@ -39247,7 +38628,7 @@
               <a:blipFill>
                 <a:blip r:embed="rId16"/>
                 <a:stretch>
-                  <a:fillRect l="-568" t="-7407" b="-25926"/>
+                  <a:fillRect l="-563" t="-7407" b="-25926"/>
                 </a:stretch>
               </a:blipFill>
             </p:spPr>
@@ -39478,8 +38859,8 @@
           </a:p>
         </p:txBody>
       </p:sp>
-      <mc:AlternateContent xmlns:mc="http://schemas.openxmlformats.org/markup-compatibility/2006" xmlns:a14="http://schemas.microsoft.com/office/drawing/2010/main">
-        <mc:Choice Requires="a14">
+      <mc:AlternateContent xmlns:mc="http://schemas.openxmlformats.org/markup-compatibility/2006">
+        <mc:Choice xmlns:a14="http://schemas.microsoft.com/office/drawing/2010/main" Requires="a14">
           <p:sp>
             <p:nvSpPr>
               <p:cNvPr id="80" name="TextBox 79">
@@ -39495,7 +38876,7 @@
             <p:spPr>
               <a:xfrm>
                 <a:off x="7314773" y="4773495"/>
-                <a:ext cx="1286378" cy="733342"/>
+                <a:ext cx="1287981" cy="733791"/>
               </a:xfrm>
               <a:prstGeom prst="rect">
                 <a:avLst/>
@@ -39610,7 +38991,7 @@
                                       <a:rPr lang="en-US" b="0" i="1" smtClean="0">
                                         <a:latin typeface="Cambria Math" panose="02040503050406030204" pitchFamily="18" charset="0"/>
                                       </a:rPr>
-                                      <m:t>𝑛</m:t>
+                                      <m:t>𝑁</m:t>
                                     </m:r>
                                   </m:sub>
                                 </m:sSub>
@@ -39717,7 +39098,7 @@
                                       <a:rPr lang="en-US" b="0" i="1" smtClean="0">
                                         <a:latin typeface="Cambria Math" panose="02040503050406030204" pitchFamily="18" charset="0"/>
                                       </a:rPr>
-                                      <m:t>𝑚</m:t>
+                                      <m:t>𝑀</m:t>
                                     </m:r>
                                   </m:sub>
                                 </m:sSub>
@@ -39734,7 +39115,7 @@
             </p:txBody>
           </p:sp>
         </mc:Choice>
-        <mc:Fallback xmlns="">
+        <mc:Fallback>
           <p:sp>
             <p:nvSpPr>
               <p:cNvPr id="80" name="TextBox 79">
@@ -39752,7 +39133,7 @@
             <p:spPr>
               <a:xfrm>
                 <a:off x="7314773" y="4773495"/>
-                <a:ext cx="1286378" cy="733342"/>
+                <a:ext cx="1287981" cy="733791"/>
               </a:xfrm>
               <a:prstGeom prst="rect">
                 <a:avLst/>
@@ -39760,7 +39141,7 @@
               <a:blipFill>
                 <a:blip r:embed="rId18"/>
                 <a:stretch>
-                  <a:fillRect b="-5085"/>
+                  <a:fillRect b="-6780"/>
                 </a:stretch>
               </a:blipFill>
             </p:spPr>

--- a/Lecture_4-Geometric-Linear-Algebra/Geometric-Linear-Algebra.pptx
+++ b/Lecture_4-Geometric-Linear-Algebra/Geometric-Linear-Algebra.pptx
@@ -926,10 +926,10 @@
               <a:buNone/>
             </a:pPr>
             <a:r>
-              <a:rPr lang="en-US"/>
+              <a:rPr lang="en-US" dirty="0"/>
               <a:t>Diverse students. Some with bio-backgrounds; some without. Some with CS background; some with very limited. Two separate courses combined because of a substantial shared curriculum.</a:t>
             </a:r>
-            <a:endParaRPr/>
+            <a:endParaRPr dirty="0"/>
           </a:p>
         </p:txBody>
       </p:sp>
@@ -20898,8 +20898,8 @@
           </p:sp>
         </mc:Fallback>
       </mc:AlternateContent>
-      <mc:AlternateContent xmlns:mc="http://schemas.openxmlformats.org/markup-compatibility/2006" xmlns:a14="http://schemas.microsoft.com/office/drawing/2010/main">
-        <mc:Choice Requires="a14">
+      <mc:AlternateContent xmlns:mc="http://schemas.openxmlformats.org/markup-compatibility/2006">
+        <mc:Choice xmlns:a14="http://schemas.microsoft.com/office/drawing/2010/main" Requires="a14">
           <p:sp>
             <p:nvSpPr>
               <p:cNvPr id="12" name="Rectangle 11">
@@ -20934,16 +20934,10 @@
                       <m:jc m:val="centerGroup"/>
                     </m:oMathParaPr>
                     <m:oMath xmlns:m="http://schemas.openxmlformats.org/officeDocument/2006/math">
-                      <m:r>
-                        <a:rPr lang="en-US" sz="2000" b="1" i="1" smtClean="0">
-                          <a:latin typeface="Cambria Math" panose="02040503050406030204" pitchFamily="18" charset="0"/>
-                        </a:rPr>
-                        <m:t>𝒖</m:t>
-                      </m:r>
                       <m:d>
                         <m:dPr>
                           <m:ctrlPr>
-                            <a:rPr lang="en-US" sz="2000" b="1" i="1">
+                            <a:rPr lang="en-US" sz="2000" b="1" i="1" smtClean="0">
                               <a:latin typeface="Cambria Math" panose="02040503050406030204" pitchFamily="18" charset="0"/>
                             </a:rPr>
                           </m:ctrlPr>
@@ -20976,6 +20970,12 @@
                         </m:e>
                       </m:d>
                       <m:r>
+                        <a:rPr lang="en-US" sz="2000" b="1" i="1" smtClean="0">
+                          <a:latin typeface="Cambria Math" panose="02040503050406030204" pitchFamily="18" charset="0"/>
+                        </a:rPr>
+                        <m:t>𝒖</m:t>
+                      </m:r>
+                      <m:r>
                         <a:rPr lang="en-US" sz="2000" b="0" i="1" smtClean="0">
                           <a:latin typeface="Cambria Math" panose="02040503050406030204" pitchFamily="18" charset="0"/>
                         </a:rPr>
@@ -20995,7 +20995,7 @@
             </p:txBody>
           </p:sp>
         </mc:Choice>
-        <mc:Fallback xmlns="">
+        <mc:Fallback>
           <p:sp>
             <p:nvSpPr>
               <p:cNvPr id="12" name="Rectangle 11">
@@ -22768,6 +22768,33 @@
                                   </p:childTnLst>
                                 </p:cTn>
                               </p:par>
+                              <p:par>
+                                <p:cTn id="29" presetID="1" presetClass="entr" presetSubtype="0" fill="hold" nodeType="withEffect">
+                                  <p:stCondLst>
+                                    <p:cond delay="0"/>
+                                  </p:stCondLst>
+                                  <p:childTnLst>
+                                    <p:set>
+                                      <p:cBhvr>
+                                        <p:cTn id="30" dur="1" fill="hold">
+                                          <p:stCondLst>
+                                            <p:cond delay="0"/>
+                                          </p:stCondLst>
+                                        </p:cTn>
+                                        <p:tgtEl>
+                                          <p:spTgt spid="6"/>
+                                        </p:tgtEl>
+                                        <p:attrNameLst>
+                                          <p:attrName>style.visibility</p:attrName>
+                                        </p:attrNameLst>
+                                      </p:cBhvr>
+                                      <p:to>
+                                        <p:strVal val="visible"/>
+                                      </p:to>
+                                    </p:set>
+                                  </p:childTnLst>
+                                </p:cTn>
+                              </p:par>
                             </p:childTnLst>
                           </p:cTn>
                         </p:par>
@@ -23814,8 +23841,8 @@
           </p:sp>
         </mc:Fallback>
       </mc:AlternateContent>
-      <mc:AlternateContent xmlns:mc="http://schemas.openxmlformats.org/markup-compatibility/2006" xmlns:a14="http://schemas.microsoft.com/office/drawing/2010/main">
-        <mc:Choice Requires="a14">
+      <mc:AlternateContent xmlns:mc="http://schemas.openxmlformats.org/markup-compatibility/2006">
+        <mc:Choice xmlns:a14="http://schemas.microsoft.com/office/drawing/2010/main" Requires="a14">
           <p:sp>
             <p:nvSpPr>
               <p:cNvPr id="8" name="Rectangle 7">
@@ -23831,7 +23858,7 @@
             <p:spPr>
               <a:xfrm>
                 <a:off x="806860" y="4445136"/>
-                <a:ext cx="5193281" cy="369332"/>
+                <a:ext cx="6841168" cy="369332"/>
               </a:xfrm>
               <a:prstGeom prst="rect">
                 <a:avLst/>
@@ -23906,6 +23933,18 @@
                             </m:r>
                           </m:e>
                         </m:d>
+                        <m:r>
+                          <a:rPr lang="en-US" b="1" i="1" smtClean="0">
+                            <a:latin typeface="Cambria Math" panose="02040503050406030204" pitchFamily="18" charset="0"/>
+                          </a:rPr>
+                          <m:t>=</m:t>
+                        </m:r>
+                        <m:r>
+                          <a:rPr lang="en-US" b="0" i="1" smtClean="0">
+                            <a:latin typeface="Cambria Math" panose="02040503050406030204" pitchFamily="18" charset="0"/>
+                          </a:rPr>
+                          <m:t>0</m:t>
+                        </m:r>
                       </m:e>
                     </m:func>
                     <m:r>
@@ -23918,7 +23957,7 @@
                 </a14:m>
                 <a:r>
                   <a:rPr lang="en-US" dirty="0"/>
-                  <a:t> which yields the eigenvalues of </a:t>
+                  <a:t> which has the solution of the eigenvalues of </a:t>
                 </a:r>
                 <a14:m>
                   <m:oMath xmlns:m="http://schemas.openxmlformats.org/officeDocument/2006/math">
@@ -23938,7 +23977,7 @@
             </p:txBody>
           </p:sp>
         </mc:Choice>
-        <mc:Fallback xmlns="">
+        <mc:Fallback>
           <p:sp>
             <p:nvSpPr>
               <p:cNvPr id="8" name="Rectangle 7">
@@ -23956,7 +23995,7 @@
             <p:spPr>
               <a:xfrm>
                 <a:off x="806860" y="4445136"/>
-                <a:ext cx="5193281" cy="369332"/>
+                <a:ext cx="6841168" cy="369332"/>
               </a:xfrm>
               <a:prstGeom prst="rect">
                 <a:avLst/>
@@ -23964,7 +24003,7 @@
               <a:blipFill>
                 <a:blip r:embed="rId6"/>
                 <a:stretch>
-                  <a:fillRect t="-3226" b="-22581"/>
+                  <a:fillRect t="-3226" r="-741" b="-22581"/>
                 </a:stretch>
               </a:blipFill>
             </p:spPr>
@@ -24937,8 +24976,8 @@
           </p:sp>
         </mc:Fallback>
       </mc:AlternateContent>
-      <mc:AlternateContent xmlns:mc="http://schemas.openxmlformats.org/markup-compatibility/2006" xmlns:a14="http://schemas.microsoft.com/office/drawing/2010/main">
-        <mc:Choice Requires="a14">
+      <mc:AlternateContent xmlns:mc="http://schemas.openxmlformats.org/markup-compatibility/2006">
+        <mc:Choice xmlns:a14="http://schemas.microsoft.com/office/drawing/2010/main" Requires="a14">
           <p:sp>
             <p:nvSpPr>
               <p:cNvPr id="37" name="TextBox 36">
@@ -25031,6 +25070,66 @@
                       <a:rPr lang="en-US" b="0" i="0" smtClean="0">
                         <a:latin typeface="Cambria Math" panose="02040503050406030204" pitchFamily="18" charset="0"/>
                       </a:rPr>
+                      <m:t>, </m:t>
+                    </m:r>
+                    <m:r>
+                      <m:rPr>
+                        <m:sty m:val="p"/>
+                      </m:rPr>
+                      <a:rPr lang="en-US" b="0" i="0" smtClean="0">
+                        <a:latin typeface="Cambria Math" panose="02040503050406030204" pitchFamily="18" charset="0"/>
+                      </a:rPr>
+                      <m:t>if</m:t>
+                    </m:r>
+                    <m:r>
+                      <a:rPr lang="en-US" b="0" i="0" smtClean="0">
+                        <a:latin typeface="Cambria Math" panose="02040503050406030204" pitchFamily="18" charset="0"/>
+                      </a:rPr>
+                      <m:t> </m:t>
+                    </m:r>
+                    <m:r>
+                      <m:rPr>
+                        <m:sty m:val="p"/>
+                      </m:rPr>
+                      <a:rPr lang="en-US" b="0" i="0" smtClean="0">
+                        <a:latin typeface="Cambria Math" panose="02040503050406030204" pitchFamily="18" charset="0"/>
+                      </a:rPr>
+                      <m:t>eigenvalues</m:t>
+                    </m:r>
+                    <m:r>
+                      <a:rPr lang="en-US" b="0" i="0" smtClean="0">
+                        <a:latin typeface="Cambria Math" panose="02040503050406030204" pitchFamily="18" charset="0"/>
+                      </a:rPr>
+                      <m:t> </m:t>
+                    </m:r>
+                    <m:r>
+                      <m:rPr>
+                        <m:sty m:val="p"/>
+                      </m:rPr>
+                      <a:rPr lang="en-US" b="0" i="0" smtClean="0">
+                        <a:latin typeface="Cambria Math" panose="02040503050406030204" pitchFamily="18" charset="0"/>
+                      </a:rPr>
+                      <m:t>are</m:t>
+                    </m:r>
+                    <m:r>
+                      <a:rPr lang="en-US" b="0" i="0" smtClean="0">
+                        <a:latin typeface="Cambria Math" panose="02040503050406030204" pitchFamily="18" charset="0"/>
+                      </a:rPr>
+                      <m:t> </m:t>
+                    </m:r>
+                    <m:r>
+                      <m:rPr>
+                        <m:sty m:val="p"/>
+                      </m:rPr>
+                      <a:rPr lang="en-US" b="0" i="0" smtClean="0">
+                        <a:latin typeface="Cambria Math" panose="02040503050406030204" pitchFamily="18" charset="0"/>
+                      </a:rPr>
+                      <m:t>distinct</m:t>
+                    </m:r>
+                    <m:r>
+                      <a:rPr lang="en-US" b="0" i="0" smtClean="0">
+                        <a:latin typeface="Cambria Math" panose="02040503050406030204" pitchFamily="18" charset="0"/>
+                      </a:rPr>
                       <m:t>.</m:t>
                     </m:r>
                   </m:oMath>
@@ -25078,7 +25177,7 @@
             </p:txBody>
           </p:sp>
         </mc:Choice>
-        <mc:Fallback xmlns="">
+        <mc:Fallback>
           <p:sp>
             <p:nvSpPr>
               <p:cNvPr id="37" name="TextBox 36">
@@ -26185,7 +26284,13 @@
           </a:p>
           <a:p>
             <a:r>
-              <a:rPr lang="en-US" dirty="0"/>
+              <a:rPr lang="en-US" dirty="0">
+                <a:solidFill>
+                  <a:schemeClr val="bg1">
+                    <a:lumMod val="65000"/>
+                  </a:schemeClr>
+                </a:solidFill>
+              </a:rPr>
               <a:t>Introduce python capabilities for computational linear algebra</a:t>
             </a:r>
           </a:p>

--- a/Lecture_4-Geometric-Linear-Algebra/Geometric-Linear-Algebra.pptx
+++ b/Lecture_4-Geometric-Linear-Algebra/Geometric-Linear-Algebra.pptx
@@ -5,10 +5,10 @@
     <p:sldMasterId id="2147483648" r:id="rId1"/>
   </p:sldMasterIdLst>
   <p:notesMasterIdLst>
-    <p:notesMasterId r:id="rId20"/>
+    <p:notesMasterId r:id="rId21"/>
   </p:notesMasterIdLst>
   <p:handoutMasterIdLst>
-    <p:handoutMasterId r:id="rId21"/>
+    <p:handoutMasterId r:id="rId22"/>
   </p:handoutMasterIdLst>
   <p:sldIdLst>
     <p:sldId id="256" r:id="rId2"/>
@@ -29,6 +29,7 @@
     <p:sldId id="503" r:id="rId17"/>
     <p:sldId id="504" r:id="rId18"/>
     <p:sldId id="490" r:id="rId19"/>
+    <p:sldId id="507" r:id="rId20"/>
   </p:sldIdLst>
   <p:sldSz cx="9144000" cy="6858000" type="screen4x3"/>
   <p:notesSz cx="6858000" cy="9144000"/>
@@ -291,7 +292,7 @@
               <a:pPr>
                 <a:defRPr/>
               </a:pPr>
-              <a:t>3/28/22</a:t>
+              <a:t>4/6/22</a:t>
             </a:fld>
             <a:endParaRPr lang="en-US" altLang="x-none"/>
           </a:p>
@@ -500,7 +501,7 @@
               <a:pPr>
                 <a:defRPr/>
               </a:pPr>
-              <a:t>3/28/22</a:t>
+              <a:t>4/6/22</a:t>
             </a:fld>
             <a:endParaRPr lang="en-US" altLang="x-none"/>
           </a:p>
@@ -7052,8 +7053,8 @@
           </a:p>
         </p:txBody>
       </p:sp>
-      <mc:AlternateContent xmlns:mc="http://schemas.openxmlformats.org/markup-compatibility/2006">
-        <mc:Choice xmlns:a14="http://schemas.microsoft.com/office/drawing/2010/main" Requires="a14">
+      <mc:AlternateContent xmlns:mc="http://schemas.openxmlformats.org/markup-compatibility/2006" xmlns:a14="http://schemas.microsoft.com/office/drawing/2010/main">
+        <mc:Choice Requires="a14">
           <p:sp>
             <p:nvSpPr>
               <p:cNvPr id="4" name="TextBox 3">
@@ -7317,7 +7318,7 @@
             </p:txBody>
           </p:sp>
         </mc:Choice>
-        <mc:Fallback>
+        <mc:Fallback xmlns="">
           <p:sp>
             <p:nvSpPr>
               <p:cNvPr id="4" name="TextBox 3">
@@ -7362,8 +7363,8 @@
           </p:sp>
         </mc:Fallback>
       </mc:AlternateContent>
-      <mc:AlternateContent xmlns:mc="http://schemas.openxmlformats.org/markup-compatibility/2006">
-        <mc:Choice xmlns:a14="http://schemas.microsoft.com/office/drawing/2010/main" Requires="a14">
+      <mc:AlternateContent xmlns:mc="http://schemas.openxmlformats.org/markup-compatibility/2006" xmlns:a14="http://schemas.microsoft.com/office/drawing/2010/main">
+        <mc:Choice Requires="a14">
           <p:sp>
             <p:nvSpPr>
               <p:cNvPr id="26" name="TextBox 25">
@@ -7523,7 +7524,7 @@
             </p:txBody>
           </p:sp>
         </mc:Choice>
-        <mc:Fallback>
+        <mc:Fallback xmlns="">
           <p:sp>
             <p:nvSpPr>
               <p:cNvPr id="26" name="TextBox 25">
@@ -7568,8 +7569,8 @@
           </p:sp>
         </mc:Fallback>
       </mc:AlternateContent>
-      <mc:AlternateContent xmlns:mc="http://schemas.openxmlformats.org/markup-compatibility/2006">
-        <mc:Choice xmlns:a14="http://schemas.microsoft.com/office/drawing/2010/main" Requires="a14">
+      <mc:AlternateContent xmlns:mc="http://schemas.openxmlformats.org/markup-compatibility/2006" xmlns:a14="http://schemas.microsoft.com/office/drawing/2010/main">
+        <mc:Choice Requires="a14">
           <p:sp>
             <p:nvSpPr>
               <p:cNvPr id="27" name="TextBox 26">
@@ -7722,7 +7723,7 @@
             </p:txBody>
           </p:sp>
         </mc:Choice>
-        <mc:Fallback>
+        <mc:Fallback xmlns="">
           <p:sp>
             <p:nvSpPr>
               <p:cNvPr id="27" name="TextBox 26">
@@ -7767,8 +7768,8 @@
           </p:sp>
         </mc:Fallback>
       </mc:AlternateContent>
-      <mc:AlternateContent xmlns:mc="http://schemas.openxmlformats.org/markup-compatibility/2006">
-        <mc:Choice xmlns:a14="http://schemas.microsoft.com/office/drawing/2010/main" Requires="a14">
+      <mc:AlternateContent xmlns:mc="http://schemas.openxmlformats.org/markup-compatibility/2006" xmlns:a14="http://schemas.microsoft.com/office/drawing/2010/main">
+        <mc:Choice Requires="a14">
           <p:sp>
             <p:nvSpPr>
               <p:cNvPr id="28" name="TextBox 27">
@@ -7893,7 +7894,7 @@
             </p:txBody>
           </p:sp>
         </mc:Choice>
-        <mc:Fallback>
+        <mc:Fallback xmlns="">
           <p:sp>
             <p:nvSpPr>
               <p:cNvPr id="28" name="TextBox 27">
@@ -7938,8 +7939,8 @@
           </p:sp>
         </mc:Fallback>
       </mc:AlternateContent>
-      <mc:AlternateContent xmlns:mc="http://schemas.openxmlformats.org/markup-compatibility/2006">
-        <mc:Choice xmlns:a14="http://schemas.microsoft.com/office/drawing/2010/main" Requires="a14">
+      <mc:AlternateContent xmlns:mc="http://schemas.openxmlformats.org/markup-compatibility/2006" xmlns:a14="http://schemas.microsoft.com/office/drawing/2010/main">
+        <mc:Choice Requires="a14">
           <p:sp>
             <p:nvSpPr>
               <p:cNvPr id="29" name="TextBox 28">
@@ -8098,7 +8099,7 @@
             </p:txBody>
           </p:sp>
         </mc:Choice>
-        <mc:Fallback>
+        <mc:Fallback xmlns="">
           <p:sp>
             <p:nvSpPr>
               <p:cNvPr id="29" name="TextBox 28">
@@ -15890,8 +15891,8 @@
           </p:sp>
         </mc:Fallback>
       </mc:AlternateContent>
-      <mc:AlternateContent xmlns:mc="http://schemas.openxmlformats.org/markup-compatibility/2006">
-        <mc:Choice xmlns:a14="http://schemas.microsoft.com/office/drawing/2010/main" Requires="a14">
+      <mc:AlternateContent xmlns:mc="http://schemas.openxmlformats.org/markup-compatibility/2006" xmlns:a14="http://schemas.microsoft.com/office/drawing/2010/main">
+        <mc:Choice Requires="a14">
           <p:sp>
             <p:nvSpPr>
               <p:cNvPr id="20" name="TextBox 19">
@@ -15989,7 +15990,7 @@
             </p:txBody>
           </p:sp>
         </mc:Choice>
-        <mc:Fallback>
+        <mc:Fallback xmlns="">
           <p:sp>
             <p:nvSpPr>
               <p:cNvPr id="20" name="TextBox 19">
@@ -16034,8 +16035,8 @@
           </p:sp>
         </mc:Fallback>
       </mc:AlternateContent>
-      <mc:AlternateContent xmlns:mc="http://schemas.openxmlformats.org/markup-compatibility/2006">
-        <mc:Choice xmlns:a14="http://schemas.microsoft.com/office/drawing/2010/main" Requires="a14">
+      <mc:AlternateContent xmlns:mc="http://schemas.openxmlformats.org/markup-compatibility/2006" xmlns:a14="http://schemas.microsoft.com/office/drawing/2010/main">
+        <mc:Choice Requires="a14">
           <p:sp>
             <p:nvSpPr>
               <p:cNvPr id="21" name="TextBox 20">
@@ -16557,7 +16558,7 @@
             </p:txBody>
           </p:sp>
         </mc:Choice>
-        <mc:Fallback>
+        <mc:Fallback xmlns="">
           <p:sp>
             <p:nvSpPr>
               <p:cNvPr id="21" name="TextBox 20">
@@ -20898,8 +20899,8 @@
           </p:sp>
         </mc:Fallback>
       </mc:AlternateContent>
-      <mc:AlternateContent xmlns:mc="http://schemas.openxmlformats.org/markup-compatibility/2006">
-        <mc:Choice xmlns:a14="http://schemas.microsoft.com/office/drawing/2010/main" Requires="a14">
+      <mc:AlternateContent xmlns:mc="http://schemas.openxmlformats.org/markup-compatibility/2006" xmlns:a14="http://schemas.microsoft.com/office/drawing/2010/main">
+        <mc:Choice Requires="a14">
           <p:sp>
             <p:nvSpPr>
               <p:cNvPr id="12" name="Rectangle 11">
@@ -20995,7 +20996,7 @@
             </p:txBody>
           </p:sp>
         </mc:Choice>
-        <mc:Fallback>
+        <mc:Fallback xmlns="">
           <p:sp>
             <p:nvSpPr>
               <p:cNvPr id="12" name="Rectangle 11">
@@ -21040,8 +21041,8 @@
           </p:sp>
         </mc:Fallback>
       </mc:AlternateContent>
-      <mc:AlternateContent xmlns:mc="http://schemas.openxmlformats.org/markup-compatibility/2006">
-        <mc:Choice xmlns:a14="http://schemas.microsoft.com/office/drawing/2010/main" Requires="a14">
+      <mc:AlternateContent xmlns:mc="http://schemas.openxmlformats.org/markup-compatibility/2006" xmlns:a14="http://schemas.microsoft.com/office/drawing/2010/main">
+        <mc:Choice Requires="a14">
           <p:sp>
             <p:nvSpPr>
               <p:cNvPr id="13" name="Rectangle 12">
@@ -21481,7 +21482,7 @@
             </p:txBody>
           </p:sp>
         </mc:Choice>
-        <mc:Fallback>
+        <mc:Fallback xmlns="">
           <p:sp>
             <p:nvSpPr>
               <p:cNvPr id="13" name="Rectangle 12">
@@ -21736,8 +21737,8 @@
           </a:p>
         </p:txBody>
       </p:sp>
-      <mc:AlternateContent xmlns:mc="http://schemas.openxmlformats.org/markup-compatibility/2006">
-        <mc:Choice xmlns:a14="http://schemas.microsoft.com/office/drawing/2010/main" Requires="a14">
+      <mc:AlternateContent xmlns:mc="http://schemas.openxmlformats.org/markup-compatibility/2006" xmlns:a14="http://schemas.microsoft.com/office/drawing/2010/main">
+        <mc:Choice Requires="a14">
           <p:sp>
             <p:nvSpPr>
               <p:cNvPr id="19" name="Rectangle 18">
@@ -21853,7 +21854,7 @@
             </p:txBody>
           </p:sp>
         </mc:Choice>
-        <mc:Fallback>
+        <mc:Fallback xmlns="">
           <p:sp>
             <p:nvSpPr>
               <p:cNvPr id="19" name="Rectangle 18">
@@ -22211,8 +22212,8 @@
             </a:p>
           </p:txBody>
         </p:sp>
-        <mc:AlternateContent xmlns:mc="http://schemas.openxmlformats.org/markup-compatibility/2006">
-          <mc:Choice xmlns:a14="http://schemas.microsoft.com/office/drawing/2010/main" Requires="a14">
+        <mc:AlternateContent xmlns:mc="http://schemas.openxmlformats.org/markup-compatibility/2006" xmlns:a14="http://schemas.microsoft.com/office/drawing/2010/main">
+          <mc:Choice Requires="a14">
             <p:sp>
               <p:nvSpPr>
                 <p:cNvPr id="3" name="TextBox 2">
@@ -22243,6 +22244,7 @@
                 </a:bodyPr>
                 <a:lstStyle/>
                 <a:p>
+                  <a:pPr/>
                   <a14:m>
                     <m:oMathPara xmlns:m="http://schemas.openxmlformats.org/officeDocument/2006/math">
                       <m:oMathParaPr>
@@ -22288,7 +22290,7 @@
               </p:txBody>
             </p:sp>
           </mc:Choice>
-          <mc:Fallback>
+          <mc:Fallback xmlns="">
             <p:sp>
               <p:nvSpPr>
                 <p:cNvPr id="3" name="TextBox 2">
@@ -22333,8 +22335,8 @@
             </p:sp>
           </mc:Fallback>
         </mc:AlternateContent>
-        <mc:AlternateContent xmlns:mc="http://schemas.openxmlformats.org/markup-compatibility/2006">
-          <mc:Choice xmlns:a14="http://schemas.microsoft.com/office/drawing/2010/main" Requires="a14">
+        <mc:AlternateContent xmlns:mc="http://schemas.openxmlformats.org/markup-compatibility/2006" xmlns:a14="http://schemas.microsoft.com/office/drawing/2010/main">
+          <mc:Choice Requires="a14">
             <p:sp>
               <p:nvSpPr>
                 <p:cNvPr id="20" name="TextBox 19">
@@ -22365,6 +22367,7 @@
                 </a:bodyPr>
                 <a:lstStyle/>
                 <a:p>
+                  <a:pPr/>
                   <a14:m>
                     <m:oMathPara xmlns:m="http://schemas.openxmlformats.org/officeDocument/2006/math">
                       <m:oMathParaPr>
@@ -22404,7 +22407,7 @@
               </p:txBody>
             </p:sp>
           </mc:Choice>
-          <mc:Fallback>
+          <mc:Fallback xmlns="">
             <p:sp>
               <p:nvSpPr>
                 <p:cNvPr id="20" name="TextBox 19">
@@ -23841,8 +23844,8 @@
           </p:sp>
         </mc:Fallback>
       </mc:AlternateContent>
-      <mc:AlternateContent xmlns:mc="http://schemas.openxmlformats.org/markup-compatibility/2006">
-        <mc:Choice xmlns:a14="http://schemas.microsoft.com/office/drawing/2010/main" Requires="a14">
+      <mc:AlternateContent xmlns:mc="http://schemas.openxmlformats.org/markup-compatibility/2006" xmlns:a14="http://schemas.microsoft.com/office/drawing/2010/main">
+        <mc:Choice Requires="a14">
           <p:sp>
             <p:nvSpPr>
               <p:cNvPr id="8" name="Rectangle 7">
@@ -23977,7 +23980,7 @@
             </p:txBody>
           </p:sp>
         </mc:Choice>
-        <mc:Fallback>
+        <mc:Fallback xmlns="">
           <p:sp>
             <p:nvSpPr>
               <p:cNvPr id="8" name="Rectangle 7">
@@ -24976,8 +24979,8 @@
           </p:sp>
         </mc:Fallback>
       </mc:AlternateContent>
-      <mc:AlternateContent xmlns:mc="http://schemas.openxmlformats.org/markup-compatibility/2006">
-        <mc:Choice xmlns:a14="http://schemas.microsoft.com/office/drawing/2010/main" Requires="a14">
+      <mc:AlternateContent xmlns:mc="http://schemas.openxmlformats.org/markup-compatibility/2006" xmlns:a14="http://schemas.microsoft.com/office/drawing/2010/main">
+        <mc:Choice Requires="a14">
           <p:sp>
             <p:nvSpPr>
               <p:cNvPr id="37" name="TextBox 36">
@@ -25177,7 +25180,7 @@
             </p:txBody>
           </p:sp>
         </mc:Choice>
-        <mc:Fallback>
+        <mc:Fallback xmlns="">
           <p:sp>
             <p:nvSpPr>
               <p:cNvPr id="37" name="TextBox 36">
@@ -25376,8 +25379,8 @@
           <a:chExt cx="0" cy="0"/>
         </a:xfrm>
       </p:grpSpPr>
-      <mc:AlternateContent xmlns:mc="http://schemas.openxmlformats.org/markup-compatibility/2006">
-        <mc:Choice xmlns:a14="http://schemas.microsoft.com/office/drawing/2010/main" Requires="a14">
+      <mc:AlternateContent xmlns:mc="http://schemas.openxmlformats.org/markup-compatibility/2006" xmlns:a14="http://schemas.microsoft.com/office/drawing/2010/main">
+        <mc:Choice Requires="a14">
           <p:sp>
             <p:nvSpPr>
               <p:cNvPr id="2" name="Title 1">
@@ -25439,7 +25442,7 @@
             </p:txBody>
           </p:sp>
         </mc:Choice>
-        <mc:Fallback>
+        <mc:Fallback xmlns="">
           <p:sp>
             <p:nvSpPr>
               <p:cNvPr id="2" name="Title 1">
@@ -25479,8 +25482,8 @@
           </p:sp>
         </mc:Fallback>
       </mc:AlternateContent>
-      <mc:AlternateContent xmlns:mc="http://schemas.openxmlformats.org/markup-compatibility/2006">
-        <mc:Choice xmlns:a14="http://schemas.microsoft.com/office/drawing/2010/main" Requires="a14">
+      <mc:AlternateContent xmlns:mc="http://schemas.openxmlformats.org/markup-compatibility/2006" xmlns:a14="http://schemas.microsoft.com/office/drawing/2010/main">
+        <mc:Choice Requires="a14">
           <p:sp>
             <p:nvSpPr>
               <p:cNvPr id="4" name="Content Placeholder 3">
@@ -26119,7 +26122,7 @@
             </p:txBody>
           </p:sp>
         </mc:Choice>
-        <mc:Fallback>
+        <mc:Fallback xmlns="">
           <p:sp>
             <p:nvSpPr>
               <p:cNvPr id="4" name="Content Placeholder 3">
@@ -26202,6 +26205,143 @@
     <p:extLst>
       <p:ext uri="{BB962C8B-B14F-4D97-AF65-F5344CB8AC3E}">
         <p14:creationId xmlns:p14="http://schemas.microsoft.com/office/powerpoint/2010/main" val="80129273"/>
+      </p:ext>
+    </p:extLst>
+  </p:cSld>
+  <p:clrMapOvr>
+    <a:masterClrMapping/>
+  </p:clrMapOvr>
+</p:sld>
+</file>
+
+<file path=ppt/slides/slide19.xml><?xml version="1.0" encoding="utf-8"?>
+<p:sld xmlns:a="http://schemas.openxmlformats.org/drawingml/2006/main" xmlns:r="http://schemas.openxmlformats.org/officeDocument/2006/relationships" xmlns:p="http://schemas.openxmlformats.org/presentationml/2006/main">
+  <p:cSld>
+    <p:spTree>
+      <p:nvGrpSpPr>
+        <p:cNvPr id="1" name=""/>
+        <p:cNvGrpSpPr/>
+        <p:nvPr/>
+      </p:nvGrpSpPr>
+      <p:grpSpPr>
+        <a:xfrm>
+          <a:off x="0" y="0"/>
+          <a:ext cx="0" cy="0"/>
+          <a:chOff x="0" y="0"/>
+          <a:chExt cx="0" cy="0"/>
+        </a:xfrm>
+      </p:grpSpPr>
+      <p:sp>
+        <p:nvSpPr>
+          <p:cNvPr id="2" name="Title 1">
+            <a:extLst>
+              <a:ext uri="{FF2B5EF4-FFF2-40B4-BE49-F238E27FC236}">
+                <a16:creationId xmlns:a16="http://schemas.microsoft.com/office/drawing/2014/main" id="{D97CC209-271F-9C46-995F-EDFCC0D0437C}"/>
+              </a:ext>
+            </a:extLst>
+          </p:cNvPr>
+          <p:cNvSpPr>
+            <a:spLocks noGrp="1"/>
+          </p:cNvSpPr>
+          <p:nvPr>
+            <p:ph type="title"/>
+          </p:nvPr>
+        </p:nvSpPr>
+        <p:spPr/>
+        <p:txBody>
+          <a:bodyPr/>
+          <a:lstStyle/>
+          <a:p>
+            <a:r>
+              <a:rPr lang="en-US" dirty="0"/>
+              <a:t>Notes</a:t>
+            </a:r>
+          </a:p>
+        </p:txBody>
+      </p:sp>
+      <p:sp>
+        <p:nvSpPr>
+          <p:cNvPr id="3" name="Content Placeholder 2">
+            <a:extLst>
+              <a:ext uri="{FF2B5EF4-FFF2-40B4-BE49-F238E27FC236}">
+                <a16:creationId xmlns:a16="http://schemas.microsoft.com/office/drawing/2014/main" id="{D428E864-E0F9-CD40-BB17-6118C6F7A419}"/>
+              </a:ext>
+            </a:extLst>
+          </p:cNvPr>
+          <p:cNvSpPr>
+            <a:spLocks noGrp="1"/>
+          </p:cNvSpPr>
+          <p:nvPr>
+            <p:ph idx="1"/>
+          </p:nvPr>
+        </p:nvSpPr>
+        <p:spPr/>
+        <p:txBody>
+          <a:bodyPr/>
+          <a:lstStyle/>
+          <a:p>
+            <a:r>
+              <a:rPr lang="en-US" dirty="0"/>
+              <a:t>Get to eigenvalues, vectors sooner</a:t>
+            </a:r>
+          </a:p>
+          <a:p>
+            <a:r>
+              <a:rPr lang="en-US" dirty="0"/>
+              <a:t>Numerical/pictorial examples</a:t>
+            </a:r>
+          </a:p>
+          <a:p>
+            <a:r>
+              <a:rPr lang="en-US" dirty="0"/>
+              <a:t>Better description of change </a:t>
+            </a:r>
+            <a:r>
+              <a:rPr lang="en-US"/>
+              <a:t>in coordinates</a:t>
+            </a:r>
+          </a:p>
+        </p:txBody>
+      </p:sp>
+      <p:sp>
+        <p:nvSpPr>
+          <p:cNvPr id="4" name="Slide Number Placeholder 3">
+            <a:extLst>
+              <a:ext uri="{FF2B5EF4-FFF2-40B4-BE49-F238E27FC236}">
+                <a16:creationId xmlns:a16="http://schemas.microsoft.com/office/drawing/2014/main" id="{899D2388-EFA2-3F42-A9CE-E1FDA812D6A0}"/>
+              </a:ext>
+            </a:extLst>
+          </p:cNvPr>
+          <p:cNvSpPr>
+            <a:spLocks noGrp="1"/>
+          </p:cNvSpPr>
+          <p:nvPr>
+            <p:ph type="sldNum" sz="quarter" idx="11"/>
+          </p:nvPr>
+        </p:nvSpPr>
+        <p:spPr/>
+        <p:txBody>
+          <a:bodyPr/>
+          <a:lstStyle/>
+          <a:p>
+            <a:pPr>
+              <a:defRPr/>
+            </a:pPr>
+            <a:fld id="{3EF4E9CC-9D91-476E-91FD-5BEEC1642931}" type="slidenum">
+              <a:rPr lang="en-US" altLang="x-none" smtClean="0"/>
+              <a:pPr>
+                <a:defRPr/>
+              </a:pPr>
+              <a:t>19</a:t>
+            </a:fld>
+            <a:endParaRPr lang="en-US" altLang="x-none"/>
+          </a:p>
+        </p:txBody>
+      </p:sp>
+    </p:spTree>
+    <p:extLst>
+      <p:ext uri="{BB962C8B-B14F-4D97-AF65-F5344CB8AC3E}">
+        <p14:creationId xmlns:p14="http://schemas.microsoft.com/office/powerpoint/2010/main" val="651883373"/>
       </p:ext>
     </p:extLst>
   </p:cSld>
@@ -26786,8 +26926,8 @@
             <a:chExt cx="8041909" cy="755437"/>
           </a:xfrm>
         </p:grpSpPr>
-        <mc:AlternateContent xmlns:mc="http://schemas.openxmlformats.org/markup-compatibility/2006">
-          <mc:Choice xmlns:a14="http://schemas.microsoft.com/office/drawing/2010/main" Requires="a14">
+        <mc:AlternateContent xmlns:mc="http://schemas.openxmlformats.org/markup-compatibility/2006" xmlns:a14="http://schemas.microsoft.com/office/drawing/2010/main">
+          <mc:Choice Requires="a14">
             <p:sp>
               <p:nvSpPr>
                 <p:cNvPr id="16" name="TextBox 15">
@@ -27090,7 +27230,7 @@
               </p:txBody>
             </p:sp>
           </mc:Choice>
-          <mc:Fallback>
+          <mc:Fallback xmlns="">
             <p:sp>
               <p:nvSpPr>
                 <p:cNvPr id="16" name="TextBox 15">
@@ -29911,8 +30051,8 @@
           </p:sp>
         </mc:Fallback>
       </mc:AlternateContent>
-      <mc:AlternateContent xmlns:mc="http://schemas.openxmlformats.org/markup-compatibility/2006">
-        <mc:Choice xmlns:a14="http://schemas.microsoft.com/office/drawing/2010/main" Requires="a14">
+      <mc:AlternateContent xmlns:mc="http://schemas.openxmlformats.org/markup-compatibility/2006" xmlns:a14="http://schemas.microsoft.com/office/drawing/2010/main">
+        <mc:Choice Requires="a14">
           <p:sp>
             <p:nvSpPr>
               <p:cNvPr id="28" name="Rectangle 27">
@@ -30244,7 +30384,7 @@
             </p:txBody>
           </p:sp>
         </mc:Choice>
-        <mc:Fallback>
+        <mc:Fallback xmlns="">
           <p:sp>
             <p:nvSpPr>
               <p:cNvPr id="28" name="Rectangle 27">
@@ -31614,8 +31754,8 @@
           </p:sp>
         </mc:Fallback>
       </mc:AlternateContent>
-      <mc:AlternateContent xmlns:mc="http://schemas.openxmlformats.org/markup-compatibility/2006">
-        <mc:Choice xmlns:a14="http://schemas.microsoft.com/office/drawing/2010/main" Requires="a14">
+      <mc:AlternateContent xmlns:mc="http://schemas.openxmlformats.org/markup-compatibility/2006" xmlns:a14="http://schemas.microsoft.com/office/drawing/2010/main">
+        <mc:Choice Requires="a14">
           <p:sp>
             <p:nvSpPr>
               <p:cNvPr id="34" name="TextBox 33">
@@ -31696,7 +31836,7 @@
             </p:txBody>
           </p:sp>
         </mc:Choice>
-        <mc:Fallback>
+        <mc:Fallback xmlns="">
           <p:sp>
             <p:nvSpPr>
               <p:cNvPr id="34" name="TextBox 33">
@@ -31906,8 +32046,8 @@
             </a:p>
           </p:txBody>
         </p:sp>
-        <mc:AlternateContent xmlns:mc="http://schemas.openxmlformats.org/markup-compatibility/2006">
-          <mc:Choice xmlns:a14="http://schemas.microsoft.com/office/drawing/2010/main" Requires="a14">
+        <mc:AlternateContent xmlns:mc="http://schemas.openxmlformats.org/markup-compatibility/2006" xmlns:a14="http://schemas.microsoft.com/office/drawing/2010/main">
+          <mc:Choice Requires="a14">
             <p:sp>
               <p:nvSpPr>
                 <p:cNvPr id="18" name="TextBox 17">
@@ -31938,6 +32078,7 @@
                 </a:bodyPr>
                 <a:lstStyle/>
                 <a:p>
+                  <a:pPr/>
                   <a14:m>
                     <m:oMathPara xmlns:m="http://schemas.openxmlformats.org/officeDocument/2006/math">
                       <m:oMathParaPr>
@@ -31983,7 +32124,7 @@
               </p:txBody>
             </p:sp>
           </mc:Choice>
-          <mc:Fallback>
+          <mc:Fallback xmlns="">
             <p:sp>
               <p:nvSpPr>
                 <p:cNvPr id="18" name="TextBox 17">
@@ -32028,8 +32169,8 @@
             </p:sp>
           </mc:Fallback>
         </mc:AlternateContent>
-        <mc:AlternateContent xmlns:mc="http://schemas.openxmlformats.org/markup-compatibility/2006">
-          <mc:Choice xmlns:a14="http://schemas.microsoft.com/office/drawing/2010/main" Requires="a14">
+        <mc:AlternateContent xmlns:mc="http://schemas.openxmlformats.org/markup-compatibility/2006" xmlns:a14="http://schemas.microsoft.com/office/drawing/2010/main">
+          <mc:Choice Requires="a14">
             <p:sp>
               <p:nvSpPr>
                 <p:cNvPr id="19" name="TextBox 18">
@@ -32060,6 +32201,7 @@
                 </a:bodyPr>
                 <a:lstStyle/>
                 <a:p>
+                  <a:pPr/>
                   <a14:m>
                     <m:oMathPara xmlns:m="http://schemas.openxmlformats.org/officeDocument/2006/math">
                       <m:oMathParaPr>
@@ -32099,7 +32241,7 @@
               </p:txBody>
             </p:sp>
           </mc:Choice>
-          <mc:Fallback>
+          <mc:Fallback xmlns="">
             <p:sp>
               <p:nvSpPr>
                 <p:cNvPr id="19" name="TextBox 18">
@@ -32145,8 +32287,8 @@
           </mc:Fallback>
         </mc:AlternateContent>
       </p:grpSp>
-      <mc:AlternateContent xmlns:mc="http://schemas.openxmlformats.org/markup-compatibility/2006">
-        <mc:Choice xmlns:a14="http://schemas.microsoft.com/office/drawing/2010/main" Requires="a14">
+      <mc:AlternateContent xmlns:mc="http://schemas.openxmlformats.org/markup-compatibility/2006" xmlns:a14="http://schemas.microsoft.com/office/drawing/2010/main">
+        <mc:Choice Requires="a14">
           <p:sp>
             <p:nvSpPr>
               <p:cNvPr id="3" name="TextBox 2">
@@ -32199,7 +32341,7 @@
             </p:txBody>
           </p:sp>
         </mc:Choice>
-        <mc:Fallback>
+        <mc:Fallback xmlns="">
           <p:sp>
             <p:nvSpPr>
               <p:cNvPr id="3" name="TextBox 2">
@@ -32244,8 +32386,8 @@
           </p:sp>
         </mc:Fallback>
       </mc:AlternateContent>
-      <mc:AlternateContent xmlns:mc="http://schemas.openxmlformats.org/markup-compatibility/2006">
-        <mc:Choice xmlns:a14="http://schemas.microsoft.com/office/drawing/2010/main" Requires="a14">
+      <mc:AlternateContent xmlns:mc="http://schemas.openxmlformats.org/markup-compatibility/2006" xmlns:a14="http://schemas.microsoft.com/office/drawing/2010/main">
+        <mc:Choice Requires="a14">
           <p:sp>
             <p:nvSpPr>
               <p:cNvPr id="20" name="TextBox 19">
@@ -32298,7 +32440,7 @@
             </p:txBody>
           </p:sp>
         </mc:Choice>
-        <mc:Fallback>
+        <mc:Fallback xmlns="">
           <p:sp>
             <p:nvSpPr>
               <p:cNvPr id="20" name="TextBox 19">
@@ -32343,8 +32485,8 @@
           </p:sp>
         </mc:Fallback>
       </mc:AlternateContent>
-      <mc:AlternateContent xmlns:mc="http://schemas.openxmlformats.org/markup-compatibility/2006">
-        <mc:Choice xmlns:a14="http://schemas.microsoft.com/office/drawing/2010/main" Requires="a14">
+      <mc:AlternateContent xmlns:mc="http://schemas.openxmlformats.org/markup-compatibility/2006" xmlns:a14="http://schemas.microsoft.com/office/drawing/2010/main">
+        <mc:Choice Requires="a14">
           <p:sp>
             <p:nvSpPr>
               <p:cNvPr id="21" name="TextBox 20">
@@ -32373,6 +32515,7 @@
               </a:bodyPr>
               <a:lstStyle/>
               <a:p>
+                <a:pPr/>
                 <a14:m>
                   <m:oMathPara xmlns:m="http://schemas.openxmlformats.org/officeDocument/2006/math">
                     <m:oMathParaPr>
@@ -32399,7 +32542,7 @@
             </p:txBody>
           </p:sp>
         </mc:Choice>
-        <mc:Fallback>
+        <mc:Fallback xmlns="">
           <p:sp>
             <p:nvSpPr>
               <p:cNvPr id="21" name="TextBox 20">
@@ -32444,8 +32587,8 @@
           </p:sp>
         </mc:Fallback>
       </mc:AlternateContent>
-      <mc:AlternateContent xmlns:mc="http://schemas.openxmlformats.org/markup-compatibility/2006">
-        <mc:Choice xmlns:a14="http://schemas.microsoft.com/office/drawing/2010/main" Requires="a14">
+      <mc:AlternateContent xmlns:mc="http://schemas.openxmlformats.org/markup-compatibility/2006" xmlns:a14="http://schemas.microsoft.com/office/drawing/2010/main">
+        <mc:Choice Requires="a14">
           <p:sp>
             <p:nvSpPr>
               <p:cNvPr id="22" name="TextBox 21">
@@ -32476,6 +32619,7 @@
               </a:bodyPr>
               <a:lstStyle/>
               <a:p>
+                <a:pPr/>
                 <a14:m>
                   <m:oMathPara xmlns:m="http://schemas.openxmlformats.org/officeDocument/2006/math">
                     <m:oMathParaPr>
@@ -32521,7 +32665,7 @@
             </p:txBody>
           </p:sp>
         </mc:Choice>
-        <mc:Fallback>
+        <mc:Fallback xmlns="">
           <p:sp>
             <p:nvSpPr>
               <p:cNvPr id="22" name="TextBox 21">
@@ -32566,8 +32710,8 @@
           </p:sp>
         </mc:Fallback>
       </mc:AlternateContent>
-      <mc:AlternateContent xmlns:mc="http://schemas.openxmlformats.org/markup-compatibility/2006">
-        <mc:Choice xmlns:a14="http://schemas.microsoft.com/office/drawing/2010/main" Requires="a14">
+      <mc:AlternateContent xmlns:mc="http://schemas.openxmlformats.org/markup-compatibility/2006" xmlns:a14="http://schemas.microsoft.com/office/drawing/2010/main">
+        <mc:Choice Requires="a14">
           <p:sp>
             <p:nvSpPr>
               <p:cNvPr id="23" name="TextBox 22">
@@ -32598,6 +32742,7 @@
               </a:bodyPr>
               <a:lstStyle/>
               <a:p>
+                <a:pPr/>
                 <a14:m>
                   <m:oMathPara xmlns:m="http://schemas.openxmlformats.org/officeDocument/2006/math">
                     <m:oMathParaPr>
@@ -32643,7 +32788,7 @@
             </p:txBody>
           </p:sp>
         </mc:Choice>
-        <mc:Fallback>
+        <mc:Fallback xmlns="">
           <p:sp>
             <p:nvSpPr>
               <p:cNvPr id="23" name="TextBox 22">
@@ -32688,8 +32833,8 @@
           </p:sp>
         </mc:Fallback>
       </mc:AlternateContent>
-      <mc:AlternateContent xmlns:mc="http://schemas.openxmlformats.org/markup-compatibility/2006">
-        <mc:Choice xmlns:a14="http://schemas.microsoft.com/office/drawing/2010/main" Requires="a14">
+      <mc:AlternateContent xmlns:mc="http://schemas.openxmlformats.org/markup-compatibility/2006" xmlns:a14="http://schemas.microsoft.com/office/drawing/2010/main">
+        <mc:Choice Requires="a14">
           <p:sp>
             <p:nvSpPr>
               <p:cNvPr id="24" name="TextBox 23">
@@ -32720,6 +32865,7 @@
               </a:bodyPr>
               <a:lstStyle/>
               <a:p>
+                <a:pPr/>
                 <a14:m>
                   <m:oMathPara xmlns:m="http://schemas.openxmlformats.org/officeDocument/2006/math">
                     <m:oMathParaPr>
@@ -32759,7 +32905,7 @@
             </p:txBody>
           </p:sp>
         </mc:Choice>
-        <mc:Fallback>
+        <mc:Fallback xmlns="">
           <p:sp>
             <p:nvSpPr>
               <p:cNvPr id="24" name="TextBox 23">
@@ -38597,8 +38743,8 @@
           </p:txBody>
         </p:sp>
       </p:grpSp>
-      <mc:AlternateContent xmlns:mc="http://schemas.openxmlformats.org/markup-compatibility/2006">
-        <mc:Choice xmlns:a14="http://schemas.microsoft.com/office/drawing/2010/main" Requires="a14">
+      <mc:AlternateContent xmlns:mc="http://schemas.openxmlformats.org/markup-compatibility/2006" xmlns:a14="http://schemas.microsoft.com/office/drawing/2010/main">
+        <mc:Choice Requires="a14">
           <p:sp>
             <p:nvSpPr>
               <p:cNvPr id="79" name="TextBox 78">
@@ -38707,7 +38853,7 @@
             </p:txBody>
           </p:sp>
         </mc:Choice>
-        <mc:Fallback>
+        <mc:Fallback xmlns="">
           <p:sp>
             <p:nvSpPr>
               <p:cNvPr id="79" name="TextBox 78">
@@ -38964,8 +39110,8 @@
           </a:p>
         </p:txBody>
       </p:sp>
-      <mc:AlternateContent xmlns:mc="http://schemas.openxmlformats.org/markup-compatibility/2006">
-        <mc:Choice xmlns:a14="http://schemas.microsoft.com/office/drawing/2010/main" Requires="a14">
+      <mc:AlternateContent xmlns:mc="http://schemas.openxmlformats.org/markup-compatibility/2006" xmlns:a14="http://schemas.microsoft.com/office/drawing/2010/main">
+        <mc:Choice Requires="a14">
           <p:sp>
             <p:nvSpPr>
               <p:cNvPr id="80" name="TextBox 79">
@@ -39220,7 +39366,7 @@
             </p:txBody>
           </p:sp>
         </mc:Choice>
-        <mc:Fallback>
+        <mc:Fallback xmlns="">
           <p:sp>
             <p:nvSpPr>
               <p:cNvPr id="80" name="TextBox 79">
@@ -39665,8 +39811,8 @@
           </a:p>
         </p:txBody>
       </p:sp>
-      <mc:AlternateContent xmlns:mc="http://schemas.openxmlformats.org/markup-compatibility/2006">
-        <mc:Choice xmlns:a14="http://schemas.microsoft.com/office/drawing/2010/main" Requires="a14">
+      <mc:AlternateContent xmlns:mc="http://schemas.openxmlformats.org/markup-compatibility/2006" xmlns:a14="http://schemas.microsoft.com/office/drawing/2010/main">
+        <mc:Choice Requires="a14">
           <p:sp>
             <p:nvSpPr>
               <p:cNvPr id="47" name="TextBox 46">
@@ -39869,7 +40015,7 @@
             </p:txBody>
           </p:sp>
         </mc:Choice>
-        <mc:Fallback>
+        <mc:Fallback xmlns="">
           <p:sp>
             <p:nvSpPr>
               <p:cNvPr id="47" name="TextBox 46">
@@ -40291,8 +40437,8 @@
             </a:p>
           </p:txBody>
         </p:sp>
-        <mc:AlternateContent xmlns:mc="http://schemas.openxmlformats.org/markup-compatibility/2006">
-          <mc:Choice xmlns:a14="http://schemas.microsoft.com/office/drawing/2010/main" Requires="a14">
+        <mc:AlternateContent xmlns:mc="http://schemas.openxmlformats.org/markup-compatibility/2006" xmlns:a14="http://schemas.microsoft.com/office/drawing/2010/main">
+          <mc:Choice Requires="a14">
             <p:sp>
               <p:nvSpPr>
                 <p:cNvPr id="49" name="TextBox 48">
@@ -40342,7 +40488,7 @@
               </p:txBody>
             </p:sp>
           </mc:Choice>
-          <mc:Fallback>
+          <mc:Fallback xmlns="">
             <p:sp>
               <p:nvSpPr>
                 <p:cNvPr id="49" name="TextBox 48">
@@ -40469,8 +40615,8 @@
               <a:chExt cx="2270684" cy="1510402"/>
             </a:xfrm>
           </p:grpSpPr>
-          <mc:AlternateContent xmlns:mc="http://schemas.openxmlformats.org/markup-compatibility/2006">
-            <mc:Choice xmlns:a14="http://schemas.microsoft.com/office/drawing/2010/main" Requires="a14">
+          <mc:AlternateContent xmlns:mc="http://schemas.openxmlformats.org/markup-compatibility/2006" xmlns:a14="http://schemas.microsoft.com/office/drawing/2010/main">
+            <mc:Choice Requires="a14">
               <p:sp>
                 <p:nvSpPr>
                   <p:cNvPr id="46" name="TextBox 45">
@@ -40523,7 +40669,7 @@
                 </p:txBody>
               </p:sp>
             </mc:Choice>
-            <mc:Fallback>
+            <mc:Fallback xmlns="">
               <p:sp>
                 <p:nvSpPr>
                   <p:cNvPr id="46" name="TextBox 45">
@@ -40886,8 +41032,8 @@
               </a:fontRef>
             </p:style>
           </p:cxnSp>
-          <mc:AlternateContent xmlns:mc="http://schemas.openxmlformats.org/markup-compatibility/2006">
-            <mc:Choice xmlns:a14="http://schemas.microsoft.com/office/drawing/2010/main" Requires="a14">
+          <mc:AlternateContent xmlns:mc="http://schemas.openxmlformats.org/markup-compatibility/2006" xmlns:a14="http://schemas.microsoft.com/office/drawing/2010/main">
+            <mc:Choice Requires="a14">
               <p:sp>
                 <p:nvSpPr>
                   <p:cNvPr id="50" name="TextBox 49">
@@ -40937,7 +41083,7 @@
                 </p:txBody>
               </p:sp>
             </mc:Choice>
-            <mc:Fallback>
+            <mc:Fallback xmlns="">
               <p:sp>
                 <p:nvSpPr>
                   <p:cNvPr id="50" name="TextBox 49">
@@ -41419,8 +41565,8 @@
             </p:txBody>
           </p:sp>
         </p:grpSp>
-        <mc:AlternateContent xmlns:mc="http://schemas.openxmlformats.org/markup-compatibility/2006">
-          <mc:Choice xmlns:a14="http://schemas.microsoft.com/office/drawing/2010/main" Requires="a14">
+        <mc:AlternateContent xmlns:mc="http://schemas.openxmlformats.org/markup-compatibility/2006" xmlns:a14="http://schemas.microsoft.com/office/drawing/2010/main">
+          <mc:Choice Requires="a14">
             <p:sp>
               <p:nvSpPr>
                 <p:cNvPr id="51" name="TextBox 50">
@@ -41470,7 +41616,7 @@
               </p:txBody>
             </p:sp>
           </mc:Choice>
-          <mc:Fallback>
+          <mc:Fallback xmlns="">
             <p:sp>
               <p:nvSpPr>
                 <p:cNvPr id="51" name="TextBox 50">
@@ -41724,8 +41870,8 @@
           </a:p>
         </p:txBody>
       </p:sp>
-      <mc:AlternateContent xmlns:mc="http://schemas.openxmlformats.org/markup-compatibility/2006">
-        <mc:Choice xmlns:a14="http://schemas.microsoft.com/office/drawing/2010/main" Requires="a14">
+      <mc:AlternateContent xmlns:mc="http://schemas.openxmlformats.org/markup-compatibility/2006" xmlns:a14="http://schemas.microsoft.com/office/drawing/2010/main">
+        <mc:Choice Requires="a14">
           <p:sp>
             <p:nvSpPr>
               <p:cNvPr id="63" name="TextBox 62">
@@ -41754,6 +41900,7 @@
               </a:bodyPr>
               <a:lstStyle/>
               <a:p>
+                <a:pPr/>
                 <a14:m>
                   <m:oMathPara xmlns:m="http://schemas.openxmlformats.org/officeDocument/2006/math">
                     <m:oMathParaPr>
@@ -42118,13 +42265,7 @@
                                         <a:rPr lang="en-US" sz="1600" i="1">
                                           <a:latin typeface="Cambria Math" panose="02040503050406030204" pitchFamily="18" charset="0"/>
                                         </a:rPr>
-                                        <m:t>2</m:t>
-                                      </m:r>
-                                      <m:r>
-                                        <a:rPr lang="en-US" sz="1600" i="1">
-                                          <a:latin typeface="Cambria Math" panose="02040503050406030204" pitchFamily="18" charset="0"/>
-                                        </a:rPr>
-                                        <m:t>0</m:t>
+                                        <m:t>20</m:t>
                                       </m:r>
                                     </m:e>
                                   </m:mr>
@@ -42306,13 +42447,7 @@
                                         <a:rPr lang="en-US" sz="1600" i="1">
                                           <a:latin typeface="Cambria Math" panose="02040503050406030204" pitchFamily="18" charset="0"/>
                                         </a:rPr>
-                                        <m:t>4</m:t>
-                                      </m:r>
-                                      <m:r>
-                                        <a:rPr lang="en-US" sz="1600" i="1">
-                                          <a:latin typeface="Cambria Math" panose="02040503050406030204" pitchFamily="18" charset="0"/>
-                                        </a:rPr>
-                                        <m:t>0</m:t>
+                                        <m:t>40</m:t>
                                       </m:r>
                                     </m:e>
                                   </m:mr>
@@ -42394,13 +42529,7 @@
                                         <a:rPr lang="en-US" sz="1600" i="1">
                                           <a:latin typeface="Cambria Math" panose="02040503050406030204" pitchFamily="18" charset="0"/>
                                         </a:rPr>
-                                        <m:t>1</m:t>
-                                      </m:r>
-                                      <m:r>
-                                        <a:rPr lang="en-US" sz="1600" i="1">
-                                          <a:latin typeface="Cambria Math" panose="02040503050406030204" pitchFamily="18" charset="0"/>
-                                        </a:rPr>
-                                        <m:t>0</m:t>
+                                        <m:t>10</m:t>
                                       </m:r>
                                     </m:e>
                                     <m:e>
@@ -42432,13 +42561,7 @@
                                         <a:rPr lang="en-US" sz="1600" i="1">
                                           <a:latin typeface="Cambria Math" panose="02040503050406030204" pitchFamily="18" charset="0"/>
                                         </a:rPr>
-                                        <m:t>2</m:t>
-                                      </m:r>
-                                      <m:r>
-                                        <a:rPr lang="en-US" sz="1600" i="1">
-                                          <a:latin typeface="Cambria Math" panose="02040503050406030204" pitchFamily="18" charset="0"/>
-                                        </a:rPr>
-                                        <m:t>0</m:t>
+                                        <m:t>20</m:t>
                                       </m:r>
                                     </m:e>
                                   </m:mr>
@@ -42600,13 +42723,7 @@
                                         <a:rPr lang="en-US" sz="1600" i="1">
                                           <a:latin typeface="Cambria Math" panose="02040503050406030204" pitchFamily="18" charset="0"/>
                                         </a:rPr>
-                                        <m:t>3</m:t>
-                                      </m:r>
-                                      <m:r>
-                                        <a:rPr lang="en-US" sz="1600" i="1">
-                                          <a:latin typeface="Cambria Math" panose="02040503050406030204" pitchFamily="18" charset="0"/>
-                                        </a:rPr>
-                                        <m:t>0</m:t>
+                                        <m:t>30</m:t>
                                       </m:r>
                                     </m:e>
                                     <m:e>
@@ -42638,13 +42755,7 @@
                                         <a:rPr lang="en-US" sz="1600" i="1">
                                           <a:latin typeface="Cambria Math" panose="02040503050406030204" pitchFamily="18" charset="0"/>
                                         </a:rPr>
-                                        <m:t>4</m:t>
-                                      </m:r>
-                                      <m:r>
-                                        <a:rPr lang="en-US" sz="1600" i="1">
-                                          <a:latin typeface="Cambria Math" panose="02040503050406030204" pitchFamily="18" charset="0"/>
-                                        </a:rPr>
-                                        <m:t>0</m:t>
+                                        <m:t>40</m:t>
                                       </m:r>
                                     </m:e>
                                   </m:mr>
@@ -42662,7 +42773,7 @@
             </p:txBody>
           </p:sp>
         </mc:Choice>
-        <mc:Fallback>
+        <mc:Fallback xmlns="">
           <p:sp>
             <p:nvSpPr>
               <p:cNvPr id="63" name="TextBox 62">
